--- a/prepare/从crud, pattern, ooad到ddd-软件设计启示.pptx
+++ b/prepare/从crud, pattern, ooad到ddd-软件设计启示.pptx
@@ -5,46 +5,52 @@
     <p:sldMasterId id="2147483648" r:id="rId1"/>
   </p:sldMasterIdLst>
   <p:notesMasterIdLst>
-    <p:notesMasterId r:id="rId39"/>
+    <p:notesMasterId r:id="rId45"/>
   </p:notesMasterIdLst>
   <p:sldIdLst>
     <p:sldId id="256" r:id="rId2"/>
     <p:sldId id="269" r:id="rId3"/>
     <p:sldId id="285" r:id="rId4"/>
-    <p:sldId id="257" r:id="rId5"/>
-    <p:sldId id="258" r:id="rId6"/>
-    <p:sldId id="273" r:id="rId7"/>
-    <p:sldId id="263" r:id="rId8"/>
-    <p:sldId id="259" r:id="rId9"/>
-    <p:sldId id="271" r:id="rId10"/>
-    <p:sldId id="264" r:id="rId11"/>
-    <p:sldId id="278" r:id="rId12"/>
-    <p:sldId id="289" r:id="rId13"/>
-    <p:sldId id="260" r:id="rId14"/>
-    <p:sldId id="284" r:id="rId15"/>
-    <p:sldId id="265" r:id="rId16"/>
-    <p:sldId id="274" r:id="rId17"/>
-    <p:sldId id="276" r:id="rId18"/>
-    <p:sldId id="291" r:id="rId19"/>
-    <p:sldId id="261" r:id="rId20"/>
-    <p:sldId id="279" r:id="rId21"/>
-    <p:sldId id="280" r:id="rId22"/>
-    <p:sldId id="281" r:id="rId23"/>
-    <p:sldId id="282" r:id="rId24"/>
-    <p:sldId id="262" r:id="rId25"/>
-    <p:sldId id="277" r:id="rId26"/>
-    <p:sldId id="288" r:id="rId27"/>
-    <p:sldId id="290" r:id="rId28"/>
-    <p:sldId id="286" r:id="rId29"/>
-    <p:sldId id="283" r:id="rId30"/>
-    <p:sldId id="293" r:id="rId31"/>
-    <p:sldId id="294" r:id="rId32"/>
-    <p:sldId id="266" r:id="rId33"/>
-    <p:sldId id="268" r:id="rId34"/>
-    <p:sldId id="270" r:id="rId35"/>
-    <p:sldId id="287" r:id="rId36"/>
-    <p:sldId id="275" r:id="rId37"/>
-    <p:sldId id="272" r:id="rId38"/>
+    <p:sldId id="295" r:id="rId5"/>
+    <p:sldId id="296" r:id="rId6"/>
+    <p:sldId id="257" r:id="rId7"/>
+    <p:sldId id="258" r:id="rId8"/>
+    <p:sldId id="273" r:id="rId9"/>
+    <p:sldId id="263" r:id="rId10"/>
+    <p:sldId id="297" r:id="rId11"/>
+    <p:sldId id="259" r:id="rId12"/>
+    <p:sldId id="271" r:id="rId13"/>
+    <p:sldId id="264" r:id="rId14"/>
+    <p:sldId id="278" r:id="rId15"/>
+    <p:sldId id="289" r:id="rId16"/>
+    <p:sldId id="298" r:id="rId17"/>
+    <p:sldId id="260" r:id="rId18"/>
+    <p:sldId id="284" r:id="rId19"/>
+    <p:sldId id="265" r:id="rId20"/>
+    <p:sldId id="274" r:id="rId21"/>
+    <p:sldId id="276" r:id="rId22"/>
+    <p:sldId id="291" r:id="rId23"/>
+    <p:sldId id="299" r:id="rId24"/>
+    <p:sldId id="261" r:id="rId25"/>
+    <p:sldId id="279" r:id="rId26"/>
+    <p:sldId id="280" r:id="rId27"/>
+    <p:sldId id="281" r:id="rId28"/>
+    <p:sldId id="282" r:id="rId29"/>
+    <p:sldId id="262" r:id="rId30"/>
+    <p:sldId id="277" r:id="rId31"/>
+    <p:sldId id="288" r:id="rId32"/>
+    <p:sldId id="290" r:id="rId33"/>
+    <p:sldId id="300" r:id="rId34"/>
+    <p:sldId id="286" r:id="rId35"/>
+    <p:sldId id="283" r:id="rId36"/>
+    <p:sldId id="293" r:id="rId37"/>
+    <p:sldId id="266" r:id="rId38"/>
+    <p:sldId id="268" r:id="rId39"/>
+    <p:sldId id="301" r:id="rId40"/>
+    <p:sldId id="270" r:id="rId41"/>
+    <p:sldId id="287" r:id="rId42"/>
+    <p:sldId id="275" r:id="rId43"/>
+    <p:sldId id="272" r:id="rId44"/>
   </p:sldIdLst>
   <p:sldSz cx="12192000" cy="6858000"/>
   <p:notesSz cx="6858000" cy="9144000"/>
@@ -233,7 +239,7 @@
           <a:p>
             <a:fld id="{FF62E736-B084-4564-9889-93C7BB0F70F6}" type="datetimeFigureOut">
               <a:rPr lang="zh-CN" altLang="en-US" smtClean="0"/>
-              <a:t>2020/9/25</a:t>
+              <a:t>2020/10/7</a:t>
             </a:fld>
             <a:endParaRPr lang="zh-CN" altLang="en-US"/>
           </a:p>
@@ -548,6 +554,29 @@
               <a:rPr lang="zh-CN" altLang="en-US" dirty="0"/>
               <a:t>开发过程：分析，设计，实现，</a:t>
             </a:r>
+            <a:endParaRPr lang="en-US" altLang="zh-CN" dirty="0"/>
+          </a:p>
+          <a:p>
+            <a:r>
+              <a:rPr lang="zh-CN" altLang="en-US" dirty="0"/>
+              <a:t>理解上很简单的东西，没有难的，实际操作需要经验，比不得</a:t>
+            </a:r>
+            <a:r>
+              <a:rPr lang="en-US" altLang="zh-CN" dirty="0"/>
+              <a:t>XXX</a:t>
+            </a:r>
+            <a:r>
+              <a:rPr lang="zh-CN" altLang="en-US" dirty="0"/>
+              <a:t>原理，</a:t>
+            </a:r>
+            <a:r>
+              <a:rPr lang="en-US" altLang="zh-CN" dirty="0"/>
+              <a:t>OS</a:t>
+            </a:r>
+            <a:r>
+              <a:rPr lang="zh-CN" altLang="en-US" dirty="0"/>
+              <a:t>技术高度和深度，但是</a:t>
+            </a:r>
           </a:p>
         </p:txBody>
       </p:sp>
@@ -633,33 +662,12 @@
           <a:p>
             <a:r>
               <a:rPr lang="en-US" altLang="zh-CN" dirty="0"/>
-              <a:t>Bug</a:t>
-            </a:r>
-            <a:r>
-              <a:rPr lang="zh-CN" altLang="en-US" dirty="0"/>
-              <a:t>来源：</a:t>
-            </a:r>
-            <a:r>
-              <a:rPr lang="en-US" altLang="zh-CN" dirty="0"/>
-              <a:t>70%</a:t>
-            </a:r>
-            <a:r>
-              <a:rPr lang="zh-CN" altLang="en-US" dirty="0"/>
-              <a:t>重复，重复</a:t>
-            </a:r>
-            <a:r>
-              <a:rPr lang="zh-CN" altLang="en-US"/>
-              <a:t>里面大部分都是</a:t>
-            </a:r>
-            <a:r>
-              <a:rPr lang="zh-CN" altLang="en-US" dirty="0"/>
-              <a:t>事务脚本 </a:t>
-            </a:r>
-            <a:r>
-              <a:rPr lang="en-US" altLang="zh-CN" dirty="0"/>
-              <a:t>30%</a:t>
-            </a:r>
-            <a:endParaRPr lang="zh-CN" altLang="en-US" dirty="0"/>
+              <a:t>OOAD</a:t>
+            </a:r>
+            <a:r>
+              <a:rPr lang="zh-CN" altLang="en-US" dirty="0"/>
+              <a:t>书和</a:t>
+            </a:r>
           </a:p>
         </p:txBody>
       </p:sp>
@@ -680,7 +688,7 @@
           <a:p>
             <a:fld id="{81EB798F-FCE7-4FC5-861E-D54DB0B79715}" type="slidenum">
               <a:rPr lang="zh-CN" altLang="en-US" smtClean="0"/>
-              <a:t>26</a:t>
+              <a:t>19</a:t>
             </a:fld>
             <a:endParaRPr lang="zh-CN" altLang="en-US"/>
           </a:p>
@@ -689,7 +697,7 @@
     </p:spTree>
     <p:extLst>
       <p:ext uri="{BB962C8B-B14F-4D97-AF65-F5344CB8AC3E}">
-        <p14:creationId xmlns:p14="http://schemas.microsoft.com/office/powerpoint/2010/main" val="905895057"/>
+        <p14:creationId xmlns:p14="http://schemas.microsoft.com/office/powerpoint/2010/main" val="2222039526"/>
       </p:ext>
     </p:extLst>
   </p:cSld>
@@ -744,6 +752,373 @@
           <a:lstStyle/>
           <a:p>
             <a:r>
+              <a:rPr lang="zh-CN" altLang="en-US" dirty="0"/>
+              <a:t>需要画出</a:t>
+            </a:r>
+            <a:r>
+              <a:rPr lang="en-US" altLang="zh-CN" dirty="0"/>
+              <a:t>UML</a:t>
+            </a:r>
+            <a:r>
+              <a:rPr lang="zh-CN" altLang="en-US" dirty="0"/>
+              <a:t>图</a:t>
+            </a:r>
+            <a:endParaRPr lang="en-US" altLang="zh-CN" dirty="0"/>
+          </a:p>
+          <a:p>
+            <a:r>
+              <a:rPr lang="en-US" altLang="zh-CN" dirty="0" err="1"/>
+              <a:t>Saas</a:t>
+            </a:r>
+            <a:r>
+              <a:rPr lang="zh-CN" altLang="en-US" dirty="0"/>
+              <a:t>交易所缺少</a:t>
+            </a:r>
+            <a:r>
+              <a:rPr lang="en-US" altLang="zh-CN" dirty="0"/>
+              <a:t>Money</a:t>
+            </a:r>
+            <a:r>
+              <a:rPr lang="zh-CN" altLang="en-US" dirty="0"/>
+              <a:t>概念，而用了一个低级抽象</a:t>
+            </a:r>
+            <a:r>
+              <a:rPr lang="en-US" altLang="zh-CN" dirty="0" err="1"/>
+              <a:t>BigDecimal</a:t>
+            </a:r>
+            <a:r>
+              <a:rPr lang="zh-CN" altLang="en-US" dirty="0"/>
+              <a:t>代替了钱！</a:t>
+            </a:r>
+            <a:r>
+              <a:rPr lang="en-US" altLang="zh-CN" dirty="0" err="1"/>
+              <a:t>ScaleUtil</a:t>
+            </a:r>
+            <a:r>
+              <a:rPr lang="zh-CN" altLang="en-US" dirty="0"/>
+              <a:t>处理的精度和显示问题，</a:t>
+            </a:r>
+            <a:endParaRPr lang="en-US" altLang="zh-CN" dirty="0"/>
+          </a:p>
+          <a:p>
+            <a:r>
+              <a:rPr lang="zh-CN" altLang="en-US" dirty="0"/>
+              <a:t>非常多的现实场景却没有对应到合适的代码模型，比如钱，币种币对的模型直接复用数据库模型，并不是实际使用模型，太低级了，</a:t>
+            </a:r>
+            <a:endParaRPr lang="en-US" altLang="zh-CN" dirty="0"/>
+          </a:p>
+          <a:p>
+            <a:r>
+              <a:rPr lang="en-US" altLang="zh-CN" dirty="0"/>
+              <a:t>Set/get</a:t>
+            </a:r>
+            <a:r>
+              <a:rPr lang="zh-CN" altLang="en-US" dirty="0"/>
+              <a:t>代码散落系统中，处理这种逻辑和</a:t>
+            </a:r>
+            <a:r>
+              <a:rPr lang="en-US" altLang="zh-CN" dirty="0"/>
+              <a:t>bug</a:t>
+            </a:r>
+            <a:r>
+              <a:rPr lang="zh-CN" altLang="en-US" dirty="0"/>
+              <a:t>太多次，</a:t>
+            </a:r>
+            <a:endParaRPr lang="en-US" altLang="zh-CN" dirty="0"/>
+          </a:p>
+          <a:p>
+            <a:r>
+              <a:rPr lang="zh-CN" altLang="en-US" dirty="0"/>
+              <a:t>写代码最具创造力的一步，最有趣的一步。</a:t>
+            </a:r>
+          </a:p>
+        </p:txBody>
+      </p:sp>
+      <p:sp>
+        <p:nvSpPr>
+          <p:cNvPr id="4" name="灯片编号占位符 3"/>
+          <p:cNvSpPr>
+            <a:spLocks noGrp="1"/>
+          </p:cNvSpPr>
+          <p:nvPr>
+            <p:ph type="sldNum" sz="quarter" idx="5"/>
+          </p:nvPr>
+        </p:nvSpPr>
+        <p:spPr/>
+        <p:txBody>
+          <a:bodyPr/>
+          <a:lstStyle/>
+          <a:p>
+            <a:fld id="{81EB798F-FCE7-4FC5-861E-D54DB0B79715}" type="slidenum">
+              <a:rPr lang="zh-CN" altLang="en-US" smtClean="0"/>
+              <a:t>20</a:t>
+            </a:fld>
+            <a:endParaRPr lang="zh-CN" altLang="en-US"/>
+          </a:p>
+        </p:txBody>
+      </p:sp>
+    </p:spTree>
+    <p:extLst>
+      <p:ext uri="{BB962C8B-B14F-4D97-AF65-F5344CB8AC3E}">
+        <p14:creationId xmlns:p14="http://schemas.microsoft.com/office/powerpoint/2010/main" val="2605237502"/>
+      </p:ext>
+    </p:extLst>
+  </p:cSld>
+  <p:clrMapOvr>
+    <a:masterClrMapping/>
+  </p:clrMapOvr>
+</p:notes>
+</file>
+
+<file path=ppt/notesSlides/notesSlide12.xml><?xml version="1.0" encoding="utf-8"?>
+<p:notes xmlns:a="http://schemas.openxmlformats.org/drawingml/2006/main" xmlns:r="http://schemas.openxmlformats.org/officeDocument/2006/relationships" xmlns:p="http://schemas.openxmlformats.org/presentationml/2006/main">
+  <p:cSld>
+    <p:spTree>
+      <p:nvGrpSpPr>
+        <p:cNvPr id="1" name=""/>
+        <p:cNvGrpSpPr/>
+        <p:nvPr/>
+      </p:nvGrpSpPr>
+      <p:grpSpPr>
+        <a:xfrm>
+          <a:off x="0" y="0"/>
+          <a:ext cx="0" cy="0"/>
+          <a:chOff x="0" y="0"/>
+          <a:chExt cx="0" cy="0"/>
+        </a:xfrm>
+      </p:grpSpPr>
+      <p:sp>
+        <p:nvSpPr>
+          <p:cNvPr id="2" name="幻灯片图像占位符 1"/>
+          <p:cNvSpPr>
+            <a:spLocks noGrp="1" noRot="1" noChangeAspect="1"/>
+          </p:cNvSpPr>
+          <p:nvPr>
+            <p:ph type="sldImg"/>
+          </p:nvPr>
+        </p:nvSpPr>
+        <p:spPr/>
+      </p:sp>
+      <p:sp>
+        <p:nvSpPr>
+          <p:cNvPr id="3" name="备注占位符 2"/>
+          <p:cNvSpPr>
+            <a:spLocks noGrp="1"/>
+          </p:cNvSpPr>
+          <p:nvPr>
+            <p:ph type="body" idx="1"/>
+          </p:nvPr>
+        </p:nvSpPr>
+        <p:spPr/>
+        <p:txBody>
+          <a:bodyPr/>
+          <a:lstStyle/>
+          <a:p>
+            <a:r>
+              <a:rPr lang="zh-CN" altLang="en-US" dirty="0"/>
+              <a:t>真的是显示吗？显示的话难道不是业务逻辑。</a:t>
+            </a:r>
+          </a:p>
+        </p:txBody>
+      </p:sp>
+      <p:sp>
+        <p:nvSpPr>
+          <p:cNvPr id="4" name="灯片编号占位符 3"/>
+          <p:cNvSpPr>
+            <a:spLocks noGrp="1"/>
+          </p:cNvSpPr>
+          <p:nvPr>
+            <p:ph type="sldNum" sz="quarter" idx="5"/>
+          </p:nvPr>
+        </p:nvSpPr>
+        <p:spPr/>
+        <p:txBody>
+          <a:bodyPr/>
+          <a:lstStyle/>
+          <a:p>
+            <a:fld id="{81EB798F-FCE7-4FC5-861E-D54DB0B79715}" type="slidenum">
+              <a:rPr lang="zh-CN" altLang="en-US" smtClean="0"/>
+              <a:t>30</a:t>
+            </a:fld>
+            <a:endParaRPr lang="zh-CN" altLang="en-US"/>
+          </a:p>
+        </p:txBody>
+      </p:sp>
+    </p:spTree>
+    <p:extLst>
+      <p:ext uri="{BB962C8B-B14F-4D97-AF65-F5344CB8AC3E}">
+        <p14:creationId xmlns:p14="http://schemas.microsoft.com/office/powerpoint/2010/main" val="1971514319"/>
+      </p:ext>
+    </p:extLst>
+  </p:cSld>
+  <p:clrMapOvr>
+    <a:masterClrMapping/>
+  </p:clrMapOvr>
+</p:notes>
+</file>
+
+<file path=ppt/notesSlides/notesSlide13.xml><?xml version="1.0" encoding="utf-8"?>
+<p:notes xmlns:a="http://schemas.openxmlformats.org/drawingml/2006/main" xmlns:r="http://schemas.openxmlformats.org/officeDocument/2006/relationships" xmlns:p="http://schemas.openxmlformats.org/presentationml/2006/main">
+  <p:cSld>
+    <p:spTree>
+      <p:nvGrpSpPr>
+        <p:cNvPr id="1" name=""/>
+        <p:cNvGrpSpPr/>
+        <p:nvPr/>
+      </p:nvGrpSpPr>
+      <p:grpSpPr>
+        <a:xfrm>
+          <a:off x="0" y="0"/>
+          <a:ext cx="0" cy="0"/>
+          <a:chOff x="0" y="0"/>
+          <a:chExt cx="0" cy="0"/>
+        </a:xfrm>
+      </p:grpSpPr>
+      <p:sp>
+        <p:nvSpPr>
+          <p:cNvPr id="2" name="幻灯片图像占位符 1"/>
+          <p:cNvSpPr>
+            <a:spLocks noGrp="1" noRot="1" noChangeAspect="1"/>
+          </p:cNvSpPr>
+          <p:nvPr>
+            <p:ph type="sldImg"/>
+          </p:nvPr>
+        </p:nvSpPr>
+        <p:spPr/>
+      </p:sp>
+      <p:sp>
+        <p:nvSpPr>
+          <p:cNvPr id="3" name="备注占位符 2"/>
+          <p:cNvSpPr>
+            <a:spLocks noGrp="1"/>
+          </p:cNvSpPr>
+          <p:nvPr>
+            <p:ph type="body" idx="1"/>
+          </p:nvPr>
+        </p:nvSpPr>
+        <p:spPr/>
+        <p:txBody>
+          <a:bodyPr/>
+          <a:lstStyle/>
+          <a:p>
+            <a:r>
+              <a:rPr lang="en-US" altLang="zh-CN" dirty="0"/>
+              <a:t>Bug</a:t>
+            </a:r>
+            <a:r>
+              <a:rPr lang="zh-CN" altLang="en-US" dirty="0"/>
+              <a:t>来源：</a:t>
+            </a:r>
+            <a:r>
+              <a:rPr lang="en-US" altLang="zh-CN" dirty="0"/>
+              <a:t>70%</a:t>
+            </a:r>
+            <a:r>
+              <a:rPr lang="zh-CN" altLang="en-US" dirty="0"/>
+              <a:t>重复，重复里面大部分都是事务脚本 </a:t>
+            </a:r>
+            <a:r>
+              <a:rPr lang="en-US" altLang="zh-CN" dirty="0"/>
+              <a:t>30%</a:t>
+            </a:r>
+          </a:p>
+          <a:p>
+            <a:r>
+              <a:rPr lang="zh-CN" altLang="en-US" dirty="0"/>
+              <a:t>币种币对不复杂，但是为什么</a:t>
+            </a:r>
+            <a:r>
+              <a:rPr lang="en-US" altLang="zh-CN" dirty="0"/>
+              <a:t>bug</a:t>
+            </a:r>
+            <a:r>
+              <a:rPr lang="zh-CN" altLang="en-US" dirty="0"/>
+              <a:t>那么多，状态太多了，没有集中管理</a:t>
+            </a:r>
+          </a:p>
+        </p:txBody>
+      </p:sp>
+      <p:sp>
+        <p:nvSpPr>
+          <p:cNvPr id="4" name="灯片编号占位符 3"/>
+          <p:cNvSpPr>
+            <a:spLocks noGrp="1"/>
+          </p:cNvSpPr>
+          <p:nvPr>
+            <p:ph type="sldNum" sz="quarter" idx="5"/>
+          </p:nvPr>
+        </p:nvSpPr>
+        <p:spPr/>
+        <p:txBody>
+          <a:bodyPr/>
+          <a:lstStyle/>
+          <a:p>
+            <a:fld id="{81EB798F-FCE7-4FC5-861E-D54DB0B79715}" type="slidenum">
+              <a:rPr lang="zh-CN" altLang="en-US" smtClean="0"/>
+              <a:t>31</a:t>
+            </a:fld>
+            <a:endParaRPr lang="zh-CN" altLang="en-US"/>
+          </a:p>
+        </p:txBody>
+      </p:sp>
+    </p:spTree>
+    <p:extLst>
+      <p:ext uri="{BB962C8B-B14F-4D97-AF65-F5344CB8AC3E}">
+        <p14:creationId xmlns:p14="http://schemas.microsoft.com/office/powerpoint/2010/main" val="905895057"/>
+      </p:ext>
+    </p:extLst>
+  </p:cSld>
+  <p:clrMapOvr>
+    <a:masterClrMapping/>
+  </p:clrMapOvr>
+</p:notes>
+</file>
+
+<file path=ppt/notesSlides/notesSlide14.xml><?xml version="1.0" encoding="utf-8"?>
+<p:notes xmlns:a="http://schemas.openxmlformats.org/drawingml/2006/main" xmlns:r="http://schemas.openxmlformats.org/officeDocument/2006/relationships" xmlns:p="http://schemas.openxmlformats.org/presentationml/2006/main">
+  <p:cSld>
+    <p:spTree>
+      <p:nvGrpSpPr>
+        <p:cNvPr id="1" name=""/>
+        <p:cNvGrpSpPr/>
+        <p:nvPr/>
+      </p:nvGrpSpPr>
+      <p:grpSpPr>
+        <a:xfrm>
+          <a:off x="0" y="0"/>
+          <a:ext cx="0" cy="0"/>
+          <a:chOff x="0" y="0"/>
+          <a:chExt cx="0" cy="0"/>
+        </a:xfrm>
+      </p:grpSpPr>
+      <p:sp>
+        <p:nvSpPr>
+          <p:cNvPr id="2" name="幻灯片图像占位符 1"/>
+          <p:cNvSpPr>
+            <a:spLocks noGrp="1" noRot="1" noChangeAspect="1"/>
+          </p:cNvSpPr>
+          <p:nvPr>
+            <p:ph type="sldImg"/>
+          </p:nvPr>
+        </p:nvSpPr>
+        <p:spPr/>
+      </p:sp>
+      <p:sp>
+        <p:nvSpPr>
+          <p:cNvPr id="3" name="备注占位符 2"/>
+          <p:cNvSpPr>
+            <a:spLocks noGrp="1"/>
+          </p:cNvSpPr>
+          <p:nvPr>
+            <p:ph type="body" idx="1"/>
+          </p:nvPr>
+        </p:nvSpPr>
+        <p:spPr/>
+        <p:txBody>
+          <a:bodyPr/>
+          <a:lstStyle/>
+          <a:p>
+            <a:r>
               <a:rPr lang="en-US" altLang="zh-CN">
                 <a:hlinkClick r:id="rId3"/>
               </a:rPr>
@@ -770,7 +1145,7 @@
           <a:p>
             <a:fld id="{81EB798F-FCE7-4FC5-861E-D54DB0B79715}" type="slidenum">
               <a:rPr lang="zh-CN" altLang="en-US" smtClean="0"/>
-              <a:t>29</a:t>
+              <a:t>35</a:t>
             </a:fld>
             <a:endParaRPr lang="zh-CN" altLang="en-US"/>
           </a:p>
@@ -841,9 +1216,15 @@
           </a:p>
           <a:p>
             <a:r>
-              <a:rPr lang="zh-CN" altLang="en-US" dirty="0"/>
-              <a:t>禅师：别多写，</a:t>
-            </a:r>
+              <a:rPr lang="en-US" altLang="zh-CN">
+                <a:hlinkClick r:id="rId3"/>
+              </a:rPr>
+              <a:t>http://www.cssn.cn/zx/bwyc/201809/t20180925_4568724.shtml</a:t>
+            </a:r>
+            <a:endParaRPr lang="en-US" altLang="zh-CN" dirty="0"/>
+          </a:p>
+          <a:p>
+            <a:endParaRPr lang="zh-CN" altLang="en-US" dirty="0"/>
           </a:p>
         </p:txBody>
       </p:sp>
@@ -928,337 +1309,13 @@
           <a:lstStyle/>
           <a:p>
             <a:r>
-              <a:rPr lang="zh-CN" altLang="en-US" dirty="0"/>
-              <a:t>软件设计哲学那本书为主要内存。</a:t>
-            </a:r>
-            <a:endParaRPr lang="en-US" altLang="zh-CN" dirty="0"/>
-          </a:p>
-          <a:p>
-            <a:endParaRPr lang="en-US" altLang="zh-CN" dirty="0"/>
-          </a:p>
-          <a:p>
-            <a:r>
-              <a:rPr lang="en-US" altLang="zh-CN" dirty="0" err="1"/>
-              <a:t>ThreadFactoryUtil</a:t>
-            </a:r>
-            <a:r>
-              <a:rPr lang="zh-CN" altLang="en-US" dirty="0"/>
-              <a:t>：</a:t>
-            </a:r>
-            <a:endParaRPr lang="en-US" altLang="zh-CN" dirty="0"/>
-          </a:p>
-          <a:p>
-            <a:r>
-              <a:rPr lang="en-US" altLang="zh-CN" dirty="0" err="1"/>
-              <a:t>FixedThreadBoundedQueueFactoryUtil</a:t>
-            </a:r>
-            <a:r>
-              <a:rPr lang="en-US" altLang="zh-CN" dirty="0" err="1">
-                <a:solidFill>
-                  <a:srgbClr val="FF0000"/>
-                </a:solidFill>
-              </a:rPr>
-              <a:t>s</a:t>
-            </a:r>
-            <a:r>
-              <a:rPr lang="zh-CN" altLang="en-US" dirty="0">
-                <a:solidFill>
-                  <a:srgbClr val="FF0000"/>
-                </a:solidFill>
-              </a:rPr>
-              <a:t>：固定线程？</a:t>
-            </a:r>
-            <a:endParaRPr lang="en-US" altLang="zh-CN" dirty="0">
-              <a:solidFill>
-                <a:srgbClr val="FF0000"/>
-              </a:solidFill>
-            </a:endParaRPr>
-          </a:p>
-          <a:p>
-            <a:endParaRPr lang="en-US" altLang="zh-CN" dirty="0">
-              <a:solidFill>
-                <a:srgbClr val="FF0000"/>
-              </a:solidFill>
-            </a:endParaRPr>
-          </a:p>
-          <a:p>
-            <a:pPr marL="0" marR="0" lvl="0" indent="0" algn="l" defTabSz="914400" rtl="0" eaLnBrk="1" fontAlgn="auto" latinLnBrk="0" hangingPunct="1">
-              <a:lnSpc>
-                <a:spcPct val="100000"/>
-              </a:lnSpc>
-              <a:spcBef>
-                <a:spcPts val="0"/>
-              </a:spcBef>
-              <a:spcAft>
-                <a:spcPts val="0"/>
-              </a:spcAft>
-              <a:buClrTx/>
-              <a:buSzTx/>
-              <a:buFontTx/>
-              <a:buNone/>
-              <a:tabLst/>
-              <a:defRPr/>
-            </a:pPr>
-            <a:r>
-              <a:rPr lang="en-US" altLang="zh-CN" dirty="0"/>
-              <a:t>CRUD</a:t>
-            </a:r>
-            <a:r>
-              <a:rPr lang="zh-CN" altLang="en-US" dirty="0"/>
-              <a:t>的三层境界</a:t>
-            </a:r>
-            <a:endParaRPr lang="en-US" altLang="zh-CN" dirty="0"/>
-          </a:p>
-          <a:p>
-            <a:pPr marL="0" marR="0" lvl="0" indent="0" algn="l" defTabSz="914400" rtl="0" eaLnBrk="1" fontAlgn="auto" latinLnBrk="0" hangingPunct="1">
-              <a:lnSpc>
-                <a:spcPct val="100000"/>
-              </a:lnSpc>
-              <a:spcBef>
-                <a:spcPts val="0"/>
-              </a:spcBef>
-              <a:spcAft>
-                <a:spcPts val="0"/>
-              </a:spcAft>
-              <a:buClrTx/>
-              <a:buSzTx/>
-              <a:buFontTx/>
-              <a:buNone/>
-              <a:tabLst/>
-              <a:defRPr/>
-            </a:pPr>
-            <a:r>
-              <a:rPr lang="zh-CN" altLang="en-US" dirty="0">
-                <a:solidFill>
-                  <a:srgbClr val="FF0000"/>
-                </a:solidFill>
-              </a:rPr>
-              <a:t>用</a:t>
-            </a:r>
-            <a:r>
-              <a:rPr lang="en-US" altLang="zh-CN" dirty="0">
-                <a:solidFill>
-                  <a:srgbClr val="FF0000"/>
-                </a:solidFill>
-              </a:rPr>
-              <a:t>CRUD</a:t>
-            </a:r>
-            <a:r>
-              <a:rPr lang="zh-CN" altLang="en-US" dirty="0">
-                <a:solidFill>
-                  <a:srgbClr val="FF0000"/>
-                </a:solidFill>
-              </a:rPr>
-              <a:t>学习技术</a:t>
-            </a:r>
-            <a:endParaRPr lang="en-US" altLang="zh-CN" dirty="0"/>
-          </a:p>
-          <a:p>
-            <a:pPr marL="0" marR="0" lvl="0" indent="0" algn="l" defTabSz="914400" rtl="0" eaLnBrk="1" fontAlgn="auto" latinLnBrk="0" hangingPunct="1">
-              <a:lnSpc>
-                <a:spcPct val="100000"/>
-              </a:lnSpc>
-              <a:spcBef>
-                <a:spcPts val="0"/>
-              </a:spcBef>
-              <a:spcAft>
-                <a:spcPts val="0"/>
-              </a:spcAft>
-              <a:buClrTx/>
-              <a:buSzTx/>
-              <a:buFontTx/>
-              <a:buNone/>
-              <a:tabLst/>
-              <a:defRPr/>
-            </a:pPr>
-            <a:r>
-              <a:rPr lang="zh-CN" altLang="en-US" dirty="0">
-                <a:solidFill>
-                  <a:srgbClr val="FF0000"/>
-                </a:solidFill>
-              </a:rPr>
-              <a:t>用</a:t>
-            </a:r>
-            <a:r>
-              <a:rPr lang="en-US" altLang="zh-CN" dirty="0">
-                <a:solidFill>
-                  <a:srgbClr val="FF0000"/>
-                </a:solidFill>
-              </a:rPr>
-              <a:t>CRUD</a:t>
-            </a:r>
-            <a:r>
-              <a:rPr lang="zh-CN" altLang="en-US" dirty="0">
-                <a:solidFill>
-                  <a:srgbClr val="FF0000"/>
-                </a:solidFill>
-              </a:rPr>
-              <a:t>完成任务</a:t>
-            </a:r>
-            <a:endParaRPr lang="en-US" altLang="zh-CN" dirty="0"/>
-          </a:p>
-          <a:p>
-            <a:pPr marL="0" marR="0" lvl="0" indent="0" algn="l" defTabSz="914400" rtl="0" eaLnBrk="1" fontAlgn="auto" latinLnBrk="0" hangingPunct="1">
-              <a:lnSpc>
-                <a:spcPct val="100000"/>
-              </a:lnSpc>
-              <a:spcBef>
-                <a:spcPts val="0"/>
-              </a:spcBef>
-              <a:spcAft>
-                <a:spcPts val="0"/>
-              </a:spcAft>
-              <a:buClrTx/>
-              <a:buSzTx/>
-              <a:buFontTx/>
-              <a:buNone/>
-              <a:tabLst/>
-              <a:defRPr/>
-            </a:pPr>
-            <a:r>
-              <a:rPr lang="zh-CN" altLang="en-US" dirty="0">
-                <a:solidFill>
-                  <a:srgbClr val="FF0000"/>
-                </a:solidFill>
-              </a:rPr>
-              <a:t>用</a:t>
-            </a:r>
-            <a:r>
-              <a:rPr lang="en-US" altLang="zh-CN" dirty="0">
-                <a:solidFill>
-                  <a:srgbClr val="FF0000"/>
-                </a:solidFill>
-              </a:rPr>
-              <a:t>CRUD</a:t>
-            </a:r>
-            <a:r>
-              <a:rPr lang="zh-CN" altLang="en-US" dirty="0">
-                <a:solidFill>
-                  <a:srgbClr val="FF0000"/>
-                </a:solidFill>
-              </a:rPr>
-              <a:t>编程</a:t>
-            </a:r>
-            <a:endParaRPr lang="en-US" altLang="zh-CN" dirty="0">
-              <a:solidFill>
-                <a:srgbClr val="FF0000"/>
-              </a:solidFill>
-            </a:endParaRPr>
-          </a:p>
-          <a:p>
-            <a:pPr marL="0" marR="0" lvl="0" indent="0" algn="l" defTabSz="914400" rtl="0" eaLnBrk="1" fontAlgn="auto" latinLnBrk="0" hangingPunct="1">
-              <a:lnSpc>
-                <a:spcPct val="100000"/>
-              </a:lnSpc>
-              <a:spcBef>
-                <a:spcPts val="0"/>
-              </a:spcBef>
-              <a:spcAft>
-                <a:spcPts val="0"/>
-              </a:spcAft>
-              <a:buClrTx/>
-              <a:buSzTx/>
-              <a:buFontTx/>
-              <a:buNone/>
-              <a:tabLst/>
-              <a:defRPr/>
-            </a:pPr>
-            <a:endParaRPr lang="en-US" altLang="zh-CN" dirty="0">
-              <a:solidFill>
-                <a:srgbClr val="FF0000"/>
-              </a:solidFill>
-            </a:endParaRPr>
-          </a:p>
-          <a:p>
-            <a:pPr marL="0" marR="0" lvl="0" indent="0" algn="l" defTabSz="914400" rtl="0" eaLnBrk="1" fontAlgn="auto" latinLnBrk="0" hangingPunct="1">
-              <a:lnSpc>
-                <a:spcPct val="100000"/>
-              </a:lnSpc>
-              <a:spcBef>
-                <a:spcPts val="0"/>
-              </a:spcBef>
-              <a:spcAft>
-                <a:spcPts val="0"/>
-              </a:spcAft>
-              <a:buClrTx/>
-              <a:buSzTx/>
-              <a:buFontTx/>
-              <a:buNone/>
-              <a:tabLst/>
-              <a:defRPr/>
-            </a:pPr>
-            <a:r>
-              <a:rPr lang="en-US" altLang="zh-CN" dirty="0">
-                <a:hlinkClick r:id="rId3"/>
-              </a:rPr>
-              <a:t>https://unbug.github.io/codelf</a:t>
-            </a:r>
-            <a:endParaRPr lang="en-US" altLang="zh-CN" dirty="0">
-              <a:solidFill>
-                <a:srgbClr val="FF0000"/>
-              </a:solidFill>
-            </a:endParaRPr>
-          </a:p>
-          <a:p>
-            <a:pPr marL="0" marR="0" lvl="0" indent="0" algn="l" defTabSz="914400" rtl="0" eaLnBrk="1" fontAlgn="auto" latinLnBrk="0" hangingPunct="1">
-              <a:lnSpc>
-                <a:spcPct val="100000"/>
-              </a:lnSpc>
-              <a:spcBef>
-                <a:spcPts val="0"/>
-              </a:spcBef>
-              <a:spcAft>
-                <a:spcPts val="0"/>
-              </a:spcAft>
-              <a:buClrTx/>
-              <a:buSzTx/>
-              <a:buFontTx/>
-              <a:buNone/>
-              <a:tabLst/>
-              <a:defRPr/>
-            </a:pPr>
-            <a:endParaRPr lang="en-US" altLang="zh-CN" dirty="0">
-              <a:solidFill>
-                <a:srgbClr val="FF0000"/>
-              </a:solidFill>
-            </a:endParaRPr>
-          </a:p>
-          <a:p>
-            <a:pPr marL="0" marR="0" lvl="0" indent="0" algn="l" defTabSz="914400" rtl="0" eaLnBrk="1" fontAlgn="auto" latinLnBrk="0" hangingPunct="1">
-              <a:lnSpc>
-                <a:spcPct val="100000"/>
-              </a:lnSpc>
-              <a:spcBef>
-                <a:spcPts val="0"/>
-              </a:spcBef>
-              <a:spcAft>
-                <a:spcPts val="0"/>
-              </a:spcAft>
-              <a:buClrTx/>
-              <a:buSzTx/>
-              <a:buFontTx/>
-              <a:buNone/>
-              <a:tabLst/>
-              <a:defRPr/>
-            </a:pPr>
-            <a:r>
-              <a:rPr lang="en-US" altLang="zh-CN">
-                <a:hlinkClick r:id="rId4"/>
-              </a:rPr>
-              <a:t>https://searchcode.com/</a:t>
-            </a:r>
-            <a:endParaRPr lang="en-US" altLang="zh-CN" dirty="0">
-              <a:solidFill>
-                <a:srgbClr val="FF0000"/>
-              </a:solidFill>
-            </a:endParaRPr>
-          </a:p>
-          <a:p>
-            <a:endParaRPr lang="en-US" altLang="zh-CN" dirty="0">
-              <a:solidFill>
-                <a:srgbClr val="FF0000"/>
-              </a:solidFill>
-            </a:endParaRPr>
+              <a:rPr lang="en-US" altLang="zh-CN" dirty="0"/>
+              <a:t>Java</a:t>
+            </a:r>
+            <a:r>
+              <a:rPr lang="zh-CN" altLang="en-US" dirty="0"/>
+              <a:t>社区的演进</a:t>
+            </a:r>
           </a:p>
         </p:txBody>
       </p:sp>
@@ -1279,7 +1336,7 @@
           <a:p>
             <a:fld id="{81EB798F-FCE7-4FC5-861E-D54DB0B79715}" type="slidenum">
               <a:rPr lang="zh-CN" altLang="en-US" smtClean="0"/>
-              <a:t>5</a:t>
+              <a:t>6</a:t>
             </a:fld>
             <a:endParaRPr lang="zh-CN" altLang="en-US"/>
           </a:p>
@@ -1288,7 +1345,7 @@
     </p:spTree>
     <p:extLst>
       <p:ext uri="{BB962C8B-B14F-4D97-AF65-F5344CB8AC3E}">
-        <p14:creationId xmlns:p14="http://schemas.microsoft.com/office/powerpoint/2010/main" val="3544903145"/>
+        <p14:creationId xmlns:p14="http://schemas.microsoft.com/office/powerpoint/2010/main" val="747104781"/>
       </p:ext>
     </p:extLst>
   </p:cSld>
@@ -1342,7 +1399,338 @@
           <a:bodyPr/>
           <a:lstStyle/>
           <a:p>
-            <a:endParaRPr lang="zh-CN" altLang="en-US" dirty="0"/>
+            <a:r>
+              <a:rPr lang="zh-CN" altLang="en-US" dirty="0"/>
+              <a:t>软件设计哲学那本书为主要内存。</a:t>
+            </a:r>
+            <a:endParaRPr lang="en-US" altLang="zh-CN" dirty="0"/>
+          </a:p>
+          <a:p>
+            <a:endParaRPr lang="en-US" altLang="zh-CN" dirty="0"/>
+          </a:p>
+          <a:p>
+            <a:r>
+              <a:rPr lang="en-US" altLang="zh-CN" dirty="0" err="1"/>
+              <a:t>ThreadFactoryUtil</a:t>
+            </a:r>
+            <a:r>
+              <a:rPr lang="zh-CN" altLang="en-US" dirty="0"/>
+              <a:t>：</a:t>
+            </a:r>
+            <a:endParaRPr lang="en-US" altLang="zh-CN" dirty="0"/>
+          </a:p>
+          <a:p>
+            <a:r>
+              <a:rPr lang="en-US" altLang="zh-CN" dirty="0" err="1"/>
+              <a:t>FixedThreadBoundedQueueFactoryUtil</a:t>
+            </a:r>
+            <a:r>
+              <a:rPr lang="en-US" altLang="zh-CN" dirty="0" err="1">
+                <a:solidFill>
+                  <a:srgbClr val="FF0000"/>
+                </a:solidFill>
+              </a:rPr>
+              <a:t>s</a:t>
+            </a:r>
+            <a:r>
+              <a:rPr lang="zh-CN" altLang="en-US" dirty="0">
+                <a:solidFill>
+                  <a:srgbClr val="FF0000"/>
+                </a:solidFill>
+              </a:rPr>
+              <a:t>：固定线程？</a:t>
+            </a:r>
+            <a:endParaRPr lang="en-US" altLang="zh-CN" dirty="0">
+              <a:solidFill>
+                <a:srgbClr val="FF0000"/>
+              </a:solidFill>
+            </a:endParaRPr>
+          </a:p>
+          <a:p>
+            <a:endParaRPr lang="en-US" altLang="zh-CN" dirty="0">
+              <a:solidFill>
+                <a:srgbClr val="FF0000"/>
+              </a:solidFill>
+            </a:endParaRPr>
+          </a:p>
+          <a:p>
+            <a:pPr marL="0" marR="0" lvl="0" indent="0" algn="l" defTabSz="914400" rtl="0" eaLnBrk="1" fontAlgn="auto" latinLnBrk="0" hangingPunct="1">
+              <a:lnSpc>
+                <a:spcPct val="100000"/>
+              </a:lnSpc>
+              <a:spcBef>
+                <a:spcPts val="0"/>
+              </a:spcBef>
+              <a:spcAft>
+                <a:spcPts val="0"/>
+              </a:spcAft>
+              <a:buClrTx/>
+              <a:buSzTx/>
+              <a:buFontTx/>
+              <a:buNone/>
+              <a:tabLst/>
+              <a:defRPr/>
+            </a:pPr>
+            <a:r>
+              <a:rPr lang="en-US" altLang="zh-CN" dirty="0"/>
+              <a:t>CRUD</a:t>
+            </a:r>
+            <a:r>
+              <a:rPr lang="zh-CN" altLang="en-US" dirty="0"/>
+              <a:t>的三层境界</a:t>
+            </a:r>
+            <a:endParaRPr lang="en-US" altLang="zh-CN" dirty="0"/>
+          </a:p>
+          <a:p>
+            <a:pPr marL="0" marR="0" lvl="0" indent="0" algn="l" defTabSz="914400" rtl="0" eaLnBrk="1" fontAlgn="auto" latinLnBrk="0" hangingPunct="1">
+              <a:lnSpc>
+                <a:spcPct val="100000"/>
+              </a:lnSpc>
+              <a:spcBef>
+                <a:spcPts val="0"/>
+              </a:spcBef>
+              <a:spcAft>
+                <a:spcPts val="0"/>
+              </a:spcAft>
+              <a:buClrTx/>
+              <a:buSzTx/>
+              <a:buFontTx/>
+              <a:buNone/>
+              <a:tabLst/>
+              <a:defRPr/>
+            </a:pPr>
+            <a:r>
+              <a:rPr lang="zh-CN" altLang="en-US" dirty="0">
+                <a:solidFill>
+                  <a:srgbClr val="FF0000"/>
+                </a:solidFill>
+              </a:rPr>
+              <a:t>用</a:t>
+            </a:r>
+            <a:r>
+              <a:rPr lang="en-US" altLang="zh-CN" dirty="0">
+                <a:solidFill>
+                  <a:srgbClr val="FF0000"/>
+                </a:solidFill>
+              </a:rPr>
+              <a:t>CRUD</a:t>
+            </a:r>
+            <a:r>
+              <a:rPr lang="zh-CN" altLang="en-US" dirty="0">
+                <a:solidFill>
+                  <a:srgbClr val="FF0000"/>
+                </a:solidFill>
+              </a:rPr>
+              <a:t>学习技术</a:t>
+            </a:r>
+            <a:endParaRPr lang="en-US" altLang="zh-CN" dirty="0"/>
+          </a:p>
+          <a:p>
+            <a:pPr marL="0" marR="0" lvl="0" indent="0" algn="l" defTabSz="914400" rtl="0" eaLnBrk="1" fontAlgn="auto" latinLnBrk="0" hangingPunct="1">
+              <a:lnSpc>
+                <a:spcPct val="100000"/>
+              </a:lnSpc>
+              <a:spcBef>
+                <a:spcPts val="0"/>
+              </a:spcBef>
+              <a:spcAft>
+                <a:spcPts val="0"/>
+              </a:spcAft>
+              <a:buClrTx/>
+              <a:buSzTx/>
+              <a:buFontTx/>
+              <a:buNone/>
+              <a:tabLst/>
+              <a:defRPr/>
+            </a:pPr>
+            <a:r>
+              <a:rPr lang="zh-CN" altLang="en-US" dirty="0">
+                <a:solidFill>
+                  <a:srgbClr val="FF0000"/>
+                </a:solidFill>
+              </a:rPr>
+              <a:t>用</a:t>
+            </a:r>
+            <a:r>
+              <a:rPr lang="en-US" altLang="zh-CN" dirty="0">
+                <a:solidFill>
+                  <a:srgbClr val="FF0000"/>
+                </a:solidFill>
+              </a:rPr>
+              <a:t>CRUD</a:t>
+            </a:r>
+            <a:r>
+              <a:rPr lang="zh-CN" altLang="en-US" dirty="0">
+                <a:solidFill>
+                  <a:srgbClr val="FF0000"/>
+                </a:solidFill>
+              </a:rPr>
+              <a:t>完成任务</a:t>
+            </a:r>
+            <a:endParaRPr lang="en-US" altLang="zh-CN" dirty="0"/>
+          </a:p>
+          <a:p>
+            <a:pPr marL="0" marR="0" lvl="0" indent="0" algn="l" defTabSz="914400" rtl="0" eaLnBrk="1" fontAlgn="auto" latinLnBrk="0" hangingPunct="1">
+              <a:lnSpc>
+                <a:spcPct val="100000"/>
+              </a:lnSpc>
+              <a:spcBef>
+                <a:spcPts val="0"/>
+              </a:spcBef>
+              <a:spcAft>
+                <a:spcPts val="0"/>
+              </a:spcAft>
+              <a:buClrTx/>
+              <a:buSzTx/>
+              <a:buFontTx/>
+              <a:buNone/>
+              <a:tabLst/>
+              <a:defRPr/>
+            </a:pPr>
+            <a:r>
+              <a:rPr lang="zh-CN" altLang="en-US" dirty="0">
+                <a:solidFill>
+                  <a:srgbClr val="FF0000"/>
+                </a:solidFill>
+              </a:rPr>
+              <a:t>用</a:t>
+            </a:r>
+            <a:r>
+              <a:rPr lang="en-US" altLang="zh-CN" dirty="0">
+                <a:solidFill>
+                  <a:srgbClr val="FF0000"/>
+                </a:solidFill>
+              </a:rPr>
+              <a:t>CRUD</a:t>
+            </a:r>
+            <a:r>
+              <a:rPr lang="zh-CN" altLang="en-US" dirty="0">
+                <a:solidFill>
+                  <a:srgbClr val="FF0000"/>
+                </a:solidFill>
+              </a:rPr>
+              <a:t>编程</a:t>
+            </a:r>
+            <a:endParaRPr lang="en-US" altLang="zh-CN" dirty="0">
+              <a:solidFill>
+                <a:srgbClr val="FF0000"/>
+              </a:solidFill>
+            </a:endParaRPr>
+          </a:p>
+          <a:p>
+            <a:pPr marL="0" marR="0" lvl="0" indent="0" algn="l" defTabSz="914400" rtl="0" eaLnBrk="1" fontAlgn="auto" latinLnBrk="0" hangingPunct="1">
+              <a:lnSpc>
+                <a:spcPct val="100000"/>
+              </a:lnSpc>
+              <a:spcBef>
+                <a:spcPts val="0"/>
+              </a:spcBef>
+              <a:spcAft>
+                <a:spcPts val="0"/>
+              </a:spcAft>
+              <a:buClrTx/>
+              <a:buSzTx/>
+              <a:buFontTx/>
+              <a:buNone/>
+              <a:tabLst/>
+              <a:defRPr/>
+            </a:pPr>
+            <a:endParaRPr lang="en-US" altLang="zh-CN" dirty="0">
+              <a:solidFill>
+                <a:srgbClr val="FF0000"/>
+              </a:solidFill>
+            </a:endParaRPr>
+          </a:p>
+          <a:p>
+            <a:pPr marL="0" marR="0" lvl="0" indent="0" algn="l" defTabSz="914400" rtl="0" eaLnBrk="1" fontAlgn="auto" latinLnBrk="0" hangingPunct="1">
+              <a:lnSpc>
+                <a:spcPct val="100000"/>
+              </a:lnSpc>
+              <a:spcBef>
+                <a:spcPts val="0"/>
+              </a:spcBef>
+              <a:spcAft>
+                <a:spcPts val="0"/>
+              </a:spcAft>
+              <a:buClrTx/>
+              <a:buSzTx/>
+              <a:buFontTx/>
+              <a:buNone/>
+              <a:tabLst/>
+              <a:defRPr/>
+            </a:pPr>
+            <a:r>
+              <a:rPr lang="en-US" altLang="zh-CN" dirty="0">
+                <a:hlinkClick r:id="rId3"/>
+              </a:rPr>
+              <a:t>https://unbug.github.io/codelf</a:t>
+            </a:r>
+            <a:endParaRPr lang="en-US" altLang="zh-CN" dirty="0">
+              <a:solidFill>
+                <a:srgbClr val="FF0000"/>
+              </a:solidFill>
+            </a:endParaRPr>
+          </a:p>
+          <a:p>
+            <a:pPr marL="0" marR="0" lvl="0" indent="0" algn="l" defTabSz="914400" rtl="0" eaLnBrk="1" fontAlgn="auto" latinLnBrk="0" hangingPunct="1">
+              <a:lnSpc>
+                <a:spcPct val="100000"/>
+              </a:lnSpc>
+              <a:spcBef>
+                <a:spcPts val="0"/>
+              </a:spcBef>
+              <a:spcAft>
+                <a:spcPts val="0"/>
+              </a:spcAft>
+              <a:buClrTx/>
+              <a:buSzTx/>
+              <a:buFontTx/>
+              <a:buNone/>
+              <a:tabLst/>
+              <a:defRPr/>
+            </a:pPr>
+            <a:endParaRPr lang="en-US" altLang="zh-CN" dirty="0">
+              <a:solidFill>
+                <a:srgbClr val="FF0000"/>
+              </a:solidFill>
+            </a:endParaRPr>
+          </a:p>
+          <a:p>
+            <a:pPr marL="0" marR="0" lvl="0" indent="0" algn="l" defTabSz="914400" rtl="0" eaLnBrk="1" fontAlgn="auto" latinLnBrk="0" hangingPunct="1">
+              <a:lnSpc>
+                <a:spcPct val="100000"/>
+              </a:lnSpc>
+              <a:spcBef>
+                <a:spcPts val="0"/>
+              </a:spcBef>
+              <a:spcAft>
+                <a:spcPts val="0"/>
+              </a:spcAft>
+              <a:buClrTx/>
+              <a:buSzTx/>
+              <a:buFontTx/>
+              <a:buNone/>
+              <a:tabLst/>
+              <a:defRPr/>
+            </a:pPr>
+            <a:r>
+              <a:rPr lang="en-US" altLang="zh-CN" dirty="0">
+                <a:hlinkClick r:id="rId4"/>
+              </a:rPr>
+              <a:t>https://searchcode.com/</a:t>
+            </a:r>
+            <a:endParaRPr lang="en-US" altLang="zh-CN" dirty="0">
+              <a:solidFill>
+                <a:srgbClr val="FF0000"/>
+              </a:solidFill>
+            </a:endParaRPr>
+          </a:p>
+          <a:p>
+            <a:endParaRPr lang="en-US" altLang="zh-CN" dirty="0">
+              <a:solidFill>
+                <a:srgbClr val="FF0000"/>
+              </a:solidFill>
+            </a:endParaRPr>
           </a:p>
         </p:txBody>
       </p:sp>
@@ -1363,7 +1751,7 @@
           <a:p>
             <a:fld id="{81EB798F-FCE7-4FC5-861E-D54DB0B79715}" type="slidenum">
               <a:rPr lang="zh-CN" altLang="en-US" smtClean="0"/>
-              <a:t>6</a:t>
+              <a:t>7</a:t>
             </a:fld>
             <a:endParaRPr lang="zh-CN" altLang="en-US"/>
           </a:p>
@@ -1372,7 +1760,7 @@
     </p:spTree>
     <p:extLst>
       <p:ext uri="{BB962C8B-B14F-4D97-AF65-F5344CB8AC3E}">
-        <p14:creationId xmlns:p14="http://schemas.microsoft.com/office/powerpoint/2010/main" val="3870238928"/>
+        <p14:creationId xmlns:p14="http://schemas.microsoft.com/office/powerpoint/2010/main" val="3544903145"/>
       </p:ext>
     </p:extLst>
   </p:cSld>
@@ -1426,14 +1814,7 @@
           <a:bodyPr/>
           <a:lstStyle/>
           <a:p>
-            <a:r>
-              <a:rPr lang="en-US" altLang="zh-CN" dirty="0"/>
-              <a:t>Spring</a:t>
-            </a:r>
-            <a:r>
-              <a:rPr lang="zh-CN" altLang="en-US" dirty="0"/>
-              <a:t>最大的弊处在于帮你创建对象。也是最大的益处。</a:t>
-            </a:r>
+            <a:endParaRPr lang="zh-CN" altLang="en-US" dirty="0"/>
           </a:p>
         </p:txBody>
       </p:sp>
@@ -1454,7 +1835,7 @@
           <a:p>
             <a:fld id="{81EB798F-FCE7-4FC5-861E-D54DB0B79715}" type="slidenum">
               <a:rPr lang="zh-CN" altLang="en-US" smtClean="0"/>
-              <a:t>9</a:t>
+              <a:t>8</a:t>
             </a:fld>
             <a:endParaRPr lang="zh-CN" altLang="en-US"/>
           </a:p>
@@ -1463,7 +1844,7 @@
     </p:spTree>
     <p:extLst>
       <p:ext uri="{BB962C8B-B14F-4D97-AF65-F5344CB8AC3E}">
-        <p14:creationId xmlns:p14="http://schemas.microsoft.com/office/powerpoint/2010/main" val="3231217374"/>
+        <p14:creationId xmlns:p14="http://schemas.microsoft.com/office/powerpoint/2010/main" val="3870238928"/>
       </p:ext>
     </p:extLst>
   </p:cSld>
@@ -1518,26 +1899,27 @@
           <a:lstStyle/>
           <a:p>
             <a:r>
-              <a:rPr lang="en-US" altLang="zh-CN" sz="1200" dirty="0" err="1"/>
-              <a:t>CommonResult</a:t>
-            </a:r>
-            <a:r>
-              <a:rPr lang="en-US" altLang="zh-CN" sz="1200" dirty="0"/>
-              <a:t> </a:t>
-            </a:r>
-            <a:r>
-              <a:rPr lang="zh-CN" altLang="en-US" sz="1200" dirty="0"/>
-              <a:t>是否合适构建者模式？ </a:t>
-            </a:r>
-            <a:r>
-              <a:rPr lang="en-US" altLang="zh-CN" sz="1200" dirty="0"/>
-              <a:t>23</a:t>
-            </a:r>
-            <a:r>
-              <a:rPr lang="zh-CN" altLang="en-US" sz="1200"/>
-              <a:t>的类名全部名词，</a:t>
-            </a:r>
-            <a:endParaRPr lang="zh-CN" altLang="en-US"/>
+              <a:rPr lang="en-US" altLang="zh-CN" dirty="0"/>
+              <a:t>Spring</a:t>
+            </a:r>
+            <a:r>
+              <a:rPr lang="zh-CN" altLang="en-US" dirty="0"/>
+              <a:t>最大的弊处在于帮你创建对象。也是最大的益处。</a:t>
+            </a:r>
+            <a:endParaRPr lang="en-US" altLang="zh-CN" dirty="0"/>
+          </a:p>
+          <a:p>
+            <a:r>
+              <a:rPr lang="zh-CN" altLang="en-US" dirty="0"/>
+              <a:t>缺少图。</a:t>
+            </a:r>
+            <a:endParaRPr lang="en-US" altLang="zh-CN" dirty="0"/>
+          </a:p>
+          <a:p>
+            <a:r>
+              <a:rPr lang="zh-CN" altLang="en-US" dirty="0"/>
+              <a:t>循环依赖的实际和理论，非常多的好处。</a:t>
+            </a:r>
           </a:p>
         </p:txBody>
       </p:sp>
@@ -1558,7 +1940,7 @@
           <a:p>
             <a:fld id="{81EB798F-FCE7-4FC5-861E-D54DB0B79715}" type="slidenum">
               <a:rPr lang="zh-CN" altLang="en-US" smtClean="0"/>
-              <a:t>11</a:t>
+              <a:t>12</a:t>
             </a:fld>
             <a:endParaRPr lang="zh-CN" altLang="en-US"/>
           </a:p>
@@ -1567,7 +1949,7 @@
     </p:spTree>
     <p:extLst>
       <p:ext uri="{BB962C8B-B14F-4D97-AF65-F5344CB8AC3E}">
-        <p14:creationId xmlns:p14="http://schemas.microsoft.com/office/powerpoint/2010/main" val="993656187"/>
+        <p14:creationId xmlns:p14="http://schemas.microsoft.com/office/powerpoint/2010/main" val="3231217374"/>
       </p:ext>
     </p:extLst>
   </p:cSld>
@@ -1622,9 +2004,26 @@
           <a:lstStyle/>
           <a:p>
             <a:r>
-              <a:rPr lang="zh-CN" altLang="en-US"/>
-              <a:t>封装需要对现有功能了解，才能正确封装，否则封装会不完整，</a:t>
-            </a:r>
+              <a:rPr lang="en-US" altLang="zh-CN" sz="1200" dirty="0" err="1"/>
+              <a:t>CommonResult</a:t>
+            </a:r>
+            <a:r>
+              <a:rPr lang="en-US" altLang="zh-CN" sz="1200" dirty="0"/>
+              <a:t> </a:t>
+            </a:r>
+            <a:r>
+              <a:rPr lang="zh-CN" altLang="en-US" sz="1200" dirty="0"/>
+              <a:t>是否合适构建者模式？ </a:t>
+            </a:r>
+            <a:r>
+              <a:rPr lang="en-US" altLang="zh-CN" sz="1200" dirty="0"/>
+              <a:t>23</a:t>
+            </a:r>
+            <a:r>
+              <a:rPr lang="zh-CN" altLang="en-US" sz="1200"/>
+              <a:t>的类名全部名词，</a:t>
+            </a:r>
+            <a:endParaRPr lang="zh-CN" altLang="en-US"/>
           </a:p>
         </p:txBody>
       </p:sp>
@@ -1645,7 +2044,7 @@
           <a:p>
             <a:fld id="{81EB798F-FCE7-4FC5-861E-D54DB0B79715}" type="slidenum">
               <a:rPr lang="zh-CN" altLang="en-US" smtClean="0"/>
-              <a:t>13</a:t>
+              <a:t>14</a:t>
             </a:fld>
             <a:endParaRPr lang="zh-CN" altLang="en-US"/>
           </a:p>
@@ -1654,7 +2053,7 @@
     </p:spTree>
     <p:extLst>
       <p:ext uri="{BB962C8B-B14F-4D97-AF65-F5344CB8AC3E}">
-        <p14:creationId xmlns:p14="http://schemas.microsoft.com/office/powerpoint/2010/main" val="1035784840"/>
+        <p14:creationId xmlns:p14="http://schemas.microsoft.com/office/powerpoint/2010/main" val="993656187"/>
       </p:ext>
     </p:extLst>
   </p:cSld>
@@ -1709,12 +2108,8 @@
           <a:lstStyle/>
           <a:p>
             <a:r>
-              <a:rPr lang="en-US" altLang="zh-CN" dirty="0"/>
-              <a:t>OOAD</a:t>
-            </a:r>
-            <a:r>
-              <a:rPr lang="zh-CN" altLang="en-US" dirty="0"/>
-              <a:t>书和</a:t>
+              <a:rPr lang="zh-CN" altLang="en-US"/>
+              <a:t>封装需要对现有功能了解，才能正确封装，否则封装会不完整，</a:t>
             </a:r>
           </a:p>
         </p:txBody>
@@ -1736,7 +2131,7 @@
           <a:p>
             <a:fld id="{81EB798F-FCE7-4FC5-861E-D54DB0B79715}" type="slidenum">
               <a:rPr lang="zh-CN" altLang="en-US" smtClean="0"/>
-              <a:t>15</a:t>
+              <a:t>17</a:t>
             </a:fld>
             <a:endParaRPr lang="zh-CN" altLang="en-US"/>
           </a:p>
@@ -1745,7 +2140,7 @@
     </p:spTree>
     <p:extLst>
       <p:ext uri="{BB962C8B-B14F-4D97-AF65-F5344CB8AC3E}">
-        <p14:creationId xmlns:p14="http://schemas.microsoft.com/office/powerpoint/2010/main" val="2222039526"/>
+        <p14:creationId xmlns:p14="http://schemas.microsoft.com/office/powerpoint/2010/main" val="1035784840"/>
       </p:ext>
     </p:extLst>
   </p:cSld>
@@ -1801,42 +2196,7 @@
           <a:p>
             <a:r>
               <a:rPr lang="zh-CN" altLang="en-US" dirty="0"/>
-              <a:t>需要画出</a:t>
-            </a:r>
-            <a:r>
-              <a:rPr lang="en-US" altLang="zh-CN" dirty="0"/>
-              <a:t>UML</a:t>
-            </a:r>
-            <a:r>
-              <a:rPr lang="zh-CN" altLang="en-US" dirty="0"/>
-              <a:t>图</a:t>
-            </a:r>
-            <a:endParaRPr lang="en-US" altLang="zh-CN" dirty="0"/>
-          </a:p>
-          <a:p>
-            <a:r>
-              <a:rPr lang="en-US" altLang="zh-CN" dirty="0" err="1"/>
-              <a:t>Saas</a:t>
-            </a:r>
-            <a:r>
-              <a:rPr lang="zh-CN" altLang="en-US" dirty="0"/>
-              <a:t>交易所缺少</a:t>
-            </a:r>
-            <a:r>
-              <a:rPr lang="en-US" altLang="zh-CN" dirty="0"/>
-              <a:t>Money</a:t>
-            </a:r>
-            <a:r>
-              <a:rPr lang="zh-CN" altLang="en-US" dirty="0"/>
-              <a:t>概念，而用了一个低级抽象</a:t>
-            </a:r>
-            <a:r>
-              <a:rPr lang="en-US" altLang="zh-CN" dirty="0" err="1"/>
-              <a:t>BigDecimal</a:t>
-            </a:r>
-            <a:r>
-              <a:rPr lang="zh-CN" altLang="en-US" dirty="0"/>
-              <a:t>代替了钱。</a:t>
+              <a:t>需求分析技术，产品文档缺少流程描述，自然语言描述</a:t>
             </a:r>
           </a:p>
         </p:txBody>
@@ -1858,7 +2218,7 @@
           <a:p>
             <a:fld id="{81EB798F-FCE7-4FC5-861E-D54DB0B79715}" type="slidenum">
               <a:rPr lang="zh-CN" altLang="en-US" smtClean="0"/>
-              <a:t>16</a:t>
+              <a:t>18</a:t>
             </a:fld>
             <a:endParaRPr lang="zh-CN" altLang="en-US"/>
           </a:p>
@@ -1867,7 +2227,7 @@
     </p:spTree>
     <p:extLst>
       <p:ext uri="{BB962C8B-B14F-4D97-AF65-F5344CB8AC3E}">
-        <p14:creationId xmlns:p14="http://schemas.microsoft.com/office/powerpoint/2010/main" val="2605237502"/>
+        <p14:creationId xmlns:p14="http://schemas.microsoft.com/office/powerpoint/2010/main" val="2395143088"/>
       </p:ext>
     </p:extLst>
   </p:cSld>
@@ -2024,7 +2384,7 @@
           <a:p>
             <a:fld id="{1398570D-3A48-4B43-9C1E-4ADCDDDFDFEA}" type="datetimeFigureOut">
               <a:rPr lang="zh-CN" altLang="en-US" smtClean="0"/>
-              <a:t>2020/9/25</a:t>
+              <a:t>2020/10/7</a:t>
             </a:fld>
             <a:endParaRPr lang="zh-CN" altLang="en-US"/>
           </a:p>
@@ -2222,7 +2582,7 @@
           <a:p>
             <a:fld id="{1398570D-3A48-4B43-9C1E-4ADCDDDFDFEA}" type="datetimeFigureOut">
               <a:rPr lang="zh-CN" altLang="en-US" smtClean="0"/>
-              <a:t>2020/9/25</a:t>
+              <a:t>2020/10/7</a:t>
             </a:fld>
             <a:endParaRPr lang="zh-CN" altLang="en-US"/>
           </a:p>
@@ -2430,7 +2790,7 @@
           <a:p>
             <a:fld id="{1398570D-3A48-4B43-9C1E-4ADCDDDFDFEA}" type="datetimeFigureOut">
               <a:rPr lang="zh-CN" altLang="en-US" smtClean="0"/>
-              <a:t>2020/9/25</a:t>
+              <a:t>2020/10/7</a:t>
             </a:fld>
             <a:endParaRPr lang="zh-CN" altLang="en-US"/>
           </a:p>
@@ -2628,7 +2988,7 @@
           <a:p>
             <a:fld id="{1398570D-3A48-4B43-9C1E-4ADCDDDFDFEA}" type="datetimeFigureOut">
               <a:rPr lang="zh-CN" altLang="en-US" smtClean="0"/>
-              <a:t>2020/9/25</a:t>
+              <a:t>2020/10/7</a:t>
             </a:fld>
             <a:endParaRPr lang="zh-CN" altLang="en-US"/>
           </a:p>
@@ -2903,7 +3263,7 @@
           <a:p>
             <a:fld id="{1398570D-3A48-4B43-9C1E-4ADCDDDFDFEA}" type="datetimeFigureOut">
               <a:rPr lang="zh-CN" altLang="en-US" smtClean="0"/>
-              <a:t>2020/9/25</a:t>
+              <a:t>2020/10/7</a:t>
             </a:fld>
             <a:endParaRPr lang="zh-CN" altLang="en-US"/>
           </a:p>
@@ -3168,7 +3528,7 @@
           <a:p>
             <a:fld id="{1398570D-3A48-4B43-9C1E-4ADCDDDFDFEA}" type="datetimeFigureOut">
               <a:rPr lang="zh-CN" altLang="en-US" smtClean="0"/>
-              <a:t>2020/9/25</a:t>
+              <a:t>2020/10/7</a:t>
             </a:fld>
             <a:endParaRPr lang="zh-CN" altLang="en-US"/>
           </a:p>
@@ -3580,7 +3940,7 @@
           <a:p>
             <a:fld id="{1398570D-3A48-4B43-9C1E-4ADCDDDFDFEA}" type="datetimeFigureOut">
               <a:rPr lang="zh-CN" altLang="en-US" smtClean="0"/>
-              <a:t>2020/9/25</a:t>
+              <a:t>2020/10/7</a:t>
             </a:fld>
             <a:endParaRPr lang="zh-CN" altLang="en-US"/>
           </a:p>
@@ -3721,7 +4081,7 @@
           <a:p>
             <a:fld id="{1398570D-3A48-4B43-9C1E-4ADCDDDFDFEA}" type="datetimeFigureOut">
               <a:rPr lang="zh-CN" altLang="en-US" smtClean="0"/>
-              <a:t>2020/9/25</a:t>
+              <a:t>2020/10/7</a:t>
             </a:fld>
             <a:endParaRPr lang="zh-CN" altLang="en-US"/>
           </a:p>
@@ -3834,7 +4194,7 @@
           <a:p>
             <a:fld id="{1398570D-3A48-4B43-9C1E-4ADCDDDFDFEA}" type="datetimeFigureOut">
               <a:rPr lang="zh-CN" altLang="en-US" smtClean="0"/>
-              <a:t>2020/9/25</a:t>
+              <a:t>2020/10/7</a:t>
             </a:fld>
             <a:endParaRPr lang="zh-CN" altLang="en-US"/>
           </a:p>
@@ -4145,7 +4505,7 @@
           <a:p>
             <a:fld id="{1398570D-3A48-4B43-9C1E-4ADCDDDFDFEA}" type="datetimeFigureOut">
               <a:rPr lang="zh-CN" altLang="en-US" smtClean="0"/>
-              <a:t>2020/9/25</a:t>
+              <a:t>2020/10/7</a:t>
             </a:fld>
             <a:endParaRPr lang="zh-CN" altLang="en-US"/>
           </a:p>
@@ -4433,7 +4793,7 @@
           <a:p>
             <a:fld id="{1398570D-3A48-4B43-9C1E-4ADCDDDFDFEA}" type="datetimeFigureOut">
               <a:rPr lang="zh-CN" altLang="en-US" smtClean="0"/>
-              <a:t>2020/9/25</a:t>
+              <a:t>2020/10/7</a:t>
             </a:fld>
             <a:endParaRPr lang="zh-CN" altLang="en-US"/>
           </a:p>
@@ -4674,7 +5034,7 @@
           <a:p>
             <a:fld id="{1398570D-3A48-4B43-9C1E-4ADCDDDFDFEA}" type="datetimeFigureOut">
               <a:rPr lang="zh-CN" altLang="en-US" smtClean="0"/>
-              <a:t>2020/9/25</a:t>
+              <a:t>2020/10/7</a:t>
             </a:fld>
             <a:endParaRPr lang="zh-CN" altLang="en-US"/>
           </a:p>
@@ -5093,95 +5453,116 @@
       </p:grpSpPr>
       <p:sp>
         <p:nvSpPr>
-          <p:cNvPr id="2" name="标题 1">
-            <a:extLst>
-              <a:ext uri="{FF2B5EF4-FFF2-40B4-BE49-F238E27FC236}">
-                <a16:creationId xmlns:a16="http://schemas.microsoft.com/office/drawing/2014/main" id="{8A47F443-8DAD-4E72-9F15-EEF0C9D8DD06}"/>
-              </a:ext>
-            </a:extLst>
-          </p:cNvPr>
-          <p:cNvSpPr>
-            <a:spLocks noGrp="1"/>
-          </p:cNvSpPr>
-          <p:nvPr>
-            <p:ph type="ctrTitle"/>
-          </p:nvPr>
-        </p:nvSpPr>
-        <p:spPr/>
-        <p:txBody>
-          <a:bodyPr/>
-          <a:lstStyle/>
-          <a:p>
-            <a:r>
-              <a:rPr lang="zh-CN" altLang="en-US" dirty="0"/>
+          <p:cNvPr id="3" name="副标题 2">
+            <a:extLst>
+              <a:ext uri="{FF2B5EF4-FFF2-40B4-BE49-F238E27FC236}">
+                <a16:creationId xmlns:a16="http://schemas.microsoft.com/office/drawing/2014/main" id="{CE541343-E186-43AB-B03F-129C81218A7E}"/>
+              </a:ext>
+            </a:extLst>
+          </p:cNvPr>
+          <p:cNvSpPr>
+            <a:spLocks noGrp="1"/>
+          </p:cNvSpPr>
+          <p:nvPr>
+            <p:ph type="subTitle" idx="1"/>
+          </p:nvPr>
+        </p:nvSpPr>
+        <p:spPr/>
+        <p:txBody>
+          <a:bodyPr/>
+          <a:lstStyle/>
+          <a:p>
+            <a:r>
+              <a:rPr lang="en-US" altLang="zh-CN" dirty="0"/>
+              <a:t>                                                                       </a:t>
+            </a:r>
+            <a:r>
+              <a:rPr lang="zh-CN" altLang="en-US" dirty="0"/>
+              <a:t>李力</a:t>
+            </a:r>
+            <a:r>
+              <a:rPr lang="en-US" altLang="zh-CN" dirty="0"/>
+              <a:t>-2020-10-05</a:t>
+            </a:r>
+          </a:p>
+          <a:p>
+            <a:endParaRPr lang="en-US" altLang="zh-CN" dirty="0"/>
+          </a:p>
+          <a:p>
+            <a:endParaRPr lang="zh-CN" altLang="en-US" dirty="0"/>
+          </a:p>
+        </p:txBody>
+      </p:sp>
+      <p:sp>
+        <p:nvSpPr>
+          <p:cNvPr id="5" name="矩形 4">
+            <a:extLst>
+              <a:ext uri="{FF2B5EF4-FFF2-40B4-BE49-F238E27FC236}">
+                <a16:creationId xmlns:a16="http://schemas.microsoft.com/office/drawing/2014/main" id="{EFFF148B-0A7F-42F5-B390-4F3C43B5DE83}"/>
+              </a:ext>
+            </a:extLst>
+          </p:cNvPr>
+          <p:cNvSpPr/>
+          <p:nvPr/>
+        </p:nvSpPr>
+        <p:spPr>
+          <a:xfrm>
+            <a:off x="0" y="1586187"/>
+            <a:ext cx="12192000" cy="1709531"/>
+          </a:xfrm>
+          <a:prstGeom prst="rect">
+            <a:avLst/>
+          </a:prstGeom>
+        </p:spPr>
+        <p:style>
+          <a:lnRef idx="2">
+            <a:schemeClr val="accent1">
+              <a:shade val="50000"/>
+            </a:schemeClr>
+          </a:lnRef>
+          <a:fillRef idx="1">
+            <a:schemeClr val="accent1"/>
+          </a:fillRef>
+          <a:effectRef idx="0">
+            <a:schemeClr val="accent1"/>
+          </a:effectRef>
+          <a:fontRef idx="minor">
+            <a:schemeClr val="lt1"/>
+          </a:fontRef>
+        </p:style>
+        <p:txBody>
+          <a:bodyPr rtlCol="0" anchor="ctr"/>
+          <a:lstStyle/>
+          <a:p>
+            <a:pPr algn="ctr"/>
+            <a:r>
+              <a:rPr lang="en-US" altLang="zh-CN" sz="3600" dirty="0"/>
+              <a:t>			</a:t>
+            </a:r>
+            <a:r>
+              <a:rPr lang="zh-CN" altLang="en-US" sz="3600" dirty="0"/>
               <a:t>从</a:t>
             </a:r>
             <a:r>
-              <a:rPr lang="en-US" altLang="zh-CN" dirty="0"/>
+              <a:rPr lang="en-US" altLang="zh-CN" sz="3600" dirty="0"/>
               <a:t>crud, pattern, </a:t>
             </a:r>
             <a:r>
-              <a:rPr lang="en-US" altLang="zh-CN" dirty="0" err="1"/>
-              <a:t>ooad</a:t>
-            </a:r>
-            <a:r>
-              <a:rPr lang="zh-CN" altLang="en-US" dirty="0"/>
+              <a:rPr lang="en-US" altLang="zh-CN" sz="3600" dirty="0" err="1"/>
+              <a:t>ooadp</a:t>
+            </a:r>
+            <a:r>
+              <a:rPr lang="zh-CN" altLang="en-US" sz="3600" dirty="0"/>
               <a:t>到</a:t>
             </a:r>
             <a:r>
-              <a:rPr lang="en-US" altLang="zh-CN" dirty="0" err="1"/>
+              <a:rPr lang="en-US" altLang="zh-CN" sz="3600" dirty="0" err="1"/>
               <a:t>ddd</a:t>
             </a:r>
             <a:r>
-              <a:rPr lang="en-US" altLang="zh-CN" dirty="0"/>
-              <a:t> </a:t>
-            </a:r>
-            <a:r>
-              <a:rPr lang="zh-CN" altLang="en-US" dirty="0"/>
-              <a:t>软件设计进阶之路</a:t>
-            </a:r>
-          </a:p>
-        </p:txBody>
-      </p:sp>
-      <p:sp>
-        <p:nvSpPr>
-          <p:cNvPr id="3" name="副标题 2">
-            <a:extLst>
-              <a:ext uri="{FF2B5EF4-FFF2-40B4-BE49-F238E27FC236}">
-                <a16:creationId xmlns:a16="http://schemas.microsoft.com/office/drawing/2014/main" id="{CE541343-E186-43AB-B03F-129C81218A7E}"/>
-              </a:ext>
-            </a:extLst>
-          </p:cNvPr>
-          <p:cNvSpPr>
-            <a:spLocks noGrp="1"/>
-          </p:cNvSpPr>
-          <p:nvPr>
-            <p:ph type="subTitle" idx="1"/>
-          </p:nvPr>
-        </p:nvSpPr>
-        <p:spPr/>
-        <p:txBody>
-          <a:bodyPr/>
-          <a:lstStyle/>
-          <a:p>
-            <a:r>
-              <a:rPr lang="en-US" altLang="zh-CN" dirty="0"/>
-              <a:t>                                             </a:t>
-            </a:r>
-            <a:r>
-              <a:rPr lang="zh-CN" altLang="en-US" dirty="0"/>
-              <a:t>李力</a:t>
-            </a:r>
-            <a:r>
-              <a:rPr lang="en-US" altLang="zh-CN" dirty="0"/>
-              <a:t>-2020-09-24</a:t>
-            </a:r>
-          </a:p>
-          <a:p>
-            <a:endParaRPr lang="en-US" altLang="zh-CN" dirty="0"/>
-          </a:p>
-          <a:p>
-            <a:endParaRPr lang="zh-CN" altLang="en-US" dirty="0"/>
+              <a:rPr lang="zh-CN" altLang="en-US" sz="3600" dirty="0"/>
+              <a:t>软件设计启示</a:t>
+            </a:r>
           </a:p>
         </p:txBody>
       </p:sp>
@@ -5217,108 +5598,58 @@
       </p:grpSpPr>
       <p:sp>
         <p:nvSpPr>
-          <p:cNvPr id="2" name="标题 1">
-            <a:extLst>
-              <a:ext uri="{FF2B5EF4-FFF2-40B4-BE49-F238E27FC236}">
-                <a16:creationId xmlns:a16="http://schemas.microsoft.com/office/drawing/2014/main" id="{4670CB31-53FB-4E0F-9B3E-C7AF918280AC}"/>
-              </a:ext>
-            </a:extLst>
-          </p:cNvPr>
-          <p:cNvSpPr>
-            <a:spLocks noGrp="1"/>
-          </p:cNvSpPr>
-          <p:nvPr>
-            <p:ph type="title"/>
-          </p:nvPr>
-        </p:nvSpPr>
-        <p:spPr/>
-        <p:txBody>
-          <a:bodyPr/>
-          <a:lstStyle/>
-          <a:p>
-            <a:r>
-              <a:rPr lang="en-US" altLang="zh-CN" dirty="0">
-                <a:solidFill>
-                  <a:srgbClr val="FF0000"/>
-                </a:solidFill>
-              </a:rPr>
-              <a:t>Pattern</a:t>
-            </a:r>
-            <a:r>
-              <a:rPr lang="zh-CN" altLang="en-US" dirty="0">
-                <a:solidFill>
-                  <a:srgbClr val="FF0000"/>
-                </a:solidFill>
-              </a:rPr>
-              <a:t>场景</a:t>
-            </a:r>
-            <a:r>
-              <a:rPr lang="en-US" altLang="zh-CN" dirty="0">
-                <a:solidFill>
-                  <a:srgbClr val="FF0000"/>
-                </a:solidFill>
-              </a:rPr>
-              <a:t>2-</a:t>
-            </a:r>
-            <a:r>
-              <a:rPr lang="zh-CN" altLang="en-US" dirty="0">
-                <a:solidFill>
-                  <a:srgbClr val="FF0000"/>
-                </a:solidFill>
-              </a:rPr>
-              <a:t>资源管理</a:t>
-            </a:r>
-          </a:p>
-        </p:txBody>
-      </p:sp>
-      <p:sp>
-        <p:nvSpPr>
-          <p:cNvPr id="3" name="内容占位符 2">
-            <a:extLst>
-              <a:ext uri="{FF2B5EF4-FFF2-40B4-BE49-F238E27FC236}">
-                <a16:creationId xmlns:a16="http://schemas.microsoft.com/office/drawing/2014/main" id="{3C22F3F7-213F-4065-AADB-E80E5448D7BB}"/>
-              </a:ext>
-            </a:extLst>
-          </p:cNvPr>
-          <p:cNvSpPr>
-            <a:spLocks noGrp="1"/>
-          </p:cNvSpPr>
-          <p:nvPr>
-            <p:ph idx="1"/>
-          </p:nvPr>
-        </p:nvSpPr>
-        <p:spPr/>
-        <p:txBody>
-          <a:bodyPr/>
-          <a:lstStyle/>
-          <a:p>
-            <a:r>
-              <a:rPr lang="en-US" altLang="zh-CN" dirty="0"/>
-              <a:t>Resource Pattern</a:t>
-            </a:r>
-          </a:p>
-          <a:p>
-            <a:endParaRPr lang="en-US" altLang="zh-CN" dirty="0"/>
-          </a:p>
-          <a:p>
-            <a:endParaRPr lang="en-US" altLang="zh-CN" dirty="0"/>
-          </a:p>
-          <a:p>
-            <a:endParaRPr lang="en-US" altLang="zh-CN" dirty="0"/>
-          </a:p>
-          <a:p>
-            <a:r>
-              <a:rPr lang="en-US" altLang="zh-CN" dirty="0"/>
-              <a:t>Cache Pattern</a:t>
-            </a:r>
-            <a:endParaRPr lang="zh-CN" altLang="en-US" dirty="0"/>
+          <p:cNvPr id="5" name="矩形 4">
+            <a:extLst>
+              <a:ext uri="{FF2B5EF4-FFF2-40B4-BE49-F238E27FC236}">
+                <a16:creationId xmlns:a16="http://schemas.microsoft.com/office/drawing/2014/main" id="{A7766F32-8991-4179-850D-86657A719EC2}"/>
+              </a:ext>
+            </a:extLst>
+          </p:cNvPr>
+          <p:cNvSpPr/>
+          <p:nvPr/>
+        </p:nvSpPr>
+        <p:spPr>
+          <a:xfrm>
+            <a:off x="0" y="2133600"/>
+            <a:ext cx="12192000" cy="1669774"/>
+          </a:xfrm>
+          <a:prstGeom prst="rect">
+            <a:avLst/>
+          </a:prstGeom>
+        </p:spPr>
+        <p:style>
+          <a:lnRef idx="2">
+            <a:schemeClr val="accent1">
+              <a:shade val="50000"/>
+            </a:schemeClr>
+          </a:lnRef>
+          <a:fillRef idx="1">
+            <a:schemeClr val="accent1"/>
+          </a:fillRef>
+          <a:effectRef idx="0">
+            <a:schemeClr val="accent1"/>
+          </a:effectRef>
+          <a:fontRef idx="minor">
+            <a:schemeClr val="lt1"/>
+          </a:fontRef>
+        </p:style>
+        <p:txBody>
+          <a:bodyPr rtlCol="0" anchor="ctr"/>
+          <a:lstStyle/>
+          <a:p>
+            <a:pPr algn="ctr"/>
+            <a:r>
+              <a:rPr lang="en-US" altLang="zh-CN" sz="4800" dirty="0"/>
+              <a:t>2. Pattern</a:t>
+            </a:r>
+            <a:endParaRPr lang="zh-CN" altLang="en-US" sz="4800" dirty="0"/>
           </a:p>
         </p:txBody>
       </p:sp>
     </p:spTree>
     <p:extLst>
       <p:ext uri="{BB962C8B-B14F-4D97-AF65-F5344CB8AC3E}">
-        <p14:creationId xmlns:p14="http://schemas.microsoft.com/office/powerpoint/2010/main" val="180097172"/>
+        <p14:creationId xmlns:p14="http://schemas.microsoft.com/office/powerpoint/2010/main" val="1253731625"/>
       </p:ext>
     </p:extLst>
   </p:cSld>
@@ -5350,7 +5681,7 @@
           <p:cNvPr id="2" name="标题 1">
             <a:extLst>
               <a:ext uri="{FF2B5EF4-FFF2-40B4-BE49-F238E27FC236}">
-                <a16:creationId xmlns:a16="http://schemas.microsoft.com/office/drawing/2014/main" id="{4BC9CF7B-F16A-4232-B903-9E181D1E8514}"/>
+                <a16:creationId xmlns:a16="http://schemas.microsoft.com/office/drawing/2014/main" id="{10632540-7C5A-439B-BA6C-6E4F750712AD}"/>
               </a:ext>
             </a:extLst>
           </p:cNvPr>
@@ -5374,31 +5705,11 @@
               </a:rPr>
               <a:t>Pattern</a:t>
             </a:r>
-            <a:r>
-              <a:rPr lang="zh-CN" altLang="en-US" dirty="0">
-                <a:solidFill>
-                  <a:srgbClr val="FF0000"/>
-                </a:solidFill>
-              </a:rPr>
-              <a:t>场景</a:t>
-            </a:r>
-            <a:r>
-              <a:rPr lang="en-US" altLang="zh-CN" dirty="0">
-                <a:solidFill>
-                  <a:srgbClr val="FF0000"/>
-                </a:solidFill>
-              </a:rPr>
-              <a:t>3-</a:t>
-            </a:r>
-            <a:r>
-              <a:rPr lang="zh-CN" altLang="en-US" dirty="0">
-                <a:solidFill>
-                  <a:srgbClr val="FF0000"/>
-                </a:solidFill>
-              </a:rPr>
-              <a:t>设计模式</a:t>
-            </a:r>
-            <a:endParaRPr lang="zh-CN" altLang="en-US" dirty="0"/>
+            <a:endParaRPr lang="zh-CN" altLang="en-US" dirty="0">
+              <a:solidFill>
+                <a:srgbClr val="FF0000"/>
+              </a:solidFill>
+            </a:endParaRPr>
           </a:p>
         </p:txBody>
       </p:sp>
@@ -5407,7 +5718,7 @@
           <p:cNvPr id="3" name="内容占位符 2">
             <a:extLst>
               <a:ext uri="{FF2B5EF4-FFF2-40B4-BE49-F238E27FC236}">
-                <a16:creationId xmlns:a16="http://schemas.microsoft.com/office/drawing/2014/main" id="{B34E759B-6DE0-4811-8073-14D41EA41DAB}"/>
+                <a16:creationId xmlns:a16="http://schemas.microsoft.com/office/drawing/2014/main" id="{575B95E4-FABC-49FA-8971-51963BC6E3D5}"/>
               </a:ext>
             </a:extLst>
           </p:cNvPr>
@@ -5420,114 +5731,65 @@
         </p:nvSpPr>
         <p:spPr/>
         <p:txBody>
-          <a:bodyPr/>
-          <a:lstStyle/>
-          <a:p>
-            <a:r>
-              <a:rPr lang="en-US" altLang="zh-CN" dirty="0"/>
-              <a:t>GOF 23</a:t>
-            </a:r>
-          </a:p>
-          <a:p>
-            <a:pPr lvl="1"/>
-            <a:r>
-              <a:rPr lang="zh-CN" altLang="en-US" sz="2400" dirty="0"/>
-              <a:t>为什么你想不到模式呢？</a:t>
-            </a:r>
-            <a:r>
-              <a:rPr lang="en-US" altLang="zh-CN" sz="2400" dirty="0"/>
-              <a:t>1 </a:t>
-            </a:r>
-            <a:r>
-              <a:rPr lang="zh-CN" altLang="en-US" sz="2400" dirty="0"/>
-              <a:t>缺少抽象，没有建模思想  </a:t>
-            </a:r>
-            <a:r>
-              <a:rPr lang="en-US" altLang="zh-CN" sz="2400" dirty="0"/>
-              <a:t>2 </a:t>
-            </a:r>
-            <a:r>
-              <a:rPr lang="zh-CN" altLang="en-US" sz="2400" dirty="0"/>
-              <a:t>对</a:t>
-            </a:r>
-            <a:r>
-              <a:rPr lang="en-US" altLang="zh-CN" sz="2400" dirty="0"/>
-              <a:t>23</a:t>
-            </a:r>
-            <a:r>
-              <a:rPr lang="zh-CN" altLang="en-US" sz="2400" dirty="0"/>
-              <a:t>种设计模式不熟悉 </a:t>
-            </a:r>
-            <a:endParaRPr lang="en-US" altLang="zh-CN" sz="2400" dirty="0"/>
-          </a:p>
-          <a:p>
-            <a:pPr lvl="1"/>
-            <a:r>
-              <a:rPr lang="zh-CN" altLang="en-US" sz="2400" dirty="0"/>
-              <a:t>加密机创建是单例，调用加密机和</a:t>
-            </a:r>
-            <a:r>
-              <a:rPr lang="en-US" altLang="zh-CN" sz="2400" dirty="0" err="1"/>
-              <a:t>hicoin</a:t>
-            </a:r>
-            <a:r>
-              <a:rPr lang="zh-CN" altLang="en-US" sz="2400" dirty="0"/>
-              <a:t>是</a:t>
-            </a:r>
-            <a:r>
-              <a:rPr lang="en-US" altLang="zh-CN" sz="2400" dirty="0"/>
-              <a:t>facade</a:t>
-            </a:r>
-          </a:p>
-          <a:p>
-            <a:pPr lvl="1"/>
-            <a:r>
-              <a:rPr lang="zh-CN" altLang="en-US" sz="2400" dirty="0"/>
-              <a:t>口诀：</a:t>
-            </a:r>
-            <a:endParaRPr lang="en-US" altLang="zh-CN" sz="2400" dirty="0"/>
-          </a:p>
-          <a:p>
-            <a:pPr lvl="1"/>
-            <a:r>
-              <a:rPr lang="en-US" altLang="zh-CN" sz="2400" dirty="0"/>
-              <a:t>23</a:t>
-            </a:r>
-            <a:r>
-              <a:rPr lang="zh-CN" altLang="en-US" sz="2400" dirty="0"/>
-              <a:t>种设计模式使用场景全部背下来，别去理解。</a:t>
-            </a:r>
-            <a:endParaRPr lang="en-US" altLang="zh-CN" sz="2400" dirty="0"/>
-          </a:p>
-          <a:p>
-            <a:pPr lvl="1"/>
-            <a:endParaRPr lang="en-US" altLang="zh-CN" dirty="0"/>
-          </a:p>
-          <a:p>
-            <a:pPr lvl="1"/>
-            <a:r>
-              <a:rPr lang="zh-CN" altLang="en-US" sz="2400" dirty="0"/>
-              <a:t>项目例子：</a:t>
-            </a:r>
-            <a:r>
-              <a:rPr lang="en-US" altLang="zh-CN" sz="2400" dirty="0" err="1"/>
-              <a:t>com.chainup.common.result.CommonResult</a:t>
-            </a:r>
-            <a:r>
-              <a:rPr lang="en-US" altLang="zh-CN" sz="2400" dirty="0"/>
-              <a:t>   VS  @Builder</a:t>
-            </a:r>
-          </a:p>
-          <a:p>
-            <a:pPr lvl="1"/>
-            <a:endParaRPr lang="zh-CN" altLang="en-US" dirty="0"/>
+          <a:bodyPr>
+            <a:normAutofit/>
+          </a:bodyPr>
+          <a:lstStyle/>
+          <a:p>
+            <a:r>
+              <a:rPr lang="zh-CN" altLang="en-US" dirty="0"/>
+              <a:t>思想：复用</a:t>
+            </a:r>
+            <a:endParaRPr lang="en-US" altLang="zh-CN" dirty="0"/>
+          </a:p>
+          <a:p>
+            <a:r>
+              <a:rPr lang="en-US" altLang="zh-CN" dirty="0"/>
+              <a:t>GRASP-9</a:t>
+            </a:r>
+          </a:p>
+          <a:p>
+            <a:r>
+              <a:rPr lang="en-US" altLang="zh-CN" dirty="0"/>
+              <a:t>SOLID</a:t>
+            </a:r>
+          </a:p>
+          <a:p>
+            <a:r>
+              <a:rPr lang="en-US" altLang="zh-CN" dirty="0"/>
+              <a:t>POSA</a:t>
+            </a:r>
+          </a:p>
+          <a:p>
+            <a:r>
+              <a:rPr lang="en-US" altLang="zh-CN" dirty="0"/>
+              <a:t>POEAA</a:t>
+            </a:r>
+          </a:p>
+          <a:p>
+            <a:r>
+              <a:rPr lang="en-US" altLang="zh-CN" dirty="0"/>
+              <a:t>J2EE Pattern</a:t>
+            </a:r>
+          </a:p>
+          <a:p>
+            <a:r>
+              <a:rPr lang="en-US" altLang="zh-CN" dirty="0"/>
+              <a:t>OOD:GOF23  </a:t>
+            </a:r>
+          </a:p>
+          <a:p>
+            <a:pPr marL="0" indent="0">
+              <a:buNone/>
+            </a:pPr>
+            <a:endParaRPr lang="en-US" altLang="zh-CN" dirty="0"/>
           </a:p>
         </p:txBody>
       </p:sp>
     </p:spTree>
     <p:extLst>
       <p:ext uri="{BB962C8B-B14F-4D97-AF65-F5344CB8AC3E}">
-        <p14:creationId xmlns:p14="http://schemas.microsoft.com/office/powerpoint/2010/main" val="808817118"/>
+        <p14:creationId xmlns:p14="http://schemas.microsoft.com/office/powerpoint/2010/main" val="2230224452"/>
       </p:ext>
     </p:extLst>
   </p:cSld>
@@ -5559,7 +5821,7 @@
           <p:cNvPr id="2" name="标题 1">
             <a:extLst>
               <a:ext uri="{FF2B5EF4-FFF2-40B4-BE49-F238E27FC236}">
-                <a16:creationId xmlns:a16="http://schemas.microsoft.com/office/drawing/2014/main" id="{6F09B534-9917-4AEA-AD04-8CC490740DEF}"/>
+                <a16:creationId xmlns:a16="http://schemas.microsoft.com/office/drawing/2014/main" id="{FE770754-6373-4E8C-A173-C8C716EE1794}"/>
               </a:ext>
             </a:extLst>
           </p:cNvPr>
@@ -5597,82 +5859,189 @@
                   <a:srgbClr val="FF0000"/>
                 </a:solidFill>
               </a:rPr>
-              <a:t>4-GRASP</a:t>
-            </a:r>
+              <a:t>1-</a:t>
+            </a:r>
+            <a:r>
+              <a:rPr lang="zh-CN" altLang="en-US" dirty="0">
+                <a:solidFill>
+                  <a:srgbClr val="FF0000"/>
+                </a:solidFill>
+              </a:rPr>
+              <a:t>依赖管理</a:t>
+            </a:r>
+          </a:p>
+        </p:txBody>
+      </p:sp>
+      <p:sp>
+        <p:nvSpPr>
+          <p:cNvPr id="3" name="内容占位符 2">
+            <a:extLst>
+              <a:ext uri="{FF2B5EF4-FFF2-40B4-BE49-F238E27FC236}">
+                <a16:creationId xmlns:a16="http://schemas.microsoft.com/office/drawing/2014/main" id="{89C6BD96-DF02-4844-BEDA-28E01074D7BB}"/>
+              </a:ext>
+            </a:extLst>
+          </p:cNvPr>
+          <p:cNvSpPr>
+            <a:spLocks noGrp="1"/>
+          </p:cNvSpPr>
+          <p:nvPr>
+            <p:ph idx="1"/>
+          </p:nvPr>
+        </p:nvSpPr>
+        <p:spPr/>
+        <p:txBody>
+          <a:bodyPr/>
+          <a:lstStyle/>
+          <a:p>
+            <a:pPr marL="0" indent="0">
+              <a:buNone/>
+            </a:pPr>
+            <a:r>
+              <a:rPr lang="en-US" altLang="zh-CN" dirty="0"/>
+              <a:t>DI</a:t>
+            </a:r>
+            <a:r>
+              <a:rPr lang="zh-CN" altLang="en-US" dirty="0"/>
+              <a:t>，</a:t>
+            </a:r>
+            <a:r>
+              <a:rPr lang="en-US" altLang="zh-CN" dirty="0"/>
+              <a:t>DIP</a:t>
+            </a:r>
+            <a:r>
+              <a:rPr lang="zh-CN" altLang="en-US" dirty="0"/>
+              <a:t>，</a:t>
+            </a:r>
+            <a:r>
+              <a:rPr lang="en-US" altLang="zh-CN" dirty="0"/>
+              <a:t>IOC</a:t>
+            </a:r>
+            <a:r>
+              <a:rPr lang="zh-CN" altLang="en-US" dirty="0"/>
+              <a:t>，依赖注入问题</a:t>
+            </a:r>
+            <a:r>
+              <a:rPr lang="en-US" altLang="zh-CN" dirty="0"/>
+              <a:t>(</a:t>
+            </a:r>
+            <a:r>
+              <a:rPr lang="zh-CN" altLang="en-US" dirty="0"/>
+              <a:t>项目遇到最多，写代码最值得注意的地方</a:t>
+            </a:r>
+            <a:r>
+              <a:rPr lang="en-US" altLang="zh-CN" dirty="0"/>
+              <a:t>)</a:t>
+            </a:r>
+            <a:r>
+              <a:rPr lang="zh-CN" altLang="en-US" dirty="0"/>
+              <a:t>，循环依赖详解，为什么没有关联注入？注入父类？</a:t>
+            </a:r>
+            <a:endParaRPr lang="en-US" altLang="zh-CN" dirty="0"/>
+          </a:p>
+          <a:p>
+            <a:r>
+              <a:rPr lang="zh-CN" altLang="en-US" dirty="0"/>
+              <a:t>如何开发基础类库？</a:t>
+            </a:r>
+            <a:r>
+              <a:rPr lang="en-US" altLang="zh-CN" dirty="0"/>
+              <a:t>cache</a:t>
+            </a:r>
+            <a:r>
+              <a:rPr lang="zh-CN" altLang="en-US" dirty="0"/>
+              <a:t>，</a:t>
+            </a:r>
+            <a:r>
+              <a:rPr lang="en-US" altLang="zh-CN" dirty="0" err="1"/>
+              <a:t>mq</a:t>
+            </a:r>
+            <a:r>
+              <a:rPr lang="zh-CN" altLang="en-US" dirty="0"/>
+              <a:t>，</a:t>
+            </a:r>
+            <a:r>
+              <a:rPr lang="en-US" altLang="zh-CN" dirty="0"/>
+              <a:t>service register/discover</a:t>
+            </a:r>
+          </a:p>
+          <a:p>
+            <a:r>
+              <a:rPr lang="zh-CN" altLang="en-US" dirty="0"/>
+              <a:t>神奇的魔法：</a:t>
+            </a:r>
+            <a:r>
+              <a:rPr lang="en-US" altLang="zh-CN" dirty="0"/>
+              <a:t>Spring</a:t>
+            </a:r>
+            <a:r>
+              <a:rPr lang="zh-CN" altLang="en-US" dirty="0"/>
+              <a:t>一直在调用你的代码</a:t>
+            </a:r>
+            <a:r>
+              <a:rPr lang="en-US" altLang="zh-CN" dirty="0"/>
+              <a:t> -》 </a:t>
+            </a:r>
+            <a:r>
+              <a:rPr lang="en-US" altLang="zh-CN" dirty="0" err="1"/>
+              <a:t>Faas</a:t>
+            </a:r>
+            <a:r>
+              <a:rPr lang="en-US" altLang="zh-CN" dirty="0"/>
+              <a:t> </a:t>
+            </a:r>
+            <a:r>
+              <a:rPr lang="zh-CN" altLang="en-US" dirty="0"/>
+              <a:t>容器的通用设计 </a:t>
+            </a:r>
+            <a:r>
+              <a:rPr lang="en-US" altLang="zh-CN" dirty="0"/>
+              <a:t>-》 </a:t>
+            </a:r>
+            <a:r>
+              <a:rPr lang="zh-CN" altLang="en-US" dirty="0"/>
+              <a:t>容器类设计</a:t>
+            </a:r>
+            <a:endParaRPr lang="en-US" altLang="zh-CN" dirty="0"/>
+          </a:p>
+          <a:p>
             <a:endParaRPr lang="zh-CN" altLang="en-US" dirty="0"/>
           </a:p>
         </p:txBody>
       </p:sp>
-      <p:sp>
-        <p:nvSpPr>
-          <p:cNvPr id="3" name="内容占位符 2">
-            <a:extLst>
-              <a:ext uri="{FF2B5EF4-FFF2-40B4-BE49-F238E27FC236}">
-                <a16:creationId xmlns:a16="http://schemas.microsoft.com/office/drawing/2014/main" id="{97CB8691-B800-4494-B08A-955F9FC78C49}"/>
-              </a:ext>
-            </a:extLst>
-          </p:cNvPr>
-          <p:cNvSpPr>
-            <a:spLocks noGrp="1"/>
-          </p:cNvSpPr>
-          <p:nvPr>
-            <p:ph idx="1"/>
-          </p:nvPr>
-        </p:nvSpPr>
-        <p:spPr/>
-        <p:txBody>
-          <a:bodyPr/>
-          <a:lstStyle/>
-          <a:p>
-            <a:r>
-              <a:rPr lang="en-US" altLang="zh-CN" dirty="0"/>
-              <a:t>Spring IOC</a:t>
-            </a:r>
-            <a:r>
-              <a:rPr lang="zh-CN" altLang="en-US" dirty="0"/>
-              <a:t>拒绝创建者。 订单和产品谁创建谁？</a:t>
-            </a:r>
-            <a:r>
-              <a:rPr lang="en-US" altLang="zh-CN" dirty="0"/>
-              <a:t>Spring</a:t>
-            </a:r>
-            <a:r>
-              <a:rPr lang="zh-CN" altLang="en-US" dirty="0"/>
-              <a:t>使得对对象思考少了很多。</a:t>
-            </a:r>
-            <a:endParaRPr lang="en-US" altLang="zh-CN" dirty="0"/>
-          </a:p>
-          <a:p>
-            <a:endParaRPr lang="en-US" altLang="zh-CN" dirty="0"/>
-          </a:p>
-          <a:p>
-            <a:r>
-              <a:rPr lang="en-US" altLang="zh-CN" dirty="0"/>
-              <a:t>PV(Pure fabrication)</a:t>
-            </a:r>
-            <a:r>
-              <a:rPr lang="zh-CN" altLang="en-US" dirty="0"/>
-              <a:t>是根本原则，评估开发者和架构师的成熟度。</a:t>
-            </a:r>
-            <a:r>
-              <a:rPr lang="en-US" altLang="zh-CN" dirty="0"/>
-              <a:t>Information </a:t>
-            </a:r>
-            <a:r>
-              <a:rPr lang="en-US" altLang="zh-CN"/>
-              <a:t>Hidden.</a:t>
-            </a:r>
-            <a:endParaRPr lang="en-US" altLang="zh-CN" dirty="0"/>
-          </a:p>
-          <a:p>
-            <a:endParaRPr lang="zh-CN" altLang="en-US" dirty="0"/>
-          </a:p>
-        </p:txBody>
-      </p:sp>
+      <p:pic>
+        <p:nvPicPr>
+          <p:cNvPr id="5" name="图片 4">
+            <a:extLst>
+              <a:ext uri="{FF2B5EF4-FFF2-40B4-BE49-F238E27FC236}">
+                <a16:creationId xmlns:a16="http://schemas.microsoft.com/office/drawing/2014/main" id="{04C6A04F-F139-450D-A885-19CD75E2BFA3}"/>
+              </a:ext>
+            </a:extLst>
+          </p:cNvPr>
+          <p:cNvPicPr>
+            <a:picLocks noChangeAspect="1"/>
+          </p:cNvPicPr>
+          <p:nvPr/>
+        </p:nvPicPr>
+        <p:blipFill>
+          <a:blip r:embed="rId3"/>
+          <a:stretch>
+            <a:fillRect/>
+          </a:stretch>
+        </p:blipFill>
+        <p:spPr>
+          <a:xfrm>
+            <a:off x="4219073" y="3719784"/>
+            <a:ext cx="7984715" cy="3258532"/>
+          </a:xfrm>
+          <a:prstGeom prst="rect">
+            <a:avLst/>
+          </a:prstGeom>
+        </p:spPr>
+      </p:pic>
     </p:spTree>
     <p:extLst>
       <p:ext uri="{BB962C8B-B14F-4D97-AF65-F5344CB8AC3E}">
-        <p14:creationId xmlns:p14="http://schemas.microsoft.com/office/powerpoint/2010/main" val="1844410192"/>
+        <p14:creationId xmlns:p14="http://schemas.microsoft.com/office/powerpoint/2010/main" val="2879142616"/>
       </p:ext>
     </p:extLst>
   </p:cSld>
@@ -5704,7 +6073,7 @@
           <p:cNvPr id="2" name="标题 1">
             <a:extLst>
               <a:ext uri="{FF2B5EF4-FFF2-40B4-BE49-F238E27FC236}">
-                <a16:creationId xmlns:a16="http://schemas.microsoft.com/office/drawing/2014/main" id="{81C915D7-3C1E-4E5A-86F1-CDADE45C0203}"/>
+                <a16:creationId xmlns:a16="http://schemas.microsoft.com/office/drawing/2014/main" id="{4670CB31-53FB-4E0F-9B3E-C7AF918280AC}"/>
               </a:ext>
             </a:extLst>
           </p:cNvPr>
@@ -5726,236 +6095,75 @@
                   <a:srgbClr val="FF0000"/>
                 </a:solidFill>
               </a:rPr>
-              <a:t>OOADP</a:t>
-            </a:r>
-            <a:endParaRPr lang="zh-CN" altLang="en-US" dirty="0">
-              <a:solidFill>
-                <a:srgbClr val="FF0000"/>
-              </a:solidFill>
-            </a:endParaRPr>
-          </a:p>
-        </p:txBody>
-      </p:sp>
-      <p:sp>
-        <p:nvSpPr>
-          <p:cNvPr id="3" name="内容占位符 2">
-            <a:extLst>
-              <a:ext uri="{FF2B5EF4-FFF2-40B4-BE49-F238E27FC236}">
-                <a16:creationId xmlns:a16="http://schemas.microsoft.com/office/drawing/2014/main" id="{6FEE6E2C-6CE0-4C29-9BFD-BDAA8E279F0A}"/>
-              </a:ext>
-            </a:extLst>
-          </p:cNvPr>
-          <p:cNvSpPr>
-            <a:spLocks noGrp="1"/>
-          </p:cNvSpPr>
-          <p:nvPr>
-            <p:ph idx="1"/>
-          </p:nvPr>
-        </p:nvSpPr>
-        <p:spPr/>
-        <p:txBody>
-          <a:bodyPr>
-            <a:normAutofit fontScale="92500" lnSpcReduction="20000"/>
-          </a:bodyPr>
-          <a:lstStyle/>
-          <a:p>
-            <a:pPr marL="0" indent="0">
-              <a:buNone/>
-            </a:pPr>
-            <a:r>
-              <a:rPr lang="zh-CN" altLang="en-US" dirty="0"/>
-              <a:t>思想核心：分类思想</a:t>
-            </a:r>
-            <a:endParaRPr lang="en-US" altLang="zh-CN" dirty="0"/>
-          </a:p>
-          <a:p>
-            <a:r>
-              <a:rPr lang="en-US" altLang="zh-CN" sz="2000" dirty="0"/>
-              <a:t>1   </a:t>
-            </a:r>
-            <a:r>
-              <a:rPr lang="zh-CN" altLang="en-US" sz="2000" dirty="0"/>
-              <a:t>抽象</a:t>
-            </a:r>
-            <a:endParaRPr lang="en-US" altLang="zh-CN" sz="2000" dirty="0"/>
-          </a:p>
-          <a:p>
-            <a:r>
-              <a:rPr lang="en-US" altLang="zh-CN" sz="2000" dirty="0"/>
-              <a:t>2   </a:t>
-            </a:r>
-            <a:r>
-              <a:rPr lang="zh-CN" altLang="en-US" sz="2000" dirty="0"/>
-              <a:t>封装</a:t>
-            </a:r>
-            <a:endParaRPr lang="en-US" altLang="zh-CN" sz="2000" dirty="0"/>
-          </a:p>
-          <a:p>
-            <a:r>
-              <a:rPr lang="en-US" altLang="zh-CN" sz="2000" dirty="0"/>
-              <a:t>3   </a:t>
-            </a:r>
-            <a:r>
-              <a:rPr lang="zh-CN" altLang="en-US" sz="2000" dirty="0"/>
-              <a:t>模块化</a:t>
-            </a:r>
-            <a:endParaRPr lang="en-US" altLang="zh-CN" sz="2000" dirty="0"/>
-          </a:p>
-          <a:p>
-            <a:r>
-              <a:rPr lang="en-US" altLang="zh-CN" sz="2000" dirty="0"/>
-              <a:t>4   </a:t>
-            </a:r>
-            <a:r>
-              <a:rPr lang="zh-CN" altLang="en-US" sz="2000" dirty="0"/>
-              <a:t>层次化</a:t>
-            </a:r>
-            <a:endParaRPr lang="en-US" altLang="zh-CN" sz="2000" dirty="0"/>
-          </a:p>
-          <a:p>
-            <a:endParaRPr lang="en-US" altLang="zh-CN" sz="2000" dirty="0"/>
-          </a:p>
-          <a:p>
-            <a:r>
-              <a:rPr lang="en-US" altLang="zh-CN" sz="2000" dirty="0"/>
-              <a:t>OO</a:t>
-            </a:r>
-          </a:p>
-          <a:p>
-            <a:r>
-              <a:rPr lang="zh-CN" altLang="en-US" sz="2000" dirty="0"/>
-              <a:t>封装，继承，多态，组合</a:t>
-            </a:r>
-            <a:endParaRPr lang="en-US" altLang="zh-CN" sz="2000" dirty="0"/>
-          </a:p>
-          <a:p>
-            <a:endParaRPr lang="en-US" altLang="zh-CN" sz="2000" dirty="0"/>
-          </a:p>
-          <a:p>
-            <a:r>
-              <a:rPr lang="en-US" altLang="zh-CN" sz="2000" dirty="0"/>
-              <a:t>OOA</a:t>
-            </a:r>
-            <a:r>
-              <a:rPr lang="zh-CN" altLang="en-US" sz="2000" dirty="0"/>
-              <a:t>：从问题域词汇表确定类</a:t>
-            </a:r>
-            <a:r>
-              <a:rPr lang="en-US" altLang="zh-CN" sz="2000" dirty="0"/>
-              <a:t>(</a:t>
-            </a:r>
-            <a:r>
-              <a:rPr lang="zh-CN" altLang="en-US" sz="2000" dirty="0"/>
-              <a:t>关键抽象</a:t>
-            </a:r>
-            <a:r>
-              <a:rPr lang="en-US" altLang="zh-CN" sz="2000" dirty="0"/>
-              <a:t>)</a:t>
-            </a:r>
-            <a:r>
-              <a:rPr lang="zh-CN" altLang="en-US" sz="2000" dirty="0"/>
-              <a:t>，创建协作结构</a:t>
-            </a:r>
-            <a:r>
-              <a:rPr lang="en-US" altLang="zh-CN" sz="2000" dirty="0"/>
-              <a:t>(</a:t>
-            </a:r>
-            <a:r>
-              <a:rPr lang="zh-CN" altLang="en-US" sz="2000" dirty="0"/>
-              <a:t>机制</a:t>
-            </a:r>
-            <a:r>
-              <a:rPr lang="en-US" altLang="zh-CN" sz="2000" dirty="0"/>
-              <a:t>)</a:t>
-            </a:r>
-            <a:r>
-              <a:rPr lang="zh-CN" altLang="en-US" sz="2000" dirty="0"/>
-              <a:t>，多组对象一起工作，满足需求，</a:t>
-            </a:r>
-            <a:endParaRPr lang="en-US" altLang="zh-CN" sz="2000" dirty="0"/>
-          </a:p>
-          <a:p>
-            <a:r>
-              <a:rPr lang="en-US" altLang="zh-CN" sz="2000" b="1" dirty="0">
+              <a:t>Pattern</a:t>
+            </a:r>
+            <a:r>
+              <a:rPr lang="zh-CN" altLang="en-US" dirty="0">
                 <a:solidFill>
                   <a:srgbClr val="FF0000"/>
                 </a:solidFill>
               </a:rPr>
-              <a:t>OOD</a:t>
-            </a:r>
-            <a:r>
-              <a:rPr lang="zh-CN" altLang="en-US" sz="2000" b="1" dirty="0">
+              <a:t>场景</a:t>
+            </a:r>
+            <a:r>
+              <a:rPr lang="en-US" altLang="zh-CN" dirty="0">
                 <a:solidFill>
                   <a:srgbClr val="FF0000"/>
                 </a:solidFill>
               </a:rPr>
-              <a:t>：</a:t>
-            </a:r>
-            <a:r>
-              <a:rPr lang="en-US" altLang="zh-CN" sz="2000" b="1" dirty="0">
+              <a:t>2-</a:t>
+            </a:r>
+            <a:r>
+              <a:rPr lang="zh-CN" altLang="en-US" dirty="0">
                 <a:solidFill>
                   <a:srgbClr val="FF0000"/>
                 </a:solidFill>
               </a:rPr>
-              <a:t>RDD</a:t>
-            </a:r>
-            <a:r>
-              <a:rPr lang="zh-CN" altLang="en-US" sz="2000" b="1" dirty="0">
-                <a:solidFill>
-                  <a:srgbClr val="FF0000"/>
-                </a:solidFill>
-              </a:rPr>
-              <a:t>，</a:t>
-            </a:r>
-            <a:r>
-              <a:rPr lang="en-US" altLang="zh-CN" sz="2000" b="1" dirty="0">
-                <a:solidFill>
-                  <a:srgbClr val="FF0000"/>
-                </a:solidFill>
-              </a:rPr>
-              <a:t>GRASP</a:t>
-            </a:r>
-            <a:r>
-              <a:rPr lang="zh-CN" altLang="en-US" sz="2000" b="1" dirty="0">
-                <a:solidFill>
-                  <a:srgbClr val="FF0000"/>
-                </a:solidFill>
-              </a:rPr>
-              <a:t>，</a:t>
-            </a:r>
-            <a:r>
-              <a:rPr lang="en-US" altLang="zh-CN" sz="2000" b="1" dirty="0">
-                <a:solidFill>
-                  <a:srgbClr val="FF0000"/>
-                </a:solidFill>
-              </a:rPr>
-              <a:t>GOF</a:t>
-            </a:r>
-          </a:p>
-          <a:p>
-            <a:r>
-              <a:rPr lang="en-US" altLang="zh-CN" sz="2000" dirty="0"/>
-              <a:t>OOP: </a:t>
-            </a:r>
-            <a:r>
-              <a:rPr lang="zh-CN" altLang="en-US" sz="2000" dirty="0"/>
-              <a:t>类，接口，抽象类，方法</a:t>
-            </a:r>
-            <a:endParaRPr lang="en-US" altLang="zh-CN" sz="2000" dirty="0"/>
-          </a:p>
-          <a:p>
-            <a:endParaRPr lang="en-US" altLang="zh-CN" sz="2000" dirty="0"/>
-          </a:p>
-          <a:p>
-            <a:pPr marL="0" indent="0">
-              <a:buNone/>
-            </a:pPr>
-            <a:endParaRPr lang="en-US" altLang="zh-CN" sz="2000" dirty="0"/>
-          </a:p>
-          <a:p>
-            <a:endParaRPr lang="en-US" altLang="zh-CN" dirty="0"/>
-          </a:p>
-          <a:p>
+              <a:t>资源管理和缓存</a:t>
+            </a:r>
+          </a:p>
+        </p:txBody>
+      </p:sp>
+      <p:sp>
+        <p:nvSpPr>
+          <p:cNvPr id="3" name="内容占位符 2">
+            <a:extLst>
+              <a:ext uri="{FF2B5EF4-FFF2-40B4-BE49-F238E27FC236}">
+                <a16:creationId xmlns:a16="http://schemas.microsoft.com/office/drawing/2014/main" id="{3C22F3F7-213F-4065-AADB-E80E5448D7BB}"/>
+              </a:ext>
+            </a:extLst>
+          </p:cNvPr>
+          <p:cNvSpPr>
+            <a:spLocks noGrp="1"/>
+          </p:cNvSpPr>
+          <p:nvPr>
+            <p:ph idx="1"/>
+          </p:nvPr>
+        </p:nvSpPr>
+        <p:spPr/>
+        <p:txBody>
+          <a:bodyPr/>
+          <a:lstStyle/>
+          <a:p>
+            <a:r>
+              <a:rPr lang="en-US" altLang="zh-CN" dirty="0"/>
+              <a:t>Resource Pattern</a:t>
+            </a:r>
+          </a:p>
+          <a:p>
+            <a:endParaRPr lang="en-US" altLang="zh-CN" dirty="0"/>
+          </a:p>
+          <a:p>
+            <a:endParaRPr lang="en-US" altLang="zh-CN" dirty="0"/>
+          </a:p>
+          <a:p>
+            <a:endParaRPr lang="en-US" altLang="zh-CN" dirty="0"/>
+          </a:p>
+          <a:p>
+            <a:r>
+              <a:rPr lang="en-US" altLang="zh-CN" dirty="0"/>
+              <a:t>Cache Pattern</a:t>
+            </a:r>
             <a:endParaRPr lang="zh-CN" altLang="en-US" dirty="0"/>
           </a:p>
         </p:txBody>
@@ -5963,7 +6171,7 @@
     </p:spTree>
     <p:extLst>
       <p:ext uri="{BB962C8B-B14F-4D97-AF65-F5344CB8AC3E}">
-        <p14:creationId xmlns:p14="http://schemas.microsoft.com/office/powerpoint/2010/main" val="1929298803"/>
+        <p14:creationId xmlns:p14="http://schemas.microsoft.com/office/powerpoint/2010/main" val="180097172"/>
       </p:ext>
     </p:extLst>
   </p:cSld>
@@ -5995,7 +6203,7 @@
           <p:cNvPr id="2" name="标题 1">
             <a:extLst>
               <a:ext uri="{FF2B5EF4-FFF2-40B4-BE49-F238E27FC236}">
-                <a16:creationId xmlns:a16="http://schemas.microsoft.com/office/drawing/2014/main" id="{0CB71D8E-4B1C-4417-812A-5FF35F14D2C2}"/>
+                <a16:creationId xmlns:a16="http://schemas.microsoft.com/office/drawing/2014/main" id="{4BC9CF7B-F16A-4232-B903-9E181D1E8514}"/>
               </a:ext>
             </a:extLst>
           </p:cNvPr>
@@ -6012,8 +6220,36 @@
           <a:lstStyle/>
           <a:p>
             <a:r>
-              <a:rPr lang="en-US" altLang="zh-CN" dirty="0"/>
-              <a:t>OOA</a:t>
+              <a:rPr lang="en-US" altLang="zh-CN" dirty="0">
+                <a:solidFill>
+                  <a:srgbClr val="FF0000"/>
+                </a:solidFill>
+              </a:rPr>
+              <a:t>Pattern</a:t>
+            </a:r>
+            <a:r>
+              <a:rPr lang="zh-CN" altLang="en-US" dirty="0">
+                <a:solidFill>
+                  <a:srgbClr val="FF0000"/>
+                </a:solidFill>
+              </a:rPr>
+              <a:t>场景</a:t>
+            </a:r>
+            <a:r>
+              <a:rPr lang="en-US" altLang="zh-CN" dirty="0">
+                <a:solidFill>
+                  <a:srgbClr val="FF0000"/>
+                </a:solidFill>
+              </a:rPr>
+              <a:t>3-</a:t>
+            </a:r>
+            <a:r>
+              <a:rPr lang="zh-CN" altLang="en-US" dirty="0">
+                <a:solidFill>
+                  <a:srgbClr val="FF0000"/>
+                </a:solidFill>
+              </a:rPr>
+              <a:t>设计模式</a:t>
             </a:r>
             <a:endParaRPr lang="zh-CN" altLang="en-US" dirty="0"/>
           </a:p>
@@ -6024,7 +6260,7 @@
           <p:cNvPr id="3" name="内容占位符 2">
             <a:extLst>
               <a:ext uri="{FF2B5EF4-FFF2-40B4-BE49-F238E27FC236}">
-                <a16:creationId xmlns:a16="http://schemas.microsoft.com/office/drawing/2014/main" id="{68FDA2F3-AEDA-4DF5-9327-9B95DBB64A37}"/>
+                <a16:creationId xmlns:a16="http://schemas.microsoft.com/office/drawing/2014/main" id="{B34E759B-6DE0-4811-8073-14D41EA41DAB}"/>
               </a:ext>
             </a:extLst>
           </p:cNvPr>
@@ -6041,57 +6277,151 @@
           <a:lstStyle/>
           <a:p>
             <a:r>
-              <a:rPr lang="zh-CN" altLang="en-US" dirty="0"/>
-              <a:t>经典方法</a:t>
-            </a:r>
-            <a:endParaRPr lang="en-US" altLang="zh-CN" dirty="0"/>
-          </a:p>
-          <a:p>
-            <a:r>
-              <a:rPr lang="zh-CN" altLang="en-US" dirty="0"/>
-              <a:t>行为分析</a:t>
-            </a:r>
-            <a:endParaRPr lang="en-US" altLang="zh-CN" dirty="0"/>
-          </a:p>
-          <a:p>
-            <a:r>
-              <a:rPr lang="zh-CN" altLang="en-US" dirty="0"/>
-              <a:t>领域分析</a:t>
-            </a:r>
-            <a:endParaRPr lang="en-US" altLang="zh-CN" dirty="0"/>
-          </a:p>
-          <a:p>
-            <a:r>
-              <a:rPr lang="zh-CN" altLang="en-US" dirty="0"/>
-              <a:t>用例分析</a:t>
-            </a:r>
-            <a:endParaRPr lang="en-US" altLang="zh-CN" dirty="0"/>
-          </a:p>
-          <a:p>
-            <a:r>
-              <a:rPr lang="en-US" altLang="zh-CN" dirty="0"/>
-              <a:t>CRC</a:t>
-            </a:r>
-          </a:p>
-          <a:p>
-            <a:r>
-              <a:rPr lang="zh-CN" altLang="en-US" dirty="0"/>
-              <a:t>非正式描述</a:t>
-            </a:r>
-            <a:endParaRPr lang="en-US" altLang="zh-CN" dirty="0"/>
-          </a:p>
-          <a:p>
-            <a:r>
-              <a:rPr lang="zh-CN" altLang="en-US" dirty="0"/>
-              <a:t>结构化分析</a:t>
-            </a:r>
+              <a:rPr lang="en-US" altLang="zh-CN" dirty="0"/>
+              <a:t>GOF 23</a:t>
+            </a:r>
+          </a:p>
+          <a:p>
+            <a:pPr lvl="1"/>
+            <a:r>
+              <a:rPr lang="zh-CN" altLang="en-US" sz="2400" dirty="0"/>
+              <a:t>为什么你想不到模式呢？</a:t>
+            </a:r>
+            <a:r>
+              <a:rPr lang="en-US" altLang="zh-CN" sz="2400" dirty="0"/>
+              <a:t>1 </a:t>
+            </a:r>
+            <a:r>
+              <a:rPr lang="zh-CN" altLang="en-US" sz="2400" dirty="0"/>
+              <a:t>缺少抽象，没有建模思想  </a:t>
+            </a:r>
+            <a:r>
+              <a:rPr lang="en-US" altLang="zh-CN" sz="2400" dirty="0"/>
+              <a:t>2 </a:t>
+            </a:r>
+            <a:r>
+              <a:rPr lang="zh-CN" altLang="en-US" sz="2400" dirty="0"/>
+              <a:t>对</a:t>
+            </a:r>
+            <a:r>
+              <a:rPr lang="en-US" altLang="zh-CN" sz="2400" dirty="0"/>
+              <a:t>23</a:t>
+            </a:r>
+            <a:r>
+              <a:rPr lang="zh-CN" altLang="en-US" sz="2400" dirty="0"/>
+              <a:t>种设计模式不熟悉  </a:t>
+            </a:r>
+            <a:endParaRPr lang="en-US" altLang="zh-CN" dirty="0"/>
+          </a:p>
+          <a:p>
+            <a:pPr lvl="1"/>
+            <a:r>
+              <a:rPr lang="zh-CN" altLang="en-US" sz="2400" dirty="0"/>
+              <a:t>为什么你想到了却不会用呢？ </a:t>
+            </a:r>
+            <a:r>
+              <a:rPr lang="en-US" altLang="zh-CN" sz="2400" dirty="0"/>
+              <a:t>1  </a:t>
+            </a:r>
+            <a:r>
+              <a:rPr lang="zh-CN" altLang="en-US" sz="2400" dirty="0"/>
+              <a:t>想错了  </a:t>
+            </a:r>
+            <a:r>
+              <a:rPr lang="en-US" altLang="zh-CN" sz="2400" dirty="0"/>
+              <a:t>2  </a:t>
+            </a:r>
+            <a:r>
+              <a:rPr lang="zh-CN" altLang="en-US" sz="2400" dirty="0"/>
+              <a:t>不理解模式解决的问题  </a:t>
+            </a:r>
+            <a:r>
+              <a:rPr lang="en-US" altLang="zh-CN" sz="2400" dirty="0"/>
+              <a:t>3 </a:t>
+            </a:r>
+            <a:r>
+              <a:rPr lang="zh-CN" altLang="en-US" dirty="0"/>
+              <a:t>代码功底</a:t>
+            </a:r>
+            <a:r>
+              <a:rPr lang="zh-CN" altLang="en-US" sz="2400" dirty="0"/>
+              <a:t>不好</a:t>
+            </a:r>
+            <a:endParaRPr lang="en-US" altLang="zh-CN" sz="2400" dirty="0"/>
+          </a:p>
+          <a:p>
+            <a:pPr lvl="1"/>
+            <a:r>
+              <a:rPr lang="zh-CN" altLang="en-US" sz="2400" dirty="0"/>
+              <a:t>加密机创建是单例，调用加密机和</a:t>
+            </a:r>
+            <a:r>
+              <a:rPr lang="en-US" altLang="zh-CN" sz="2400" dirty="0" err="1"/>
+              <a:t>hicoin</a:t>
+            </a:r>
+            <a:r>
+              <a:rPr lang="zh-CN" altLang="en-US" sz="2400" dirty="0"/>
+              <a:t>是</a:t>
+            </a:r>
+            <a:r>
+              <a:rPr lang="en-US" altLang="zh-CN" sz="2400" dirty="0"/>
+              <a:t>façade</a:t>
+            </a:r>
+            <a:r>
+              <a:rPr lang="zh-CN" altLang="en-US" sz="2400" dirty="0"/>
+              <a:t>，并不是封一层</a:t>
+            </a:r>
+            <a:endParaRPr lang="en-US" altLang="zh-CN" sz="2400" dirty="0"/>
+          </a:p>
+          <a:p>
+            <a:pPr lvl="1"/>
+            <a:r>
+              <a:rPr lang="zh-CN" altLang="en-US" sz="2400" dirty="0"/>
+              <a:t>口诀：</a:t>
+            </a:r>
+            <a:endParaRPr lang="en-US" altLang="zh-CN" sz="2400" dirty="0"/>
+          </a:p>
+          <a:p>
+            <a:pPr lvl="1"/>
+            <a:r>
+              <a:rPr lang="en-US" altLang="zh-CN" sz="2400" dirty="0"/>
+              <a:t>23</a:t>
+            </a:r>
+            <a:r>
+              <a:rPr lang="zh-CN" altLang="en-US" sz="2400" dirty="0"/>
+              <a:t>种设计模式使用场景全部背下来，别去理解。</a:t>
+            </a:r>
+            <a:endParaRPr lang="en-US" altLang="zh-CN" sz="2400" dirty="0"/>
+          </a:p>
+          <a:p>
+            <a:pPr lvl="1"/>
+            <a:endParaRPr lang="en-US" altLang="zh-CN" dirty="0"/>
+          </a:p>
+          <a:p>
+            <a:pPr lvl="1"/>
+            <a:r>
+              <a:rPr lang="zh-CN" altLang="en-US" sz="2400" dirty="0"/>
+              <a:t>项目例子：</a:t>
+            </a:r>
+            <a:r>
+              <a:rPr lang="en-US" altLang="zh-CN" sz="2400" dirty="0" err="1"/>
+              <a:t>com.chainup.common.result.CommonResult</a:t>
+            </a:r>
+            <a:r>
+              <a:rPr lang="en-US" altLang="zh-CN" sz="2400" dirty="0"/>
+              <a:t>   VS  @Builder</a:t>
+            </a:r>
+          </a:p>
+          <a:p>
+            <a:pPr lvl="1"/>
+            <a:endParaRPr lang="zh-CN" altLang="en-US" dirty="0"/>
           </a:p>
         </p:txBody>
       </p:sp>
     </p:spTree>
     <p:extLst>
       <p:ext uri="{BB962C8B-B14F-4D97-AF65-F5344CB8AC3E}">
-        <p14:creationId xmlns:p14="http://schemas.microsoft.com/office/powerpoint/2010/main" val="1604052164"/>
+        <p14:creationId xmlns:p14="http://schemas.microsoft.com/office/powerpoint/2010/main" val="808817118"/>
       </p:ext>
     </p:extLst>
   </p:cSld>
@@ -6123,7 +6453,7 @@
           <p:cNvPr id="2" name="标题 1">
             <a:extLst>
               <a:ext uri="{FF2B5EF4-FFF2-40B4-BE49-F238E27FC236}">
-                <a16:creationId xmlns:a16="http://schemas.microsoft.com/office/drawing/2014/main" id="{855D5FD8-7AE2-4BFA-8003-6A82D9C666C7}"/>
+                <a16:creationId xmlns:a16="http://schemas.microsoft.com/office/drawing/2014/main" id="{6F09B534-9917-4AEA-AD04-8CC490740DEF}"/>
               </a:ext>
             </a:extLst>
           </p:cNvPr>
@@ -6145,7 +6475,7 @@
                   <a:srgbClr val="FF0000"/>
                 </a:solidFill>
               </a:rPr>
-              <a:t>OOAD</a:t>
+              <a:t>Pattern</a:t>
             </a:r>
             <a:r>
               <a:rPr lang="zh-CN" altLang="en-US" dirty="0">
@@ -6161,16 +6491,9 @@
                   <a:srgbClr val="FF0000"/>
                 </a:solidFill>
               </a:rPr>
-              <a:t>1-</a:t>
-            </a:r>
-            <a:r>
-              <a:rPr lang="zh-CN" altLang="en-US" dirty="0">
-                <a:solidFill>
-                  <a:srgbClr val="FF0000"/>
-                </a:solidFill>
-              </a:rPr>
-              <a:t>重构</a:t>
-            </a:r>
+              <a:t>4-GRASP</a:t>
+            </a:r>
+            <a:endParaRPr lang="zh-CN" altLang="en-US" dirty="0"/>
           </a:p>
         </p:txBody>
       </p:sp>
@@ -6179,7 +6502,7 @@
           <p:cNvPr id="3" name="内容占位符 2">
             <a:extLst>
               <a:ext uri="{FF2B5EF4-FFF2-40B4-BE49-F238E27FC236}">
-                <a16:creationId xmlns:a16="http://schemas.microsoft.com/office/drawing/2014/main" id="{D017DDCF-3972-4D9F-A03D-0144BB666B0D}"/>
+                <a16:creationId xmlns:a16="http://schemas.microsoft.com/office/drawing/2014/main" id="{97CB8691-B800-4494-B08A-955F9FC78C49}"/>
               </a:ext>
             </a:extLst>
           </p:cNvPr>
@@ -6192,137 +6515,114 @@
         </p:nvSpPr>
         <p:spPr/>
         <p:txBody>
-          <a:bodyPr>
-            <a:normAutofit fontScale="92500" lnSpcReduction="20000"/>
-          </a:bodyPr>
-          <a:lstStyle/>
-          <a:p>
-            <a:r>
-              <a:rPr lang="en-US" altLang="zh-CN" dirty="0"/>
-              <a:t>@Refactor Project </a:t>
-            </a:r>
-          </a:p>
-          <a:p>
-            <a:r>
-              <a:rPr lang="en-US" altLang="zh-CN" dirty="0">
-                <a:hlinkClick r:id="rId3"/>
-              </a:rPr>
-              <a:t>https://github.com/xiaozhiliaoo/refactor</a:t>
-            </a:r>
-            <a:endParaRPr lang="en-US" altLang="zh-CN" dirty="0"/>
-          </a:p>
-          <a:p>
-            <a:r>
-              <a:rPr lang="en-US" altLang="zh-CN" dirty="0"/>
-              <a:t>&lt;dependency&gt;</a:t>
-            </a:r>
-          </a:p>
-          <a:p>
-            <a:r>
-              <a:rPr lang="en-US" altLang="zh-CN" dirty="0"/>
-              <a:t>    &lt;</a:t>
-            </a:r>
-            <a:r>
-              <a:rPr lang="en-US" altLang="zh-CN" dirty="0" err="1"/>
-              <a:t>groupId</a:t>
-            </a:r>
-            <a:r>
-              <a:rPr lang="en-US" altLang="zh-CN" dirty="0"/>
-              <a:t>&gt;</a:t>
-            </a:r>
-            <a:r>
-              <a:rPr lang="en-US" altLang="zh-CN" dirty="0" err="1"/>
-              <a:t>com.github.xiaozhiliaoo</a:t>
-            </a:r>
-            <a:r>
-              <a:rPr lang="en-US" altLang="zh-CN" dirty="0"/>
-              <a:t>&lt;/</a:t>
-            </a:r>
-            <a:r>
-              <a:rPr lang="en-US" altLang="zh-CN" dirty="0" err="1"/>
-              <a:t>groupId</a:t>
-            </a:r>
-            <a:r>
-              <a:rPr lang="en-US" altLang="zh-CN" dirty="0"/>
-              <a:t>&gt;</a:t>
-            </a:r>
-          </a:p>
-          <a:p>
-            <a:r>
-              <a:rPr lang="en-US" altLang="zh-CN" dirty="0"/>
-              <a:t>    &lt;</a:t>
-            </a:r>
-            <a:r>
-              <a:rPr lang="en-US" altLang="zh-CN" dirty="0" err="1"/>
-              <a:t>artifactId</a:t>
-            </a:r>
-            <a:r>
-              <a:rPr lang="en-US" altLang="zh-CN" dirty="0"/>
-              <a:t>&gt;refactor&lt;/</a:t>
-            </a:r>
-            <a:r>
-              <a:rPr lang="en-US" altLang="zh-CN" dirty="0" err="1"/>
-              <a:t>artifactId</a:t>
-            </a:r>
-            <a:r>
-              <a:rPr lang="en-US" altLang="zh-CN" dirty="0"/>
-              <a:t>&gt;</a:t>
-            </a:r>
-          </a:p>
-          <a:p>
-            <a:r>
-              <a:rPr lang="en-US" altLang="zh-CN" dirty="0"/>
-              <a:t>    &lt;version&gt;0.0.2&lt;/version&gt;</a:t>
-            </a:r>
-          </a:p>
-          <a:p>
-            <a:r>
-              <a:rPr lang="en-US" altLang="zh-CN" dirty="0"/>
-              <a:t>&lt;/dependency&gt;</a:t>
-            </a:r>
-          </a:p>
-          <a:p>
-            <a:endParaRPr lang="en-US" altLang="zh-CN" dirty="0"/>
-          </a:p>
-          <a:p>
-            <a:r>
-              <a:rPr lang="zh-CN" altLang="en-US" dirty="0"/>
-              <a:t>重复抽象：场外订单的</a:t>
-            </a:r>
-            <a:r>
-              <a:rPr lang="en-US" altLang="zh-CN" dirty="0" err="1"/>
-              <a:t>pc+app+open+open-api-server</a:t>
-            </a:r>
-            <a:r>
-              <a:rPr lang="en-US" altLang="zh-CN" dirty="0"/>
-              <a:t> format </a:t>
-            </a:r>
-            <a:r>
-              <a:rPr lang="zh-CN" altLang="en-US" dirty="0"/>
-              <a:t>四份代码</a:t>
-            </a:r>
-            <a:endParaRPr lang="en-US" altLang="zh-CN" dirty="0"/>
-          </a:p>
-          <a:p>
-            <a:r>
-              <a:rPr lang="zh-CN" altLang="en-US" dirty="0"/>
-              <a:t>大泥球：</a:t>
-            </a:r>
-            <a:r>
-              <a:rPr lang="en-US" altLang="zh-CN" dirty="0" err="1"/>
-              <a:t>PublicInfo</a:t>
-            </a:r>
-            <a:endParaRPr lang="en-US" altLang="zh-CN" dirty="0"/>
-          </a:p>
-          <a:p>
-            <a:endParaRPr lang="en-US" altLang="zh-CN" dirty="0"/>
+          <a:bodyPr/>
+          <a:lstStyle/>
+          <a:p>
+            <a:r>
+              <a:rPr lang="en-US" altLang="zh-CN" dirty="0"/>
+              <a:t>Spring IOC</a:t>
+            </a:r>
+            <a:r>
+              <a:rPr lang="zh-CN" altLang="en-US" dirty="0"/>
+              <a:t>拒绝创建者。 订单和产品谁创建谁？</a:t>
+            </a:r>
+            <a:r>
+              <a:rPr lang="en-US" altLang="zh-CN" dirty="0"/>
+              <a:t>Spring</a:t>
+            </a:r>
+            <a:r>
+              <a:rPr lang="zh-CN" altLang="en-US" dirty="0"/>
+              <a:t>使得对对象思考少了很多。但是当你实际写超过</a:t>
+            </a:r>
+            <a:r>
+              <a:rPr lang="en-US" altLang="zh-CN" dirty="0"/>
+              <a:t>5</a:t>
+            </a:r>
+            <a:r>
+              <a:rPr lang="zh-CN" altLang="en-US" dirty="0"/>
+              <a:t>个类以上交互，就会体会设计的价值了。</a:t>
+            </a:r>
+            <a:endParaRPr lang="en-US" altLang="zh-CN" dirty="0"/>
+          </a:p>
+          <a:p>
+            <a:endParaRPr lang="en-US" altLang="zh-CN" dirty="0"/>
+          </a:p>
+          <a:p>
+            <a:r>
+              <a:rPr lang="en-US" altLang="zh-CN" dirty="0"/>
+              <a:t>PV(Pure fabrication)</a:t>
+            </a:r>
+            <a:r>
+              <a:rPr lang="zh-CN" altLang="en-US" dirty="0"/>
+              <a:t>是根本原则，评估开发者和架构师的成熟度。</a:t>
+            </a:r>
+            <a:r>
+              <a:rPr lang="en-US" altLang="zh-CN" dirty="0"/>
+              <a:t>Information Hidden.</a:t>
+            </a:r>
+          </a:p>
+          <a:p>
+            <a:endParaRPr lang="en-US" altLang="zh-CN" dirty="0"/>
+          </a:p>
+          <a:p>
+            <a:r>
+              <a:rPr lang="zh-CN" altLang="en-US" dirty="0"/>
+              <a:t>源码阅读指南</a:t>
+            </a:r>
+            <a:r>
+              <a:rPr lang="en-US" altLang="zh-CN" dirty="0"/>
+              <a:t>(1</a:t>
+            </a:r>
+            <a:r>
+              <a:rPr lang="zh-CN" altLang="en-US" dirty="0"/>
+              <a:t>个类，</a:t>
+            </a:r>
+            <a:r>
+              <a:rPr lang="en-US" altLang="zh-CN" dirty="0"/>
+              <a:t>5</a:t>
+            </a:r>
+            <a:r>
+              <a:rPr lang="zh-CN" altLang="en-US" dirty="0"/>
+              <a:t>个类，</a:t>
+            </a:r>
+            <a:r>
+              <a:rPr lang="en-US" altLang="zh-CN" dirty="0"/>
+              <a:t>50</a:t>
+            </a:r>
+            <a:r>
+              <a:rPr lang="zh-CN" altLang="en-US" dirty="0"/>
+              <a:t>个类，</a:t>
+            </a:r>
+            <a:r>
+              <a:rPr lang="en-US" altLang="zh-CN" dirty="0"/>
+              <a:t>500</a:t>
+            </a:r>
+            <a:r>
+              <a:rPr lang="zh-CN" altLang="en-US" dirty="0"/>
+              <a:t>个类，</a:t>
+            </a:r>
+            <a:r>
+              <a:rPr lang="en-US" altLang="zh-CN" dirty="0"/>
+              <a:t>2000</a:t>
+            </a:r>
+            <a:r>
+              <a:rPr lang="zh-CN" altLang="en-US" dirty="0"/>
+              <a:t>个类</a:t>
+            </a:r>
+            <a:r>
+              <a:rPr lang="en-US" altLang="zh-CN" dirty="0"/>
+              <a:t>)</a:t>
+            </a:r>
+          </a:p>
+          <a:p>
+            <a:endParaRPr lang="zh-CN" altLang="en-US" dirty="0"/>
           </a:p>
         </p:txBody>
       </p:sp>
     </p:spTree>
     <p:extLst>
       <p:ext uri="{BB962C8B-B14F-4D97-AF65-F5344CB8AC3E}">
-        <p14:creationId xmlns:p14="http://schemas.microsoft.com/office/powerpoint/2010/main" val="3646179414"/>
+        <p14:creationId xmlns:p14="http://schemas.microsoft.com/office/powerpoint/2010/main" val="1844410192"/>
       </p:ext>
     </p:extLst>
   </p:cSld>
@@ -6351,130 +6651,58 @@
       </p:grpSpPr>
       <p:sp>
         <p:nvSpPr>
-          <p:cNvPr id="2" name="标题 1">
-            <a:extLst>
-              <a:ext uri="{FF2B5EF4-FFF2-40B4-BE49-F238E27FC236}">
-                <a16:creationId xmlns:a16="http://schemas.microsoft.com/office/drawing/2014/main" id="{477F4DC3-A261-454F-8FF6-9308A049EFBE}"/>
-              </a:ext>
-            </a:extLst>
-          </p:cNvPr>
-          <p:cNvSpPr>
-            <a:spLocks noGrp="1"/>
-          </p:cNvSpPr>
-          <p:nvPr>
-            <p:ph type="title"/>
-          </p:nvPr>
-        </p:nvSpPr>
-        <p:spPr/>
-        <p:txBody>
-          <a:bodyPr/>
-          <a:lstStyle/>
-          <a:p>
-            <a:r>
-              <a:rPr lang="en-US" altLang="zh-CN" dirty="0">
-                <a:solidFill>
-                  <a:srgbClr val="FF0000"/>
-                </a:solidFill>
-              </a:rPr>
-              <a:t>OOAD</a:t>
-            </a:r>
-            <a:r>
-              <a:rPr lang="zh-CN" altLang="en-US" dirty="0">
-                <a:solidFill>
-                  <a:srgbClr val="FF0000"/>
-                </a:solidFill>
-              </a:rPr>
-              <a:t>场景</a:t>
-            </a:r>
-            <a:r>
-              <a:rPr lang="en-US" altLang="zh-CN" dirty="0">
-                <a:solidFill>
-                  <a:srgbClr val="FF0000"/>
-                </a:solidFill>
-              </a:rPr>
-              <a:t>2-</a:t>
-            </a:r>
-            <a:r>
-              <a:rPr lang="zh-CN" altLang="en-US" dirty="0">
-                <a:solidFill>
-                  <a:srgbClr val="FF0000"/>
-                </a:solidFill>
-              </a:rPr>
-              <a:t>建模</a:t>
-            </a:r>
-            <a:endParaRPr lang="zh-CN" altLang="en-US" dirty="0"/>
-          </a:p>
-        </p:txBody>
-      </p:sp>
-      <p:sp>
-        <p:nvSpPr>
-          <p:cNvPr id="3" name="内容占位符 2">
-            <a:extLst>
-              <a:ext uri="{FF2B5EF4-FFF2-40B4-BE49-F238E27FC236}">
-                <a16:creationId xmlns:a16="http://schemas.microsoft.com/office/drawing/2014/main" id="{E1DC7A37-F20A-4993-97DC-6590A5691A78}"/>
-              </a:ext>
-            </a:extLst>
-          </p:cNvPr>
-          <p:cNvSpPr>
-            <a:spLocks noGrp="1"/>
-          </p:cNvSpPr>
-          <p:nvPr>
-            <p:ph idx="1"/>
-          </p:nvPr>
-        </p:nvSpPr>
-        <p:spPr/>
-        <p:txBody>
-          <a:bodyPr/>
-          <a:lstStyle/>
-          <a:p>
-            <a:r>
-              <a:rPr lang="zh-CN" altLang="en-US" dirty="0"/>
-              <a:t>书和书架关系是什么？</a:t>
-            </a:r>
-            <a:endParaRPr lang="en-US" altLang="zh-CN" dirty="0"/>
-          </a:p>
-          <a:p>
-            <a:r>
-              <a:rPr lang="zh-CN" altLang="en-US" dirty="0"/>
-              <a:t>把大象放进冰箱有几步？</a:t>
-            </a:r>
-            <a:endParaRPr lang="en-US" altLang="zh-CN" dirty="0"/>
-          </a:p>
-          <a:p>
-            <a:r>
-              <a:rPr lang="zh-CN" altLang="en-US" dirty="0"/>
-              <a:t>棉花糖是糖，不是棉花。</a:t>
-            </a:r>
-            <a:endParaRPr lang="en-US" altLang="zh-CN" dirty="0"/>
-          </a:p>
-          <a:p>
-            <a:r>
-              <a:rPr lang="zh-CN" altLang="en-US" dirty="0"/>
-              <a:t>钱</a:t>
-            </a:r>
-            <a:r>
-              <a:rPr lang="en-US" altLang="zh-CN" dirty="0"/>
-              <a:t>(Money)</a:t>
-            </a:r>
-            <a:r>
-              <a:rPr lang="zh-CN" altLang="en-US" dirty="0"/>
-              <a:t>是</a:t>
-            </a:r>
-            <a:r>
-              <a:rPr lang="en-US" altLang="zh-CN" dirty="0" err="1"/>
-              <a:t>BigDecimal</a:t>
-            </a:r>
-            <a:r>
-              <a:rPr lang="zh-CN" altLang="en-US" dirty="0"/>
-              <a:t>吗？</a:t>
-            </a:r>
+          <p:cNvPr id="5" name="矩形 4">
+            <a:extLst>
+              <a:ext uri="{FF2B5EF4-FFF2-40B4-BE49-F238E27FC236}">
+                <a16:creationId xmlns:a16="http://schemas.microsoft.com/office/drawing/2014/main" id="{772F4626-152A-43B3-B1F6-E1CA96BCA947}"/>
+              </a:ext>
+            </a:extLst>
+          </p:cNvPr>
+          <p:cNvSpPr/>
+          <p:nvPr/>
+        </p:nvSpPr>
+        <p:spPr>
+          <a:xfrm>
+            <a:off x="0" y="2133600"/>
+            <a:ext cx="12192000" cy="1669774"/>
+          </a:xfrm>
+          <a:prstGeom prst="rect">
+            <a:avLst/>
+          </a:prstGeom>
+        </p:spPr>
+        <p:style>
+          <a:lnRef idx="2">
+            <a:schemeClr val="accent1">
+              <a:shade val="50000"/>
+            </a:schemeClr>
+          </a:lnRef>
+          <a:fillRef idx="1">
+            <a:schemeClr val="accent1"/>
+          </a:fillRef>
+          <a:effectRef idx="0">
+            <a:schemeClr val="accent1"/>
+          </a:effectRef>
+          <a:fontRef idx="minor">
+            <a:schemeClr val="lt1"/>
+          </a:fontRef>
+        </p:style>
+        <p:txBody>
+          <a:bodyPr rtlCol="0" anchor="ctr"/>
+          <a:lstStyle/>
+          <a:p>
+            <a:pPr algn="ctr"/>
+            <a:r>
+              <a:rPr lang="en-US" altLang="zh-CN" sz="4800" dirty="0"/>
+              <a:t>3. OOADP</a:t>
+            </a:r>
+            <a:endParaRPr lang="zh-CN" altLang="en-US" sz="4800" dirty="0"/>
           </a:p>
         </p:txBody>
       </p:sp>
     </p:spTree>
     <p:extLst>
       <p:ext uri="{BB962C8B-B14F-4D97-AF65-F5344CB8AC3E}">
-        <p14:creationId xmlns:p14="http://schemas.microsoft.com/office/powerpoint/2010/main" val="423398469"/>
+        <p14:creationId xmlns:p14="http://schemas.microsoft.com/office/powerpoint/2010/main" val="2763383156"/>
       </p:ext>
     </p:extLst>
   </p:cSld>
@@ -6506,7 +6734,434 @@
           <p:cNvPr id="2" name="标题 1">
             <a:extLst>
               <a:ext uri="{FF2B5EF4-FFF2-40B4-BE49-F238E27FC236}">
-                <a16:creationId xmlns:a16="http://schemas.microsoft.com/office/drawing/2014/main" id="{B3E13A93-E12A-4A96-B0FC-2AC75B306E49}"/>
+                <a16:creationId xmlns:a16="http://schemas.microsoft.com/office/drawing/2014/main" id="{81C915D7-3C1E-4E5A-86F1-CDADE45C0203}"/>
+              </a:ext>
+            </a:extLst>
+          </p:cNvPr>
+          <p:cNvSpPr>
+            <a:spLocks noGrp="1"/>
+          </p:cNvSpPr>
+          <p:nvPr>
+            <p:ph type="title"/>
+          </p:nvPr>
+        </p:nvSpPr>
+        <p:spPr/>
+        <p:txBody>
+          <a:bodyPr/>
+          <a:lstStyle/>
+          <a:p>
+            <a:r>
+              <a:rPr lang="en-US" altLang="zh-CN" dirty="0">
+                <a:solidFill>
+                  <a:srgbClr val="FF0000"/>
+                </a:solidFill>
+              </a:rPr>
+              <a:t>OOADP</a:t>
+            </a:r>
+            <a:endParaRPr lang="zh-CN" altLang="en-US" dirty="0">
+              <a:solidFill>
+                <a:srgbClr val="FF0000"/>
+              </a:solidFill>
+            </a:endParaRPr>
+          </a:p>
+        </p:txBody>
+      </p:sp>
+      <p:sp>
+        <p:nvSpPr>
+          <p:cNvPr id="3" name="内容占位符 2">
+            <a:extLst>
+              <a:ext uri="{FF2B5EF4-FFF2-40B4-BE49-F238E27FC236}">
+                <a16:creationId xmlns:a16="http://schemas.microsoft.com/office/drawing/2014/main" id="{6FEE6E2C-6CE0-4C29-9BFD-BDAA8E279F0A}"/>
+              </a:ext>
+            </a:extLst>
+          </p:cNvPr>
+          <p:cNvSpPr>
+            <a:spLocks noGrp="1"/>
+          </p:cNvSpPr>
+          <p:nvPr>
+            <p:ph idx="1"/>
+          </p:nvPr>
+        </p:nvSpPr>
+        <p:spPr/>
+        <p:txBody>
+          <a:bodyPr>
+            <a:normAutofit fontScale="92500" lnSpcReduction="20000"/>
+          </a:bodyPr>
+          <a:lstStyle/>
+          <a:p>
+            <a:pPr marL="0" indent="0">
+              <a:buNone/>
+            </a:pPr>
+            <a:r>
+              <a:rPr lang="zh-CN" altLang="en-US" dirty="0"/>
+              <a:t>思想核心：分类思想</a:t>
+            </a:r>
+            <a:endParaRPr lang="en-US" altLang="zh-CN" dirty="0"/>
+          </a:p>
+          <a:p>
+            <a:r>
+              <a:rPr lang="en-US" altLang="zh-CN" sz="2000" dirty="0"/>
+              <a:t>1   </a:t>
+            </a:r>
+            <a:r>
+              <a:rPr lang="zh-CN" altLang="en-US" sz="2000" dirty="0"/>
+              <a:t>抽象</a:t>
+            </a:r>
+            <a:endParaRPr lang="en-US" altLang="zh-CN" sz="2000" dirty="0"/>
+          </a:p>
+          <a:p>
+            <a:r>
+              <a:rPr lang="en-US" altLang="zh-CN" sz="2000" dirty="0"/>
+              <a:t>2   </a:t>
+            </a:r>
+            <a:r>
+              <a:rPr lang="zh-CN" altLang="en-US" sz="2000" dirty="0"/>
+              <a:t>封装</a:t>
+            </a:r>
+            <a:endParaRPr lang="en-US" altLang="zh-CN" sz="2000" dirty="0"/>
+          </a:p>
+          <a:p>
+            <a:r>
+              <a:rPr lang="en-US" altLang="zh-CN" sz="2000" dirty="0"/>
+              <a:t>3   </a:t>
+            </a:r>
+            <a:r>
+              <a:rPr lang="zh-CN" altLang="en-US" sz="2000" dirty="0"/>
+              <a:t>模块化</a:t>
+            </a:r>
+            <a:endParaRPr lang="en-US" altLang="zh-CN" sz="2000" dirty="0"/>
+          </a:p>
+          <a:p>
+            <a:r>
+              <a:rPr lang="en-US" altLang="zh-CN" sz="2000" dirty="0"/>
+              <a:t>4   </a:t>
+            </a:r>
+            <a:r>
+              <a:rPr lang="zh-CN" altLang="en-US" sz="2000" dirty="0"/>
+              <a:t>层次化</a:t>
+            </a:r>
+            <a:endParaRPr lang="en-US" altLang="zh-CN" sz="2000" dirty="0"/>
+          </a:p>
+          <a:p>
+            <a:endParaRPr lang="en-US" altLang="zh-CN" sz="2000" dirty="0"/>
+          </a:p>
+          <a:p>
+            <a:r>
+              <a:rPr lang="en-US" altLang="zh-CN" sz="2000" dirty="0"/>
+              <a:t>OO</a:t>
+            </a:r>
+          </a:p>
+          <a:p>
+            <a:r>
+              <a:rPr lang="zh-CN" altLang="en-US" sz="2000" dirty="0"/>
+              <a:t>封装，继承，多态，组合</a:t>
+            </a:r>
+            <a:endParaRPr lang="en-US" altLang="zh-CN" sz="2000" dirty="0"/>
+          </a:p>
+          <a:p>
+            <a:endParaRPr lang="en-US" altLang="zh-CN" sz="2000" dirty="0"/>
+          </a:p>
+          <a:p>
+            <a:r>
+              <a:rPr lang="en-US" altLang="zh-CN" sz="2000" dirty="0"/>
+              <a:t>OOA</a:t>
+            </a:r>
+            <a:r>
+              <a:rPr lang="zh-CN" altLang="en-US" sz="2000" dirty="0"/>
+              <a:t>：从问题域词汇表确定类</a:t>
+            </a:r>
+            <a:r>
+              <a:rPr lang="en-US" altLang="zh-CN" sz="2000" dirty="0"/>
+              <a:t>(</a:t>
+            </a:r>
+            <a:r>
+              <a:rPr lang="zh-CN" altLang="en-US" sz="2000" dirty="0"/>
+              <a:t>关键抽象</a:t>
+            </a:r>
+            <a:r>
+              <a:rPr lang="en-US" altLang="zh-CN" sz="2000" dirty="0"/>
+              <a:t>)</a:t>
+            </a:r>
+            <a:r>
+              <a:rPr lang="zh-CN" altLang="en-US" sz="2000" dirty="0"/>
+              <a:t>，创建协作结构</a:t>
+            </a:r>
+            <a:r>
+              <a:rPr lang="en-US" altLang="zh-CN" sz="2000" dirty="0"/>
+              <a:t>(</a:t>
+            </a:r>
+            <a:r>
+              <a:rPr lang="zh-CN" altLang="en-US" sz="2000" dirty="0"/>
+              <a:t>机制</a:t>
+            </a:r>
+            <a:r>
+              <a:rPr lang="en-US" altLang="zh-CN" sz="2000" dirty="0"/>
+              <a:t>)</a:t>
+            </a:r>
+            <a:r>
+              <a:rPr lang="zh-CN" altLang="en-US" sz="2000" dirty="0"/>
+              <a:t>，多组对象一起工作，满足需求，</a:t>
+            </a:r>
+            <a:endParaRPr lang="en-US" altLang="zh-CN" sz="2000" dirty="0"/>
+          </a:p>
+          <a:p>
+            <a:r>
+              <a:rPr lang="en-US" altLang="zh-CN" sz="2000" b="1" dirty="0">
+                <a:solidFill>
+                  <a:srgbClr val="FF0000"/>
+                </a:solidFill>
+              </a:rPr>
+              <a:t>OOD</a:t>
+            </a:r>
+            <a:r>
+              <a:rPr lang="zh-CN" altLang="en-US" sz="2000" b="1" dirty="0">
+                <a:solidFill>
+                  <a:srgbClr val="FF0000"/>
+                </a:solidFill>
+              </a:rPr>
+              <a:t>：</a:t>
+            </a:r>
+            <a:r>
+              <a:rPr lang="en-US" altLang="zh-CN" sz="2000" b="1" dirty="0">
+                <a:solidFill>
+                  <a:srgbClr val="FF0000"/>
+                </a:solidFill>
+              </a:rPr>
+              <a:t>RDD</a:t>
+            </a:r>
+            <a:r>
+              <a:rPr lang="zh-CN" altLang="en-US" sz="2000" b="1" dirty="0">
+                <a:solidFill>
+                  <a:srgbClr val="FF0000"/>
+                </a:solidFill>
+              </a:rPr>
+              <a:t>，</a:t>
+            </a:r>
+            <a:r>
+              <a:rPr lang="en-US" altLang="zh-CN" sz="2000" b="1" dirty="0">
+                <a:solidFill>
+                  <a:srgbClr val="FF0000"/>
+                </a:solidFill>
+              </a:rPr>
+              <a:t>GRASP</a:t>
+            </a:r>
+            <a:r>
+              <a:rPr lang="zh-CN" altLang="en-US" sz="2000" b="1" dirty="0">
+                <a:solidFill>
+                  <a:srgbClr val="FF0000"/>
+                </a:solidFill>
+              </a:rPr>
+              <a:t>，</a:t>
+            </a:r>
+            <a:r>
+              <a:rPr lang="en-US" altLang="zh-CN" sz="2000" b="1" dirty="0">
+                <a:solidFill>
+                  <a:srgbClr val="FF0000"/>
+                </a:solidFill>
+              </a:rPr>
+              <a:t>GOF</a:t>
+            </a:r>
+          </a:p>
+          <a:p>
+            <a:r>
+              <a:rPr lang="en-US" altLang="zh-CN" sz="2000" dirty="0"/>
+              <a:t>OOP: </a:t>
+            </a:r>
+            <a:r>
+              <a:rPr lang="zh-CN" altLang="en-US" sz="2000" dirty="0"/>
+              <a:t>类和对象，接口，抽象类，方法，消息</a:t>
+            </a:r>
+            <a:endParaRPr lang="en-US" altLang="zh-CN" sz="2000" dirty="0"/>
+          </a:p>
+          <a:p>
+            <a:endParaRPr lang="en-US" altLang="zh-CN" sz="2000" dirty="0"/>
+          </a:p>
+          <a:p>
+            <a:pPr marL="0" indent="0">
+              <a:buNone/>
+            </a:pPr>
+            <a:endParaRPr lang="en-US" altLang="zh-CN" sz="2000" dirty="0"/>
+          </a:p>
+          <a:p>
+            <a:endParaRPr lang="en-US" altLang="zh-CN" dirty="0"/>
+          </a:p>
+          <a:p>
+            <a:endParaRPr lang="zh-CN" altLang="en-US" dirty="0"/>
+          </a:p>
+        </p:txBody>
+      </p:sp>
+    </p:spTree>
+    <p:extLst>
+      <p:ext uri="{BB962C8B-B14F-4D97-AF65-F5344CB8AC3E}">
+        <p14:creationId xmlns:p14="http://schemas.microsoft.com/office/powerpoint/2010/main" val="1929298803"/>
+      </p:ext>
+    </p:extLst>
+  </p:cSld>
+  <p:clrMapOvr>
+    <a:masterClrMapping/>
+  </p:clrMapOvr>
+</p:sld>
+</file>
+
+<file path=ppt/slides/slide18.xml><?xml version="1.0" encoding="utf-8"?>
+<p:sld xmlns:a="http://schemas.openxmlformats.org/drawingml/2006/main" xmlns:r="http://schemas.openxmlformats.org/officeDocument/2006/relationships" xmlns:p="http://schemas.openxmlformats.org/presentationml/2006/main">
+  <p:cSld>
+    <p:spTree>
+      <p:nvGrpSpPr>
+        <p:cNvPr id="1" name=""/>
+        <p:cNvGrpSpPr/>
+        <p:nvPr/>
+      </p:nvGrpSpPr>
+      <p:grpSpPr>
+        <a:xfrm>
+          <a:off x="0" y="0"/>
+          <a:ext cx="0" cy="0"/>
+          <a:chOff x="0" y="0"/>
+          <a:chExt cx="0" cy="0"/>
+        </a:xfrm>
+      </p:grpSpPr>
+      <p:sp>
+        <p:nvSpPr>
+          <p:cNvPr id="2" name="标题 1">
+            <a:extLst>
+              <a:ext uri="{FF2B5EF4-FFF2-40B4-BE49-F238E27FC236}">
+                <a16:creationId xmlns:a16="http://schemas.microsoft.com/office/drawing/2014/main" id="{0CB71D8E-4B1C-4417-812A-5FF35F14D2C2}"/>
+              </a:ext>
+            </a:extLst>
+          </p:cNvPr>
+          <p:cNvSpPr>
+            <a:spLocks noGrp="1"/>
+          </p:cNvSpPr>
+          <p:nvPr>
+            <p:ph type="title"/>
+          </p:nvPr>
+        </p:nvSpPr>
+        <p:spPr/>
+        <p:txBody>
+          <a:bodyPr/>
+          <a:lstStyle/>
+          <a:p>
+            <a:r>
+              <a:rPr lang="en-US" altLang="zh-CN" dirty="0">
+                <a:solidFill>
+                  <a:srgbClr val="FF0000"/>
+                </a:solidFill>
+              </a:rPr>
+              <a:t>OOA</a:t>
+            </a:r>
+            <a:endParaRPr lang="zh-CN" altLang="en-US" dirty="0">
+              <a:solidFill>
+                <a:srgbClr val="FF0000"/>
+              </a:solidFill>
+            </a:endParaRPr>
+          </a:p>
+        </p:txBody>
+      </p:sp>
+      <p:sp>
+        <p:nvSpPr>
+          <p:cNvPr id="3" name="内容占位符 2">
+            <a:extLst>
+              <a:ext uri="{FF2B5EF4-FFF2-40B4-BE49-F238E27FC236}">
+                <a16:creationId xmlns:a16="http://schemas.microsoft.com/office/drawing/2014/main" id="{68FDA2F3-AEDA-4DF5-9327-9B95DBB64A37}"/>
+              </a:ext>
+            </a:extLst>
+          </p:cNvPr>
+          <p:cNvSpPr>
+            <a:spLocks noGrp="1"/>
+          </p:cNvSpPr>
+          <p:nvPr>
+            <p:ph idx="1"/>
+          </p:nvPr>
+        </p:nvSpPr>
+        <p:spPr/>
+        <p:txBody>
+          <a:bodyPr/>
+          <a:lstStyle/>
+          <a:p>
+            <a:r>
+              <a:rPr lang="zh-CN" altLang="en-US" dirty="0"/>
+              <a:t>经典方法</a:t>
+            </a:r>
+            <a:endParaRPr lang="en-US" altLang="zh-CN" dirty="0"/>
+          </a:p>
+          <a:p>
+            <a:r>
+              <a:rPr lang="zh-CN" altLang="en-US" dirty="0"/>
+              <a:t>行为分析</a:t>
+            </a:r>
+            <a:endParaRPr lang="en-US" altLang="zh-CN" dirty="0"/>
+          </a:p>
+          <a:p>
+            <a:r>
+              <a:rPr lang="zh-CN" altLang="en-US" dirty="0"/>
+              <a:t>领域分析</a:t>
+            </a:r>
+            <a:endParaRPr lang="en-US" altLang="zh-CN" dirty="0"/>
+          </a:p>
+          <a:p>
+            <a:r>
+              <a:rPr lang="zh-CN" altLang="en-US" dirty="0"/>
+              <a:t>用例分析</a:t>
+            </a:r>
+            <a:endParaRPr lang="en-US" altLang="zh-CN" dirty="0"/>
+          </a:p>
+          <a:p>
+            <a:r>
+              <a:rPr lang="en-US" altLang="zh-CN" dirty="0"/>
+              <a:t>CRC</a:t>
+            </a:r>
+          </a:p>
+          <a:p>
+            <a:r>
+              <a:rPr lang="zh-CN" altLang="en-US" dirty="0"/>
+              <a:t>非正式描述</a:t>
+            </a:r>
+            <a:endParaRPr lang="en-US" altLang="zh-CN" dirty="0"/>
+          </a:p>
+          <a:p>
+            <a:r>
+              <a:rPr lang="zh-CN" altLang="en-US" dirty="0"/>
+              <a:t>结构化分析</a:t>
+            </a:r>
+          </a:p>
+        </p:txBody>
+      </p:sp>
+    </p:spTree>
+    <p:extLst>
+      <p:ext uri="{BB962C8B-B14F-4D97-AF65-F5344CB8AC3E}">
+        <p14:creationId xmlns:p14="http://schemas.microsoft.com/office/powerpoint/2010/main" val="1604052164"/>
+      </p:ext>
+    </p:extLst>
+  </p:cSld>
+  <p:clrMapOvr>
+    <a:masterClrMapping/>
+  </p:clrMapOvr>
+</p:sld>
+</file>
+
+<file path=ppt/slides/slide19.xml><?xml version="1.0" encoding="utf-8"?>
+<p:sld xmlns:a="http://schemas.openxmlformats.org/drawingml/2006/main" xmlns:r="http://schemas.openxmlformats.org/officeDocument/2006/relationships" xmlns:p="http://schemas.openxmlformats.org/presentationml/2006/main">
+  <p:cSld>
+    <p:spTree>
+      <p:nvGrpSpPr>
+        <p:cNvPr id="1" name=""/>
+        <p:cNvGrpSpPr/>
+        <p:nvPr/>
+      </p:nvGrpSpPr>
+      <p:grpSpPr>
+        <a:xfrm>
+          <a:off x="0" y="0"/>
+          <a:ext cx="0" cy="0"/>
+          <a:chOff x="0" y="0"/>
+          <a:chExt cx="0" cy="0"/>
+        </a:xfrm>
+      </p:grpSpPr>
+      <p:sp>
+        <p:nvSpPr>
+          <p:cNvPr id="2" name="标题 1">
+            <a:extLst>
+              <a:ext uri="{FF2B5EF4-FFF2-40B4-BE49-F238E27FC236}">
+                <a16:creationId xmlns:a16="http://schemas.microsoft.com/office/drawing/2014/main" id="{855D5FD8-7AE2-4BFA-8003-6A82D9C666C7}"/>
               </a:ext>
             </a:extLst>
           </p:cNvPr>
@@ -6544,6 +7199,768 @@
                   <a:srgbClr val="FF0000"/>
                 </a:solidFill>
               </a:rPr>
+              <a:t>1-</a:t>
+            </a:r>
+            <a:r>
+              <a:rPr lang="zh-CN" altLang="en-US" dirty="0">
+                <a:solidFill>
+                  <a:srgbClr val="FF0000"/>
+                </a:solidFill>
+              </a:rPr>
+              <a:t>重构</a:t>
+            </a:r>
+          </a:p>
+        </p:txBody>
+      </p:sp>
+      <p:sp>
+        <p:nvSpPr>
+          <p:cNvPr id="3" name="内容占位符 2">
+            <a:extLst>
+              <a:ext uri="{FF2B5EF4-FFF2-40B4-BE49-F238E27FC236}">
+                <a16:creationId xmlns:a16="http://schemas.microsoft.com/office/drawing/2014/main" id="{D017DDCF-3972-4D9F-A03D-0144BB666B0D}"/>
+              </a:ext>
+            </a:extLst>
+          </p:cNvPr>
+          <p:cNvSpPr>
+            <a:spLocks noGrp="1"/>
+          </p:cNvSpPr>
+          <p:nvPr>
+            <p:ph idx="1"/>
+          </p:nvPr>
+        </p:nvSpPr>
+        <p:spPr/>
+        <p:txBody>
+          <a:bodyPr>
+            <a:normAutofit fontScale="85000" lnSpcReduction="20000"/>
+          </a:bodyPr>
+          <a:lstStyle/>
+          <a:p>
+            <a:r>
+              <a:rPr lang="zh-CN" altLang="en-US" dirty="0"/>
+              <a:t>重构哪些？</a:t>
+            </a:r>
+            <a:endParaRPr lang="en-US" altLang="zh-CN" dirty="0"/>
+          </a:p>
+          <a:p>
+            <a:r>
+              <a:rPr lang="en-US" altLang="zh-CN" dirty="0"/>
+              <a:t>@Refactor Project </a:t>
+            </a:r>
+          </a:p>
+          <a:p>
+            <a:r>
+              <a:rPr lang="en-US" altLang="zh-CN" dirty="0">
+                <a:hlinkClick r:id="rId3"/>
+              </a:rPr>
+              <a:t>https://github.com/xiaozhiliaoo/refactor</a:t>
+            </a:r>
+            <a:endParaRPr lang="en-US" altLang="zh-CN" dirty="0"/>
+          </a:p>
+          <a:p>
+            <a:r>
+              <a:rPr lang="en-US" altLang="zh-CN" dirty="0"/>
+              <a:t>&lt;dependency&gt;</a:t>
+            </a:r>
+          </a:p>
+          <a:p>
+            <a:r>
+              <a:rPr lang="en-US" altLang="zh-CN" dirty="0"/>
+              <a:t>    &lt;</a:t>
+            </a:r>
+            <a:r>
+              <a:rPr lang="en-US" altLang="zh-CN" dirty="0" err="1"/>
+              <a:t>groupId</a:t>
+            </a:r>
+            <a:r>
+              <a:rPr lang="en-US" altLang="zh-CN" dirty="0"/>
+              <a:t>&gt;</a:t>
+            </a:r>
+            <a:r>
+              <a:rPr lang="en-US" altLang="zh-CN" dirty="0" err="1"/>
+              <a:t>com.github.xiaozhiliaoo</a:t>
+            </a:r>
+            <a:r>
+              <a:rPr lang="en-US" altLang="zh-CN" dirty="0"/>
+              <a:t>&lt;/</a:t>
+            </a:r>
+            <a:r>
+              <a:rPr lang="en-US" altLang="zh-CN" dirty="0" err="1"/>
+              <a:t>groupId</a:t>
+            </a:r>
+            <a:r>
+              <a:rPr lang="en-US" altLang="zh-CN" dirty="0"/>
+              <a:t>&gt;</a:t>
+            </a:r>
+          </a:p>
+          <a:p>
+            <a:r>
+              <a:rPr lang="en-US" altLang="zh-CN" dirty="0"/>
+              <a:t>    &lt;</a:t>
+            </a:r>
+            <a:r>
+              <a:rPr lang="en-US" altLang="zh-CN" dirty="0" err="1"/>
+              <a:t>artifactId</a:t>
+            </a:r>
+            <a:r>
+              <a:rPr lang="en-US" altLang="zh-CN" dirty="0"/>
+              <a:t>&gt;refactor&lt;/</a:t>
+            </a:r>
+            <a:r>
+              <a:rPr lang="en-US" altLang="zh-CN" dirty="0" err="1"/>
+              <a:t>artifactId</a:t>
+            </a:r>
+            <a:r>
+              <a:rPr lang="en-US" altLang="zh-CN" dirty="0"/>
+              <a:t>&gt;</a:t>
+            </a:r>
+          </a:p>
+          <a:p>
+            <a:r>
+              <a:rPr lang="en-US" altLang="zh-CN" dirty="0"/>
+              <a:t>    &lt;version&gt;0.0.2&lt;/version&gt;</a:t>
+            </a:r>
+          </a:p>
+          <a:p>
+            <a:r>
+              <a:rPr lang="en-US" altLang="zh-CN" dirty="0"/>
+              <a:t>&lt;/dependency&gt;</a:t>
+            </a:r>
+          </a:p>
+          <a:p>
+            <a:endParaRPr lang="en-US" altLang="zh-CN" dirty="0"/>
+          </a:p>
+          <a:p>
+            <a:r>
+              <a:rPr lang="zh-CN" altLang="en-US" dirty="0"/>
+              <a:t>重复抽象：场外订单的</a:t>
+            </a:r>
+            <a:r>
+              <a:rPr lang="en-US" altLang="zh-CN" dirty="0" err="1"/>
+              <a:t>pc+app+open+open-api-server</a:t>
+            </a:r>
+            <a:r>
+              <a:rPr lang="en-US" altLang="zh-CN" dirty="0"/>
+              <a:t> format </a:t>
+            </a:r>
+            <a:r>
+              <a:rPr lang="zh-CN" altLang="en-US" dirty="0"/>
+              <a:t>四份代码</a:t>
+            </a:r>
+            <a:endParaRPr lang="en-US" altLang="zh-CN" dirty="0"/>
+          </a:p>
+          <a:p>
+            <a:r>
+              <a:rPr lang="zh-CN" altLang="en-US" dirty="0"/>
+              <a:t>大泥球：</a:t>
+            </a:r>
+            <a:r>
+              <a:rPr lang="en-US" altLang="zh-CN" dirty="0" err="1"/>
+              <a:t>PublicInfo</a:t>
+            </a:r>
+            <a:endParaRPr lang="en-US" altLang="zh-CN" dirty="0"/>
+          </a:p>
+          <a:p>
+            <a:endParaRPr lang="en-US" altLang="zh-CN" dirty="0"/>
+          </a:p>
+        </p:txBody>
+      </p:sp>
+    </p:spTree>
+    <p:extLst>
+      <p:ext uri="{BB962C8B-B14F-4D97-AF65-F5344CB8AC3E}">
+        <p14:creationId xmlns:p14="http://schemas.microsoft.com/office/powerpoint/2010/main" val="3646179414"/>
+      </p:ext>
+    </p:extLst>
+  </p:cSld>
+  <p:clrMapOvr>
+    <a:masterClrMapping/>
+  </p:clrMapOvr>
+</p:sld>
+</file>
+
+<file path=ppt/slides/slide2.xml><?xml version="1.0" encoding="utf-8"?>
+<p:sld xmlns:a="http://schemas.openxmlformats.org/drawingml/2006/main" xmlns:r="http://schemas.openxmlformats.org/officeDocument/2006/relationships" xmlns:p="http://schemas.openxmlformats.org/presentationml/2006/main">
+  <p:cSld>
+    <p:spTree>
+      <p:nvGrpSpPr>
+        <p:cNvPr id="1" name=""/>
+        <p:cNvGrpSpPr/>
+        <p:nvPr/>
+      </p:nvGrpSpPr>
+      <p:grpSpPr>
+        <a:xfrm>
+          <a:off x="0" y="0"/>
+          <a:ext cx="0" cy="0"/>
+          <a:chOff x="0" y="0"/>
+          <a:chExt cx="0" cy="0"/>
+        </a:xfrm>
+      </p:grpSpPr>
+      <p:pic>
+        <p:nvPicPr>
+          <p:cNvPr id="5" name="图片 4">
+            <a:extLst>
+              <a:ext uri="{FF2B5EF4-FFF2-40B4-BE49-F238E27FC236}">
+                <a16:creationId xmlns:a16="http://schemas.microsoft.com/office/drawing/2014/main" id="{9569437D-C8C1-40E7-89D8-A6A40DB982FD}"/>
+              </a:ext>
+            </a:extLst>
+          </p:cNvPr>
+          <p:cNvPicPr>
+            <a:picLocks noChangeAspect="1"/>
+          </p:cNvPicPr>
+          <p:nvPr/>
+        </p:nvPicPr>
+        <p:blipFill>
+          <a:blip r:embed="rId3"/>
+          <a:stretch>
+            <a:fillRect/>
+          </a:stretch>
+        </p:blipFill>
+        <p:spPr>
+          <a:xfrm>
+            <a:off x="6521450" y="2072481"/>
+            <a:ext cx="4019550" cy="3857625"/>
+          </a:xfrm>
+          <a:prstGeom prst="rect">
+            <a:avLst/>
+          </a:prstGeom>
+        </p:spPr>
+      </p:pic>
+      <p:sp>
+        <p:nvSpPr>
+          <p:cNvPr id="2" name="标题 1">
+            <a:extLst>
+              <a:ext uri="{FF2B5EF4-FFF2-40B4-BE49-F238E27FC236}">
+                <a16:creationId xmlns:a16="http://schemas.microsoft.com/office/drawing/2014/main" id="{DED99941-3FCD-486B-BE31-27BCBC354C81}"/>
+              </a:ext>
+            </a:extLst>
+          </p:cNvPr>
+          <p:cNvSpPr>
+            <a:spLocks noGrp="1"/>
+          </p:cNvSpPr>
+          <p:nvPr>
+            <p:ph type="title"/>
+          </p:nvPr>
+        </p:nvSpPr>
+        <p:spPr/>
+        <p:txBody>
+          <a:bodyPr/>
+          <a:lstStyle/>
+          <a:p>
+            <a:r>
+              <a:rPr lang="zh-CN" altLang="en-US" dirty="0">
+                <a:solidFill>
+                  <a:srgbClr val="FF0000"/>
+                </a:solidFill>
+              </a:rPr>
+              <a:t>软件开发隐喻</a:t>
+            </a:r>
+          </a:p>
+        </p:txBody>
+      </p:sp>
+      <p:sp>
+        <p:nvSpPr>
+          <p:cNvPr id="3" name="内容占位符 2">
+            <a:extLst>
+              <a:ext uri="{FF2B5EF4-FFF2-40B4-BE49-F238E27FC236}">
+                <a16:creationId xmlns:a16="http://schemas.microsoft.com/office/drawing/2014/main" id="{975FE6CD-84EA-4F6D-885B-A67CFDA5AB61}"/>
+              </a:ext>
+            </a:extLst>
+          </p:cNvPr>
+          <p:cNvSpPr>
+            <a:spLocks noGrp="1"/>
+          </p:cNvSpPr>
+          <p:nvPr>
+            <p:ph idx="1"/>
+          </p:nvPr>
+        </p:nvSpPr>
+        <p:spPr/>
+        <p:txBody>
+          <a:bodyPr>
+            <a:normAutofit fontScale="92500" lnSpcReduction="10000"/>
+          </a:bodyPr>
+          <a:lstStyle/>
+          <a:p>
+            <a:pPr marL="0" indent="0">
+              <a:buNone/>
+            </a:pPr>
+            <a:endParaRPr lang="en-US" altLang="zh-CN" dirty="0"/>
+          </a:p>
+          <a:p>
+            <a:r>
+              <a:rPr lang="zh-CN" altLang="en-US" dirty="0"/>
+              <a:t>软件开发隐喻：</a:t>
+            </a:r>
+            <a:r>
+              <a:rPr lang="zh-CN" altLang="en-US" b="0" i="0" dirty="0">
+                <a:solidFill>
+                  <a:srgbClr val="121212"/>
+                </a:solidFill>
+                <a:effectLst/>
+                <a:latin typeface="-apple-system"/>
+              </a:rPr>
+              <a:t>开车，建造软件，系统生长，</a:t>
+            </a:r>
+            <a:r>
+              <a:rPr lang="zh-CN" altLang="en-US" dirty="0">
+                <a:solidFill>
+                  <a:srgbClr val="121212"/>
+                </a:solidFill>
+                <a:latin typeface="-apple-system"/>
+              </a:rPr>
+              <a:t>焦油坑，软件工程，软件工艺，码农，工匠，软件蓝领，两顶帽子，</a:t>
+            </a:r>
+            <a:r>
+              <a:rPr lang="zh-CN" altLang="en-US" b="0" i="0" dirty="0">
+                <a:solidFill>
+                  <a:srgbClr val="121212"/>
+                </a:solidFill>
+                <a:effectLst/>
+                <a:latin typeface="-apple-system"/>
+              </a:rPr>
+              <a:t>平时用的最多的隐喻是挖坑，填坑</a:t>
+            </a:r>
+            <a:r>
+              <a:rPr lang="zh-CN" altLang="en-US" dirty="0">
+                <a:solidFill>
+                  <a:srgbClr val="121212"/>
+                </a:solidFill>
+                <a:latin typeface="-apple-system"/>
+              </a:rPr>
+              <a:t>，码农，</a:t>
+            </a:r>
+            <a:r>
+              <a:rPr lang="zh-CN" altLang="en-US" dirty="0">
+                <a:solidFill>
+                  <a:srgbClr val="FF0000"/>
+                </a:solidFill>
+                <a:latin typeface="-apple-system"/>
+              </a:rPr>
+              <a:t>多瘤程序员</a:t>
+            </a:r>
+            <a:r>
+              <a:rPr lang="zh-CN" altLang="en-US" dirty="0">
+                <a:solidFill>
+                  <a:srgbClr val="121212"/>
+                </a:solidFill>
+                <a:latin typeface="-apple-system"/>
+              </a:rPr>
+              <a:t>，写字楼的农民工</a:t>
+            </a:r>
+            <a:r>
+              <a:rPr lang="en-US" altLang="zh-CN" dirty="0">
+                <a:solidFill>
+                  <a:srgbClr val="121212"/>
+                </a:solidFill>
+                <a:latin typeface="-apple-system"/>
+              </a:rPr>
+              <a:t>……</a:t>
+            </a:r>
+          </a:p>
+          <a:p>
+            <a:r>
+              <a:rPr lang="zh-CN" altLang="en-US" dirty="0">
+                <a:solidFill>
+                  <a:srgbClr val="121212"/>
+                </a:solidFill>
+                <a:latin typeface="-apple-system"/>
+              </a:rPr>
+              <a:t>社会现象隐喻：养鱼，开车，海王</a:t>
+            </a:r>
+            <a:endParaRPr lang="en-US" altLang="zh-CN" dirty="0">
+              <a:solidFill>
+                <a:srgbClr val="121212"/>
+              </a:solidFill>
+              <a:latin typeface="-apple-system"/>
+            </a:endParaRPr>
+          </a:p>
+          <a:p>
+            <a:r>
+              <a:rPr lang="zh-CN" altLang="en-US" dirty="0">
+                <a:solidFill>
+                  <a:srgbClr val="121212"/>
+                </a:solidFill>
+                <a:latin typeface="-apple-system"/>
+              </a:rPr>
+              <a:t>个人观点</a:t>
+            </a:r>
+            <a:r>
+              <a:rPr lang="zh-CN" altLang="en-US" dirty="0">
+                <a:solidFill>
+                  <a:srgbClr val="FF0000"/>
+                </a:solidFill>
+                <a:latin typeface="-apple-system"/>
+              </a:rPr>
+              <a:t>种树</a:t>
+            </a:r>
+            <a:r>
+              <a:rPr lang="en-US" altLang="zh-CN" dirty="0">
+                <a:solidFill>
+                  <a:srgbClr val="121212"/>
+                </a:solidFill>
+                <a:latin typeface="-apple-system"/>
+              </a:rPr>
+              <a:t>:  </a:t>
+            </a:r>
+            <a:r>
+              <a:rPr lang="zh-CN" altLang="en-US" dirty="0">
+                <a:solidFill>
+                  <a:srgbClr val="121212"/>
+                </a:solidFill>
+                <a:latin typeface="-apple-system"/>
+              </a:rPr>
+              <a:t>注重根部营养，看不见的地方</a:t>
+            </a:r>
+            <a:endParaRPr lang="en-US" altLang="zh-CN" dirty="0">
+              <a:solidFill>
+                <a:srgbClr val="121212"/>
+              </a:solidFill>
+              <a:latin typeface="-apple-system"/>
+            </a:endParaRPr>
+          </a:p>
+          <a:p>
+            <a:r>
+              <a:rPr lang="zh-CN" altLang="en-US" dirty="0">
+                <a:solidFill>
+                  <a:srgbClr val="121212"/>
+                </a:solidFill>
+                <a:latin typeface="-apple-system"/>
+              </a:rPr>
+              <a:t>个人最常用：两顶帽子</a:t>
+            </a:r>
+            <a:endParaRPr lang="en-US" altLang="zh-CN" dirty="0">
+              <a:solidFill>
+                <a:srgbClr val="121212"/>
+              </a:solidFill>
+              <a:latin typeface="-apple-system"/>
+            </a:endParaRPr>
+          </a:p>
+          <a:p>
+            <a:r>
+              <a:rPr lang="zh-CN" altLang="en-US" dirty="0"/>
+              <a:t>中国传统造物思想：</a:t>
+            </a:r>
+            <a:endParaRPr lang="en-US" altLang="zh-CN" dirty="0"/>
+          </a:p>
+          <a:p>
+            <a:pPr lvl="1"/>
+            <a:r>
+              <a:rPr lang="zh-CN" altLang="en-US" dirty="0"/>
+              <a:t>熟能生巧</a:t>
+            </a:r>
+            <a:r>
+              <a:rPr lang="en-US" altLang="zh-CN" dirty="0"/>
+              <a:t>,</a:t>
+            </a:r>
+            <a:r>
+              <a:rPr lang="zh-CN" altLang="en-US" dirty="0"/>
+              <a:t>巧能生妙</a:t>
+            </a:r>
+            <a:r>
+              <a:rPr lang="en-US" altLang="zh-CN" dirty="0"/>
+              <a:t>,</a:t>
+            </a:r>
+            <a:r>
+              <a:rPr lang="zh-CN" altLang="en-US" dirty="0"/>
+              <a:t>妙能生绝</a:t>
+            </a:r>
+            <a:r>
+              <a:rPr lang="en-US" altLang="zh-CN" dirty="0"/>
+              <a:t>,</a:t>
+            </a:r>
+            <a:r>
+              <a:rPr lang="zh-CN" altLang="en-US" dirty="0"/>
+              <a:t>绝能生神</a:t>
+            </a:r>
+            <a:endParaRPr lang="en-US" altLang="zh-CN" dirty="0"/>
+          </a:p>
+          <a:p>
+            <a:pPr lvl="1"/>
+            <a:r>
+              <a:rPr lang="zh-CN" altLang="en-US" b="0" i="0" dirty="0">
+                <a:solidFill>
+                  <a:srgbClr val="595757"/>
+                </a:solidFill>
+                <a:effectLst/>
+                <a:latin typeface="宋体" panose="02010600030101010101" pitchFamily="2" charset="-122"/>
+                <a:ea typeface="宋体" panose="02010600030101010101" pitchFamily="2" charset="-122"/>
+              </a:rPr>
+              <a:t>天人合一，道器合一，师法自然，格物致用，见朴抱素</a:t>
+            </a:r>
+            <a:endParaRPr lang="en-US" altLang="zh-CN" b="0" i="0" dirty="0">
+              <a:solidFill>
+                <a:srgbClr val="595757"/>
+              </a:solidFill>
+              <a:effectLst/>
+              <a:latin typeface="宋体" panose="02010600030101010101" pitchFamily="2" charset="-122"/>
+              <a:ea typeface="宋体" panose="02010600030101010101" pitchFamily="2" charset="-122"/>
+            </a:endParaRPr>
+          </a:p>
+          <a:p>
+            <a:pPr lvl="1"/>
+            <a:r>
+              <a:rPr lang="zh-CN" altLang="en-US" dirty="0">
+                <a:solidFill>
+                  <a:srgbClr val="595757"/>
+                </a:solidFill>
+                <a:latin typeface="宋体" panose="02010600030101010101" pitchFamily="2" charset="-122"/>
+                <a:ea typeface="宋体" panose="02010600030101010101" pitchFamily="2" charset="-122"/>
+              </a:rPr>
+              <a:t>建筑，瓷器</a:t>
+            </a:r>
+            <a:endParaRPr lang="zh-CN" altLang="en-US" dirty="0"/>
+          </a:p>
+        </p:txBody>
+      </p:sp>
+    </p:spTree>
+    <p:extLst>
+      <p:ext uri="{BB962C8B-B14F-4D97-AF65-F5344CB8AC3E}">
+        <p14:creationId xmlns:p14="http://schemas.microsoft.com/office/powerpoint/2010/main" val="2808269303"/>
+      </p:ext>
+    </p:extLst>
+  </p:cSld>
+  <p:clrMapOvr>
+    <a:masterClrMapping/>
+  </p:clrMapOvr>
+</p:sld>
+</file>
+
+<file path=ppt/slides/slide20.xml><?xml version="1.0" encoding="utf-8"?>
+<p:sld xmlns:a="http://schemas.openxmlformats.org/drawingml/2006/main" xmlns:r="http://schemas.openxmlformats.org/officeDocument/2006/relationships" xmlns:p="http://schemas.openxmlformats.org/presentationml/2006/main">
+  <p:cSld>
+    <p:spTree>
+      <p:nvGrpSpPr>
+        <p:cNvPr id="1" name=""/>
+        <p:cNvGrpSpPr/>
+        <p:nvPr/>
+      </p:nvGrpSpPr>
+      <p:grpSpPr>
+        <a:xfrm>
+          <a:off x="0" y="0"/>
+          <a:ext cx="0" cy="0"/>
+          <a:chOff x="0" y="0"/>
+          <a:chExt cx="0" cy="0"/>
+        </a:xfrm>
+      </p:grpSpPr>
+      <p:sp>
+        <p:nvSpPr>
+          <p:cNvPr id="2" name="标题 1">
+            <a:extLst>
+              <a:ext uri="{FF2B5EF4-FFF2-40B4-BE49-F238E27FC236}">
+                <a16:creationId xmlns:a16="http://schemas.microsoft.com/office/drawing/2014/main" id="{477F4DC3-A261-454F-8FF6-9308A049EFBE}"/>
+              </a:ext>
+            </a:extLst>
+          </p:cNvPr>
+          <p:cNvSpPr>
+            <a:spLocks noGrp="1"/>
+          </p:cNvSpPr>
+          <p:nvPr>
+            <p:ph type="title"/>
+          </p:nvPr>
+        </p:nvSpPr>
+        <p:spPr/>
+        <p:txBody>
+          <a:bodyPr/>
+          <a:lstStyle/>
+          <a:p>
+            <a:r>
+              <a:rPr lang="en-US" altLang="zh-CN" dirty="0">
+                <a:solidFill>
+                  <a:srgbClr val="FF0000"/>
+                </a:solidFill>
+              </a:rPr>
+              <a:t>OOAD</a:t>
+            </a:r>
+            <a:r>
+              <a:rPr lang="zh-CN" altLang="en-US" dirty="0">
+                <a:solidFill>
+                  <a:srgbClr val="FF0000"/>
+                </a:solidFill>
+              </a:rPr>
+              <a:t>场景</a:t>
+            </a:r>
+            <a:r>
+              <a:rPr lang="en-US" altLang="zh-CN" dirty="0">
+                <a:solidFill>
+                  <a:srgbClr val="FF0000"/>
+                </a:solidFill>
+              </a:rPr>
+              <a:t>2-</a:t>
+            </a:r>
+            <a:r>
+              <a:rPr lang="zh-CN" altLang="en-US" dirty="0">
+                <a:solidFill>
+                  <a:srgbClr val="FF0000"/>
+                </a:solidFill>
+              </a:rPr>
+              <a:t>建模</a:t>
+            </a:r>
+            <a:endParaRPr lang="zh-CN" altLang="en-US" dirty="0"/>
+          </a:p>
+        </p:txBody>
+      </p:sp>
+      <p:sp>
+        <p:nvSpPr>
+          <p:cNvPr id="3" name="内容占位符 2">
+            <a:extLst>
+              <a:ext uri="{FF2B5EF4-FFF2-40B4-BE49-F238E27FC236}">
+                <a16:creationId xmlns:a16="http://schemas.microsoft.com/office/drawing/2014/main" id="{E1DC7A37-F20A-4993-97DC-6590A5691A78}"/>
+              </a:ext>
+            </a:extLst>
+          </p:cNvPr>
+          <p:cNvSpPr>
+            <a:spLocks noGrp="1"/>
+          </p:cNvSpPr>
+          <p:nvPr>
+            <p:ph idx="1"/>
+          </p:nvPr>
+        </p:nvSpPr>
+        <p:spPr/>
+        <p:txBody>
+          <a:bodyPr/>
+          <a:lstStyle/>
+          <a:p>
+            <a:r>
+              <a:rPr lang="zh-CN" altLang="en-US" dirty="0"/>
+              <a:t>书和书架关系是什么？</a:t>
+            </a:r>
+            <a:endParaRPr lang="en-US" altLang="zh-CN" dirty="0"/>
+          </a:p>
+          <a:p>
+            <a:r>
+              <a:rPr lang="zh-CN" altLang="en-US" dirty="0"/>
+              <a:t>房间，调温器。</a:t>
+            </a:r>
+            <a:endParaRPr lang="en-US" altLang="zh-CN" dirty="0"/>
+          </a:p>
+          <a:p>
+            <a:r>
+              <a:rPr lang="zh-CN" altLang="en-US" dirty="0"/>
+              <a:t>把大象放进冰箱有几步？</a:t>
+            </a:r>
+            <a:endParaRPr lang="en-US" altLang="zh-CN" dirty="0"/>
+          </a:p>
+          <a:p>
+            <a:r>
+              <a:rPr lang="zh-CN" altLang="en-US" dirty="0"/>
+              <a:t>棉花糖是糖，不是棉花。</a:t>
+            </a:r>
+            <a:endParaRPr lang="en-US" altLang="zh-CN" dirty="0"/>
+          </a:p>
+          <a:p>
+            <a:r>
+              <a:rPr lang="zh-CN" altLang="en-US" dirty="0"/>
+              <a:t>番茄是水果，还是蔬菜。</a:t>
+            </a:r>
+            <a:endParaRPr lang="en-US" altLang="zh-CN" dirty="0"/>
+          </a:p>
+          <a:p>
+            <a:r>
+              <a:rPr lang="zh-CN" altLang="en-US" dirty="0"/>
+              <a:t>钱</a:t>
+            </a:r>
+            <a:r>
+              <a:rPr lang="en-US" altLang="zh-CN" dirty="0"/>
+              <a:t>(Money)</a:t>
+            </a:r>
+            <a:r>
+              <a:rPr lang="zh-CN" altLang="en-US" dirty="0"/>
+              <a:t>是</a:t>
+            </a:r>
+            <a:r>
+              <a:rPr lang="en-US" altLang="zh-CN" dirty="0" err="1"/>
+              <a:t>BigDecimal</a:t>
+            </a:r>
+            <a:r>
+              <a:rPr lang="zh-CN" altLang="en-US" dirty="0"/>
+              <a:t>吗？</a:t>
+            </a:r>
+            <a:endParaRPr lang="en-US" altLang="zh-CN" dirty="0"/>
+          </a:p>
+          <a:p>
+            <a:r>
+              <a:rPr lang="zh-CN" altLang="en-US" dirty="0"/>
+              <a:t>石头，剪刀，布怎么建模？并且实现呢？</a:t>
+            </a:r>
+            <a:r>
+              <a:rPr lang="en-US" altLang="zh-CN" dirty="0"/>
+              <a:t>Double Dispatch</a:t>
+            </a:r>
+            <a:endParaRPr lang="zh-CN" altLang="en-US" dirty="0"/>
+          </a:p>
+        </p:txBody>
+      </p:sp>
+    </p:spTree>
+    <p:extLst>
+      <p:ext uri="{BB962C8B-B14F-4D97-AF65-F5344CB8AC3E}">
+        <p14:creationId xmlns:p14="http://schemas.microsoft.com/office/powerpoint/2010/main" val="423398469"/>
+      </p:ext>
+    </p:extLst>
+  </p:cSld>
+  <p:clrMapOvr>
+    <a:masterClrMapping/>
+  </p:clrMapOvr>
+</p:sld>
+</file>
+
+<file path=ppt/slides/slide21.xml><?xml version="1.0" encoding="utf-8"?>
+<p:sld xmlns:a="http://schemas.openxmlformats.org/drawingml/2006/main" xmlns:r="http://schemas.openxmlformats.org/officeDocument/2006/relationships" xmlns:p="http://schemas.openxmlformats.org/presentationml/2006/main">
+  <p:cSld>
+    <p:spTree>
+      <p:nvGrpSpPr>
+        <p:cNvPr id="1" name=""/>
+        <p:cNvGrpSpPr/>
+        <p:nvPr/>
+      </p:nvGrpSpPr>
+      <p:grpSpPr>
+        <a:xfrm>
+          <a:off x="0" y="0"/>
+          <a:ext cx="0" cy="0"/>
+          <a:chOff x="0" y="0"/>
+          <a:chExt cx="0" cy="0"/>
+        </a:xfrm>
+      </p:grpSpPr>
+      <p:sp>
+        <p:nvSpPr>
+          <p:cNvPr id="2" name="标题 1">
+            <a:extLst>
+              <a:ext uri="{FF2B5EF4-FFF2-40B4-BE49-F238E27FC236}">
+                <a16:creationId xmlns:a16="http://schemas.microsoft.com/office/drawing/2014/main" id="{B3E13A93-E12A-4A96-B0FC-2AC75B306E49}"/>
+              </a:ext>
+            </a:extLst>
+          </p:cNvPr>
+          <p:cNvSpPr>
+            <a:spLocks noGrp="1"/>
+          </p:cNvSpPr>
+          <p:nvPr>
+            <p:ph type="title"/>
+          </p:nvPr>
+        </p:nvSpPr>
+        <p:spPr/>
+        <p:txBody>
+          <a:bodyPr/>
+          <a:lstStyle/>
+          <a:p>
+            <a:r>
+              <a:rPr lang="en-US" altLang="zh-CN" dirty="0">
+                <a:solidFill>
+                  <a:srgbClr val="FF0000"/>
+                </a:solidFill>
+              </a:rPr>
+              <a:t>OOAD</a:t>
+            </a:r>
+            <a:r>
+              <a:rPr lang="zh-CN" altLang="en-US" dirty="0">
+                <a:solidFill>
+                  <a:srgbClr val="FF0000"/>
+                </a:solidFill>
+              </a:rPr>
+              <a:t>场景</a:t>
+            </a:r>
+            <a:r>
+              <a:rPr lang="en-US" altLang="zh-CN" dirty="0">
+                <a:solidFill>
+                  <a:srgbClr val="FF0000"/>
+                </a:solidFill>
+              </a:rPr>
               <a:t>3-Redis</a:t>
             </a:r>
             <a:r>
@@ -6656,7 +8073,7 @@
             </a:r>
             <a:r>
               <a:rPr lang="zh-CN" altLang="en-US" dirty="0"/>
-              <a:t>卡，用例</a:t>
+              <a:t>卡，用例，用户故事</a:t>
             </a:r>
             <a:endParaRPr lang="en-US" altLang="zh-CN" dirty="0"/>
           </a:p>
@@ -6806,7 +8223,7 @@
 </p:sld>
 </file>
 
-<file path=ppt/slides/slide18.xml><?xml version="1.0" encoding="utf-8"?>
+<file path=ppt/slides/slide22.xml><?xml version="1.0" encoding="utf-8"?>
 <p:sld xmlns:a="http://schemas.openxmlformats.org/drawingml/2006/main" xmlns:r="http://schemas.openxmlformats.org/officeDocument/2006/relationships" xmlns:p="http://schemas.openxmlformats.org/presentationml/2006/main">
   <p:cSld>
     <p:spTree>
@@ -6916,668 +8333,6 @@
 </p:sld>
 </file>
 
-<file path=ppt/slides/slide19.xml><?xml version="1.0" encoding="utf-8"?>
-<p:sld xmlns:a="http://schemas.openxmlformats.org/drawingml/2006/main" xmlns:r="http://schemas.openxmlformats.org/officeDocument/2006/relationships" xmlns:p="http://schemas.openxmlformats.org/presentationml/2006/main">
-  <p:cSld>
-    <p:spTree>
-      <p:nvGrpSpPr>
-        <p:cNvPr id="1" name=""/>
-        <p:cNvGrpSpPr/>
-        <p:nvPr/>
-      </p:nvGrpSpPr>
-      <p:grpSpPr>
-        <a:xfrm>
-          <a:off x="0" y="0"/>
-          <a:ext cx="0" cy="0"/>
-          <a:chOff x="0" y="0"/>
-          <a:chExt cx="0" cy="0"/>
-        </a:xfrm>
-      </p:grpSpPr>
-      <p:sp>
-        <p:nvSpPr>
-          <p:cNvPr id="2" name="标题 1">
-            <a:extLst>
-              <a:ext uri="{FF2B5EF4-FFF2-40B4-BE49-F238E27FC236}">
-                <a16:creationId xmlns:a16="http://schemas.microsoft.com/office/drawing/2014/main" id="{05F55633-2EA8-471A-99B3-41F101CA0E07}"/>
-              </a:ext>
-            </a:extLst>
-          </p:cNvPr>
-          <p:cNvSpPr>
-            <a:spLocks noGrp="1"/>
-          </p:cNvSpPr>
-          <p:nvPr>
-            <p:ph type="title"/>
-          </p:nvPr>
-        </p:nvSpPr>
-        <p:spPr/>
-        <p:txBody>
-          <a:bodyPr/>
-          <a:lstStyle/>
-          <a:p>
-            <a:r>
-              <a:rPr lang="en-US" altLang="zh-CN" dirty="0">
-                <a:solidFill>
-                  <a:srgbClr val="FF0000"/>
-                </a:solidFill>
-              </a:rPr>
-              <a:t>DDD</a:t>
-            </a:r>
-            <a:endParaRPr lang="zh-CN" altLang="en-US" dirty="0">
-              <a:solidFill>
-                <a:srgbClr val="FF0000"/>
-              </a:solidFill>
-            </a:endParaRPr>
-          </a:p>
-        </p:txBody>
-      </p:sp>
-      <p:sp>
-        <p:nvSpPr>
-          <p:cNvPr id="3" name="内容占位符 2">
-            <a:extLst>
-              <a:ext uri="{FF2B5EF4-FFF2-40B4-BE49-F238E27FC236}">
-                <a16:creationId xmlns:a16="http://schemas.microsoft.com/office/drawing/2014/main" id="{619F342B-AF9C-4351-9EC8-8FF006B7A0AF}"/>
-              </a:ext>
-            </a:extLst>
-          </p:cNvPr>
-          <p:cNvSpPr>
-            <a:spLocks noGrp="1"/>
-          </p:cNvSpPr>
-          <p:nvPr>
-            <p:ph idx="1"/>
-          </p:nvPr>
-        </p:nvSpPr>
-        <p:spPr/>
-        <p:txBody>
-          <a:bodyPr/>
-          <a:lstStyle/>
-          <a:p>
-            <a:r>
-              <a:rPr lang="en-US" altLang="zh-CN" dirty="0"/>
-              <a:t>1  </a:t>
-            </a:r>
-            <a:r>
-              <a:rPr lang="zh-CN" altLang="en-US" dirty="0"/>
-              <a:t>思想</a:t>
-            </a:r>
-            <a:endParaRPr lang="en-US" altLang="zh-CN" dirty="0"/>
-          </a:p>
-          <a:p>
-            <a:endParaRPr lang="en-US" altLang="zh-CN" dirty="0"/>
-          </a:p>
-          <a:p>
-            <a:r>
-              <a:rPr lang="en-US" altLang="zh-CN" dirty="0"/>
-              <a:t>2 </a:t>
-            </a:r>
-            <a:r>
-              <a:rPr lang="zh-CN" altLang="en-US" dirty="0"/>
-              <a:t>战略设计</a:t>
-            </a:r>
-            <a:endParaRPr lang="en-US" altLang="zh-CN" dirty="0"/>
-          </a:p>
-          <a:p>
-            <a:pPr marL="0" indent="0">
-              <a:buNone/>
-            </a:pPr>
-            <a:endParaRPr lang="en-US" altLang="zh-CN" dirty="0"/>
-          </a:p>
-          <a:p>
-            <a:r>
-              <a:rPr lang="en-US" altLang="zh-CN" dirty="0"/>
-              <a:t>3  </a:t>
-            </a:r>
-            <a:r>
-              <a:rPr lang="zh-CN" altLang="en-US" dirty="0"/>
-              <a:t>战术设计</a:t>
-            </a:r>
-            <a:endParaRPr lang="en-US" altLang="zh-CN" dirty="0"/>
-          </a:p>
-          <a:p>
-            <a:endParaRPr lang="en-US" altLang="zh-CN" dirty="0"/>
-          </a:p>
-          <a:p>
-            <a:r>
-              <a:rPr lang="en-US" altLang="zh-CN" dirty="0"/>
-              <a:t>4  </a:t>
-            </a:r>
-            <a:r>
-              <a:rPr lang="en-US" altLang="zh-CN" dirty="0" err="1"/>
-              <a:t>Saas</a:t>
-            </a:r>
-            <a:r>
-              <a:rPr lang="zh-CN" altLang="en-US" dirty="0"/>
-              <a:t>场景</a:t>
-            </a:r>
-          </a:p>
-        </p:txBody>
-      </p:sp>
-    </p:spTree>
-    <p:extLst>
-      <p:ext uri="{BB962C8B-B14F-4D97-AF65-F5344CB8AC3E}">
-        <p14:creationId xmlns:p14="http://schemas.microsoft.com/office/powerpoint/2010/main" val="2262979625"/>
-      </p:ext>
-    </p:extLst>
-  </p:cSld>
-  <p:clrMapOvr>
-    <a:masterClrMapping/>
-  </p:clrMapOvr>
-</p:sld>
-</file>
-
-<file path=ppt/slides/slide2.xml><?xml version="1.0" encoding="utf-8"?>
-<p:sld xmlns:a="http://schemas.openxmlformats.org/drawingml/2006/main" xmlns:r="http://schemas.openxmlformats.org/officeDocument/2006/relationships" xmlns:p="http://schemas.openxmlformats.org/presentationml/2006/main">
-  <p:cSld>
-    <p:spTree>
-      <p:nvGrpSpPr>
-        <p:cNvPr id="1" name=""/>
-        <p:cNvGrpSpPr/>
-        <p:nvPr/>
-      </p:nvGrpSpPr>
-      <p:grpSpPr>
-        <a:xfrm>
-          <a:off x="0" y="0"/>
-          <a:ext cx="0" cy="0"/>
-          <a:chOff x="0" y="0"/>
-          <a:chExt cx="0" cy="0"/>
-        </a:xfrm>
-      </p:grpSpPr>
-      <p:pic>
-        <p:nvPicPr>
-          <p:cNvPr id="5" name="图片 4">
-            <a:extLst>
-              <a:ext uri="{FF2B5EF4-FFF2-40B4-BE49-F238E27FC236}">
-                <a16:creationId xmlns:a16="http://schemas.microsoft.com/office/drawing/2014/main" id="{9569437D-C8C1-40E7-89D8-A6A40DB982FD}"/>
-              </a:ext>
-            </a:extLst>
-          </p:cNvPr>
-          <p:cNvPicPr>
-            <a:picLocks noChangeAspect="1"/>
-          </p:cNvPicPr>
-          <p:nvPr/>
-        </p:nvPicPr>
-        <p:blipFill>
-          <a:blip r:embed="rId3"/>
-          <a:stretch>
-            <a:fillRect/>
-          </a:stretch>
-        </p:blipFill>
-        <p:spPr>
-          <a:xfrm>
-            <a:off x="6521450" y="2072481"/>
-            <a:ext cx="4019550" cy="3857625"/>
-          </a:xfrm>
-          <a:prstGeom prst="rect">
-            <a:avLst/>
-          </a:prstGeom>
-        </p:spPr>
-      </p:pic>
-      <p:sp>
-        <p:nvSpPr>
-          <p:cNvPr id="2" name="标题 1">
-            <a:extLst>
-              <a:ext uri="{FF2B5EF4-FFF2-40B4-BE49-F238E27FC236}">
-                <a16:creationId xmlns:a16="http://schemas.microsoft.com/office/drawing/2014/main" id="{DED99941-3FCD-486B-BE31-27BCBC354C81}"/>
-              </a:ext>
-            </a:extLst>
-          </p:cNvPr>
-          <p:cNvSpPr>
-            <a:spLocks noGrp="1"/>
-          </p:cNvSpPr>
-          <p:nvPr>
-            <p:ph type="title"/>
-          </p:nvPr>
-        </p:nvSpPr>
-        <p:spPr/>
-        <p:txBody>
-          <a:bodyPr/>
-          <a:lstStyle/>
-          <a:p>
-            <a:r>
-              <a:rPr lang="zh-CN" altLang="en-US" dirty="0"/>
-              <a:t>一根筷子知天下</a:t>
-            </a:r>
-          </a:p>
-        </p:txBody>
-      </p:sp>
-      <p:sp>
-        <p:nvSpPr>
-          <p:cNvPr id="3" name="内容占位符 2">
-            <a:extLst>
-              <a:ext uri="{FF2B5EF4-FFF2-40B4-BE49-F238E27FC236}">
-                <a16:creationId xmlns:a16="http://schemas.microsoft.com/office/drawing/2014/main" id="{975FE6CD-84EA-4F6D-885B-A67CFDA5AB61}"/>
-              </a:ext>
-            </a:extLst>
-          </p:cNvPr>
-          <p:cNvSpPr>
-            <a:spLocks noGrp="1"/>
-          </p:cNvSpPr>
-          <p:nvPr>
-            <p:ph idx="1"/>
-          </p:nvPr>
-        </p:nvSpPr>
-        <p:spPr/>
-        <p:txBody>
-          <a:bodyPr/>
-          <a:lstStyle/>
-          <a:p>
-            <a:r>
-              <a:rPr lang="zh-CN" altLang="en-US" dirty="0"/>
-              <a:t>禅师和筷子的故事</a:t>
-            </a:r>
-            <a:endParaRPr lang="en-US" altLang="zh-CN" dirty="0"/>
-          </a:p>
-          <a:p>
-            <a:r>
-              <a:rPr lang="zh-CN" altLang="en-US" dirty="0"/>
-              <a:t>启示？</a:t>
-            </a:r>
-            <a:endParaRPr lang="en-US" altLang="zh-CN" dirty="0"/>
-          </a:p>
-          <a:p>
-            <a:r>
-              <a:rPr lang="zh-CN" altLang="en-US" dirty="0"/>
-              <a:t>软件开发隐喻：</a:t>
-            </a:r>
-            <a:r>
-              <a:rPr lang="zh-CN" altLang="en-US" b="0" i="0" dirty="0">
-                <a:solidFill>
-                  <a:srgbClr val="121212"/>
-                </a:solidFill>
-                <a:effectLst/>
-                <a:latin typeface="-apple-system"/>
-              </a:rPr>
-              <a:t>开车，建造软件，系统生长，</a:t>
-            </a:r>
-            <a:r>
-              <a:rPr lang="zh-CN" altLang="en-US" dirty="0">
-                <a:solidFill>
-                  <a:srgbClr val="121212"/>
-                </a:solidFill>
-                <a:latin typeface="-apple-system"/>
-              </a:rPr>
-              <a:t>焦油坑，软件工程，软件工艺，码农，工匠，软件蓝领，两顶帽子，</a:t>
-            </a:r>
-            <a:r>
-              <a:rPr lang="zh-CN" altLang="en-US" b="0" i="0" dirty="0">
-                <a:solidFill>
-                  <a:srgbClr val="121212"/>
-                </a:solidFill>
-                <a:effectLst/>
-                <a:latin typeface="-apple-system"/>
-              </a:rPr>
-              <a:t>平时用的最多的隐喻是挖坑，填坑</a:t>
-            </a:r>
-            <a:r>
-              <a:rPr lang="zh-CN" altLang="en-US" dirty="0">
-                <a:solidFill>
-                  <a:srgbClr val="121212"/>
-                </a:solidFill>
-                <a:latin typeface="-apple-system"/>
-              </a:rPr>
-              <a:t>，码农，多瘤程序员，写字楼的农民工</a:t>
-            </a:r>
-            <a:r>
-              <a:rPr lang="en-US" altLang="zh-CN" dirty="0">
-                <a:solidFill>
-                  <a:srgbClr val="121212"/>
-                </a:solidFill>
-                <a:latin typeface="-apple-system"/>
-              </a:rPr>
-              <a:t>……</a:t>
-            </a:r>
-          </a:p>
-          <a:p>
-            <a:r>
-              <a:rPr lang="zh-CN" altLang="en-US" dirty="0">
-                <a:solidFill>
-                  <a:srgbClr val="121212"/>
-                </a:solidFill>
-                <a:latin typeface="-apple-system"/>
-              </a:rPr>
-              <a:t>社会现象隐喻：养鱼，开车，老司机，备胎</a:t>
-            </a:r>
-            <a:r>
-              <a:rPr lang="en-US" altLang="zh-CN" dirty="0">
-                <a:solidFill>
-                  <a:srgbClr val="121212"/>
-                </a:solidFill>
-                <a:latin typeface="-apple-system"/>
-              </a:rPr>
-              <a:t>.</a:t>
-            </a:r>
-          </a:p>
-          <a:p>
-            <a:r>
-              <a:rPr lang="zh-CN" altLang="en-US" dirty="0">
-                <a:solidFill>
-                  <a:srgbClr val="121212"/>
-                </a:solidFill>
-                <a:latin typeface="-apple-system"/>
-              </a:rPr>
-              <a:t>个人观点</a:t>
-            </a:r>
-            <a:r>
-              <a:rPr lang="zh-CN" altLang="en-US" dirty="0">
-                <a:solidFill>
-                  <a:srgbClr val="FF0000"/>
-                </a:solidFill>
-                <a:latin typeface="-apple-system"/>
-              </a:rPr>
-              <a:t>种树</a:t>
-            </a:r>
-            <a:r>
-              <a:rPr lang="en-US" altLang="zh-CN" dirty="0">
-                <a:solidFill>
-                  <a:srgbClr val="121212"/>
-                </a:solidFill>
-                <a:latin typeface="-apple-system"/>
-              </a:rPr>
-              <a:t>:  </a:t>
-            </a:r>
-            <a:r>
-              <a:rPr lang="zh-CN" altLang="en-US" dirty="0">
-                <a:solidFill>
-                  <a:srgbClr val="121212"/>
-                </a:solidFill>
-                <a:latin typeface="-apple-system"/>
-              </a:rPr>
-              <a:t>注重根部营养，看不见的地方</a:t>
-            </a:r>
-            <a:endParaRPr lang="en-US" altLang="zh-CN" dirty="0">
-              <a:solidFill>
-                <a:srgbClr val="121212"/>
-              </a:solidFill>
-              <a:latin typeface="-apple-system"/>
-            </a:endParaRPr>
-          </a:p>
-          <a:p>
-            <a:r>
-              <a:rPr lang="zh-CN" altLang="en-US" dirty="0">
-                <a:solidFill>
-                  <a:srgbClr val="121212"/>
-                </a:solidFill>
-                <a:latin typeface="-apple-system"/>
-              </a:rPr>
-              <a:t>个人最常用：两顶帽子</a:t>
-            </a:r>
-            <a:endParaRPr lang="zh-CN" altLang="en-US" dirty="0"/>
-          </a:p>
-        </p:txBody>
-      </p:sp>
-    </p:spTree>
-    <p:extLst>
-      <p:ext uri="{BB962C8B-B14F-4D97-AF65-F5344CB8AC3E}">
-        <p14:creationId xmlns:p14="http://schemas.microsoft.com/office/powerpoint/2010/main" val="2808269303"/>
-      </p:ext>
-    </p:extLst>
-  </p:cSld>
-  <p:clrMapOvr>
-    <a:masterClrMapping/>
-  </p:clrMapOvr>
-</p:sld>
-</file>
-
-<file path=ppt/slides/slide20.xml><?xml version="1.0" encoding="utf-8"?>
-<p:sld xmlns:a="http://schemas.openxmlformats.org/drawingml/2006/main" xmlns:r="http://schemas.openxmlformats.org/officeDocument/2006/relationships" xmlns:p="http://schemas.openxmlformats.org/presentationml/2006/main">
-  <p:cSld>
-    <p:spTree>
-      <p:nvGrpSpPr>
-        <p:cNvPr id="1" name=""/>
-        <p:cNvGrpSpPr/>
-        <p:nvPr/>
-      </p:nvGrpSpPr>
-      <p:grpSpPr>
-        <a:xfrm>
-          <a:off x="0" y="0"/>
-          <a:ext cx="0" cy="0"/>
-          <a:chOff x="0" y="0"/>
-          <a:chExt cx="0" cy="0"/>
-        </a:xfrm>
-      </p:grpSpPr>
-      <p:sp>
-        <p:nvSpPr>
-          <p:cNvPr id="2" name="标题 1">
-            <a:extLst>
-              <a:ext uri="{FF2B5EF4-FFF2-40B4-BE49-F238E27FC236}">
-                <a16:creationId xmlns:a16="http://schemas.microsoft.com/office/drawing/2014/main" id="{4BC5F6CF-C154-48D6-A821-B664D59FEFB3}"/>
-              </a:ext>
-            </a:extLst>
-          </p:cNvPr>
-          <p:cNvSpPr>
-            <a:spLocks noGrp="1"/>
-          </p:cNvSpPr>
-          <p:nvPr>
-            <p:ph type="title"/>
-          </p:nvPr>
-        </p:nvSpPr>
-        <p:spPr/>
-        <p:txBody>
-          <a:bodyPr/>
-          <a:lstStyle/>
-          <a:p>
-            <a:r>
-              <a:rPr lang="en-US" altLang="zh-CN" dirty="0"/>
-              <a:t>1 </a:t>
-            </a:r>
-            <a:r>
-              <a:rPr lang="zh-CN" altLang="en-US" dirty="0"/>
-              <a:t>思想</a:t>
-            </a:r>
-          </a:p>
-        </p:txBody>
-      </p:sp>
-      <p:sp>
-        <p:nvSpPr>
-          <p:cNvPr id="3" name="内容占位符 2">
-            <a:extLst>
-              <a:ext uri="{FF2B5EF4-FFF2-40B4-BE49-F238E27FC236}">
-                <a16:creationId xmlns:a16="http://schemas.microsoft.com/office/drawing/2014/main" id="{92CA505E-0DC5-4952-8AA7-15610F9EEB24}"/>
-              </a:ext>
-            </a:extLst>
-          </p:cNvPr>
-          <p:cNvSpPr>
-            <a:spLocks noGrp="1"/>
-          </p:cNvSpPr>
-          <p:nvPr>
-            <p:ph idx="1"/>
-          </p:nvPr>
-        </p:nvSpPr>
-        <p:spPr/>
-        <p:txBody>
-          <a:bodyPr/>
-          <a:lstStyle/>
-          <a:p>
-            <a:endParaRPr lang="zh-CN" altLang="en-US"/>
-          </a:p>
-        </p:txBody>
-      </p:sp>
-    </p:spTree>
-    <p:extLst>
-      <p:ext uri="{BB962C8B-B14F-4D97-AF65-F5344CB8AC3E}">
-        <p14:creationId xmlns:p14="http://schemas.microsoft.com/office/powerpoint/2010/main" val="249766088"/>
-      </p:ext>
-    </p:extLst>
-  </p:cSld>
-  <p:clrMapOvr>
-    <a:masterClrMapping/>
-  </p:clrMapOvr>
-</p:sld>
-</file>
-
-<file path=ppt/slides/slide21.xml><?xml version="1.0" encoding="utf-8"?>
-<p:sld xmlns:a="http://schemas.openxmlformats.org/drawingml/2006/main" xmlns:r="http://schemas.openxmlformats.org/officeDocument/2006/relationships" xmlns:p="http://schemas.openxmlformats.org/presentationml/2006/main">
-  <p:cSld>
-    <p:spTree>
-      <p:nvGrpSpPr>
-        <p:cNvPr id="1" name=""/>
-        <p:cNvGrpSpPr/>
-        <p:nvPr/>
-      </p:nvGrpSpPr>
-      <p:grpSpPr>
-        <a:xfrm>
-          <a:off x="0" y="0"/>
-          <a:ext cx="0" cy="0"/>
-          <a:chOff x="0" y="0"/>
-          <a:chExt cx="0" cy="0"/>
-        </a:xfrm>
-      </p:grpSpPr>
-      <p:sp>
-        <p:nvSpPr>
-          <p:cNvPr id="2" name="标题 1">
-            <a:extLst>
-              <a:ext uri="{FF2B5EF4-FFF2-40B4-BE49-F238E27FC236}">
-                <a16:creationId xmlns:a16="http://schemas.microsoft.com/office/drawing/2014/main" id="{315ABCB3-3377-4B9D-8C1C-9A051DA760FA}"/>
-              </a:ext>
-            </a:extLst>
-          </p:cNvPr>
-          <p:cNvSpPr>
-            <a:spLocks noGrp="1"/>
-          </p:cNvSpPr>
-          <p:nvPr>
-            <p:ph type="title"/>
-          </p:nvPr>
-        </p:nvSpPr>
-        <p:spPr/>
-        <p:txBody>
-          <a:bodyPr/>
-          <a:lstStyle/>
-          <a:p>
-            <a:r>
-              <a:rPr lang="en-US" altLang="zh-CN" dirty="0"/>
-              <a:t>2 </a:t>
-            </a:r>
-            <a:r>
-              <a:rPr lang="zh-CN" altLang="en-US" dirty="0"/>
-              <a:t>战略设计</a:t>
-            </a:r>
-          </a:p>
-        </p:txBody>
-      </p:sp>
-      <p:sp>
-        <p:nvSpPr>
-          <p:cNvPr id="3" name="内容占位符 2">
-            <a:extLst>
-              <a:ext uri="{FF2B5EF4-FFF2-40B4-BE49-F238E27FC236}">
-                <a16:creationId xmlns:a16="http://schemas.microsoft.com/office/drawing/2014/main" id="{F7D4A658-EDE1-4BD1-B6DD-49EEEBFF96FA}"/>
-              </a:ext>
-            </a:extLst>
-          </p:cNvPr>
-          <p:cNvSpPr>
-            <a:spLocks noGrp="1"/>
-          </p:cNvSpPr>
-          <p:nvPr>
-            <p:ph idx="1"/>
-          </p:nvPr>
-        </p:nvSpPr>
-        <p:spPr/>
-        <p:txBody>
-          <a:bodyPr/>
-          <a:lstStyle/>
-          <a:p>
-            <a:endParaRPr lang="zh-CN" altLang="en-US"/>
-          </a:p>
-        </p:txBody>
-      </p:sp>
-    </p:spTree>
-    <p:extLst>
-      <p:ext uri="{BB962C8B-B14F-4D97-AF65-F5344CB8AC3E}">
-        <p14:creationId xmlns:p14="http://schemas.microsoft.com/office/powerpoint/2010/main" val="130135117"/>
-      </p:ext>
-    </p:extLst>
-  </p:cSld>
-  <p:clrMapOvr>
-    <a:masterClrMapping/>
-  </p:clrMapOvr>
-</p:sld>
-</file>
-
-<file path=ppt/slides/slide22.xml><?xml version="1.0" encoding="utf-8"?>
-<p:sld xmlns:a="http://schemas.openxmlformats.org/drawingml/2006/main" xmlns:r="http://schemas.openxmlformats.org/officeDocument/2006/relationships" xmlns:p="http://schemas.openxmlformats.org/presentationml/2006/main">
-  <p:cSld>
-    <p:spTree>
-      <p:nvGrpSpPr>
-        <p:cNvPr id="1" name=""/>
-        <p:cNvGrpSpPr/>
-        <p:nvPr/>
-      </p:nvGrpSpPr>
-      <p:grpSpPr>
-        <a:xfrm>
-          <a:off x="0" y="0"/>
-          <a:ext cx="0" cy="0"/>
-          <a:chOff x="0" y="0"/>
-          <a:chExt cx="0" cy="0"/>
-        </a:xfrm>
-      </p:grpSpPr>
-      <p:sp>
-        <p:nvSpPr>
-          <p:cNvPr id="2" name="标题 1">
-            <a:extLst>
-              <a:ext uri="{FF2B5EF4-FFF2-40B4-BE49-F238E27FC236}">
-                <a16:creationId xmlns:a16="http://schemas.microsoft.com/office/drawing/2014/main" id="{6C0C1EB0-31F2-414E-9125-40E5F1C49A83}"/>
-              </a:ext>
-            </a:extLst>
-          </p:cNvPr>
-          <p:cNvSpPr>
-            <a:spLocks noGrp="1"/>
-          </p:cNvSpPr>
-          <p:nvPr>
-            <p:ph type="title"/>
-          </p:nvPr>
-        </p:nvSpPr>
-        <p:spPr/>
-        <p:txBody>
-          <a:bodyPr/>
-          <a:lstStyle/>
-          <a:p>
-            <a:r>
-              <a:rPr lang="en-US" altLang="zh-CN" dirty="0"/>
-              <a:t>3 </a:t>
-            </a:r>
-            <a:r>
-              <a:rPr lang="zh-CN" altLang="en-US" dirty="0"/>
-              <a:t>战术设计</a:t>
-            </a:r>
-          </a:p>
-        </p:txBody>
-      </p:sp>
-      <p:sp>
-        <p:nvSpPr>
-          <p:cNvPr id="3" name="内容占位符 2">
-            <a:extLst>
-              <a:ext uri="{FF2B5EF4-FFF2-40B4-BE49-F238E27FC236}">
-                <a16:creationId xmlns:a16="http://schemas.microsoft.com/office/drawing/2014/main" id="{0D9AD77B-7E2F-48F0-BB9E-810314487398}"/>
-              </a:ext>
-            </a:extLst>
-          </p:cNvPr>
-          <p:cNvSpPr>
-            <a:spLocks noGrp="1"/>
-          </p:cNvSpPr>
-          <p:nvPr>
-            <p:ph idx="1"/>
-          </p:nvPr>
-        </p:nvSpPr>
-        <p:spPr/>
-        <p:txBody>
-          <a:bodyPr/>
-          <a:lstStyle/>
-          <a:p>
-            <a:endParaRPr lang="zh-CN" altLang="en-US"/>
-          </a:p>
-        </p:txBody>
-      </p:sp>
-    </p:spTree>
-    <p:extLst>
-      <p:ext uri="{BB962C8B-B14F-4D97-AF65-F5344CB8AC3E}">
-        <p14:creationId xmlns:p14="http://schemas.microsoft.com/office/powerpoint/2010/main" val="4201465018"/>
-      </p:ext>
-    </p:extLst>
-  </p:cSld>
-  <p:clrMapOvr>
-    <a:masterClrMapping/>
-  </p:clrMapOvr>
-</p:sld>
-</file>
-
 <file path=ppt/slides/slide23.xml><?xml version="1.0" encoding="utf-8"?>
 <p:sld xmlns:a="http://schemas.openxmlformats.org/drawingml/2006/main" xmlns:r="http://schemas.openxmlformats.org/officeDocument/2006/relationships" xmlns:p="http://schemas.openxmlformats.org/presentationml/2006/main">
   <p:cSld>
@@ -7597,65 +8352,58 @@
       </p:grpSpPr>
       <p:sp>
         <p:nvSpPr>
-          <p:cNvPr id="2" name="标题 1">
-            <a:extLst>
-              <a:ext uri="{FF2B5EF4-FFF2-40B4-BE49-F238E27FC236}">
-                <a16:creationId xmlns:a16="http://schemas.microsoft.com/office/drawing/2014/main" id="{A2657629-71C7-4E0A-9A4D-22B7D109DCB9}"/>
-              </a:ext>
-            </a:extLst>
-          </p:cNvPr>
-          <p:cNvSpPr>
-            <a:spLocks noGrp="1"/>
-          </p:cNvSpPr>
-          <p:nvPr>
-            <p:ph type="title"/>
-          </p:nvPr>
-        </p:nvSpPr>
-        <p:spPr/>
-        <p:txBody>
-          <a:bodyPr/>
-          <a:lstStyle/>
-          <a:p>
-            <a:r>
-              <a:rPr lang="en-US" altLang="zh-CN" dirty="0"/>
-              <a:t>4 </a:t>
-            </a:r>
-            <a:r>
-              <a:rPr lang="zh-CN" altLang="en-US" dirty="0"/>
-              <a:t>框架</a:t>
-            </a:r>
-          </a:p>
-        </p:txBody>
-      </p:sp>
-      <p:sp>
-        <p:nvSpPr>
-          <p:cNvPr id="3" name="内容占位符 2">
-            <a:extLst>
-              <a:ext uri="{FF2B5EF4-FFF2-40B4-BE49-F238E27FC236}">
-                <a16:creationId xmlns:a16="http://schemas.microsoft.com/office/drawing/2014/main" id="{D59DB735-6BCC-441B-8B1F-AED5480B4370}"/>
-              </a:ext>
-            </a:extLst>
-          </p:cNvPr>
-          <p:cNvSpPr>
-            <a:spLocks noGrp="1"/>
-          </p:cNvSpPr>
-          <p:nvPr>
-            <p:ph idx="1"/>
-          </p:nvPr>
-        </p:nvSpPr>
-        <p:spPr/>
-        <p:txBody>
-          <a:bodyPr/>
-          <a:lstStyle/>
-          <a:p>
-            <a:endParaRPr lang="zh-CN" altLang="en-US" dirty="0"/>
+          <p:cNvPr id="5" name="矩形 4">
+            <a:extLst>
+              <a:ext uri="{FF2B5EF4-FFF2-40B4-BE49-F238E27FC236}">
+                <a16:creationId xmlns:a16="http://schemas.microsoft.com/office/drawing/2014/main" id="{452E417C-1412-49D8-84FC-2F6F84D49BCC}"/>
+              </a:ext>
+            </a:extLst>
+          </p:cNvPr>
+          <p:cNvSpPr/>
+          <p:nvPr/>
+        </p:nvSpPr>
+        <p:spPr>
+          <a:xfrm>
+            <a:off x="0" y="2133600"/>
+            <a:ext cx="12192000" cy="1669774"/>
+          </a:xfrm>
+          <a:prstGeom prst="rect">
+            <a:avLst/>
+          </a:prstGeom>
+        </p:spPr>
+        <p:style>
+          <a:lnRef idx="2">
+            <a:schemeClr val="accent1">
+              <a:shade val="50000"/>
+            </a:schemeClr>
+          </a:lnRef>
+          <a:fillRef idx="1">
+            <a:schemeClr val="accent1"/>
+          </a:fillRef>
+          <a:effectRef idx="0">
+            <a:schemeClr val="accent1"/>
+          </a:effectRef>
+          <a:fontRef idx="minor">
+            <a:schemeClr val="lt1"/>
+          </a:fontRef>
+        </p:style>
+        <p:txBody>
+          <a:bodyPr rtlCol="0" anchor="ctr"/>
+          <a:lstStyle/>
+          <a:p>
+            <a:pPr algn="ctr"/>
+            <a:r>
+              <a:rPr lang="en-US" altLang="zh-CN" sz="4800" dirty="0"/>
+              <a:t>4. DDD</a:t>
+            </a:r>
+            <a:endParaRPr lang="zh-CN" altLang="en-US" sz="4800" dirty="0"/>
           </a:p>
         </p:txBody>
       </p:sp>
     </p:spTree>
     <p:extLst>
       <p:ext uri="{BB962C8B-B14F-4D97-AF65-F5344CB8AC3E}">
-        <p14:creationId xmlns:p14="http://schemas.microsoft.com/office/powerpoint/2010/main" val="4011406938"/>
+        <p14:creationId xmlns:p14="http://schemas.microsoft.com/office/powerpoint/2010/main" val="2398560732"/>
       </p:ext>
     </p:extLst>
   </p:cSld>
@@ -7687,7 +8435,7 @@
           <p:cNvPr id="2" name="标题 1">
             <a:extLst>
               <a:ext uri="{FF2B5EF4-FFF2-40B4-BE49-F238E27FC236}">
-                <a16:creationId xmlns:a16="http://schemas.microsoft.com/office/drawing/2014/main" id="{E4CC363C-9716-4D35-B54A-70863F98DE48}"/>
+                <a16:creationId xmlns:a16="http://schemas.microsoft.com/office/drawing/2014/main" id="{05F55633-2EA8-471A-99B3-41F101CA0E07}"/>
               </a:ext>
             </a:extLst>
           </p:cNvPr>
@@ -7711,95 +8459,91 @@
               </a:rPr>
               <a:t>DDD</a:t>
             </a:r>
-            <a:r>
-              <a:rPr lang="zh-CN" altLang="en-US" dirty="0">
-                <a:solidFill>
-                  <a:srgbClr val="FF0000"/>
-                </a:solidFill>
-              </a:rPr>
+            <a:endParaRPr lang="zh-CN" altLang="en-US" dirty="0">
+              <a:solidFill>
+                <a:srgbClr val="FF0000"/>
+              </a:solidFill>
+            </a:endParaRPr>
+          </a:p>
+        </p:txBody>
+      </p:sp>
+      <p:sp>
+        <p:nvSpPr>
+          <p:cNvPr id="3" name="内容占位符 2">
+            <a:extLst>
+              <a:ext uri="{FF2B5EF4-FFF2-40B4-BE49-F238E27FC236}">
+                <a16:creationId xmlns:a16="http://schemas.microsoft.com/office/drawing/2014/main" id="{619F342B-AF9C-4351-9EC8-8FF006B7A0AF}"/>
+              </a:ext>
+            </a:extLst>
+          </p:cNvPr>
+          <p:cNvSpPr>
+            <a:spLocks noGrp="1"/>
+          </p:cNvSpPr>
+          <p:nvPr>
+            <p:ph idx="1"/>
+          </p:nvPr>
+        </p:nvSpPr>
+        <p:spPr/>
+        <p:txBody>
+          <a:bodyPr/>
+          <a:lstStyle/>
+          <a:p>
+            <a:r>
+              <a:rPr lang="en-US" altLang="zh-CN" dirty="0"/>
+              <a:t>1  </a:t>
+            </a:r>
+            <a:r>
+              <a:rPr lang="zh-CN" altLang="en-US" dirty="0"/>
+              <a:t>思想</a:t>
+            </a:r>
+            <a:endParaRPr lang="en-US" altLang="zh-CN" dirty="0"/>
+          </a:p>
+          <a:p>
+            <a:endParaRPr lang="en-US" altLang="zh-CN" dirty="0"/>
+          </a:p>
+          <a:p>
+            <a:r>
+              <a:rPr lang="en-US" altLang="zh-CN" dirty="0"/>
+              <a:t>2 </a:t>
+            </a:r>
+            <a:r>
+              <a:rPr lang="zh-CN" altLang="en-US" dirty="0"/>
+              <a:t>战略设计</a:t>
+            </a:r>
+            <a:endParaRPr lang="en-US" altLang="zh-CN" dirty="0"/>
+          </a:p>
+          <a:p>
+            <a:pPr marL="0" indent="0">
+              <a:buNone/>
+            </a:pPr>
+            <a:endParaRPr lang="en-US" altLang="zh-CN" dirty="0"/>
+          </a:p>
+          <a:p>
+            <a:r>
+              <a:rPr lang="en-US" altLang="zh-CN" dirty="0"/>
+              <a:t>3  </a:t>
+            </a:r>
+            <a:r>
+              <a:rPr lang="zh-CN" altLang="en-US" dirty="0"/>
+              <a:t>战术设计</a:t>
+            </a:r>
+            <a:endParaRPr lang="en-US" altLang="zh-CN" dirty="0"/>
+          </a:p>
+          <a:p>
+            <a:endParaRPr lang="en-US" altLang="zh-CN" dirty="0"/>
+          </a:p>
+          <a:p>
+            <a:r>
+              <a:rPr lang="en-US" altLang="zh-CN" dirty="0"/>
+              <a:t>4  </a:t>
+            </a:r>
+            <a:r>
+              <a:rPr lang="en-US" altLang="zh-CN" dirty="0" err="1"/>
+              <a:t>Saas</a:t>
+            </a:r>
+            <a:r>
+              <a:rPr lang="zh-CN" altLang="en-US" dirty="0"/>
               <a:t>场景</a:t>
-            </a:r>
-          </a:p>
-        </p:txBody>
-      </p:sp>
-      <p:sp>
-        <p:nvSpPr>
-          <p:cNvPr id="3" name="内容占位符 2">
-            <a:extLst>
-              <a:ext uri="{FF2B5EF4-FFF2-40B4-BE49-F238E27FC236}">
-                <a16:creationId xmlns:a16="http://schemas.microsoft.com/office/drawing/2014/main" id="{FBE97840-7576-42B0-8989-D6DF0523930D}"/>
-              </a:ext>
-            </a:extLst>
-          </p:cNvPr>
-          <p:cNvSpPr>
-            <a:spLocks noGrp="1"/>
-          </p:cNvSpPr>
-          <p:nvPr>
-            <p:ph idx="1"/>
-          </p:nvPr>
-        </p:nvSpPr>
-        <p:spPr/>
-        <p:txBody>
-          <a:bodyPr/>
-          <a:lstStyle/>
-          <a:p>
-            <a:r>
-              <a:rPr lang="en-US" altLang="zh-CN" dirty="0"/>
-              <a:t>1 </a:t>
-            </a:r>
-            <a:r>
-              <a:rPr lang="zh-CN" altLang="en-US" dirty="0"/>
-              <a:t>统一语言：</a:t>
-            </a:r>
-            <a:r>
-              <a:rPr lang="en-US" altLang="zh-CN" dirty="0" err="1"/>
-              <a:t>PublicInfo</a:t>
-            </a:r>
-            <a:r>
-              <a:rPr lang="zh-CN" altLang="en-US" dirty="0"/>
-              <a:t>，</a:t>
-            </a:r>
-            <a:r>
-              <a:rPr lang="en-US" altLang="zh-CN" dirty="0"/>
-              <a:t>Base</a:t>
-            </a:r>
-            <a:r>
-              <a:rPr lang="zh-CN" altLang="en-US" dirty="0"/>
-              <a:t>，风控，充提，币种币对，用户，管理员，</a:t>
-            </a:r>
-            <a:r>
-              <a:rPr lang="en-US" altLang="zh-CN" dirty="0" err="1"/>
-              <a:t>Waas</a:t>
-            </a:r>
-            <a:endParaRPr lang="en-US" altLang="zh-CN" dirty="0"/>
-          </a:p>
-          <a:p>
-            <a:r>
-              <a:rPr lang="en-US" altLang="zh-CN" dirty="0"/>
-              <a:t>2 </a:t>
-            </a:r>
-            <a:r>
-              <a:rPr lang="zh-CN" altLang="en-US" dirty="0"/>
-              <a:t>账户</a:t>
-            </a:r>
-            <a:r>
-              <a:rPr lang="en-US" altLang="zh-CN" dirty="0"/>
-              <a:t>Account</a:t>
-            </a:r>
-            <a:r>
-              <a:rPr lang="zh-CN" altLang="en-US" dirty="0"/>
-              <a:t>里面操作充值，转账</a:t>
-            </a:r>
-            <a:endParaRPr lang="en-US" altLang="zh-CN" dirty="0"/>
-          </a:p>
-          <a:p>
-            <a:r>
-              <a:rPr lang="en-US" altLang="zh-CN" dirty="0"/>
-              <a:t>3 </a:t>
-            </a:r>
-            <a:r>
-              <a:rPr lang="zh-CN" altLang="en-US" dirty="0"/>
-              <a:t>统一场外订单列表展示</a:t>
             </a:r>
           </a:p>
         </p:txBody>
@@ -7807,7 +8551,7 @@
     </p:spTree>
     <p:extLst>
       <p:ext uri="{BB962C8B-B14F-4D97-AF65-F5344CB8AC3E}">
-        <p14:creationId xmlns:p14="http://schemas.microsoft.com/office/powerpoint/2010/main" val="1512721867"/>
+        <p14:creationId xmlns:p14="http://schemas.microsoft.com/office/powerpoint/2010/main" val="2262979625"/>
       </p:ext>
     </p:extLst>
   </p:cSld>
@@ -7839,6 +8583,736 @@
           <p:cNvPr id="2" name="标题 1">
             <a:extLst>
               <a:ext uri="{FF2B5EF4-FFF2-40B4-BE49-F238E27FC236}">
+                <a16:creationId xmlns:a16="http://schemas.microsoft.com/office/drawing/2014/main" id="{4BC5F6CF-C154-48D6-A821-B664D59FEFB3}"/>
+              </a:ext>
+            </a:extLst>
+          </p:cNvPr>
+          <p:cNvSpPr>
+            <a:spLocks noGrp="1"/>
+          </p:cNvSpPr>
+          <p:nvPr>
+            <p:ph type="title"/>
+          </p:nvPr>
+        </p:nvSpPr>
+        <p:spPr/>
+        <p:txBody>
+          <a:bodyPr/>
+          <a:lstStyle/>
+          <a:p>
+            <a:r>
+              <a:rPr lang="en-US" altLang="zh-CN" dirty="0">
+                <a:solidFill>
+                  <a:srgbClr val="FF0000"/>
+                </a:solidFill>
+              </a:rPr>
+              <a:t>1 </a:t>
+            </a:r>
+            <a:r>
+              <a:rPr lang="zh-CN" altLang="en-US" dirty="0">
+                <a:solidFill>
+                  <a:srgbClr val="FF0000"/>
+                </a:solidFill>
+              </a:rPr>
+              <a:t>思想</a:t>
+            </a:r>
+          </a:p>
+        </p:txBody>
+      </p:sp>
+      <p:sp>
+        <p:nvSpPr>
+          <p:cNvPr id="3" name="内容占位符 2">
+            <a:extLst>
+              <a:ext uri="{FF2B5EF4-FFF2-40B4-BE49-F238E27FC236}">
+                <a16:creationId xmlns:a16="http://schemas.microsoft.com/office/drawing/2014/main" id="{92CA505E-0DC5-4952-8AA7-15610F9EEB24}"/>
+              </a:ext>
+            </a:extLst>
+          </p:cNvPr>
+          <p:cNvSpPr>
+            <a:spLocks noGrp="1"/>
+          </p:cNvSpPr>
+          <p:nvPr>
+            <p:ph idx="1"/>
+          </p:nvPr>
+        </p:nvSpPr>
+        <p:spPr/>
+        <p:txBody>
+          <a:bodyPr/>
+          <a:lstStyle/>
+          <a:p>
+            <a:r>
+              <a:rPr lang="zh-CN" altLang="en-US" dirty="0"/>
+              <a:t>领域成为最重要的关注点</a:t>
+            </a:r>
+            <a:endParaRPr lang="en-US" altLang="zh-CN" dirty="0"/>
+          </a:p>
+          <a:p>
+            <a:r>
+              <a:rPr lang="zh-CN" altLang="en-US" dirty="0"/>
+              <a:t>复杂软件控制之道，新银弹</a:t>
+            </a:r>
+            <a:endParaRPr lang="en-US" altLang="zh-CN" dirty="0"/>
+          </a:p>
+        </p:txBody>
+      </p:sp>
+    </p:spTree>
+    <p:extLst>
+      <p:ext uri="{BB962C8B-B14F-4D97-AF65-F5344CB8AC3E}">
+        <p14:creationId xmlns:p14="http://schemas.microsoft.com/office/powerpoint/2010/main" val="249766088"/>
+      </p:ext>
+    </p:extLst>
+  </p:cSld>
+  <p:clrMapOvr>
+    <a:masterClrMapping/>
+  </p:clrMapOvr>
+</p:sld>
+</file>
+
+<file path=ppt/slides/slide26.xml><?xml version="1.0" encoding="utf-8"?>
+<p:sld xmlns:a="http://schemas.openxmlformats.org/drawingml/2006/main" xmlns:r="http://schemas.openxmlformats.org/officeDocument/2006/relationships" xmlns:p="http://schemas.openxmlformats.org/presentationml/2006/main">
+  <p:cSld>
+    <p:spTree>
+      <p:nvGrpSpPr>
+        <p:cNvPr id="1" name=""/>
+        <p:cNvGrpSpPr/>
+        <p:nvPr/>
+      </p:nvGrpSpPr>
+      <p:grpSpPr>
+        <a:xfrm>
+          <a:off x="0" y="0"/>
+          <a:ext cx="0" cy="0"/>
+          <a:chOff x="0" y="0"/>
+          <a:chExt cx="0" cy="0"/>
+        </a:xfrm>
+      </p:grpSpPr>
+      <p:sp>
+        <p:nvSpPr>
+          <p:cNvPr id="2" name="标题 1">
+            <a:extLst>
+              <a:ext uri="{FF2B5EF4-FFF2-40B4-BE49-F238E27FC236}">
+                <a16:creationId xmlns:a16="http://schemas.microsoft.com/office/drawing/2014/main" id="{315ABCB3-3377-4B9D-8C1C-9A051DA760FA}"/>
+              </a:ext>
+            </a:extLst>
+          </p:cNvPr>
+          <p:cNvSpPr>
+            <a:spLocks noGrp="1"/>
+          </p:cNvSpPr>
+          <p:nvPr>
+            <p:ph type="title"/>
+          </p:nvPr>
+        </p:nvSpPr>
+        <p:spPr/>
+        <p:txBody>
+          <a:bodyPr/>
+          <a:lstStyle/>
+          <a:p>
+            <a:r>
+              <a:rPr lang="en-US" altLang="zh-CN" dirty="0">
+                <a:solidFill>
+                  <a:srgbClr val="FF0000"/>
+                </a:solidFill>
+              </a:rPr>
+              <a:t>2 </a:t>
+            </a:r>
+            <a:r>
+              <a:rPr lang="zh-CN" altLang="en-US" dirty="0">
+                <a:solidFill>
+                  <a:srgbClr val="FF0000"/>
+                </a:solidFill>
+              </a:rPr>
+              <a:t>战略设计</a:t>
+            </a:r>
+          </a:p>
+        </p:txBody>
+      </p:sp>
+      <p:sp>
+        <p:nvSpPr>
+          <p:cNvPr id="3" name="内容占位符 2">
+            <a:extLst>
+              <a:ext uri="{FF2B5EF4-FFF2-40B4-BE49-F238E27FC236}">
+                <a16:creationId xmlns:a16="http://schemas.microsoft.com/office/drawing/2014/main" id="{F7D4A658-EDE1-4BD1-B6DD-49EEEBFF96FA}"/>
+              </a:ext>
+            </a:extLst>
+          </p:cNvPr>
+          <p:cNvSpPr>
+            <a:spLocks noGrp="1"/>
+          </p:cNvSpPr>
+          <p:nvPr>
+            <p:ph idx="1"/>
+          </p:nvPr>
+        </p:nvSpPr>
+        <p:spPr/>
+        <p:txBody>
+          <a:bodyPr/>
+          <a:lstStyle/>
+          <a:p>
+            <a:r>
+              <a:rPr lang="zh-CN" altLang="en-US" dirty="0"/>
+              <a:t>限界上下文</a:t>
+            </a:r>
+            <a:endParaRPr lang="en-US" altLang="zh-CN" dirty="0"/>
+          </a:p>
+          <a:p>
+            <a:r>
+              <a:rPr lang="zh-CN" altLang="en-US" dirty="0"/>
+              <a:t>通用语言</a:t>
+            </a:r>
+            <a:endParaRPr lang="en-US" altLang="zh-CN" dirty="0"/>
+          </a:p>
+          <a:p>
+            <a:r>
+              <a:rPr lang="zh-CN" altLang="en-US" dirty="0"/>
+              <a:t>上下文映射</a:t>
+            </a:r>
+          </a:p>
+        </p:txBody>
+      </p:sp>
+    </p:spTree>
+    <p:extLst>
+      <p:ext uri="{BB962C8B-B14F-4D97-AF65-F5344CB8AC3E}">
+        <p14:creationId xmlns:p14="http://schemas.microsoft.com/office/powerpoint/2010/main" val="130135117"/>
+      </p:ext>
+    </p:extLst>
+  </p:cSld>
+  <p:clrMapOvr>
+    <a:masterClrMapping/>
+  </p:clrMapOvr>
+</p:sld>
+</file>
+
+<file path=ppt/slides/slide27.xml><?xml version="1.0" encoding="utf-8"?>
+<p:sld xmlns:a="http://schemas.openxmlformats.org/drawingml/2006/main" xmlns:r="http://schemas.openxmlformats.org/officeDocument/2006/relationships" xmlns:p="http://schemas.openxmlformats.org/presentationml/2006/main">
+  <p:cSld>
+    <p:spTree>
+      <p:nvGrpSpPr>
+        <p:cNvPr id="1" name=""/>
+        <p:cNvGrpSpPr/>
+        <p:nvPr/>
+      </p:nvGrpSpPr>
+      <p:grpSpPr>
+        <a:xfrm>
+          <a:off x="0" y="0"/>
+          <a:ext cx="0" cy="0"/>
+          <a:chOff x="0" y="0"/>
+          <a:chExt cx="0" cy="0"/>
+        </a:xfrm>
+      </p:grpSpPr>
+      <p:sp>
+        <p:nvSpPr>
+          <p:cNvPr id="2" name="标题 1">
+            <a:extLst>
+              <a:ext uri="{FF2B5EF4-FFF2-40B4-BE49-F238E27FC236}">
+                <a16:creationId xmlns:a16="http://schemas.microsoft.com/office/drawing/2014/main" id="{6C0C1EB0-31F2-414E-9125-40E5F1C49A83}"/>
+              </a:ext>
+            </a:extLst>
+          </p:cNvPr>
+          <p:cNvSpPr>
+            <a:spLocks noGrp="1"/>
+          </p:cNvSpPr>
+          <p:nvPr>
+            <p:ph type="title"/>
+          </p:nvPr>
+        </p:nvSpPr>
+        <p:spPr/>
+        <p:txBody>
+          <a:bodyPr/>
+          <a:lstStyle/>
+          <a:p>
+            <a:r>
+              <a:rPr lang="en-US" altLang="zh-CN" dirty="0">
+                <a:solidFill>
+                  <a:srgbClr val="FF0000"/>
+                </a:solidFill>
+              </a:rPr>
+              <a:t>3 </a:t>
+            </a:r>
+            <a:r>
+              <a:rPr lang="zh-CN" altLang="en-US" dirty="0">
+                <a:solidFill>
+                  <a:srgbClr val="FF0000"/>
+                </a:solidFill>
+              </a:rPr>
+              <a:t>战术设计</a:t>
+            </a:r>
+          </a:p>
+        </p:txBody>
+      </p:sp>
+      <p:sp>
+        <p:nvSpPr>
+          <p:cNvPr id="3" name="内容占位符 2">
+            <a:extLst>
+              <a:ext uri="{FF2B5EF4-FFF2-40B4-BE49-F238E27FC236}">
+                <a16:creationId xmlns:a16="http://schemas.microsoft.com/office/drawing/2014/main" id="{0D9AD77B-7E2F-48F0-BB9E-810314487398}"/>
+              </a:ext>
+            </a:extLst>
+          </p:cNvPr>
+          <p:cNvSpPr>
+            <a:spLocks noGrp="1"/>
+          </p:cNvSpPr>
+          <p:nvPr>
+            <p:ph idx="1"/>
+          </p:nvPr>
+        </p:nvSpPr>
+        <p:spPr/>
+        <p:txBody>
+          <a:bodyPr/>
+          <a:lstStyle/>
+          <a:p>
+            <a:r>
+              <a:rPr lang="zh-CN" altLang="en-US" dirty="0"/>
+              <a:t>聚合</a:t>
+            </a:r>
+            <a:endParaRPr lang="en-US" altLang="zh-CN" dirty="0"/>
+          </a:p>
+          <a:p>
+            <a:r>
+              <a:rPr lang="zh-CN" altLang="en-US" dirty="0"/>
+              <a:t>实体</a:t>
+            </a:r>
+            <a:endParaRPr lang="en-US" altLang="zh-CN" dirty="0"/>
+          </a:p>
+          <a:p>
+            <a:r>
+              <a:rPr lang="zh-CN" altLang="en-US" dirty="0"/>
+              <a:t>值对象</a:t>
+            </a:r>
+            <a:endParaRPr lang="en-US" altLang="zh-CN" dirty="0"/>
+          </a:p>
+          <a:p>
+            <a:r>
+              <a:rPr lang="en-US" altLang="zh-CN" dirty="0"/>
+              <a:t>CQRS</a:t>
+            </a:r>
+          </a:p>
+          <a:p>
+            <a:r>
+              <a:rPr lang="zh-CN" altLang="en-US" dirty="0"/>
+              <a:t>事件溯源</a:t>
+            </a:r>
+          </a:p>
+        </p:txBody>
+      </p:sp>
+    </p:spTree>
+    <p:extLst>
+      <p:ext uri="{BB962C8B-B14F-4D97-AF65-F5344CB8AC3E}">
+        <p14:creationId xmlns:p14="http://schemas.microsoft.com/office/powerpoint/2010/main" val="4201465018"/>
+      </p:ext>
+    </p:extLst>
+  </p:cSld>
+  <p:clrMapOvr>
+    <a:masterClrMapping/>
+  </p:clrMapOvr>
+</p:sld>
+</file>
+
+<file path=ppt/slides/slide28.xml><?xml version="1.0" encoding="utf-8"?>
+<p:sld xmlns:a="http://schemas.openxmlformats.org/drawingml/2006/main" xmlns:r="http://schemas.openxmlformats.org/officeDocument/2006/relationships" xmlns:p="http://schemas.openxmlformats.org/presentationml/2006/main">
+  <p:cSld>
+    <p:spTree>
+      <p:nvGrpSpPr>
+        <p:cNvPr id="1" name=""/>
+        <p:cNvGrpSpPr/>
+        <p:nvPr/>
+      </p:nvGrpSpPr>
+      <p:grpSpPr>
+        <a:xfrm>
+          <a:off x="0" y="0"/>
+          <a:ext cx="0" cy="0"/>
+          <a:chOff x="0" y="0"/>
+          <a:chExt cx="0" cy="0"/>
+        </a:xfrm>
+      </p:grpSpPr>
+      <p:sp>
+        <p:nvSpPr>
+          <p:cNvPr id="2" name="标题 1">
+            <a:extLst>
+              <a:ext uri="{FF2B5EF4-FFF2-40B4-BE49-F238E27FC236}">
+                <a16:creationId xmlns:a16="http://schemas.microsoft.com/office/drawing/2014/main" id="{A2657629-71C7-4E0A-9A4D-22B7D109DCB9}"/>
+              </a:ext>
+            </a:extLst>
+          </p:cNvPr>
+          <p:cNvSpPr>
+            <a:spLocks noGrp="1"/>
+          </p:cNvSpPr>
+          <p:nvPr>
+            <p:ph type="title"/>
+          </p:nvPr>
+        </p:nvSpPr>
+        <p:spPr/>
+        <p:txBody>
+          <a:bodyPr/>
+          <a:lstStyle/>
+          <a:p>
+            <a:r>
+              <a:rPr lang="en-US" altLang="zh-CN" dirty="0">
+                <a:solidFill>
+                  <a:srgbClr val="FF0000"/>
+                </a:solidFill>
+              </a:rPr>
+              <a:t>4 </a:t>
+            </a:r>
+            <a:r>
+              <a:rPr lang="zh-CN" altLang="en-US" dirty="0">
+                <a:solidFill>
+                  <a:srgbClr val="FF0000"/>
+                </a:solidFill>
+              </a:rPr>
+              <a:t>框架</a:t>
+            </a:r>
+          </a:p>
+        </p:txBody>
+      </p:sp>
+      <p:sp>
+        <p:nvSpPr>
+          <p:cNvPr id="3" name="内容占位符 2">
+            <a:extLst>
+              <a:ext uri="{FF2B5EF4-FFF2-40B4-BE49-F238E27FC236}">
+                <a16:creationId xmlns:a16="http://schemas.microsoft.com/office/drawing/2014/main" id="{D59DB735-6BCC-441B-8B1F-AED5480B4370}"/>
+              </a:ext>
+            </a:extLst>
+          </p:cNvPr>
+          <p:cNvSpPr>
+            <a:spLocks noGrp="1"/>
+          </p:cNvSpPr>
+          <p:nvPr>
+            <p:ph idx="1"/>
+          </p:nvPr>
+        </p:nvSpPr>
+        <p:spPr/>
+        <p:txBody>
+          <a:bodyPr/>
+          <a:lstStyle/>
+          <a:p>
+            <a:r>
+              <a:rPr lang="en-US" altLang="zh-CN" dirty="0"/>
+              <a:t>Alibaba-</a:t>
+            </a:r>
+            <a:r>
+              <a:rPr lang="en-US" altLang="zh-CN" dirty="0" err="1"/>
+              <a:t>cloa</a:t>
+            </a:r>
+            <a:endParaRPr lang="en-US" altLang="zh-CN" dirty="0"/>
+          </a:p>
+          <a:p>
+            <a:endParaRPr lang="zh-CN" altLang="en-US" dirty="0"/>
+          </a:p>
+        </p:txBody>
+      </p:sp>
+    </p:spTree>
+    <p:extLst>
+      <p:ext uri="{BB962C8B-B14F-4D97-AF65-F5344CB8AC3E}">
+        <p14:creationId xmlns:p14="http://schemas.microsoft.com/office/powerpoint/2010/main" val="4011406938"/>
+      </p:ext>
+    </p:extLst>
+  </p:cSld>
+  <p:clrMapOvr>
+    <a:masterClrMapping/>
+  </p:clrMapOvr>
+</p:sld>
+</file>
+
+<file path=ppt/slides/slide29.xml><?xml version="1.0" encoding="utf-8"?>
+<p:sld xmlns:a="http://schemas.openxmlformats.org/drawingml/2006/main" xmlns:r="http://schemas.openxmlformats.org/officeDocument/2006/relationships" xmlns:p="http://schemas.openxmlformats.org/presentationml/2006/main">
+  <p:cSld>
+    <p:spTree>
+      <p:nvGrpSpPr>
+        <p:cNvPr id="1" name=""/>
+        <p:cNvGrpSpPr/>
+        <p:nvPr/>
+      </p:nvGrpSpPr>
+      <p:grpSpPr>
+        <a:xfrm>
+          <a:off x="0" y="0"/>
+          <a:ext cx="0" cy="0"/>
+          <a:chOff x="0" y="0"/>
+          <a:chExt cx="0" cy="0"/>
+        </a:xfrm>
+      </p:grpSpPr>
+      <p:sp>
+        <p:nvSpPr>
+          <p:cNvPr id="2" name="标题 1">
+            <a:extLst>
+              <a:ext uri="{FF2B5EF4-FFF2-40B4-BE49-F238E27FC236}">
+                <a16:creationId xmlns:a16="http://schemas.microsoft.com/office/drawing/2014/main" id="{E4CC363C-9716-4D35-B54A-70863F98DE48}"/>
+              </a:ext>
+            </a:extLst>
+          </p:cNvPr>
+          <p:cNvSpPr>
+            <a:spLocks noGrp="1"/>
+          </p:cNvSpPr>
+          <p:nvPr>
+            <p:ph type="title"/>
+          </p:nvPr>
+        </p:nvSpPr>
+        <p:spPr/>
+        <p:txBody>
+          <a:bodyPr/>
+          <a:lstStyle/>
+          <a:p>
+            <a:r>
+              <a:rPr lang="en-US" altLang="zh-CN" dirty="0">
+                <a:solidFill>
+                  <a:srgbClr val="FF0000"/>
+                </a:solidFill>
+              </a:rPr>
+              <a:t>DDD</a:t>
+            </a:r>
+            <a:r>
+              <a:rPr lang="zh-CN" altLang="en-US" dirty="0">
+                <a:solidFill>
+                  <a:srgbClr val="FF0000"/>
+                </a:solidFill>
+              </a:rPr>
+              <a:t>场景</a:t>
+            </a:r>
+          </a:p>
+        </p:txBody>
+      </p:sp>
+      <p:sp>
+        <p:nvSpPr>
+          <p:cNvPr id="3" name="内容占位符 2">
+            <a:extLst>
+              <a:ext uri="{FF2B5EF4-FFF2-40B4-BE49-F238E27FC236}">
+                <a16:creationId xmlns:a16="http://schemas.microsoft.com/office/drawing/2014/main" id="{FBE97840-7576-42B0-8989-D6DF0523930D}"/>
+              </a:ext>
+            </a:extLst>
+          </p:cNvPr>
+          <p:cNvSpPr>
+            <a:spLocks noGrp="1"/>
+          </p:cNvSpPr>
+          <p:nvPr>
+            <p:ph idx="1"/>
+          </p:nvPr>
+        </p:nvSpPr>
+        <p:spPr/>
+        <p:txBody>
+          <a:bodyPr/>
+          <a:lstStyle/>
+          <a:p>
+            <a:r>
+              <a:rPr lang="en-US" altLang="zh-CN" dirty="0"/>
+              <a:t>1 </a:t>
+            </a:r>
+            <a:r>
+              <a:rPr lang="zh-CN" altLang="en-US" dirty="0"/>
+              <a:t>统一语言：</a:t>
+            </a:r>
+            <a:r>
+              <a:rPr lang="en-US" altLang="zh-CN" dirty="0" err="1"/>
+              <a:t>PublicInfo</a:t>
+            </a:r>
+            <a:r>
+              <a:rPr lang="zh-CN" altLang="en-US" dirty="0"/>
+              <a:t>，</a:t>
+            </a:r>
+            <a:r>
+              <a:rPr lang="en-US" altLang="zh-CN" dirty="0"/>
+              <a:t>Base</a:t>
+            </a:r>
+            <a:r>
+              <a:rPr lang="zh-CN" altLang="en-US" dirty="0"/>
+              <a:t>，风控，充提，币种币对，用户，管理员，</a:t>
+            </a:r>
+            <a:r>
+              <a:rPr lang="en-US" altLang="zh-CN" dirty="0" err="1"/>
+              <a:t>Waas</a:t>
+            </a:r>
+            <a:endParaRPr lang="en-US" altLang="zh-CN" dirty="0"/>
+          </a:p>
+          <a:p>
+            <a:r>
+              <a:rPr lang="en-US" altLang="zh-CN" dirty="0"/>
+              <a:t>2 </a:t>
+            </a:r>
+            <a:r>
+              <a:rPr lang="zh-CN" altLang="en-US" dirty="0"/>
+              <a:t>账户</a:t>
+            </a:r>
+            <a:r>
+              <a:rPr lang="en-US" altLang="zh-CN" dirty="0"/>
+              <a:t>Account</a:t>
+            </a:r>
+            <a:r>
+              <a:rPr lang="zh-CN" altLang="en-US" dirty="0"/>
+              <a:t>里面操作充值，转账</a:t>
+            </a:r>
+            <a:endParaRPr lang="en-US" altLang="zh-CN" dirty="0"/>
+          </a:p>
+          <a:p>
+            <a:r>
+              <a:rPr lang="en-US" altLang="zh-CN" dirty="0"/>
+              <a:t>3 </a:t>
+            </a:r>
+            <a:r>
+              <a:rPr lang="zh-CN" altLang="en-US" dirty="0"/>
+              <a:t>统一场外订单列表展示</a:t>
+            </a:r>
+          </a:p>
+        </p:txBody>
+      </p:sp>
+    </p:spTree>
+    <p:extLst>
+      <p:ext uri="{BB962C8B-B14F-4D97-AF65-F5344CB8AC3E}">
+        <p14:creationId xmlns:p14="http://schemas.microsoft.com/office/powerpoint/2010/main" val="1512721867"/>
+      </p:ext>
+    </p:extLst>
+  </p:cSld>
+  <p:clrMapOvr>
+    <a:masterClrMapping/>
+  </p:clrMapOvr>
+</p:sld>
+</file>
+
+<file path=ppt/slides/slide3.xml><?xml version="1.0" encoding="utf-8"?>
+<p:sld xmlns:a="http://schemas.openxmlformats.org/drawingml/2006/main" xmlns:r="http://schemas.openxmlformats.org/officeDocument/2006/relationships" xmlns:p="http://schemas.openxmlformats.org/presentationml/2006/main">
+  <p:cSld>
+    <p:spTree>
+      <p:nvGrpSpPr>
+        <p:cNvPr id="1" name=""/>
+        <p:cNvGrpSpPr/>
+        <p:nvPr/>
+      </p:nvGrpSpPr>
+      <p:grpSpPr>
+        <a:xfrm>
+          <a:off x="0" y="0"/>
+          <a:ext cx="0" cy="0"/>
+          <a:chOff x="0" y="0"/>
+          <a:chExt cx="0" cy="0"/>
+        </a:xfrm>
+      </p:grpSpPr>
+      <p:sp>
+        <p:nvSpPr>
+          <p:cNvPr id="2" name="标题 1">
+            <a:extLst>
+              <a:ext uri="{FF2B5EF4-FFF2-40B4-BE49-F238E27FC236}">
+                <a16:creationId xmlns:a16="http://schemas.microsoft.com/office/drawing/2014/main" id="{4504324A-78B1-4414-93C1-BE7194741694}"/>
+              </a:ext>
+            </a:extLst>
+          </p:cNvPr>
+          <p:cNvSpPr>
+            <a:spLocks noGrp="1"/>
+          </p:cNvSpPr>
+          <p:nvPr>
+            <p:ph type="title"/>
+          </p:nvPr>
+        </p:nvSpPr>
+        <p:spPr/>
+        <p:txBody>
+          <a:bodyPr/>
+          <a:lstStyle/>
+          <a:p>
+            <a:r>
+              <a:rPr lang="zh-CN" altLang="en-US" dirty="0">
+                <a:solidFill>
+                  <a:srgbClr val="FF0000"/>
+                </a:solidFill>
+              </a:rPr>
+              <a:t>启示的目的是什么？</a:t>
+            </a:r>
+          </a:p>
+        </p:txBody>
+      </p:sp>
+      <p:sp>
+        <p:nvSpPr>
+          <p:cNvPr id="3" name="内容占位符 2">
+            <a:extLst>
+              <a:ext uri="{FF2B5EF4-FFF2-40B4-BE49-F238E27FC236}">
+                <a16:creationId xmlns:a16="http://schemas.microsoft.com/office/drawing/2014/main" id="{4BDD59C4-3D8F-4DAA-B1ED-45E69ADB7D83}"/>
+              </a:ext>
+            </a:extLst>
+          </p:cNvPr>
+          <p:cNvSpPr>
+            <a:spLocks noGrp="1"/>
+          </p:cNvSpPr>
+          <p:nvPr>
+            <p:ph idx="1"/>
+          </p:nvPr>
+        </p:nvSpPr>
+        <p:spPr/>
+        <p:txBody>
+          <a:bodyPr/>
+          <a:lstStyle/>
+          <a:p>
+            <a:r>
+              <a:rPr lang="zh-CN" altLang="en-US" dirty="0"/>
+              <a:t>软件设计目的：减少复杂性</a:t>
+            </a:r>
+            <a:endParaRPr lang="en-US" altLang="zh-CN" dirty="0"/>
+          </a:p>
+          <a:p>
+            <a:r>
+              <a:rPr lang="zh-CN" altLang="en-US" dirty="0"/>
+              <a:t>首要技术目标与追求：消除非本质复杂性，控制本质复杂性</a:t>
+            </a:r>
+            <a:endParaRPr lang="en-US" altLang="zh-CN" dirty="0"/>
+          </a:p>
+          <a:p>
+            <a:pPr lvl="1"/>
+            <a:r>
+              <a:rPr lang="zh-CN" altLang="en-US" dirty="0">
+                <a:solidFill>
+                  <a:srgbClr val="FF0000"/>
+                </a:solidFill>
+              </a:rPr>
+              <a:t>消非控根</a:t>
+            </a:r>
+            <a:endParaRPr lang="en-US" altLang="zh-CN" dirty="0">
+              <a:solidFill>
+                <a:srgbClr val="FF0000"/>
+              </a:solidFill>
+            </a:endParaRPr>
+          </a:p>
+          <a:p>
+            <a:r>
+              <a:rPr lang="zh-CN" altLang="en-US" dirty="0"/>
+              <a:t>重新认识</a:t>
+            </a:r>
+            <a:r>
+              <a:rPr lang="en-US" altLang="zh-CN" dirty="0" err="1"/>
+              <a:t>Saas</a:t>
+            </a:r>
+            <a:r>
+              <a:rPr lang="zh-CN" altLang="en-US" dirty="0"/>
+              <a:t>代码</a:t>
+            </a:r>
+            <a:endParaRPr lang="en-US" altLang="zh-CN" dirty="0"/>
+          </a:p>
+        </p:txBody>
+      </p:sp>
+    </p:spTree>
+    <p:extLst>
+      <p:ext uri="{BB962C8B-B14F-4D97-AF65-F5344CB8AC3E}">
+        <p14:creationId xmlns:p14="http://schemas.microsoft.com/office/powerpoint/2010/main" val="3769475451"/>
+      </p:ext>
+    </p:extLst>
+  </p:cSld>
+  <p:clrMapOvr>
+    <a:masterClrMapping/>
+  </p:clrMapOvr>
+</p:sld>
+</file>
+
+<file path=ppt/slides/slide30.xml><?xml version="1.0" encoding="utf-8"?>
+<p:sld xmlns:a="http://schemas.openxmlformats.org/drawingml/2006/main" xmlns:r="http://schemas.openxmlformats.org/officeDocument/2006/relationships" xmlns:p="http://schemas.openxmlformats.org/presentationml/2006/main">
+  <p:cSld>
+    <p:spTree>
+      <p:nvGrpSpPr>
+        <p:cNvPr id="1" name=""/>
+        <p:cNvGrpSpPr/>
+        <p:nvPr/>
+      </p:nvGrpSpPr>
+      <p:grpSpPr>
+        <a:xfrm>
+          <a:off x="0" y="0"/>
+          <a:ext cx="0" cy="0"/>
+          <a:chOff x="0" y="0"/>
+          <a:chExt cx="0" cy="0"/>
+        </a:xfrm>
+      </p:grpSpPr>
+      <p:sp>
+        <p:nvSpPr>
+          <p:cNvPr id="2" name="标题 1">
+            <a:extLst>
+              <a:ext uri="{FF2B5EF4-FFF2-40B4-BE49-F238E27FC236}">
                 <a16:creationId xmlns:a16="http://schemas.microsoft.com/office/drawing/2014/main" id="{356EF433-D5CA-44F8-8BA2-46A8AEA459C0}"/>
               </a:ext>
             </a:extLst>
@@ -7856,7 +9330,11 @@
           <a:lstStyle/>
           <a:p>
             <a:r>
-              <a:rPr lang="zh-CN" altLang="en-US" dirty="0"/>
+              <a:rPr lang="zh-CN" altLang="en-US" dirty="0">
+                <a:solidFill>
+                  <a:srgbClr val="FF0000"/>
+                </a:solidFill>
+              </a:rPr>
               <a:t>缺少领域的概念</a:t>
             </a:r>
           </a:p>
@@ -7905,7 +9383,7 @@
           <p:nvPr/>
         </p:nvPicPr>
         <p:blipFill>
-          <a:blip r:embed="rId2"/>
+          <a:blip r:embed="rId3"/>
           <a:stretch>
             <a:fillRect/>
           </a:stretch>
@@ -7933,7 +9411,7 @@
 </p:sld>
 </file>
 
-<file path=ppt/slides/slide26.xml><?xml version="1.0" encoding="utf-8"?>
+<file path=ppt/slides/slide31.xml><?xml version="1.0" encoding="utf-8"?>
 <p:sld xmlns:a="http://schemas.openxmlformats.org/drawingml/2006/main" xmlns:r="http://schemas.openxmlformats.org/officeDocument/2006/relationships" xmlns:p="http://schemas.openxmlformats.org/presentationml/2006/main">
   <p:cSld>
     <p:spTree>
@@ -8139,7 +9617,7 @@
 </p:sld>
 </file>
 
-<file path=ppt/slides/slide27.xml><?xml version="1.0" encoding="utf-8"?>
+<file path=ppt/slides/slide32.xml><?xml version="1.0" encoding="utf-8"?>
 <p:sld xmlns:a="http://schemas.openxmlformats.org/drawingml/2006/main" xmlns:r="http://schemas.openxmlformats.org/officeDocument/2006/relationships" xmlns:p="http://schemas.openxmlformats.org/presentationml/2006/main">
   <p:cSld>
     <p:spTree>
@@ -8178,11 +9656,19 @@
           <a:lstStyle/>
           <a:p>
             <a:r>
-              <a:rPr lang="en-US" altLang="zh-CN" dirty="0"/>
+              <a:rPr lang="en-US" altLang="zh-CN" dirty="0">
+                <a:solidFill>
+                  <a:srgbClr val="FF0000"/>
+                </a:solidFill>
+              </a:rPr>
               <a:t>DDD-</a:t>
             </a:r>
             <a:r>
-              <a:rPr lang="zh-CN" altLang="en-US" dirty="0"/>
+              <a:rPr lang="zh-CN" altLang="en-US" dirty="0">
+                <a:solidFill>
+                  <a:srgbClr val="FF0000"/>
+                </a:solidFill>
+              </a:rPr>
               <a:t>场景</a:t>
             </a:r>
           </a:p>
@@ -8209,16 +9695,19 @@
           <a:bodyPr/>
           <a:lstStyle/>
           <a:p>
-            <a:endParaRPr lang="zh-CN" altLang="en-US"/>
+            <a:r>
+              <a:rPr lang="zh-CN" altLang="en-US" dirty="0"/>
+              <a:t>开放平台参数校验，自己检查自己</a:t>
+            </a:r>
           </a:p>
         </p:txBody>
       </p:sp>
       <p:pic>
         <p:nvPicPr>
-          <p:cNvPr id="7" name="图片 6">
-            <a:extLst>
-              <a:ext uri="{FF2B5EF4-FFF2-40B4-BE49-F238E27FC236}">
-                <a16:creationId xmlns:a16="http://schemas.microsoft.com/office/drawing/2014/main" id="{047B8617-E1FC-4645-9B24-C600B5D7B5DA}"/>
+          <p:cNvPr id="5" name="图片 4">
+            <a:extLst>
+              <a:ext uri="{FF2B5EF4-FFF2-40B4-BE49-F238E27FC236}">
+                <a16:creationId xmlns:a16="http://schemas.microsoft.com/office/drawing/2014/main" id="{D0E81B72-57F6-4198-9E7A-9449B7785BED}"/>
               </a:ext>
             </a:extLst>
           </p:cNvPr>
@@ -8235,8 +9724,8 @@
         </p:blipFill>
         <p:spPr>
           <a:xfrm>
-            <a:off x="298450" y="2565400"/>
-            <a:ext cx="11258550" cy="2514600"/>
+            <a:off x="1364973" y="2572876"/>
+            <a:ext cx="8600661" cy="3604087"/>
           </a:xfrm>
           <a:prstGeom prst="rect">
             <a:avLst/>
@@ -8256,7 +9745,7 @@
 </p:sld>
 </file>
 
-<file path=ppt/slides/slide28.xml><?xml version="1.0" encoding="utf-8"?>
+<file path=ppt/slides/slide33.xml><?xml version="1.0" encoding="utf-8"?>
 <p:sld xmlns:a="http://schemas.openxmlformats.org/drawingml/2006/main" xmlns:r="http://schemas.openxmlformats.org/officeDocument/2006/relationships" xmlns:p="http://schemas.openxmlformats.org/presentationml/2006/main">
   <p:cSld>
     <p:spTree>
@@ -8275,124 +9764,61 @@
       </p:grpSpPr>
       <p:sp>
         <p:nvSpPr>
-          <p:cNvPr id="2" name="标题 1">
-            <a:extLst>
-              <a:ext uri="{FF2B5EF4-FFF2-40B4-BE49-F238E27FC236}">
-                <a16:creationId xmlns:a16="http://schemas.microsoft.com/office/drawing/2014/main" id="{10E8415B-67BE-4606-BE92-03A09609F44C}"/>
-              </a:ext>
-            </a:extLst>
-          </p:cNvPr>
-          <p:cNvSpPr>
-            <a:spLocks noGrp="1"/>
-          </p:cNvSpPr>
-          <p:nvPr>
-            <p:ph type="title"/>
-          </p:nvPr>
-        </p:nvSpPr>
-        <p:spPr/>
-        <p:txBody>
-          <a:bodyPr/>
-          <a:lstStyle/>
-          <a:p>
-            <a:r>
-              <a:rPr lang="zh-CN" altLang="en-US" dirty="0"/>
-              <a:t>设计的趣味</a:t>
-            </a:r>
-          </a:p>
-        </p:txBody>
-      </p:sp>
-      <p:sp>
-        <p:nvSpPr>
-          <p:cNvPr id="3" name="内容占位符 2">
-            <a:extLst>
-              <a:ext uri="{FF2B5EF4-FFF2-40B4-BE49-F238E27FC236}">
-                <a16:creationId xmlns:a16="http://schemas.microsoft.com/office/drawing/2014/main" id="{BB684A24-6D1C-40A7-B812-FD3FDE6316CB}"/>
-              </a:ext>
-            </a:extLst>
-          </p:cNvPr>
-          <p:cNvSpPr>
-            <a:spLocks noGrp="1"/>
-          </p:cNvSpPr>
-          <p:nvPr>
-            <p:ph idx="1"/>
-          </p:nvPr>
-        </p:nvSpPr>
-        <p:spPr/>
-        <p:txBody>
-          <a:bodyPr/>
-          <a:lstStyle/>
-          <a:p>
-            <a:r>
-              <a:rPr lang="en-US" altLang="zh-CN" dirty="0"/>
-              <a:t>1 </a:t>
-            </a:r>
-            <a:r>
-              <a:rPr lang="zh-CN" altLang="en-US" dirty="0"/>
-              <a:t>写代码有意思在于设计</a:t>
-            </a:r>
-            <a:endParaRPr lang="en-US" altLang="zh-CN" dirty="0"/>
-          </a:p>
-          <a:p>
-            <a:r>
-              <a:rPr lang="en-US" altLang="zh-CN" dirty="0"/>
-              <a:t>2 CRUD</a:t>
-            </a:r>
-            <a:r>
-              <a:rPr lang="zh-CN" altLang="en-US" dirty="0"/>
-              <a:t>降低你的品味</a:t>
-            </a:r>
-            <a:endParaRPr lang="en-US" altLang="zh-CN" dirty="0"/>
-          </a:p>
-          <a:p>
-            <a:r>
-              <a:rPr lang="en-US" altLang="zh-CN" dirty="0"/>
-              <a:t>3 </a:t>
-            </a:r>
-            <a:r>
-              <a:rPr lang="zh-CN" altLang="en-US" dirty="0"/>
-              <a:t>同时重视原理和设计 </a:t>
-            </a:r>
-            <a:endParaRPr lang="en-US" altLang="zh-CN" dirty="0"/>
-          </a:p>
-          <a:p>
-            <a:pPr lvl="1"/>
-            <a:r>
-              <a:rPr lang="zh-CN" altLang="en-US" dirty="0"/>
-              <a:t>经典面试题：</a:t>
-            </a:r>
-            <a:r>
-              <a:rPr lang="en-US" altLang="zh-CN" dirty="0"/>
-              <a:t>HashMap</a:t>
-            </a:r>
-            <a:r>
-              <a:rPr lang="zh-CN" altLang="en-US" dirty="0"/>
-              <a:t>原理是什么？</a:t>
-            </a:r>
-            <a:r>
-              <a:rPr lang="en-US" altLang="zh-CN" dirty="0"/>
-              <a:t>(</a:t>
-            </a:r>
-            <a:r>
-              <a:rPr lang="zh-CN" altLang="en-US" dirty="0"/>
-              <a:t>一般缺少设计的回答</a:t>
-            </a:r>
-            <a:r>
-              <a:rPr lang="en-US" altLang="zh-CN" dirty="0"/>
-              <a:t>)</a:t>
-            </a:r>
-          </a:p>
-          <a:p>
-            <a:pPr marL="0" indent="0">
-              <a:buNone/>
-            </a:pPr>
-            <a:endParaRPr lang="zh-CN" altLang="en-US" dirty="0"/>
+          <p:cNvPr id="5" name="矩形 4">
+            <a:extLst>
+              <a:ext uri="{FF2B5EF4-FFF2-40B4-BE49-F238E27FC236}">
+                <a16:creationId xmlns:a16="http://schemas.microsoft.com/office/drawing/2014/main" id="{06099BB6-E3BC-4864-9B64-2CFB546F2A07}"/>
+              </a:ext>
+            </a:extLst>
+          </p:cNvPr>
+          <p:cNvSpPr/>
+          <p:nvPr/>
+        </p:nvSpPr>
+        <p:spPr>
+          <a:xfrm>
+            <a:off x="0" y="2133600"/>
+            <a:ext cx="12192000" cy="1669774"/>
+          </a:xfrm>
+          <a:prstGeom prst="rect">
+            <a:avLst/>
+          </a:prstGeom>
+        </p:spPr>
+        <p:style>
+          <a:lnRef idx="2">
+            <a:schemeClr val="accent1">
+              <a:shade val="50000"/>
+            </a:schemeClr>
+          </a:lnRef>
+          <a:fillRef idx="1">
+            <a:schemeClr val="accent1"/>
+          </a:fillRef>
+          <a:effectRef idx="0">
+            <a:schemeClr val="accent1"/>
+          </a:effectRef>
+          <a:fontRef idx="minor">
+            <a:schemeClr val="lt1"/>
+          </a:fontRef>
+        </p:style>
+        <p:txBody>
+          <a:bodyPr rtlCol="0" anchor="ctr"/>
+          <a:lstStyle/>
+          <a:p>
+            <a:pPr algn="ctr"/>
+            <a:r>
+              <a:rPr lang="en-US" altLang="zh-CN" sz="4800" dirty="0"/>
+              <a:t>5. </a:t>
+            </a:r>
+            <a:r>
+              <a:rPr lang="zh-CN" altLang="en-US" sz="4800" dirty="0"/>
+              <a:t>设计杂谈</a:t>
+            </a:r>
           </a:p>
         </p:txBody>
       </p:sp>
     </p:spTree>
     <p:extLst>
       <p:ext uri="{BB962C8B-B14F-4D97-AF65-F5344CB8AC3E}">
-        <p14:creationId xmlns:p14="http://schemas.microsoft.com/office/powerpoint/2010/main" val="513915838"/>
+        <p14:creationId xmlns:p14="http://schemas.microsoft.com/office/powerpoint/2010/main" val="4188091068"/>
       </p:ext>
     </p:extLst>
   </p:cSld>
@@ -8402,7 +9828,7 @@
 </p:sld>
 </file>
 
-<file path=ppt/slides/slide29.xml><?xml version="1.0" encoding="utf-8"?>
+<file path=ppt/slides/slide34.xml><?xml version="1.0" encoding="utf-8"?>
 <p:sld xmlns:a="http://schemas.openxmlformats.org/drawingml/2006/main" xmlns:r="http://schemas.openxmlformats.org/officeDocument/2006/relationships" xmlns:p="http://schemas.openxmlformats.org/presentationml/2006/main">
   <p:cSld>
     <p:spTree>
@@ -8424,7 +9850,7 @@
           <p:cNvPr id="2" name="标题 1">
             <a:extLst>
               <a:ext uri="{FF2B5EF4-FFF2-40B4-BE49-F238E27FC236}">
-                <a16:creationId xmlns:a16="http://schemas.microsoft.com/office/drawing/2014/main" id="{771CD703-4831-4E19-B16A-EE2EDAEA36DB}"/>
+                <a16:creationId xmlns:a16="http://schemas.microsoft.com/office/drawing/2014/main" id="{10E8415B-67BE-4606-BE92-03A09609F44C}"/>
               </a:ext>
             </a:extLst>
           </p:cNvPr>
@@ -8440,135 +9866,133 @@
           <a:bodyPr/>
           <a:lstStyle/>
           <a:p>
-            <a:r>
-              <a:rPr lang="en-US" altLang="zh-CN" dirty="0">
-                <a:solidFill>
-                  <a:srgbClr val="FF0000"/>
-                </a:solidFill>
-              </a:rPr>
-              <a:t>Java</a:t>
-            </a:r>
             <a:r>
               <a:rPr lang="zh-CN" altLang="en-US" dirty="0">
                 <a:solidFill>
                   <a:srgbClr val="FF0000"/>
                 </a:solidFill>
               </a:rPr>
-              <a:t>集合类</a:t>
-            </a:r>
-            <a:r>
-              <a:rPr lang="en-US" altLang="zh-CN" dirty="0">
+              <a:t>设计的杂谈</a:t>
+            </a:r>
+          </a:p>
+        </p:txBody>
+      </p:sp>
+      <p:sp>
+        <p:nvSpPr>
+          <p:cNvPr id="3" name="内容占位符 2">
+            <a:extLst>
+              <a:ext uri="{FF2B5EF4-FFF2-40B4-BE49-F238E27FC236}">
+                <a16:creationId xmlns:a16="http://schemas.microsoft.com/office/drawing/2014/main" id="{BB684A24-6D1C-40A7-B812-FD3FDE6316CB}"/>
+              </a:ext>
+            </a:extLst>
+          </p:cNvPr>
+          <p:cNvSpPr>
+            <a:spLocks noGrp="1"/>
+          </p:cNvSpPr>
+          <p:nvPr>
+            <p:ph idx="1"/>
+          </p:nvPr>
+        </p:nvSpPr>
+        <p:spPr/>
+        <p:txBody>
+          <a:bodyPr/>
+          <a:lstStyle/>
+          <a:p>
+            <a:r>
+              <a:rPr lang="en-US" altLang="zh-CN" dirty="0"/>
+              <a:t>1 </a:t>
+            </a:r>
+            <a:r>
+              <a:rPr lang="zh-CN" altLang="en-US" dirty="0"/>
+              <a:t>写代码重在设计</a:t>
+            </a:r>
+            <a:endParaRPr lang="en-US" altLang="zh-CN" dirty="0"/>
+          </a:p>
+          <a:p>
+            <a:r>
+              <a:rPr lang="en-US" altLang="zh-CN" dirty="0"/>
+              <a:t>2 </a:t>
+            </a:r>
+            <a:r>
+              <a:rPr lang="zh-CN" altLang="en-US" dirty="0"/>
+              <a:t>设计保存一致性</a:t>
+            </a:r>
+            <a:endParaRPr lang="en-US" altLang="zh-CN" dirty="0"/>
+          </a:p>
+          <a:p>
+            <a:r>
+              <a:rPr lang="en-US" altLang="zh-CN" dirty="0"/>
+              <a:t>3 </a:t>
+            </a:r>
+            <a:r>
+              <a:rPr lang="zh-CN" altLang="en-US" dirty="0"/>
+              <a:t>一致性带来品味</a:t>
+            </a:r>
+            <a:endParaRPr lang="en-US" altLang="zh-CN" dirty="0"/>
+          </a:p>
+          <a:p>
+            <a:r>
+              <a:rPr lang="en-US" altLang="zh-CN" dirty="0"/>
+              <a:t>4  </a:t>
+            </a:r>
+            <a:r>
+              <a:rPr lang="zh-CN" altLang="en-US" dirty="0"/>
+              <a:t>同时重视原理和</a:t>
+            </a:r>
+            <a:r>
+              <a:rPr lang="zh-CN" altLang="en-US" b="1" dirty="0">
                 <a:solidFill>
                   <a:srgbClr val="FF0000"/>
                 </a:solidFill>
               </a:rPr>
-              <a:t>API-</a:t>
-            </a:r>
-            <a:r>
-              <a:rPr lang="zh-CN" altLang="en-US" dirty="0">
-                <a:solidFill>
-                  <a:srgbClr val="FF0000"/>
-                </a:solidFill>
-              </a:rPr>
-              <a:t>接口是灵魂</a:t>
-            </a:r>
-          </a:p>
-        </p:txBody>
-      </p:sp>
-      <p:sp>
-        <p:nvSpPr>
-          <p:cNvPr id="3" name="内容占位符 2">
-            <a:extLst>
-              <a:ext uri="{FF2B5EF4-FFF2-40B4-BE49-F238E27FC236}">
-                <a16:creationId xmlns:a16="http://schemas.microsoft.com/office/drawing/2014/main" id="{44476202-87E8-4FD1-AEA0-E0C733E5EB48}"/>
-              </a:ext>
-            </a:extLst>
-          </p:cNvPr>
-          <p:cNvSpPr>
-            <a:spLocks noGrp="1"/>
-          </p:cNvSpPr>
-          <p:nvPr>
-            <p:ph idx="1"/>
-          </p:nvPr>
-        </p:nvSpPr>
-        <p:spPr/>
-        <p:txBody>
-          <a:bodyPr/>
-          <a:lstStyle/>
+              <a:t>设计</a:t>
+            </a:r>
+            <a:r>
+              <a:rPr lang="zh-CN" altLang="en-US" dirty="0"/>
+              <a:t> </a:t>
+            </a:r>
+            <a:endParaRPr lang="en-US" altLang="zh-CN" dirty="0"/>
+          </a:p>
+          <a:p>
+            <a:pPr lvl="1"/>
+            <a:r>
+              <a:rPr lang="zh-CN" altLang="en-US" dirty="0"/>
+              <a:t>两道经典面试题</a:t>
+            </a:r>
+            <a:endParaRPr lang="en-US" altLang="zh-CN" dirty="0"/>
+          </a:p>
+          <a:p>
+            <a:pPr lvl="2"/>
+            <a:r>
+              <a:rPr lang="en-US" altLang="zh-CN" dirty="0"/>
+              <a:t>HashMap</a:t>
+            </a:r>
+            <a:r>
+              <a:rPr lang="zh-CN" altLang="en-US" dirty="0"/>
+              <a:t>原理是什么？</a:t>
+            </a:r>
+            <a:endParaRPr lang="en-US" altLang="zh-CN" dirty="0"/>
+          </a:p>
+          <a:p>
+            <a:pPr lvl="2"/>
+            <a:r>
+              <a:rPr lang="zh-CN" altLang="en-US" dirty="0"/>
+              <a:t>线程状态有哪些？</a:t>
+            </a:r>
+            <a:endParaRPr lang="en-US" altLang="zh-CN" dirty="0"/>
+          </a:p>
           <a:p>
             <a:pPr marL="0" indent="0">
               <a:buNone/>
             </a:pPr>
-            <a:r>
-              <a:rPr lang="zh-CN" altLang="en-US" dirty="0"/>
-              <a:t>特点：超级复杂，类库核心</a:t>
-            </a:r>
-            <a:endParaRPr lang="en-US" altLang="zh-CN" dirty="0"/>
-          </a:p>
-          <a:p>
-            <a:pPr marL="0" indent="0">
-              <a:buNone/>
-            </a:pPr>
-            <a:r>
-              <a:rPr lang="zh-CN" altLang="en-US" dirty="0"/>
-              <a:t>解决：接口，</a:t>
-            </a:r>
-            <a:r>
-              <a:rPr lang="en-US" altLang="zh-CN" dirty="0"/>
-              <a:t>apache collections </a:t>
-            </a:r>
-            <a:r>
-              <a:rPr lang="zh-CN" altLang="en-US" dirty="0"/>
-              <a:t>扩展，</a:t>
-            </a:r>
-            <a:r>
-              <a:rPr lang="en-US" altLang="zh-CN" dirty="0"/>
-              <a:t>guava collections</a:t>
-            </a:r>
-            <a:r>
-              <a:rPr lang="zh-CN" altLang="en-US" dirty="0"/>
-              <a:t>扩展思考</a:t>
-            </a:r>
-            <a:r>
-              <a:rPr lang="en-US" altLang="zh-CN" dirty="0"/>
-              <a:t>.JDK</a:t>
-            </a:r>
-            <a:r>
-              <a:rPr lang="zh-CN" altLang="en-US" dirty="0"/>
-              <a:t>官方集合文档</a:t>
-            </a:r>
-            <a:endParaRPr lang="en-US" altLang="zh-CN" dirty="0"/>
-          </a:p>
-          <a:p>
-            <a:pPr marL="0" indent="0">
-              <a:buNone/>
-            </a:pPr>
-            <a:endParaRPr lang="en-US" altLang="zh-CN" dirty="0"/>
-          </a:p>
-          <a:p>
-            <a:pPr marL="0" indent="0">
-              <a:buNone/>
-            </a:pPr>
-            <a:r>
-              <a:rPr lang="zh-CN" altLang="en-US" dirty="0"/>
-              <a:t>如何创建一个</a:t>
-            </a:r>
-            <a:r>
-              <a:rPr lang="en-US" altLang="zh-CN" dirty="0" err="1"/>
-              <a:t>TreeMap</a:t>
-            </a:r>
-            <a:r>
-              <a:rPr lang="zh-CN" altLang="en-US" dirty="0"/>
-              <a:t>呢？</a:t>
-            </a:r>
-            <a:endParaRPr lang="en-US" altLang="zh-CN" dirty="0"/>
+            <a:endParaRPr lang="zh-CN" altLang="en-US" dirty="0"/>
           </a:p>
         </p:txBody>
       </p:sp>
     </p:spTree>
     <p:extLst>
       <p:ext uri="{BB962C8B-B14F-4D97-AF65-F5344CB8AC3E}">
-        <p14:creationId xmlns:p14="http://schemas.microsoft.com/office/powerpoint/2010/main" val="2042721679"/>
+        <p14:creationId xmlns:p14="http://schemas.microsoft.com/office/powerpoint/2010/main" val="513915838"/>
       </p:ext>
     </p:extLst>
   </p:cSld>
@@ -8578,7 +10002,7 @@
 </p:sld>
 </file>
 
-<file path=ppt/slides/slide3.xml><?xml version="1.0" encoding="utf-8"?>
+<file path=ppt/slides/slide35.xml><?xml version="1.0" encoding="utf-8"?>
 <p:sld xmlns:a="http://schemas.openxmlformats.org/drawingml/2006/main" xmlns:r="http://schemas.openxmlformats.org/officeDocument/2006/relationships" xmlns:p="http://schemas.openxmlformats.org/presentationml/2006/main">
   <p:cSld>
     <p:spTree>
@@ -8600,7 +10024,7 @@
           <p:cNvPr id="2" name="标题 1">
             <a:extLst>
               <a:ext uri="{FF2B5EF4-FFF2-40B4-BE49-F238E27FC236}">
-                <a16:creationId xmlns:a16="http://schemas.microsoft.com/office/drawing/2014/main" id="{4504324A-78B1-4414-93C1-BE7194741694}"/>
+                <a16:creationId xmlns:a16="http://schemas.microsoft.com/office/drawing/2014/main" id="{771CD703-4831-4E19-B16A-EE2EDAEA36DB}"/>
               </a:ext>
             </a:extLst>
           </p:cNvPr>
@@ -8617,8 +10041,36 @@
           <a:lstStyle/>
           <a:p>
             <a:r>
-              <a:rPr lang="zh-CN" altLang="en-US" dirty="0"/>
-              <a:t>进阶的目的是什么？</a:t>
+              <a:rPr lang="en-US" altLang="zh-CN" dirty="0">
+                <a:solidFill>
+                  <a:srgbClr val="FF0000"/>
+                </a:solidFill>
+              </a:rPr>
+              <a:t>Java</a:t>
+            </a:r>
+            <a:r>
+              <a:rPr lang="zh-CN" altLang="en-US" dirty="0">
+                <a:solidFill>
+                  <a:srgbClr val="FF0000"/>
+                </a:solidFill>
+              </a:rPr>
+              <a:t>集合类</a:t>
+            </a:r>
+            <a:r>
+              <a:rPr lang="en-US" altLang="zh-CN" dirty="0">
+                <a:solidFill>
+                  <a:srgbClr val="FF0000"/>
+                </a:solidFill>
+              </a:rPr>
+              <a:t>API-</a:t>
+            </a:r>
+            <a:r>
+              <a:rPr lang="zh-CN" altLang="en-US" dirty="0">
+                <a:solidFill>
+                  <a:srgbClr val="FF0000"/>
+                </a:solidFill>
+              </a:rPr>
+              <a:t>接口是灵魂</a:t>
             </a:r>
           </a:p>
         </p:txBody>
@@ -8628,7 +10080,7 @@
           <p:cNvPr id="3" name="内容占位符 2">
             <a:extLst>
               <a:ext uri="{FF2B5EF4-FFF2-40B4-BE49-F238E27FC236}">
-                <a16:creationId xmlns:a16="http://schemas.microsoft.com/office/drawing/2014/main" id="{4BDD59C4-3D8F-4DAA-B1ED-45E69ADB7D83}"/>
+                <a16:creationId xmlns:a16="http://schemas.microsoft.com/office/drawing/2014/main" id="{44476202-87E8-4FD1-AEA0-E0C733E5EB48}"/>
               </a:ext>
             </a:extLst>
           </p:cNvPr>
@@ -8644,24 +10096,79 @@
           <a:bodyPr/>
           <a:lstStyle/>
           <a:p>
-            <a:r>
-              <a:rPr lang="zh-CN" altLang="en-US" dirty="0"/>
-              <a:t>软件设计目的：减少复杂性</a:t>
-            </a:r>
-            <a:endParaRPr lang="en-US" altLang="zh-CN" dirty="0"/>
-          </a:p>
-          <a:p>
-            <a:r>
-              <a:rPr lang="zh-CN" altLang="en-US" dirty="0"/>
-              <a:t>首要技术目标：攻克软件复杂性</a:t>
-            </a:r>
+            <a:pPr marL="0" indent="0">
+              <a:buNone/>
+            </a:pPr>
+            <a:r>
+              <a:rPr lang="zh-CN" altLang="en-US" dirty="0"/>
+              <a:t>特点：超级复杂，类库核心，扩展容易</a:t>
+            </a:r>
+            <a:endParaRPr lang="en-US" altLang="zh-CN" dirty="0"/>
+          </a:p>
+          <a:p>
+            <a:pPr marL="0" indent="0">
+              <a:buNone/>
+            </a:pPr>
+            <a:r>
+              <a:rPr lang="zh-CN" altLang="en-US" dirty="0"/>
+              <a:t>解决：接口，</a:t>
+            </a:r>
+            <a:r>
+              <a:rPr lang="en-US" altLang="zh-CN" dirty="0"/>
+              <a:t>apache collections </a:t>
+            </a:r>
+            <a:r>
+              <a:rPr lang="zh-CN" altLang="en-US" dirty="0"/>
+              <a:t>扩展，</a:t>
+            </a:r>
+            <a:r>
+              <a:rPr lang="en-US" altLang="zh-CN" dirty="0"/>
+              <a:t>guava collections</a:t>
+            </a:r>
+            <a:r>
+              <a:rPr lang="zh-CN" altLang="en-US" dirty="0"/>
+              <a:t>扩展思考</a:t>
+            </a:r>
+            <a:r>
+              <a:rPr lang="en-US" altLang="zh-CN" dirty="0"/>
+              <a:t>.JDK</a:t>
+            </a:r>
+            <a:r>
+              <a:rPr lang="zh-CN" altLang="en-US" dirty="0"/>
+              <a:t>官方集合文档</a:t>
+            </a:r>
+            <a:endParaRPr lang="en-US" altLang="zh-CN" dirty="0"/>
+          </a:p>
+          <a:p>
+            <a:pPr marL="0" indent="0">
+              <a:buNone/>
+            </a:pPr>
+            <a:endParaRPr lang="en-US" altLang="zh-CN" dirty="0"/>
+          </a:p>
+          <a:p>
+            <a:pPr marL="0" indent="0">
+              <a:buNone/>
+            </a:pPr>
+            <a:r>
+              <a:rPr lang="zh-CN" altLang="en-US" dirty="0"/>
+              <a:t>思考：如何创建一个</a:t>
+            </a:r>
+            <a:r>
+              <a:rPr lang="en-US" altLang="zh-CN" dirty="0" err="1"/>
+              <a:t>TreeMap</a:t>
+            </a:r>
+            <a:r>
+              <a:rPr lang="zh-CN" altLang="en-US" dirty="0"/>
+              <a:t>呢？</a:t>
+            </a:r>
+            <a:endParaRPr lang="en-US" altLang="zh-CN" dirty="0"/>
           </a:p>
         </p:txBody>
       </p:sp>
     </p:spTree>
     <p:extLst>
       <p:ext uri="{BB962C8B-B14F-4D97-AF65-F5344CB8AC3E}">
-        <p14:creationId xmlns:p14="http://schemas.microsoft.com/office/powerpoint/2010/main" val="3769475451"/>
+        <p14:creationId xmlns:p14="http://schemas.microsoft.com/office/powerpoint/2010/main" val="2042721679"/>
       </p:ext>
     </p:extLst>
   </p:cSld>
@@ -8671,7 +10178,7 @@
 </p:sld>
 </file>
 
-<file path=ppt/slides/slide30.xml><?xml version="1.0" encoding="utf-8"?>
+<file path=ppt/slides/slide36.xml><?xml version="1.0" encoding="utf-8"?>
 <p:sld xmlns:a="http://schemas.openxmlformats.org/drawingml/2006/main" xmlns:r="http://schemas.openxmlformats.org/officeDocument/2006/relationships" xmlns:p="http://schemas.openxmlformats.org/presentationml/2006/main">
   <p:cSld>
     <p:spTree>
@@ -8710,18 +10217,34 @@
           <a:lstStyle/>
           <a:p>
             <a:r>
-              <a:rPr lang="en-US" altLang="zh-CN" dirty="0" err="1"/>
+              <a:rPr lang="en-US" altLang="zh-CN" dirty="0" err="1">
+                <a:solidFill>
+                  <a:srgbClr val="FF0000"/>
+                </a:solidFill>
+              </a:rPr>
               <a:t>TreeMap</a:t>
             </a:r>
             <a:r>
-              <a:rPr lang="zh-CN" altLang="en-US" dirty="0"/>
+              <a:rPr lang="zh-CN" altLang="en-US" dirty="0">
+                <a:solidFill>
+                  <a:srgbClr val="FF0000"/>
+                </a:solidFill>
+              </a:rPr>
               <a:t>和</a:t>
             </a:r>
             <a:r>
-              <a:rPr lang="en-US" altLang="zh-CN" dirty="0" err="1"/>
+              <a:rPr lang="en-US" altLang="zh-CN" dirty="0" err="1">
+                <a:solidFill>
+                  <a:srgbClr val="FF0000"/>
+                </a:solidFill>
+              </a:rPr>
               <a:t>ConcurrentSkipListMap</a:t>
             </a:r>
-            <a:endParaRPr lang="zh-CN" altLang="en-US" dirty="0"/>
+            <a:endParaRPr lang="zh-CN" altLang="en-US" dirty="0">
+              <a:solidFill>
+                <a:srgbClr val="FF0000"/>
+              </a:solidFill>
+            </a:endParaRPr>
           </a:p>
         </p:txBody>
       </p:sp>
@@ -8770,7 +10293,7 @@
 </p:sld>
 </file>
 
-<file path=ppt/slides/slide31.xml><?xml version="1.0" encoding="utf-8"?>
+<file path=ppt/slides/slide37.xml><?xml version="1.0" encoding="utf-8"?>
 <p:sld xmlns:a="http://schemas.openxmlformats.org/drawingml/2006/main" xmlns:r="http://schemas.openxmlformats.org/officeDocument/2006/relationships" xmlns:p="http://schemas.openxmlformats.org/presentationml/2006/main">
   <p:cSld>
     <p:spTree>
@@ -8792,7 +10315,7 @@
           <p:cNvPr id="2" name="标题 1">
             <a:extLst>
               <a:ext uri="{FF2B5EF4-FFF2-40B4-BE49-F238E27FC236}">
-                <a16:creationId xmlns:a16="http://schemas.microsoft.com/office/drawing/2014/main" id="{C404C65D-1990-4E3B-838A-AA56EE612FD6}"/>
+                <a16:creationId xmlns:a16="http://schemas.microsoft.com/office/drawing/2014/main" id="{301F2010-52F3-413E-85B9-6E0D2B49F3A6}"/>
               </a:ext>
             </a:extLst>
           </p:cNvPr>
@@ -8808,7 +10331,19 @@
           <a:bodyPr/>
           <a:lstStyle/>
           <a:p>
-            <a:endParaRPr lang="zh-CN" altLang="en-US"/>
+            <a:r>
+              <a:rPr lang="en-US" altLang="zh-CN" dirty="0">
+                <a:solidFill>
+                  <a:srgbClr val="FF0000"/>
+                </a:solidFill>
+              </a:rPr>
+              <a:t>API Design</a:t>
+            </a:r>
+            <a:endParaRPr lang="zh-CN" altLang="en-US" dirty="0">
+              <a:solidFill>
+                <a:srgbClr val="FF0000"/>
+              </a:solidFill>
+            </a:endParaRPr>
           </a:p>
         </p:txBody>
       </p:sp>
@@ -8817,7 +10352,7 @@
           <p:cNvPr id="3" name="内容占位符 2">
             <a:extLst>
               <a:ext uri="{FF2B5EF4-FFF2-40B4-BE49-F238E27FC236}">
-                <a16:creationId xmlns:a16="http://schemas.microsoft.com/office/drawing/2014/main" id="{EC393B1E-90E7-427A-9B96-48C2136745CF}"/>
+                <a16:creationId xmlns:a16="http://schemas.microsoft.com/office/drawing/2014/main" id="{396C8D06-8A38-422F-A5A0-FA852B3F3E04}"/>
               </a:ext>
             </a:extLst>
           </p:cNvPr>
@@ -8833,14 +10368,39 @@
           <a:bodyPr/>
           <a:lstStyle/>
           <a:p>
-            <a:endParaRPr lang="zh-CN" altLang="en-US"/>
+            <a:r>
+              <a:rPr lang="en-US" altLang="zh-CN" dirty="0" err="1"/>
+              <a:t>ThreadLocal</a:t>
+            </a:r>
+            <a:endParaRPr lang="en-US" altLang="zh-CN" dirty="0"/>
+          </a:p>
+          <a:p>
+            <a:endParaRPr lang="en-US" altLang="zh-CN" dirty="0"/>
+          </a:p>
+          <a:p>
+            <a:endParaRPr lang="en-US" altLang="zh-CN" dirty="0"/>
+          </a:p>
+          <a:p>
+            <a:r>
+              <a:rPr lang="en-US" altLang="zh-CN" dirty="0" err="1"/>
+              <a:t>GuavaCache</a:t>
+            </a:r>
+            <a:endParaRPr lang="en-US" altLang="zh-CN" dirty="0"/>
+          </a:p>
+          <a:p>
+            <a:pPr lvl="1"/>
+            <a:r>
+              <a:rPr lang="en-US" altLang="zh-CN" dirty="0"/>
+              <a:t>map</a:t>
+            </a:r>
+            <a:endParaRPr lang="zh-CN" altLang="en-US" dirty="0"/>
           </a:p>
         </p:txBody>
       </p:sp>
     </p:spTree>
     <p:extLst>
       <p:ext uri="{BB962C8B-B14F-4D97-AF65-F5344CB8AC3E}">
-        <p14:creationId xmlns:p14="http://schemas.microsoft.com/office/powerpoint/2010/main" val="1419885056"/>
+        <p14:creationId xmlns:p14="http://schemas.microsoft.com/office/powerpoint/2010/main" val="647828668"/>
       </p:ext>
     </p:extLst>
   </p:cSld>
@@ -8850,7 +10410,7 @@
 </p:sld>
 </file>
 
-<file path=ppt/slides/slide32.xml><?xml version="1.0" encoding="utf-8"?>
+<file path=ppt/slides/slide38.xml><?xml version="1.0" encoding="utf-8"?>
 <p:sld xmlns:a="http://schemas.openxmlformats.org/drawingml/2006/main" xmlns:r="http://schemas.openxmlformats.org/officeDocument/2006/relationships" xmlns:p="http://schemas.openxmlformats.org/presentationml/2006/main">
   <p:cSld>
     <p:spTree>
@@ -8872,7 +10432,7 @@
           <p:cNvPr id="2" name="标题 1">
             <a:extLst>
               <a:ext uri="{FF2B5EF4-FFF2-40B4-BE49-F238E27FC236}">
-                <a16:creationId xmlns:a16="http://schemas.microsoft.com/office/drawing/2014/main" id="{301F2010-52F3-413E-85B9-6E0D2B49F3A6}"/>
+                <a16:creationId xmlns:a16="http://schemas.microsoft.com/office/drawing/2014/main" id="{9D308304-6AF8-49C8-8976-83499E134455}"/>
               </a:ext>
             </a:extLst>
           </p:cNvPr>
@@ -8894,7 +10454,7 @@
                   <a:srgbClr val="FF0000"/>
                 </a:solidFill>
               </a:rPr>
-              <a:t>API Design</a:t>
+              <a:t>AOP Alliance</a:t>
             </a:r>
             <a:endParaRPr lang="zh-CN" altLang="en-US" dirty="0">
               <a:solidFill>
@@ -8904,60 +10464,39 @@
           </a:p>
         </p:txBody>
       </p:sp>
-      <p:sp>
-        <p:nvSpPr>
-          <p:cNvPr id="3" name="内容占位符 2">
-            <a:extLst>
-              <a:ext uri="{FF2B5EF4-FFF2-40B4-BE49-F238E27FC236}">
-                <a16:creationId xmlns:a16="http://schemas.microsoft.com/office/drawing/2014/main" id="{396C8D06-8A38-422F-A5A0-FA852B3F3E04}"/>
-              </a:ext>
-            </a:extLst>
-          </p:cNvPr>
-          <p:cNvSpPr>
-            <a:spLocks noGrp="1"/>
-          </p:cNvSpPr>
+      <p:pic>
+        <p:nvPicPr>
+          <p:cNvPr id="5" name="内容占位符 4">
+            <a:extLst>
+              <a:ext uri="{FF2B5EF4-FFF2-40B4-BE49-F238E27FC236}">
+                <a16:creationId xmlns:a16="http://schemas.microsoft.com/office/drawing/2014/main" id="{EDF7CEC6-6D2E-42BE-9495-DC0BDD2FBE21}"/>
+              </a:ext>
+            </a:extLst>
+          </p:cNvPr>
+          <p:cNvPicPr>
+            <a:picLocks noGrp="1" noChangeAspect="1"/>
+          </p:cNvPicPr>
           <p:nvPr>
             <p:ph idx="1"/>
           </p:nvPr>
-        </p:nvSpPr>
-        <p:spPr/>
-        <p:txBody>
-          <a:bodyPr/>
-          <a:lstStyle/>
-          <a:p>
-            <a:r>
-              <a:rPr lang="en-US" altLang="zh-CN" dirty="0" err="1"/>
-              <a:t>ThreadLocal</a:t>
-            </a:r>
-            <a:endParaRPr lang="en-US" altLang="zh-CN" dirty="0"/>
-          </a:p>
-          <a:p>
-            <a:endParaRPr lang="en-US" altLang="zh-CN" dirty="0"/>
-          </a:p>
-          <a:p>
-            <a:endParaRPr lang="en-US" altLang="zh-CN" dirty="0"/>
-          </a:p>
-          <a:p>
-            <a:r>
-              <a:rPr lang="en-US" altLang="zh-CN" dirty="0" err="1"/>
-              <a:t>GuavaCache</a:t>
-            </a:r>
-            <a:endParaRPr lang="en-US" altLang="zh-CN" dirty="0"/>
-          </a:p>
-          <a:p>
-            <a:pPr lvl="1"/>
-            <a:r>
-              <a:rPr lang="en-US" altLang="zh-CN" dirty="0"/>
-              <a:t>map</a:t>
-            </a:r>
-            <a:endParaRPr lang="zh-CN" altLang="en-US" dirty="0"/>
-          </a:p>
-        </p:txBody>
-      </p:sp>
+        </p:nvPicPr>
+        <p:blipFill>
+          <a:blip r:embed="rId2"/>
+          <a:stretch>
+            <a:fillRect/>
+          </a:stretch>
+        </p:blipFill>
+        <p:spPr>
+          <a:xfrm>
+            <a:off x="1603514" y="1409146"/>
+            <a:ext cx="8995616" cy="5190437"/>
+          </a:xfrm>
+        </p:spPr>
+      </p:pic>
     </p:spTree>
     <p:extLst>
       <p:ext uri="{BB962C8B-B14F-4D97-AF65-F5344CB8AC3E}">
-        <p14:creationId xmlns:p14="http://schemas.microsoft.com/office/powerpoint/2010/main" val="647828668"/>
+        <p14:creationId xmlns:p14="http://schemas.microsoft.com/office/powerpoint/2010/main" val="792421411"/>
       </p:ext>
     </p:extLst>
   </p:cSld>
@@ -8967,7 +10506,7 @@
 </p:sld>
 </file>
 
-<file path=ppt/slides/slide33.xml><?xml version="1.0" encoding="utf-8"?>
+<file path=ppt/slides/slide39.xml><?xml version="1.0" encoding="utf-8"?>
 <p:sld xmlns:a="http://schemas.openxmlformats.org/drawingml/2006/main" xmlns:r="http://schemas.openxmlformats.org/officeDocument/2006/relationships" xmlns:p="http://schemas.openxmlformats.org/presentationml/2006/main">
   <p:cSld>
     <p:spTree>
@@ -8989,7 +10528,7 @@
           <p:cNvPr id="2" name="标题 1">
             <a:extLst>
               <a:ext uri="{FF2B5EF4-FFF2-40B4-BE49-F238E27FC236}">
-                <a16:creationId xmlns:a16="http://schemas.microsoft.com/office/drawing/2014/main" id="{9D308304-6AF8-49C8-8976-83499E134455}"/>
+                <a16:creationId xmlns:a16="http://schemas.microsoft.com/office/drawing/2014/main" id="{D5E240EC-4824-424D-961C-96623E1BB063}"/>
               </a:ext>
             </a:extLst>
           </p:cNvPr>
@@ -9011,13 +10550,25 @@
                   <a:srgbClr val="FF0000"/>
                 </a:solidFill>
               </a:rPr>
-              <a:t>AOP Alliance</a:t>
-            </a:r>
-            <a:endParaRPr lang="zh-CN" altLang="en-US" dirty="0">
-              <a:solidFill>
-                <a:srgbClr val="FF0000"/>
-              </a:solidFill>
-            </a:endParaRPr>
+              <a:t>AOP </a:t>
+            </a:r>
+            <a:r>
+              <a:rPr lang="en-US" altLang="zh-CN" dirty="0" err="1">
+                <a:solidFill>
+                  <a:srgbClr val="FF0000"/>
+                </a:solidFill>
+              </a:rPr>
+              <a:t>HighLevel</a:t>
+            </a:r>
+            <a:r>
+              <a:rPr lang="en-US" altLang="zh-CN" dirty="0">
+                <a:solidFill>
+                  <a:srgbClr val="FF0000"/>
+                </a:solidFill>
+              </a:rPr>
+              <a:t> API </a:t>
+            </a:r>
+            <a:endParaRPr lang="zh-CN" altLang="en-US" dirty="0"/>
           </a:p>
         </p:txBody>
       </p:sp>
@@ -9026,7 +10577,7 @@
           <p:cNvPr id="3" name="内容占位符 2">
             <a:extLst>
               <a:ext uri="{FF2B5EF4-FFF2-40B4-BE49-F238E27FC236}">
-                <a16:creationId xmlns:a16="http://schemas.microsoft.com/office/drawing/2014/main" id="{807331EA-3137-4AF6-890D-E7E9D9E930DA}"/>
+                <a16:creationId xmlns:a16="http://schemas.microsoft.com/office/drawing/2014/main" id="{28759BFA-D6C1-4022-BF04-D1C4F329143B}"/>
               </a:ext>
             </a:extLst>
           </p:cNvPr>
@@ -9042,17 +10593,14 @@
           <a:bodyPr/>
           <a:lstStyle/>
           <a:p>
-            <a:r>
-              <a:rPr lang="zh-CN" altLang="en-US" dirty="0"/>
-              <a:t>删除</a:t>
-            </a:r>
+            <a:endParaRPr lang="zh-CN" altLang="en-US"/>
           </a:p>
         </p:txBody>
       </p:sp>
     </p:spTree>
     <p:extLst>
       <p:ext uri="{BB962C8B-B14F-4D97-AF65-F5344CB8AC3E}">
-        <p14:creationId xmlns:p14="http://schemas.microsoft.com/office/powerpoint/2010/main" val="792421411"/>
+        <p14:creationId xmlns:p14="http://schemas.microsoft.com/office/powerpoint/2010/main" val="718172606"/>
       </p:ext>
     </p:extLst>
   </p:cSld>
@@ -9062,7 +10610,7 @@
 </p:sld>
 </file>
 
-<file path=ppt/slides/slide34.xml><?xml version="1.0" encoding="utf-8"?>
+<file path=ppt/slides/slide4.xml><?xml version="1.0" encoding="utf-8"?>
 <p:sld xmlns:a="http://schemas.openxmlformats.org/drawingml/2006/main" xmlns:r="http://schemas.openxmlformats.org/officeDocument/2006/relationships" xmlns:p="http://schemas.openxmlformats.org/presentationml/2006/main">
   <p:cSld>
     <p:spTree>
@@ -9084,6 +10632,287 @@
           <p:cNvPr id="2" name="标题 1">
             <a:extLst>
               <a:ext uri="{FF2B5EF4-FFF2-40B4-BE49-F238E27FC236}">
+                <a16:creationId xmlns:a16="http://schemas.microsoft.com/office/drawing/2014/main" id="{640C9FF2-CE77-49D3-8337-B1F32A3E817F}"/>
+              </a:ext>
+            </a:extLst>
+          </p:cNvPr>
+          <p:cNvSpPr>
+            <a:spLocks noGrp="1"/>
+          </p:cNvSpPr>
+          <p:nvPr>
+            <p:ph type="title"/>
+          </p:nvPr>
+        </p:nvSpPr>
+        <p:spPr/>
+        <p:txBody>
+          <a:bodyPr/>
+          <a:lstStyle/>
+          <a:p>
+            <a:r>
+              <a:rPr lang="zh-CN" altLang="en-US" dirty="0">
+                <a:solidFill>
+                  <a:srgbClr val="FF0000"/>
+                </a:solidFill>
+              </a:rPr>
+              <a:t>大纲</a:t>
+            </a:r>
+          </a:p>
+        </p:txBody>
+      </p:sp>
+      <p:sp>
+        <p:nvSpPr>
+          <p:cNvPr id="3" name="内容占位符 2">
+            <a:extLst>
+              <a:ext uri="{FF2B5EF4-FFF2-40B4-BE49-F238E27FC236}">
+                <a16:creationId xmlns:a16="http://schemas.microsoft.com/office/drawing/2014/main" id="{56BBF781-F81E-4712-9EC0-1C64D9AD3210}"/>
+              </a:ext>
+            </a:extLst>
+          </p:cNvPr>
+          <p:cNvSpPr>
+            <a:spLocks noGrp="1"/>
+          </p:cNvSpPr>
+          <p:nvPr>
+            <p:ph idx="1"/>
+          </p:nvPr>
+        </p:nvSpPr>
+        <p:spPr/>
+        <p:txBody>
+          <a:bodyPr>
+            <a:normAutofit fontScale="47500" lnSpcReduction="20000"/>
+          </a:bodyPr>
+          <a:lstStyle/>
+          <a:p>
+            <a:r>
+              <a:rPr lang="en-US" altLang="zh-CN" dirty="0"/>
+              <a:t>1  CRUD</a:t>
+            </a:r>
+          </a:p>
+          <a:p>
+            <a:pPr lvl="1"/>
+            <a:r>
+              <a:rPr lang="en-US" altLang="zh-CN" dirty="0"/>
+              <a:t>MVC</a:t>
+            </a:r>
+            <a:r>
+              <a:rPr lang="zh-CN" altLang="en-US" dirty="0"/>
+              <a:t>标准过程</a:t>
+            </a:r>
+            <a:endParaRPr lang="en-US" altLang="zh-CN" dirty="0"/>
+          </a:p>
+          <a:p>
+            <a:pPr lvl="1"/>
+            <a:r>
+              <a:rPr lang="zh-CN" altLang="en-US" dirty="0"/>
+              <a:t>修改代码</a:t>
+            </a:r>
+            <a:endParaRPr lang="en-US" altLang="zh-CN" dirty="0"/>
+          </a:p>
+          <a:p>
+            <a:r>
+              <a:rPr lang="en-US" altLang="zh-CN" dirty="0"/>
+              <a:t>2  Pattern</a:t>
+            </a:r>
+          </a:p>
+          <a:p>
+            <a:pPr lvl="1"/>
+            <a:r>
+              <a:rPr lang="zh-CN" altLang="en-US" dirty="0"/>
+              <a:t>依赖管理</a:t>
+            </a:r>
+            <a:endParaRPr lang="en-US" altLang="zh-CN" dirty="0"/>
+          </a:p>
+          <a:p>
+            <a:pPr lvl="1"/>
+            <a:r>
+              <a:rPr lang="zh-CN" altLang="en-US" dirty="0"/>
+              <a:t>资源管理</a:t>
+            </a:r>
+            <a:endParaRPr lang="en-US" altLang="zh-CN" dirty="0"/>
+          </a:p>
+          <a:p>
+            <a:pPr lvl="1"/>
+            <a:r>
+              <a:rPr lang="zh-CN" altLang="en-US" dirty="0"/>
+              <a:t>设计模式</a:t>
+            </a:r>
+            <a:endParaRPr lang="en-US" altLang="zh-CN" dirty="0"/>
+          </a:p>
+          <a:p>
+            <a:pPr lvl="1"/>
+            <a:r>
+              <a:rPr lang="en-US" altLang="zh-CN" dirty="0"/>
+              <a:t>GRASP</a:t>
+            </a:r>
+          </a:p>
+          <a:p>
+            <a:r>
+              <a:rPr lang="en-US" altLang="zh-CN" dirty="0"/>
+              <a:t>3  OOADP</a:t>
+            </a:r>
+          </a:p>
+          <a:p>
+            <a:pPr lvl="1"/>
+            <a:r>
+              <a:rPr lang="zh-CN" altLang="en-US" dirty="0"/>
+              <a:t>重构</a:t>
+            </a:r>
+            <a:endParaRPr lang="en-US" altLang="zh-CN" dirty="0"/>
+          </a:p>
+          <a:p>
+            <a:pPr lvl="1"/>
+            <a:r>
+              <a:rPr lang="zh-CN" altLang="en-US" dirty="0"/>
+              <a:t>建模</a:t>
+            </a:r>
+            <a:endParaRPr lang="en-US" altLang="zh-CN" dirty="0"/>
+          </a:p>
+          <a:p>
+            <a:pPr lvl="1"/>
+            <a:r>
+              <a:rPr lang="en-US" altLang="zh-CN" dirty="0"/>
+              <a:t>Redis</a:t>
+            </a:r>
+            <a:r>
+              <a:rPr lang="zh-CN" altLang="en-US" dirty="0"/>
+              <a:t>扩展</a:t>
+            </a:r>
+            <a:endParaRPr lang="en-US" altLang="zh-CN" dirty="0"/>
+          </a:p>
+          <a:p>
+            <a:r>
+              <a:rPr lang="en-US" altLang="zh-CN" dirty="0"/>
+              <a:t>4  DDD</a:t>
+            </a:r>
+          </a:p>
+          <a:p>
+            <a:pPr lvl="1"/>
+            <a:r>
+              <a:rPr lang="zh-CN" altLang="en-US" dirty="0"/>
+              <a:t>统一语言</a:t>
+            </a:r>
+            <a:endParaRPr lang="en-US" altLang="zh-CN" dirty="0"/>
+          </a:p>
+          <a:p>
+            <a:pPr lvl="1"/>
+            <a:r>
+              <a:rPr lang="zh-CN" altLang="en-US" dirty="0"/>
+              <a:t>充提限界上下文</a:t>
+            </a:r>
+            <a:endParaRPr lang="en-US" altLang="zh-CN" dirty="0"/>
+          </a:p>
+          <a:p>
+            <a:pPr lvl="1"/>
+            <a:r>
+              <a:rPr lang="zh-CN" altLang="en-US" dirty="0"/>
+              <a:t>开放平台的边界</a:t>
+            </a:r>
+            <a:endParaRPr lang="en-US" altLang="zh-CN" dirty="0"/>
+          </a:p>
+          <a:p>
+            <a:r>
+              <a:rPr lang="en-US" altLang="zh-CN" dirty="0"/>
+              <a:t>5  </a:t>
+            </a:r>
+            <a:r>
+              <a:rPr lang="zh-CN" altLang="en-US" dirty="0"/>
+              <a:t>设计的趣谈</a:t>
+            </a:r>
+            <a:endParaRPr lang="en-US" altLang="zh-CN" dirty="0"/>
+          </a:p>
+          <a:p>
+            <a:pPr lvl="1"/>
+            <a:r>
+              <a:rPr lang="en-US" altLang="zh-CN" dirty="0"/>
+              <a:t>Java</a:t>
+            </a:r>
+            <a:r>
+              <a:rPr lang="zh-CN" altLang="en-US" dirty="0"/>
+              <a:t>集合灵魂</a:t>
+            </a:r>
+            <a:endParaRPr lang="en-US" altLang="zh-CN" dirty="0"/>
+          </a:p>
+          <a:p>
+            <a:pPr lvl="1"/>
+            <a:r>
+              <a:rPr lang="en-US" altLang="zh-CN" dirty="0"/>
+              <a:t>API Design About </a:t>
+            </a:r>
+            <a:r>
+              <a:rPr lang="en-US" altLang="zh-CN" dirty="0" err="1"/>
+              <a:t>LoadingCache</a:t>
+            </a:r>
+            <a:r>
+              <a:rPr lang="en-US" altLang="zh-CN" dirty="0"/>
+              <a:t> and </a:t>
+            </a:r>
+            <a:r>
+              <a:rPr lang="en-US" altLang="zh-CN" dirty="0" err="1"/>
+              <a:t>ThreadLocal</a:t>
+            </a:r>
+            <a:r>
+              <a:rPr lang="en-US" altLang="zh-CN" dirty="0"/>
+              <a:t>  </a:t>
+            </a:r>
+          </a:p>
+          <a:p>
+            <a:pPr lvl="1"/>
+            <a:r>
+              <a:rPr lang="en-US" altLang="zh-CN" dirty="0"/>
+              <a:t>Executor Framework</a:t>
+            </a:r>
+          </a:p>
+          <a:p>
+            <a:pPr lvl="1"/>
+            <a:r>
+              <a:rPr lang="en-US" altLang="zh-CN" dirty="0"/>
+              <a:t>AOP</a:t>
+            </a:r>
+            <a:r>
+              <a:rPr lang="zh-CN" altLang="en-US" dirty="0"/>
+              <a:t> </a:t>
+            </a:r>
+            <a:r>
+              <a:rPr lang="en-US" altLang="zh-CN" dirty="0"/>
+              <a:t>Alliance </a:t>
+            </a:r>
+          </a:p>
+        </p:txBody>
+      </p:sp>
+    </p:spTree>
+    <p:extLst>
+      <p:ext uri="{BB962C8B-B14F-4D97-AF65-F5344CB8AC3E}">
+        <p14:creationId xmlns:p14="http://schemas.microsoft.com/office/powerpoint/2010/main" val="977362321"/>
+      </p:ext>
+    </p:extLst>
+  </p:cSld>
+  <p:clrMapOvr>
+    <a:masterClrMapping/>
+  </p:clrMapOvr>
+</p:sld>
+</file>
+
+<file path=ppt/slides/slide40.xml><?xml version="1.0" encoding="utf-8"?>
+<p:sld xmlns:a="http://schemas.openxmlformats.org/drawingml/2006/main" xmlns:r="http://schemas.openxmlformats.org/officeDocument/2006/relationships" xmlns:p="http://schemas.openxmlformats.org/presentationml/2006/main">
+  <p:cSld>
+    <p:spTree>
+      <p:nvGrpSpPr>
+        <p:cNvPr id="1" name=""/>
+        <p:cNvGrpSpPr/>
+        <p:nvPr/>
+      </p:nvGrpSpPr>
+      <p:grpSpPr>
+        <a:xfrm>
+          <a:off x="0" y="0"/>
+          <a:ext cx="0" cy="0"/>
+          <a:chOff x="0" y="0"/>
+          <a:chExt cx="0" cy="0"/>
+        </a:xfrm>
+      </p:grpSpPr>
+      <p:sp>
+        <p:nvSpPr>
+          <p:cNvPr id="2" name="标题 1">
+            <a:extLst>
+              <a:ext uri="{FF2B5EF4-FFF2-40B4-BE49-F238E27FC236}">
                 <a16:creationId xmlns:a16="http://schemas.microsoft.com/office/drawing/2014/main" id="{78C52B17-29E6-4506-ACC3-BA2B3F78198D}"/>
               </a:ext>
             </a:extLst>
@@ -9109,18 +10938,13 @@
               <a:t>Executor,ExecutorService,Runnable</a:t>
             </a:r>
             <a:r>
-              <a:rPr lang="zh-CN" altLang="en-US">
+              <a:rPr lang="zh-CN" altLang="en-US" dirty="0">
                 <a:solidFill>
                   <a:srgbClr val="FF0000"/>
                 </a:solidFill>
               </a:rPr>
               <a:t>机制</a:t>
             </a:r>
-            <a:endParaRPr lang="zh-CN" altLang="en-US" dirty="0">
-              <a:solidFill>
-                <a:srgbClr val="FF0000"/>
-              </a:solidFill>
-            </a:endParaRPr>
           </a:p>
         </p:txBody>
       </p:sp>
@@ -9226,24 +11050,6 @@
           <a:p>
             <a:pPr lvl="1"/>
             <a:r>
-              <a:rPr lang="zh-CN" altLang="en-US">
-                <a:solidFill>
-                  <a:srgbClr val="121212"/>
-                </a:solidFill>
-                <a:latin typeface="-apple-system"/>
-              </a:rPr>
-              <a:t>很多人描述</a:t>
-            </a:r>
-            <a:r>
-              <a:rPr lang="zh-CN" altLang="en-US" dirty="0">
-                <a:solidFill>
-                  <a:srgbClr val="121212"/>
-                </a:solidFill>
-                <a:latin typeface="-apple-system"/>
-              </a:rPr>
-              <a:t>时候经常少了</a:t>
-            </a:r>
-            <a:r>
               <a:rPr lang="en-US" altLang="zh-CN" dirty="0">
                 <a:solidFill>
                   <a:srgbClr val="121212"/>
@@ -9259,7 +11065,48 @@
                 </a:solidFill>
                 <a:latin typeface="-apple-system"/>
               </a:rPr>
-              <a:t>概念</a:t>
+              <a:t>而不是</a:t>
+            </a:r>
+            <a:r>
+              <a:rPr lang="en-US" altLang="zh-CN" dirty="0">
+                <a:solidFill>
+                  <a:srgbClr val="121212"/>
+                </a:solidFill>
+                <a:latin typeface="-apple-system"/>
+              </a:rPr>
+              <a:t>Thread</a:t>
+            </a:r>
+          </a:p>
+          <a:p>
+            <a:r>
+              <a:rPr lang="en-US" altLang="zh-CN" dirty="0"/>
+              <a:t>Executor, </a:t>
+            </a:r>
+            <a:r>
+              <a:rPr lang="en-US" altLang="zh-CN" dirty="0" err="1"/>
+              <a:t>ExecutorService</a:t>
+            </a:r>
+            <a:r>
+              <a:rPr lang="zh-CN" altLang="en-US" dirty="0"/>
+              <a:t>，</a:t>
+            </a:r>
+            <a:r>
+              <a:rPr lang="en-US" altLang="zh-CN" dirty="0"/>
+              <a:t> </a:t>
+            </a:r>
+            <a:r>
+              <a:rPr lang="en-US" altLang="zh-CN" dirty="0" err="1"/>
+              <a:t>TaskExecutor</a:t>
+            </a:r>
+            <a:r>
+              <a:rPr lang="en-US" altLang="zh-CN" dirty="0"/>
+              <a:t>(Spring)</a:t>
+            </a:r>
+          </a:p>
+          <a:p>
+            <a:r>
+              <a:rPr lang="en-US" altLang="zh-CN" dirty="0" err="1"/>
+              <a:t>AbstractExecutorService</a:t>
             </a:r>
             <a:endParaRPr lang="en-US" altLang="zh-CN" dirty="0"/>
           </a:p>
@@ -9268,19 +11115,17 @@
               <a:rPr lang="en-US" altLang="zh-CN" dirty="0" err="1"/>
               <a:t>ThreadPoolExecutor</a:t>
             </a:r>
-            <a:endParaRPr lang="en-US" altLang="zh-CN" dirty="0"/>
-          </a:p>
-          <a:p>
+            <a:r>
+              <a:rPr lang="en-US" altLang="zh-CN" dirty="0"/>
+              <a:t>,</a:t>
+            </a:r>
+            <a:r>
+              <a:rPr lang="zh-CN" altLang="en-US" dirty="0"/>
+              <a:t> </a:t>
+            </a:r>
             <a:r>
               <a:rPr lang="en-US" altLang="zh-CN" dirty="0" err="1"/>
               <a:t>ForkJoinPool</a:t>
-            </a:r>
-            <a:endParaRPr lang="en-US" altLang="zh-CN" dirty="0"/>
-          </a:p>
-          <a:p>
-            <a:r>
-              <a:rPr lang="en-US" altLang="zh-CN" dirty="0" err="1"/>
-              <a:t>TaskExecutor</a:t>
             </a:r>
             <a:endParaRPr lang="en-US" altLang="zh-CN" dirty="0"/>
           </a:p>
@@ -9299,7 +11144,7 @@
 </p:sld>
 </file>
 
-<file path=ppt/slides/slide35.xml><?xml version="1.0" encoding="utf-8"?>
+<file path=ppt/slides/slide41.xml><?xml version="1.0" encoding="utf-8"?>
 <p:sld xmlns:a="http://schemas.openxmlformats.org/drawingml/2006/main" xmlns:r="http://schemas.openxmlformats.org/officeDocument/2006/relationships" xmlns:p="http://schemas.openxmlformats.org/presentationml/2006/main">
   <p:cSld>
     <p:spTree>
@@ -10014,7 +11859,7 @@
 </p:sld>
 </file>
 
-<file path=ppt/slides/slide36.xml><?xml version="1.0" encoding="utf-8"?>
+<file path=ppt/slides/slide42.xml><?xml version="1.0" encoding="utf-8"?>
 <p:sld xmlns:a="http://schemas.openxmlformats.org/drawingml/2006/main" xmlns:r="http://schemas.openxmlformats.org/officeDocument/2006/relationships" xmlns:p="http://schemas.openxmlformats.org/presentationml/2006/main">
   <p:cSld>
     <p:spTree>
@@ -10157,7 +12002,7 @@
 </p:sld>
 </file>
 
-<file path=ppt/slides/slide37.xml><?xml version="1.0" encoding="utf-8"?>
+<file path=ppt/slides/slide43.xml><?xml version="1.0" encoding="utf-8"?>
 <p:sld xmlns:a="http://schemas.openxmlformats.org/drawingml/2006/main" xmlns:r="http://schemas.openxmlformats.org/officeDocument/2006/relationships" xmlns:p="http://schemas.openxmlformats.org/presentationml/2006/main">
   <p:cSld>
     <p:spTree>
@@ -10239,7 +12084,25 @@
               <a:rPr lang="en-US" altLang="zh-CN" dirty="0">
                 <a:hlinkClick r:id="rId2"/>
               </a:rPr>
+              <a:t>https://twitter.com/xiaozhiliaoo</a:t>
+            </a:r>
+            <a:endParaRPr lang="en-US" altLang="zh-CN" dirty="0"/>
+          </a:p>
+          <a:p>
+            <a:r>
+              <a:rPr lang="en-US" altLang="zh-CN" dirty="0">
+                <a:hlinkClick r:id="rId3"/>
+              </a:rPr>
               <a:t>https://github.com/xiaozhiliaoo</a:t>
+            </a:r>
+            <a:endParaRPr lang="en-US" altLang="zh-CN" dirty="0"/>
+          </a:p>
+          <a:p>
+            <a:r>
+              <a:rPr lang="en-US" altLang="zh-CN" dirty="0">
+                <a:hlinkClick r:id="rId4"/>
+              </a:rPr>
+              <a:t>https://github.com/xiaozhiliaoo/my-slides</a:t>
             </a:r>
             <a:endParaRPr lang="en-US" altLang="zh-CN" dirty="0"/>
           </a:p>
@@ -10255,392 +12118,6 @@
     <p:extLst>
       <p:ext uri="{BB962C8B-B14F-4D97-AF65-F5344CB8AC3E}">
         <p14:creationId xmlns:p14="http://schemas.microsoft.com/office/powerpoint/2010/main" val="4030345043"/>
-      </p:ext>
-    </p:extLst>
-  </p:cSld>
-  <p:clrMapOvr>
-    <a:masterClrMapping/>
-  </p:clrMapOvr>
-</p:sld>
-</file>
-
-<file path=ppt/slides/slide4.xml><?xml version="1.0" encoding="utf-8"?>
-<p:sld xmlns:a="http://schemas.openxmlformats.org/drawingml/2006/main" xmlns:r="http://schemas.openxmlformats.org/officeDocument/2006/relationships" xmlns:p="http://schemas.openxmlformats.org/presentationml/2006/main">
-  <p:cSld>
-    <p:spTree>
-      <p:nvGrpSpPr>
-        <p:cNvPr id="1" name=""/>
-        <p:cNvGrpSpPr/>
-        <p:nvPr/>
-      </p:nvGrpSpPr>
-      <p:grpSpPr>
-        <a:xfrm>
-          <a:off x="0" y="0"/>
-          <a:ext cx="0" cy="0"/>
-          <a:chOff x="0" y="0"/>
-          <a:chExt cx="0" cy="0"/>
-        </a:xfrm>
-      </p:grpSpPr>
-      <p:sp>
-        <p:nvSpPr>
-          <p:cNvPr id="2" name="标题 1">
-            <a:extLst>
-              <a:ext uri="{FF2B5EF4-FFF2-40B4-BE49-F238E27FC236}">
-                <a16:creationId xmlns:a16="http://schemas.microsoft.com/office/drawing/2014/main" id="{D71660B7-A1BD-417A-91FE-E3C20197ED63}"/>
-              </a:ext>
-            </a:extLst>
-          </p:cNvPr>
-          <p:cNvSpPr>
-            <a:spLocks noGrp="1"/>
-          </p:cNvSpPr>
-          <p:nvPr>
-            <p:ph type="title"/>
-          </p:nvPr>
-        </p:nvSpPr>
-        <p:spPr/>
-        <p:txBody>
-          <a:bodyPr/>
-          <a:lstStyle/>
-          <a:p>
-            <a:r>
-              <a:rPr lang="zh-CN" altLang="en-US" dirty="0">
-                <a:solidFill>
-                  <a:srgbClr val="FF0000"/>
-                </a:solidFill>
-              </a:rPr>
-              <a:t>应用开发演进之路</a:t>
-            </a:r>
-          </a:p>
-        </p:txBody>
-      </p:sp>
-      <p:sp>
-        <p:nvSpPr>
-          <p:cNvPr id="3" name="内容占位符 2">
-            <a:extLst>
-              <a:ext uri="{FF2B5EF4-FFF2-40B4-BE49-F238E27FC236}">
-                <a16:creationId xmlns:a16="http://schemas.microsoft.com/office/drawing/2014/main" id="{0680E37B-F430-4182-BB16-B557A90D4DC1}"/>
-              </a:ext>
-            </a:extLst>
-          </p:cNvPr>
-          <p:cNvSpPr>
-            <a:spLocks noGrp="1"/>
-          </p:cNvSpPr>
-          <p:nvPr>
-            <p:ph idx="1"/>
-          </p:nvPr>
-        </p:nvSpPr>
-        <p:spPr/>
-        <p:txBody>
-          <a:bodyPr/>
-          <a:lstStyle/>
-          <a:p>
-            <a:r>
-              <a:rPr lang="en-US" altLang="zh-CN" dirty="0"/>
-              <a:t>1  </a:t>
-            </a:r>
-            <a:r>
-              <a:rPr lang="zh-CN" altLang="en-US" dirty="0"/>
-              <a:t>架构层</a:t>
-            </a:r>
-            <a:endParaRPr lang="en-US" altLang="zh-CN" dirty="0"/>
-          </a:p>
-          <a:p>
-            <a:r>
-              <a:rPr lang="zh-CN" altLang="en-US" dirty="0"/>
-              <a:t>单体</a:t>
-            </a:r>
-            <a:r>
-              <a:rPr lang="en-US" altLang="zh-CN" dirty="0"/>
-              <a:t>-&gt;SOA(Dubbo)-&gt; </a:t>
-            </a:r>
-            <a:r>
-              <a:rPr lang="zh-CN" altLang="en-US" dirty="0"/>
-              <a:t>微服务</a:t>
-            </a:r>
-            <a:r>
-              <a:rPr lang="en-US" altLang="zh-CN" dirty="0"/>
-              <a:t>-&gt;</a:t>
-            </a:r>
-            <a:r>
-              <a:rPr lang="en-US" altLang="zh-CN" dirty="0" err="1"/>
-              <a:t>SeverLess</a:t>
-            </a:r>
-            <a:r>
-              <a:rPr lang="en-US" altLang="zh-CN" dirty="0"/>
-              <a:t>-&gt;</a:t>
-            </a:r>
-            <a:r>
-              <a:rPr lang="en-US" altLang="zh-CN" dirty="0" err="1"/>
-              <a:t>Faas</a:t>
-            </a:r>
-            <a:r>
-              <a:rPr lang="en-US" altLang="zh-CN" dirty="0"/>
-              <a:t> </a:t>
-            </a:r>
-          </a:p>
-          <a:p>
-            <a:endParaRPr lang="en-US" altLang="zh-CN" dirty="0"/>
-          </a:p>
-          <a:p>
-            <a:r>
-              <a:rPr lang="en-US" altLang="zh-CN" dirty="0"/>
-              <a:t>2  </a:t>
-            </a:r>
-            <a:r>
-              <a:rPr lang="zh-CN" altLang="en-US" dirty="0"/>
-              <a:t>设计层</a:t>
-            </a:r>
-            <a:endParaRPr lang="en-US" altLang="zh-CN" dirty="0"/>
-          </a:p>
-          <a:p>
-            <a:endParaRPr lang="zh-CN" altLang="en-US" dirty="0"/>
-          </a:p>
-        </p:txBody>
-      </p:sp>
-      <p:pic>
-        <p:nvPicPr>
-          <p:cNvPr id="5" name="图片 4">
-            <a:extLst>
-              <a:ext uri="{FF2B5EF4-FFF2-40B4-BE49-F238E27FC236}">
-                <a16:creationId xmlns:a16="http://schemas.microsoft.com/office/drawing/2014/main" id="{03FF0D2E-EE2B-4263-B86E-63B336454F12}"/>
-              </a:ext>
-            </a:extLst>
-          </p:cNvPr>
-          <p:cNvPicPr>
-            <a:picLocks noChangeAspect="1"/>
-          </p:cNvPicPr>
-          <p:nvPr/>
-        </p:nvPicPr>
-        <p:blipFill>
-          <a:blip r:embed="rId2"/>
-          <a:stretch>
-            <a:fillRect/>
-          </a:stretch>
-        </p:blipFill>
-        <p:spPr>
-          <a:xfrm>
-            <a:off x="371061" y="3880326"/>
-            <a:ext cx="2192060" cy="2612549"/>
-          </a:xfrm>
-          <a:prstGeom prst="rect">
-            <a:avLst/>
-          </a:prstGeom>
-        </p:spPr>
-      </p:pic>
-      <p:pic>
-        <p:nvPicPr>
-          <p:cNvPr id="7" name="图片 6">
-            <a:extLst>
-              <a:ext uri="{FF2B5EF4-FFF2-40B4-BE49-F238E27FC236}">
-                <a16:creationId xmlns:a16="http://schemas.microsoft.com/office/drawing/2014/main" id="{8268E1FF-E573-4B67-AE2D-66CDF60DCBBC}"/>
-              </a:ext>
-            </a:extLst>
-          </p:cNvPr>
-          <p:cNvPicPr>
-            <a:picLocks noChangeAspect="1"/>
-          </p:cNvPicPr>
-          <p:nvPr/>
-        </p:nvPicPr>
-        <p:blipFill>
-          <a:blip r:embed="rId3"/>
-          <a:stretch>
-            <a:fillRect/>
-          </a:stretch>
-        </p:blipFill>
-        <p:spPr>
-          <a:xfrm>
-            <a:off x="2630128" y="3880325"/>
-            <a:ext cx="2192061" cy="2578431"/>
-          </a:xfrm>
-          <a:prstGeom prst="rect">
-            <a:avLst/>
-          </a:prstGeom>
-        </p:spPr>
-      </p:pic>
-      <p:pic>
-        <p:nvPicPr>
-          <p:cNvPr id="9" name="图片 8">
-            <a:extLst>
-              <a:ext uri="{FF2B5EF4-FFF2-40B4-BE49-F238E27FC236}">
-                <a16:creationId xmlns:a16="http://schemas.microsoft.com/office/drawing/2014/main" id="{27667DF4-9AC9-4099-9C39-3D745F49CEBC}"/>
-              </a:ext>
-            </a:extLst>
-          </p:cNvPr>
-          <p:cNvPicPr>
-            <a:picLocks noChangeAspect="1"/>
-          </p:cNvPicPr>
-          <p:nvPr/>
-        </p:nvPicPr>
-        <p:blipFill>
-          <a:blip r:embed="rId4"/>
-          <a:stretch>
-            <a:fillRect/>
-          </a:stretch>
-        </p:blipFill>
-        <p:spPr>
-          <a:xfrm>
-            <a:off x="9406001" y="3880324"/>
-            <a:ext cx="2080481" cy="2578432"/>
-          </a:xfrm>
-          <a:prstGeom prst="rect">
-            <a:avLst/>
-          </a:prstGeom>
-        </p:spPr>
-      </p:pic>
-      <p:pic>
-        <p:nvPicPr>
-          <p:cNvPr id="6" name="图片 5">
-            <a:extLst>
-              <a:ext uri="{FF2B5EF4-FFF2-40B4-BE49-F238E27FC236}">
-                <a16:creationId xmlns:a16="http://schemas.microsoft.com/office/drawing/2014/main" id="{DCBBAC4C-A594-4D33-8715-A0F344CA54F9}"/>
-              </a:ext>
-            </a:extLst>
-          </p:cNvPr>
-          <p:cNvPicPr>
-            <a:picLocks noChangeAspect="1"/>
-          </p:cNvPicPr>
-          <p:nvPr/>
-        </p:nvPicPr>
-        <p:blipFill>
-          <a:blip r:embed="rId5"/>
-          <a:stretch>
-            <a:fillRect/>
-          </a:stretch>
-        </p:blipFill>
-        <p:spPr>
-          <a:xfrm>
-            <a:off x="5078198" y="3914444"/>
-            <a:ext cx="2035603" cy="2578431"/>
-          </a:xfrm>
-          <a:prstGeom prst="rect">
-            <a:avLst/>
-          </a:prstGeom>
-        </p:spPr>
-      </p:pic>
-      <p:pic>
-        <p:nvPicPr>
-          <p:cNvPr id="10" name="图片 9">
-            <a:extLst>
-              <a:ext uri="{FF2B5EF4-FFF2-40B4-BE49-F238E27FC236}">
-                <a16:creationId xmlns:a16="http://schemas.microsoft.com/office/drawing/2014/main" id="{AC6AD4BE-A8AF-465C-89F3-537206E9A5CD}"/>
-              </a:ext>
-            </a:extLst>
-          </p:cNvPr>
-          <p:cNvPicPr>
-            <a:picLocks noChangeAspect="1"/>
-          </p:cNvPicPr>
-          <p:nvPr/>
-        </p:nvPicPr>
-        <p:blipFill>
-          <a:blip r:embed="rId6"/>
-          <a:stretch>
-            <a:fillRect/>
-          </a:stretch>
-        </p:blipFill>
-        <p:spPr>
-          <a:xfrm>
-            <a:off x="7215254" y="3914443"/>
-            <a:ext cx="1947799" cy="2544313"/>
-          </a:xfrm>
-          <a:prstGeom prst="rect">
-            <a:avLst/>
-          </a:prstGeom>
-        </p:spPr>
-      </p:pic>
-      <p:pic>
-        <p:nvPicPr>
-          <p:cNvPr id="8" name="图片 7">
-            <a:extLst>
-              <a:ext uri="{FF2B5EF4-FFF2-40B4-BE49-F238E27FC236}">
-                <a16:creationId xmlns:a16="http://schemas.microsoft.com/office/drawing/2014/main" id="{60653424-B6ED-4FAA-A629-BCC84013BD4B}"/>
-              </a:ext>
-            </a:extLst>
-          </p:cNvPr>
-          <p:cNvPicPr>
-            <a:picLocks noChangeAspect="1"/>
-          </p:cNvPicPr>
-          <p:nvPr/>
-        </p:nvPicPr>
-        <p:blipFill>
-          <a:blip r:embed="rId7"/>
-          <a:stretch>
-            <a:fillRect/>
-          </a:stretch>
-        </p:blipFill>
-        <p:spPr>
-          <a:xfrm>
-            <a:off x="9030114" y="131431"/>
-            <a:ext cx="2790825" cy="3467100"/>
-          </a:xfrm>
-          <a:prstGeom prst="rect">
-            <a:avLst/>
-          </a:prstGeom>
-        </p:spPr>
-      </p:pic>
-      <p:pic>
-        <p:nvPicPr>
-          <p:cNvPr id="12" name="图片 11">
-            <a:extLst>
-              <a:ext uri="{FF2B5EF4-FFF2-40B4-BE49-F238E27FC236}">
-                <a16:creationId xmlns:a16="http://schemas.microsoft.com/office/drawing/2014/main" id="{1F503FE3-1994-46E5-B7A7-05415B87154B}"/>
-              </a:ext>
-            </a:extLst>
-          </p:cNvPr>
-          <p:cNvPicPr>
-            <a:picLocks noChangeAspect="1"/>
-          </p:cNvPicPr>
-          <p:nvPr/>
-        </p:nvPicPr>
-        <p:blipFill>
-          <a:blip r:embed="rId8"/>
-          <a:stretch>
-            <a:fillRect/>
-          </a:stretch>
-        </p:blipFill>
-        <p:spPr>
-          <a:xfrm>
-            <a:off x="7499626" y="1027906"/>
-            <a:ext cx="3060975" cy="3467100"/>
-          </a:xfrm>
-          <a:prstGeom prst="rect">
-            <a:avLst/>
-          </a:prstGeom>
-        </p:spPr>
-      </p:pic>
-      <p:pic>
-        <p:nvPicPr>
-          <p:cNvPr id="16" name="图片 15">
-            <a:extLst>
-              <a:ext uri="{FF2B5EF4-FFF2-40B4-BE49-F238E27FC236}">
-                <a16:creationId xmlns:a16="http://schemas.microsoft.com/office/drawing/2014/main" id="{CD2D86B7-1BEF-43F4-99E6-50880CC0ED3F}"/>
-              </a:ext>
-            </a:extLst>
-          </p:cNvPr>
-          <p:cNvPicPr>
-            <a:picLocks noChangeAspect="1"/>
-          </p:cNvPicPr>
-          <p:nvPr/>
-        </p:nvPicPr>
-        <p:blipFill>
-          <a:blip r:embed="rId9"/>
-          <a:stretch>
-            <a:fillRect/>
-          </a:stretch>
-        </p:blipFill>
-        <p:spPr>
-          <a:xfrm>
-            <a:off x="5031910" y="526685"/>
-            <a:ext cx="2414756" cy="3320290"/>
-          </a:xfrm>
-          <a:prstGeom prst="rect">
-            <a:avLst/>
-          </a:prstGeom>
-        </p:spPr>
-      </p:pic>
-    </p:spTree>
-    <p:extLst>
-      <p:ext uri="{BB962C8B-B14F-4D97-AF65-F5344CB8AC3E}">
-        <p14:creationId xmlns:p14="http://schemas.microsoft.com/office/powerpoint/2010/main" val="4101347451"/>
       </p:ext>
     </p:extLst>
   </p:cSld>
@@ -10669,6 +12146,472 @@
       </p:grpSpPr>
       <p:sp>
         <p:nvSpPr>
+          <p:cNvPr id="6" name="矩形 5">
+            <a:extLst>
+              <a:ext uri="{FF2B5EF4-FFF2-40B4-BE49-F238E27FC236}">
+                <a16:creationId xmlns:a16="http://schemas.microsoft.com/office/drawing/2014/main" id="{8576F153-1B32-4111-B1B1-182350EA972C}"/>
+              </a:ext>
+            </a:extLst>
+          </p:cNvPr>
+          <p:cNvSpPr/>
+          <p:nvPr/>
+        </p:nvSpPr>
+        <p:spPr>
+          <a:xfrm>
+            <a:off x="0" y="2133600"/>
+            <a:ext cx="12192000" cy="1669774"/>
+          </a:xfrm>
+          <a:prstGeom prst="rect">
+            <a:avLst/>
+          </a:prstGeom>
+        </p:spPr>
+        <p:style>
+          <a:lnRef idx="2">
+            <a:schemeClr val="accent1">
+              <a:shade val="50000"/>
+            </a:schemeClr>
+          </a:lnRef>
+          <a:fillRef idx="1">
+            <a:schemeClr val="accent1"/>
+          </a:fillRef>
+          <a:effectRef idx="0">
+            <a:schemeClr val="accent1"/>
+          </a:effectRef>
+          <a:fontRef idx="minor">
+            <a:schemeClr val="lt1"/>
+          </a:fontRef>
+        </p:style>
+        <p:txBody>
+          <a:bodyPr rtlCol="0" anchor="ctr"/>
+          <a:lstStyle/>
+          <a:p>
+            <a:pPr algn="ctr"/>
+            <a:r>
+              <a:rPr lang="en-US" altLang="zh-CN" sz="4800" dirty="0"/>
+              <a:t>1. CRUD</a:t>
+            </a:r>
+            <a:endParaRPr lang="zh-CN" altLang="en-US" sz="4800" dirty="0"/>
+          </a:p>
+        </p:txBody>
+      </p:sp>
+    </p:spTree>
+    <p:extLst>
+      <p:ext uri="{BB962C8B-B14F-4D97-AF65-F5344CB8AC3E}">
+        <p14:creationId xmlns:p14="http://schemas.microsoft.com/office/powerpoint/2010/main" val="2866428922"/>
+      </p:ext>
+    </p:extLst>
+  </p:cSld>
+  <p:clrMapOvr>
+    <a:masterClrMapping/>
+  </p:clrMapOvr>
+</p:sld>
+</file>
+
+<file path=ppt/slides/slide6.xml><?xml version="1.0" encoding="utf-8"?>
+<p:sld xmlns:a="http://schemas.openxmlformats.org/drawingml/2006/main" xmlns:r="http://schemas.openxmlformats.org/officeDocument/2006/relationships" xmlns:p="http://schemas.openxmlformats.org/presentationml/2006/main">
+  <p:cSld>
+    <p:spTree>
+      <p:nvGrpSpPr>
+        <p:cNvPr id="1" name=""/>
+        <p:cNvGrpSpPr/>
+        <p:nvPr/>
+      </p:nvGrpSpPr>
+      <p:grpSpPr>
+        <a:xfrm>
+          <a:off x="0" y="0"/>
+          <a:ext cx="0" cy="0"/>
+          <a:chOff x="0" y="0"/>
+          <a:chExt cx="0" cy="0"/>
+        </a:xfrm>
+      </p:grpSpPr>
+      <p:sp>
+        <p:nvSpPr>
+          <p:cNvPr id="2" name="标题 1">
+            <a:extLst>
+              <a:ext uri="{FF2B5EF4-FFF2-40B4-BE49-F238E27FC236}">
+                <a16:creationId xmlns:a16="http://schemas.microsoft.com/office/drawing/2014/main" id="{D71660B7-A1BD-417A-91FE-E3C20197ED63}"/>
+              </a:ext>
+            </a:extLst>
+          </p:cNvPr>
+          <p:cNvSpPr>
+            <a:spLocks noGrp="1"/>
+          </p:cNvSpPr>
+          <p:nvPr>
+            <p:ph type="title"/>
+          </p:nvPr>
+        </p:nvSpPr>
+        <p:spPr/>
+        <p:txBody>
+          <a:bodyPr/>
+          <a:lstStyle/>
+          <a:p>
+            <a:r>
+              <a:rPr lang="zh-CN" altLang="en-US" dirty="0">
+                <a:solidFill>
+                  <a:srgbClr val="FF0000"/>
+                </a:solidFill>
+              </a:rPr>
+              <a:t>应用开发演进之路</a:t>
+            </a:r>
+          </a:p>
+        </p:txBody>
+      </p:sp>
+      <p:sp>
+        <p:nvSpPr>
+          <p:cNvPr id="3" name="内容占位符 2">
+            <a:extLst>
+              <a:ext uri="{FF2B5EF4-FFF2-40B4-BE49-F238E27FC236}">
+                <a16:creationId xmlns:a16="http://schemas.microsoft.com/office/drawing/2014/main" id="{0680E37B-F430-4182-BB16-B557A90D4DC1}"/>
+              </a:ext>
+            </a:extLst>
+          </p:cNvPr>
+          <p:cNvSpPr>
+            <a:spLocks noGrp="1"/>
+          </p:cNvSpPr>
+          <p:nvPr>
+            <p:ph idx="1"/>
+          </p:nvPr>
+        </p:nvSpPr>
+        <p:spPr/>
+        <p:txBody>
+          <a:bodyPr/>
+          <a:lstStyle/>
+          <a:p>
+            <a:r>
+              <a:rPr lang="en-US" altLang="zh-CN" dirty="0"/>
+              <a:t>1  </a:t>
+            </a:r>
+            <a:r>
+              <a:rPr lang="zh-CN" altLang="en-US" dirty="0"/>
+              <a:t>架构层</a:t>
+            </a:r>
+            <a:endParaRPr lang="en-US" altLang="zh-CN" dirty="0"/>
+          </a:p>
+          <a:p>
+            <a:r>
+              <a:rPr lang="zh-CN" altLang="en-US" dirty="0"/>
+              <a:t>单体</a:t>
+            </a:r>
+            <a:r>
+              <a:rPr lang="en-US" altLang="zh-CN" dirty="0"/>
+              <a:t>-&gt;SOA(Dubbo)-&gt; </a:t>
+            </a:r>
+            <a:r>
+              <a:rPr lang="zh-CN" altLang="en-US" dirty="0"/>
+              <a:t>微服务</a:t>
+            </a:r>
+            <a:r>
+              <a:rPr lang="en-US" altLang="zh-CN" dirty="0"/>
+              <a:t>-&gt;</a:t>
+            </a:r>
+            <a:r>
+              <a:rPr lang="en-US" altLang="zh-CN" dirty="0" err="1"/>
+              <a:t>ServerLess</a:t>
+            </a:r>
+            <a:r>
+              <a:rPr lang="en-US" altLang="zh-CN" dirty="0"/>
+              <a:t>-&gt;</a:t>
+            </a:r>
+            <a:r>
+              <a:rPr lang="en-US" altLang="zh-CN" dirty="0" err="1"/>
+              <a:t>Faas</a:t>
+            </a:r>
+            <a:r>
+              <a:rPr lang="en-US" altLang="zh-CN" dirty="0"/>
+              <a:t> </a:t>
+            </a:r>
+          </a:p>
+          <a:p>
+            <a:endParaRPr lang="en-US" altLang="zh-CN" dirty="0"/>
+          </a:p>
+          <a:p>
+            <a:r>
+              <a:rPr lang="en-US" altLang="zh-CN" dirty="0"/>
+              <a:t>2  </a:t>
+            </a:r>
+            <a:r>
+              <a:rPr lang="zh-CN" altLang="en-US" dirty="0"/>
+              <a:t>设计层</a:t>
+            </a:r>
+            <a:endParaRPr lang="en-US" altLang="zh-CN" dirty="0"/>
+          </a:p>
+          <a:p>
+            <a:endParaRPr lang="zh-CN" altLang="en-US" dirty="0"/>
+          </a:p>
+        </p:txBody>
+      </p:sp>
+      <p:pic>
+        <p:nvPicPr>
+          <p:cNvPr id="5" name="图片 4">
+            <a:extLst>
+              <a:ext uri="{FF2B5EF4-FFF2-40B4-BE49-F238E27FC236}">
+                <a16:creationId xmlns:a16="http://schemas.microsoft.com/office/drawing/2014/main" id="{03FF0D2E-EE2B-4263-B86E-63B336454F12}"/>
+              </a:ext>
+            </a:extLst>
+          </p:cNvPr>
+          <p:cNvPicPr>
+            <a:picLocks noChangeAspect="1"/>
+          </p:cNvPicPr>
+          <p:nvPr/>
+        </p:nvPicPr>
+        <p:blipFill>
+          <a:blip r:embed="rId3"/>
+          <a:stretch>
+            <a:fillRect/>
+          </a:stretch>
+        </p:blipFill>
+        <p:spPr>
+          <a:xfrm>
+            <a:off x="-351563" y="4268580"/>
+            <a:ext cx="2192060" cy="2612549"/>
+          </a:xfrm>
+          <a:prstGeom prst="rect">
+            <a:avLst/>
+          </a:prstGeom>
+        </p:spPr>
+      </p:pic>
+      <p:pic>
+        <p:nvPicPr>
+          <p:cNvPr id="7" name="图片 6">
+            <a:extLst>
+              <a:ext uri="{FF2B5EF4-FFF2-40B4-BE49-F238E27FC236}">
+                <a16:creationId xmlns:a16="http://schemas.microsoft.com/office/drawing/2014/main" id="{8268E1FF-E573-4B67-AE2D-66CDF60DCBBC}"/>
+              </a:ext>
+            </a:extLst>
+          </p:cNvPr>
+          <p:cNvPicPr>
+            <a:picLocks noChangeAspect="1"/>
+          </p:cNvPicPr>
+          <p:nvPr/>
+        </p:nvPicPr>
+        <p:blipFill>
+          <a:blip r:embed="rId4"/>
+          <a:stretch>
+            <a:fillRect/>
+          </a:stretch>
+        </p:blipFill>
+        <p:spPr>
+          <a:xfrm>
+            <a:off x="1885837" y="4327262"/>
+            <a:ext cx="2192061" cy="2578431"/>
+          </a:xfrm>
+          <a:prstGeom prst="rect">
+            <a:avLst/>
+          </a:prstGeom>
+        </p:spPr>
+      </p:pic>
+      <p:pic>
+        <p:nvPicPr>
+          <p:cNvPr id="9" name="图片 8">
+            <a:extLst>
+              <a:ext uri="{FF2B5EF4-FFF2-40B4-BE49-F238E27FC236}">
+                <a16:creationId xmlns:a16="http://schemas.microsoft.com/office/drawing/2014/main" id="{27667DF4-9AC9-4099-9C39-3D745F49CEBC}"/>
+              </a:ext>
+            </a:extLst>
+          </p:cNvPr>
+          <p:cNvPicPr>
+            <a:picLocks noChangeAspect="1"/>
+          </p:cNvPicPr>
+          <p:nvPr/>
+        </p:nvPicPr>
+        <p:blipFill>
+          <a:blip r:embed="rId5"/>
+          <a:stretch>
+            <a:fillRect/>
+          </a:stretch>
+        </p:blipFill>
+        <p:spPr>
+          <a:xfrm>
+            <a:off x="9406001" y="3880324"/>
+            <a:ext cx="2080481" cy="2578432"/>
+          </a:xfrm>
+          <a:prstGeom prst="rect">
+            <a:avLst/>
+          </a:prstGeom>
+        </p:spPr>
+      </p:pic>
+      <p:pic>
+        <p:nvPicPr>
+          <p:cNvPr id="6" name="图片 5">
+            <a:extLst>
+              <a:ext uri="{FF2B5EF4-FFF2-40B4-BE49-F238E27FC236}">
+                <a16:creationId xmlns:a16="http://schemas.microsoft.com/office/drawing/2014/main" id="{DCBBAC4C-A594-4D33-8715-A0F344CA54F9}"/>
+              </a:ext>
+            </a:extLst>
+          </p:cNvPr>
+          <p:cNvPicPr>
+            <a:picLocks noChangeAspect="1"/>
+          </p:cNvPicPr>
+          <p:nvPr/>
+        </p:nvPicPr>
+        <p:blipFill>
+          <a:blip r:embed="rId6"/>
+          <a:stretch>
+            <a:fillRect/>
+          </a:stretch>
+        </p:blipFill>
+        <p:spPr>
+          <a:xfrm>
+            <a:off x="4465835" y="4235001"/>
+            <a:ext cx="2035603" cy="2578431"/>
+          </a:xfrm>
+          <a:prstGeom prst="rect">
+            <a:avLst/>
+          </a:prstGeom>
+        </p:spPr>
+      </p:pic>
+      <p:pic>
+        <p:nvPicPr>
+          <p:cNvPr id="10" name="图片 9">
+            <a:extLst>
+              <a:ext uri="{FF2B5EF4-FFF2-40B4-BE49-F238E27FC236}">
+                <a16:creationId xmlns:a16="http://schemas.microsoft.com/office/drawing/2014/main" id="{AC6AD4BE-A8AF-465C-89F3-537206E9A5CD}"/>
+              </a:ext>
+            </a:extLst>
+          </p:cNvPr>
+          <p:cNvPicPr>
+            <a:picLocks noChangeAspect="1"/>
+          </p:cNvPicPr>
+          <p:nvPr/>
+        </p:nvPicPr>
+        <p:blipFill>
+          <a:blip r:embed="rId7"/>
+          <a:stretch>
+            <a:fillRect/>
+          </a:stretch>
+        </p:blipFill>
+        <p:spPr>
+          <a:xfrm>
+            <a:off x="6974108" y="4063109"/>
+            <a:ext cx="1947799" cy="2544313"/>
+          </a:xfrm>
+          <a:prstGeom prst="rect">
+            <a:avLst/>
+          </a:prstGeom>
+        </p:spPr>
+      </p:pic>
+      <p:pic>
+        <p:nvPicPr>
+          <p:cNvPr id="8" name="图片 7">
+            <a:extLst>
+              <a:ext uri="{FF2B5EF4-FFF2-40B4-BE49-F238E27FC236}">
+                <a16:creationId xmlns:a16="http://schemas.microsoft.com/office/drawing/2014/main" id="{60653424-B6ED-4FAA-A629-BCC84013BD4B}"/>
+              </a:ext>
+            </a:extLst>
+          </p:cNvPr>
+          <p:cNvPicPr>
+            <a:picLocks noChangeAspect="1"/>
+          </p:cNvPicPr>
+          <p:nvPr/>
+        </p:nvPicPr>
+        <p:blipFill>
+          <a:blip r:embed="rId8"/>
+          <a:stretch>
+            <a:fillRect/>
+          </a:stretch>
+        </p:blipFill>
+        <p:spPr>
+          <a:xfrm>
+            <a:off x="9030114" y="131431"/>
+            <a:ext cx="2790825" cy="3467100"/>
+          </a:xfrm>
+          <a:prstGeom prst="rect">
+            <a:avLst/>
+          </a:prstGeom>
+        </p:spPr>
+      </p:pic>
+      <p:pic>
+        <p:nvPicPr>
+          <p:cNvPr id="12" name="图片 11">
+            <a:extLst>
+              <a:ext uri="{FF2B5EF4-FFF2-40B4-BE49-F238E27FC236}">
+                <a16:creationId xmlns:a16="http://schemas.microsoft.com/office/drawing/2014/main" id="{1F503FE3-1994-46E5-B7A7-05415B87154B}"/>
+              </a:ext>
+            </a:extLst>
+          </p:cNvPr>
+          <p:cNvPicPr>
+            <a:picLocks noChangeAspect="1"/>
+          </p:cNvPicPr>
+          <p:nvPr/>
+        </p:nvPicPr>
+        <p:blipFill>
+          <a:blip r:embed="rId9"/>
+          <a:stretch>
+            <a:fillRect/>
+          </a:stretch>
+        </p:blipFill>
+        <p:spPr>
+          <a:xfrm>
+            <a:off x="9808046" y="1584516"/>
+            <a:ext cx="2246280" cy="2544313"/>
+          </a:xfrm>
+          <a:prstGeom prst="rect">
+            <a:avLst/>
+          </a:prstGeom>
+        </p:spPr>
+      </p:pic>
+      <p:pic>
+        <p:nvPicPr>
+          <p:cNvPr id="16" name="图片 15">
+            <a:extLst>
+              <a:ext uri="{FF2B5EF4-FFF2-40B4-BE49-F238E27FC236}">
+                <a16:creationId xmlns:a16="http://schemas.microsoft.com/office/drawing/2014/main" id="{CD2D86B7-1BEF-43F4-99E6-50880CC0ED3F}"/>
+              </a:ext>
+            </a:extLst>
+          </p:cNvPr>
+          <p:cNvPicPr>
+            <a:picLocks noChangeAspect="1"/>
+          </p:cNvPicPr>
+          <p:nvPr/>
+        </p:nvPicPr>
+        <p:blipFill>
+          <a:blip r:embed="rId10"/>
+          <a:stretch>
+            <a:fillRect/>
+          </a:stretch>
+        </p:blipFill>
+        <p:spPr>
+          <a:xfrm>
+            <a:off x="9172614" y="5066424"/>
+            <a:ext cx="2414756" cy="3320290"/>
+          </a:xfrm>
+          <a:prstGeom prst="rect">
+            <a:avLst/>
+          </a:prstGeom>
+        </p:spPr>
+      </p:pic>
+    </p:spTree>
+    <p:extLst>
+      <p:ext uri="{BB962C8B-B14F-4D97-AF65-F5344CB8AC3E}">
+        <p14:creationId xmlns:p14="http://schemas.microsoft.com/office/powerpoint/2010/main" val="4101347451"/>
+      </p:ext>
+    </p:extLst>
+  </p:cSld>
+  <p:clrMapOvr>
+    <a:masterClrMapping/>
+  </p:clrMapOvr>
+</p:sld>
+</file>
+
+<file path=ppt/slides/slide7.xml><?xml version="1.0" encoding="utf-8"?>
+<p:sld xmlns:a="http://schemas.openxmlformats.org/drawingml/2006/main" xmlns:r="http://schemas.openxmlformats.org/officeDocument/2006/relationships" xmlns:p="http://schemas.openxmlformats.org/presentationml/2006/main">
+  <p:cSld>
+    <p:spTree>
+      <p:nvGrpSpPr>
+        <p:cNvPr id="1" name=""/>
+        <p:cNvGrpSpPr/>
+        <p:nvPr/>
+      </p:nvGrpSpPr>
+      <p:grpSpPr>
+        <a:xfrm>
+          <a:off x="0" y="0"/>
+          <a:ext cx="0" cy="0"/>
+          <a:chOff x="0" y="0"/>
+          <a:chExt cx="0" cy="0"/>
+        </a:xfrm>
+      </p:grpSpPr>
+      <p:sp>
+        <p:nvSpPr>
           <p:cNvPr id="2" name="标题 1">
             <a:extLst>
               <a:ext uri="{FF2B5EF4-FFF2-40B4-BE49-F238E27FC236}">
@@ -10768,7 +12711,7 @@
             </a:r>
             <a:r>
               <a:rPr lang="zh-CN" altLang="en-US" dirty="0"/>
-              <a:t>有什么区别？？</a:t>
+              <a:t>有什么区别？</a:t>
             </a:r>
             <a:endParaRPr lang="en-US" altLang="zh-CN" dirty="0"/>
           </a:p>
@@ -10776,7 +12719,7 @@
             <a:pPr lvl="1"/>
             <a:r>
               <a:rPr lang="zh-CN" altLang="en-US" dirty="0"/>
-              <a:t>写个工具类？</a:t>
+              <a:t>写个工具类？错！</a:t>
             </a:r>
             <a:r>
               <a:rPr lang="en-US" altLang="zh-CN" dirty="0" err="1"/>
@@ -10804,7 +12747,23 @@
                   <a:srgbClr val="FF0000"/>
                 </a:solidFill>
               </a:rPr>
-              <a:t>  </a:t>
+              <a:t> (</a:t>
+            </a:r>
+            <a:r>
+              <a:rPr lang="zh-CN" altLang="en-US" dirty="0">
+                <a:solidFill>
+                  <a:srgbClr val="FF0000"/>
+                </a:solidFill>
+              </a:rPr>
+              <a:t>没必要</a:t>
+            </a:r>
+            <a:r>
+              <a:rPr lang="en-US" altLang="zh-CN" dirty="0">
+                <a:solidFill>
+                  <a:srgbClr val="FF0000"/>
+                </a:solidFill>
+              </a:rPr>
+              <a:t>) </a:t>
             </a:r>
             <a:r>
               <a:rPr lang="zh-CN" altLang="en-US" dirty="0"/>
@@ -10816,7 +12775,7 @@
             </a:r>
             <a:r>
               <a:rPr lang="zh-CN" altLang="en-US" dirty="0"/>
-              <a:t>，</a:t>
+              <a:t>，工具类越多，代表系统职责分配却差劲。</a:t>
             </a:r>
             <a:endParaRPr lang="en-US" altLang="zh-CN" dirty="0"/>
           </a:p>
@@ -10940,8 +12899,13 @@
             </a:r>
             <a:r>
               <a:rPr lang="en-US" altLang="zh-CN" dirty="0"/>
-              <a:t>  </a:t>
-            </a:r>
+              <a:t>   </a:t>
+            </a:r>
+            <a:r>
+              <a:rPr lang="zh-CN" altLang="en-US" dirty="0"/>
+              <a:t>充提，场外交易校验在哪里做？（三种思路的差异）</a:t>
+            </a:r>
+            <a:endParaRPr lang="en-US" altLang="zh-CN" dirty="0"/>
           </a:p>
           <a:p>
             <a:pPr lvl="1"/>
@@ -11028,12 +12992,16 @@
               <a:t>5  </a:t>
             </a:r>
             <a:r>
+              <a:rPr lang="zh-CN" altLang="en-US" dirty="0"/>
+              <a:t>代码生成：</a:t>
+            </a:r>
+            <a:r>
               <a:rPr lang="en-US" altLang="zh-CN" dirty="0" err="1"/>
               <a:t>MybatisPlus</a:t>
             </a:r>
             <a:r>
               <a:rPr lang="zh-CN" altLang="en-US" dirty="0"/>
-              <a:t>真的好吗？对系统坏处在哪里？难以产生高质量代码设计</a:t>
+              <a:t>真的好吗？对系统坏处在哪里？</a:t>
             </a:r>
             <a:endParaRPr lang="en-US" altLang="zh-CN" dirty="0"/>
           </a:p>
@@ -11055,12 +13023,39 @@
             </a:r>
             <a:r>
               <a:rPr lang="zh-CN" altLang="en-US" dirty="0"/>
-              <a:t>产生贫血对象</a:t>
+              <a:t>产生贫血对象和集中式控制对系统伤害最大，退化</a:t>
+            </a:r>
+            <a:endParaRPr lang="en-US" altLang="zh-CN" dirty="0"/>
+          </a:p>
+          <a:p>
+            <a:pPr marL="0" indent="0">
+              <a:buNone/>
+            </a:pPr>
+            <a:r>
+              <a:rPr lang="zh-CN" altLang="en-US" dirty="0"/>
+              <a:t> </a:t>
+            </a:r>
+            <a:r>
+              <a:rPr lang="en-US" altLang="zh-CN" dirty="0"/>
+              <a:t>	</a:t>
+            </a:r>
+            <a:r>
+              <a:rPr lang="zh-CN" altLang="en-US" dirty="0"/>
+              <a:t>成面向过程数据流编程</a:t>
             </a:r>
             <a:r>
               <a:rPr lang="en-US" altLang="zh-CN" dirty="0"/>
               <a:t>)</a:t>
             </a:r>
+          </a:p>
+          <a:p>
+            <a:endParaRPr lang="en-US" altLang="zh-CN" dirty="0"/>
+          </a:p>
+          <a:p>
+            <a:pPr marL="0" indent="0">
+              <a:buNone/>
+            </a:pPr>
+            <a:endParaRPr lang="en-US" altLang="zh-CN" dirty="0"/>
           </a:p>
         </p:txBody>
       </p:sp>
@@ -11107,7 +13102,7 @@
 </p:sld>
 </file>
 
-<file path=ppt/slides/slide6.xml><?xml version="1.0" encoding="utf-8"?>
+<file path=ppt/slides/slide8.xml><?xml version="1.0" encoding="utf-8"?>
 <p:sld xmlns:a="http://schemas.openxmlformats.org/drawingml/2006/main" xmlns:r="http://schemas.openxmlformats.org/officeDocument/2006/relationships" xmlns:p="http://schemas.openxmlformats.org/presentationml/2006/main">
   <p:cSld>
     <p:spTree>
@@ -11203,26 +13198,11 @@
           <a:p>
             <a:r>
               <a:rPr lang="en-US" altLang="zh-CN" dirty="0" err="1"/>
-              <a:t>ssm</a:t>
-            </a:r>
-            <a:r>
-              <a:rPr lang="zh-CN" altLang="en-US" dirty="0"/>
-              <a:t>框架</a:t>
-            </a:r>
-            <a:endParaRPr lang="en-US" altLang="zh-CN" dirty="0"/>
-          </a:p>
-          <a:p>
-            <a:r>
-              <a:rPr lang="en-US" altLang="zh-CN" dirty="0" err="1"/>
               <a:t>servlet+html</a:t>
             </a:r>
             <a:endParaRPr lang="en-US" altLang="zh-CN" dirty="0"/>
           </a:p>
           <a:p>
-            <a:r>
-              <a:rPr lang="zh-CN" altLang="en-US" dirty="0"/>
-              <a:t> </a:t>
-            </a:r>
             <a:r>
               <a:rPr lang="en-US" altLang="zh-CN" dirty="0" err="1"/>
               <a:t>servlet+jsp</a:t>
@@ -11231,12 +13211,8 @@
           </a:p>
           <a:p>
             <a:r>
-              <a:rPr lang="en-US" altLang="zh-CN" dirty="0"/>
-              <a:t>servlet_+</a:t>
-            </a:r>
-            <a:r>
               <a:rPr lang="en-US" altLang="zh-CN" dirty="0" err="1"/>
-              <a:t>dao</a:t>
+              <a:t>servlet+dao</a:t>
             </a:r>
             <a:endParaRPr lang="en-US" altLang="zh-CN" dirty="0"/>
           </a:p>
@@ -11248,11 +13224,19 @@
           </a:p>
           <a:p>
             <a:r>
-              <a:rPr lang="en-US" altLang="zh-CN"/>
+              <a:rPr lang="en-US" altLang="zh-CN" dirty="0"/>
               <a:t>Model2</a:t>
             </a:r>
           </a:p>
           <a:p>
+            <a:r>
+              <a:rPr lang="en-US" altLang="zh-CN" dirty="0" err="1"/>
+              <a:t>ssm</a:t>
+            </a:r>
+            <a:r>
+              <a:rPr lang="zh-CN" altLang="en-US" dirty="0"/>
+              <a:t>框架</a:t>
+            </a:r>
             <a:endParaRPr lang="en-US" altLang="zh-CN" dirty="0"/>
           </a:p>
           <a:p>
@@ -11309,311 +13293,6 @@
 </p:sld>
 </file>
 
-<file path=ppt/slides/slide7.xml><?xml version="1.0" encoding="utf-8"?>
-<p:sld xmlns:a="http://schemas.openxmlformats.org/drawingml/2006/main" xmlns:r="http://schemas.openxmlformats.org/officeDocument/2006/relationships" xmlns:p="http://schemas.openxmlformats.org/presentationml/2006/main">
-  <p:cSld>
-    <p:spTree>
-      <p:nvGrpSpPr>
-        <p:cNvPr id="1" name=""/>
-        <p:cNvGrpSpPr/>
-        <p:nvPr/>
-      </p:nvGrpSpPr>
-      <p:grpSpPr>
-        <a:xfrm>
-          <a:off x="0" y="0"/>
-          <a:ext cx="0" cy="0"/>
-          <a:chOff x="0" y="0"/>
-          <a:chExt cx="0" cy="0"/>
-        </a:xfrm>
-      </p:grpSpPr>
-      <p:sp>
-        <p:nvSpPr>
-          <p:cNvPr id="2" name="标题 1">
-            <a:extLst>
-              <a:ext uri="{FF2B5EF4-FFF2-40B4-BE49-F238E27FC236}">
-                <a16:creationId xmlns:a16="http://schemas.microsoft.com/office/drawing/2014/main" id="{8C525EC3-EB9C-4630-AF5C-F6857EC60CB4}"/>
-              </a:ext>
-            </a:extLst>
-          </p:cNvPr>
-          <p:cNvSpPr>
-            <a:spLocks noGrp="1"/>
-          </p:cNvSpPr>
-          <p:nvPr>
-            <p:ph type="title"/>
-          </p:nvPr>
-        </p:nvSpPr>
-        <p:spPr/>
-        <p:txBody>
-          <a:bodyPr/>
-          <a:lstStyle/>
-          <a:p>
-            <a:r>
-              <a:rPr lang="en-US" altLang="zh-CN" dirty="0">
-                <a:solidFill>
-                  <a:srgbClr val="FF0000"/>
-                </a:solidFill>
-              </a:rPr>
-              <a:t>CRUD</a:t>
-            </a:r>
-            <a:r>
-              <a:rPr lang="zh-CN" altLang="en-US" dirty="0">
-                <a:solidFill>
-                  <a:srgbClr val="FF0000"/>
-                </a:solidFill>
-              </a:rPr>
-              <a:t>场景</a:t>
-            </a:r>
-            <a:r>
-              <a:rPr lang="en-US" altLang="zh-CN" dirty="0">
-                <a:solidFill>
-                  <a:srgbClr val="FF0000"/>
-                </a:solidFill>
-              </a:rPr>
-              <a:t>2-</a:t>
-            </a:r>
-            <a:r>
-              <a:rPr lang="zh-CN" altLang="en-US" dirty="0">
-                <a:solidFill>
-                  <a:srgbClr val="FF0000"/>
-                </a:solidFill>
-              </a:rPr>
-              <a:t>如何改代码，重构</a:t>
-            </a:r>
-            <a:r>
-              <a:rPr lang="en-US" altLang="zh-CN" dirty="0">
-                <a:solidFill>
-                  <a:srgbClr val="FF0000"/>
-                </a:solidFill>
-              </a:rPr>
-              <a:t> </a:t>
-            </a:r>
-            <a:endParaRPr lang="zh-CN" altLang="en-US" dirty="0">
-              <a:solidFill>
-                <a:srgbClr val="FF0000"/>
-              </a:solidFill>
-            </a:endParaRPr>
-          </a:p>
-        </p:txBody>
-      </p:sp>
-      <p:sp>
-        <p:nvSpPr>
-          <p:cNvPr id="3" name="内容占位符 2">
-            <a:extLst>
-              <a:ext uri="{FF2B5EF4-FFF2-40B4-BE49-F238E27FC236}">
-                <a16:creationId xmlns:a16="http://schemas.microsoft.com/office/drawing/2014/main" id="{6273A4E6-F5CC-4DD3-AB8F-8D54FF934358}"/>
-              </a:ext>
-            </a:extLst>
-          </p:cNvPr>
-          <p:cNvSpPr>
-            <a:spLocks noGrp="1"/>
-          </p:cNvSpPr>
-          <p:nvPr>
-            <p:ph idx="1"/>
-          </p:nvPr>
-        </p:nvSpPr>
-        <p:spPr/>
-        <p:txBody>
-          <a:bodyPr/>
-          <a:lstStyle/>
-          <a:p>
-            <a:r>
-              <a:rPr lang="en-US" altLang="zh-CN" dirty="0"/>
-              <a:t> </a:t>
-            </a:r>
-            <a:r>
-              <a:rPr lang="zh-CN" altLang="en-US" dirty="0"/>
-              <a:t>修改代码的技术与过程</a:t>
-            </a:r>
-            <a:endParaRPr lang="en-US" altLang="zh-CN" dirty="0"/>
-          </a:p>
-          <a:p>
-            <a:endParaRPr lang="en-US" altLang="zh-CN" dirty="0"/>
-          </a:p>
-          <a:p>
-            <a:endParaRPr lang="en-US" altLang="zh-CN" dirty="0"/>
-          </a:p>
-          <a:p>
-            <a:endParaRPr lang="en-US" altLang="zh-CN" dirty="0"/>
-          </a:p>
-          <a:p>
-            <a:r>
-              <a:rPr lang="en-US" altLang="zh-CN" dirty="0"/>
-              <a:t>Refactor Domain Model</a:t>
-            </a:r>
-          </a:p>
-          <a:p>
-            <a:r>
-              <a:rPr lang="en-US" altLang="zh-CN" dirty="0"/>
-              <a:t>Refactor Design</a:t>
-            </a:r>
-          </a:p>
-          <a:p>
-            <a:r>
-              <a:rPr lang="en-US" altLang="zh-CN" dirty="0"/>
-              <a:t>Refactor Code</a:t>
-            </a:r>
-          </a:p>
-          <a:p>
-            <a:endParaRPr lang="en-US" altLang="zh-CN" dirty="0"/>
-          </a:p>
-          <a:p>
-            <a:endParaRPr lang="zh-CN" altLang="en-US" dirty="0"/>
-          </a:p>
-        </p:txBody>
-      </p:sp>
-    </p:spTree>
-    <p:extLst>
-      <p:ext uri="{BB962C8B-B14F-4D97-AF65-F5344CB8AC3E}">
-        <p14:creationId xmlns:p14="http://schemas.microsoft.com/office/powerpoint/2010/main" val="3217735404"/>
-      </p:ext>
-    </p:extLst>
-  </p:cSld>
-  <p:clrMapOvr>
-    <a:masterClrMapping/>
-  </p:clrMapOvr>
-</p:sld>
-</file>
-
-<file path=ppt/slides/slide8.xml><?xml version="1.0" encoding="utf-8"?>
-<p:sld xmlns:a="http://schemas.openxmlformats.org/drawingml/2006/main" xmlns:r="http://schemas.openxmlformats.org/officeDocument/2006/relationships" xmlns:p="http://schemas.openxmlformats.org/presentationml/2006/main">
-  <p:cSld>
-    <p:spTree>
-      <p:nvGrpSpPr>
-        <p:cNvPr id="1" name=""/>
-        <p:cNvGrpSpPr/>
-        <p:nvPr/>
-      </p:nvGrpSpPr>
-      <p:grpSpPr>
-        <a:xfrm>
-          <a:off x="0" y="0"/>
-          <a:ext cx="0" cy="0"/>
-          <a:chOff x="0" y="0"/>
-          <a:chExt cx="0" cy="0"/>
-        </a:xfrm>
-      </p:grpSpPr>
-      <p:sp>
-        <p:nvSpPr>
-          <p:cNvPr id="2" name="标题 1">
-            <a:extLst>
-              <a:ext uri="{FF2B5EF4-FFF2-40B4-BE49-F238E27FC236}">
-                <a16:creationId xmlns:a16="http://schemas.microsoft.com/office/drawing/2014/main" id="{10632540-7C5A-439B-BA6C-6E4F750712AD}"/>
-              </a:ext>
-            </a:extLst>
-          </p:cNvPr>
-          <p:cNvSpPr>
-            <a:spLocks noGrp="1"/>
-          </p:cNvSpPr>
-          <p:nvPr>
-            <p:ph type="title"/>
-          </p:nvPr>
-        </p:nvSpPr>
-        <p:spPr/>
-        <p:txBody>
-          <a:bodyPr/>
-          <a:lstStyle/>
-          <a:p>
-            <a:r>
-              <a:rPr lang="en-US" altLang="zh-CN" dirty="0">
-                <a:solidFill>
-                  <a:srgbClr val="FF0000"/>
-                </a:solidFill>
-              </a:rPr>
-              <a:t>Pattern</a:t>
-            </a:r>
-            <a:endParaRPr lang="zh-CN" altLang="en-US" dirty="0">
-              <a:solidFill>
-                <a:srgbClr val="FF0000"/>
-              </a:solidFill>
-            </a:endParaRPr>
-          </a:p>
-        </p:txBody>
-      </p:sp>
-      <p:sp>
-        <p:nvSpPr>
-          <p:cNvPr id="3" name="内容占位符 2">
-            <a:extLst>
-              <a:ext uri="{FF2B5EF4-FFF2-40B4-BE49-F238E27FC236}">
-                <a16:creationId xmlns:a16="http://schemas.microsoft.com/office/drawing/2014/main" id="{575B95E4-FABC-49FA-8971-51963BC6E3D5}"/>
-              </a:ext>
-            </a:extLst>
-          </p:cNvPr>
-          <p:cNvSpPr>
-            <a:spLocks noGrp="1"/>
-          </p:cNvSpPr>
-          <p:nvPr>
-            <p:ph idx="1"/>
-          </p:nvPr>
-        </p:nvSpPr>
-        <p:spPr/>
-        <p:txBody>
-          <a:bodyPr>
-            <a:normAutofit/>
-          </a:bodyPr>
-          <a:lstStyle/>
-          <a:p>
-            <a:r>
-              <a:rPr lang="zh-CN" altLang="en-US" dirty="0"/>
-              <a:t>思想：复用</a:t>
-            </a:r>
-            <a:endParaRPr lang="en-US" altLang="zh-CN" dirty="0"/>
-          </a:p>
-          <a:p>
-            <a:r>
-              <a:rPr lang="en-US" altLang="zh-CN" dirty="0"/>
-              <a:t>GRASP-9</a:t>
-            </a:r>
-          </a:p>
-          <a:p>
-            <a:r>
-              <a:rPr lang="en-US" altLang="zh-CN" dirty="0"/>
-              <a:t>SOLID</a:t>
-            </a:r>
-          </a:p>
-          <a:p>
-            <a:r>
-              <a:rPr lang="en-US" altLang="zh-CN" dirty="0"/>
-              <a:t>POSA</a:t>
-            </a:r>
-          </a:p>
-          <a:p>
-            <a:r>
-              <a:rPr lang="en-US" altLang="zh-CN" dirty="0"/>
-              <a:t>POEAA</a:t>
-            </a:r>
-          </a:p>
-          <a:p>
-            <a:r>
-              <a:rPr lang="en-US" altLang="zh-CN" dirty="0"/>
-              <a:t>J2EE Pattern</a:t>
-            </a:r>
-          </a:p>
-          <a:p>
-            <a:r>
-              <a:rPr lang="en-US" altLang="zh-CN" dirty="0"/>
-              <a:t>OOD:GOF23  </a:t>
-            </a:r>
-          </a:p>
-          <a:p>
-            <a:pPr marL="0" indent="0">
-              <a:buNone/>
-            </a:pPr>
-            <a:endParaRPr lang="en-US" altLang="zh-CN" dirty="0"/>
-          </a:p>
-        </p:txBody>
-      </p:sp>
-    </p:spTree>
-    <p:extLst>
-      <p:ext uri="{BB962C8B-B14F-4D97-AF65-F5344CB8AC3E}">
-        <p14:creationId xmlns:p14="http://schemas.microsoft.com/office/powerpoint/2010/main" val="2230224452"/>
-      </p:ext>
-    </p:extLst>
-  </p:cSld>
-  <p:clrMapOvr>
-    <a:masterClrMapping/>
-  </p:clrMapOvr>
-</p:sld>
-</file>
-
 <file path=ppt/slides/slide9.xml><?xml version="1.0" encoding="utf-8"?>
 <p:sld xmlns:a="http://schemas.openxmlformats.org/drawingml/2006/main" xmlns:r="http://schemas.openxmlformats.org/officeDocument/2006/relationships" xmlns:p="http://schemas.openxmlformats.org/presentationml/2006/main">
   <p:cSld>
@@ -11636,7 +13315,7 @@
           <p:cNvPr id="2" name="标题 1">
             <a:extLst>
               <a:ext uri="{FF2B5EF4-FFF2-40B4-BE49-F238E27FC236}">
-                <a16:creationId xmlns:a16="http://schemas.microsoft.com/office/drawing/2014/main" id="{FE770754-6373-4E8C-A173-C8C716EE1794}"/>
+                <a16:creationId xmlns:a16="http://schemas.microsoft.com/office/drawing/2014/main" id="{8C525EC3-EB9C-4630-AF5C-F6857EC60CB4}"/>
               </a:ext>
             </a:extLst>
           </p:cNvPr>
@@ -11658,7 +13337,7 @@
                   <a:srgbClr val="FF0000"/>
                 </a:solidFill>
               </a:rPr>
-              <a:t>Pattern</a:t>
+              <a:t>CRUD</a:t>
             </a:r>
             <a:r>
               <a:rPr lang="zh-CN" altLang="en-US" dirty="0">
@@ -11674,7 +13353,7 @@
                   <a:srgbClr val="FF0000"/>
                 </a:solidFill>
               </a:rPr>
-              <a:t>1-</a:t>
+              <a:t>2-</a:t>
             </a:r>
             <a:r>
               <a:rPr lang="zh-CN" altLang="en-US" dirty="0">
@@ -11682,8 +13361,21 @@
                   <a:srgbClr val="FF0000"/>
                 </a:solidFill>
               </a:rPr>
-              <a:t>依赖管理</a:t>
-            </a:r>
+              <a:t>如何改代码</a:t>
+            </a:r>
+            <a:r>
+              <a:rPr lang="en-US" altLang="zh-CN" dirty="0">
+                <a:solidFill>
+                  <a:srgbClr val="FF0000"/>
+                </a:solidFill>
+              </a:rPr>
+              <a:t> </a:t>
+            </a:r>
+            <a:endParaRPr lang="zh-CN" altLang="en-US" dirty="0">
+              <a:solidFill>
+                <a:srgbClr val="FF0000"/>
+              </a:solidFill>
+            </a:endParaRPr>
           </a:p>
         </p:txBody>
       </p:sp>
@@ -11692,7 +13384,7 @@
           <p:cNvPr id="3" name="内容占位符 2">
             <a:extLst>
               <a:ext uri="{FF2B5EF4-FFF2-40B4-BE49-F238E27FC236}">
-                <a16:creationId xmlns:a16="http://schemas.microsoft.com/office/drawing/2014/main" id="{89C6BD96-DF02-4844-BEDA-28E01074D7BB}"/>
+                <a16:creationId xmlns:a16="http://schemas.microsoft.com/office/drawing/2014/main" id="{6273A4E6-F5CC-4DD3-AB8F-8D54FF934358}"/>
               </a:ext>
             </a:extLst>
           </p:cNvPr>
@@ -11707,6 +13399,41 @@
         <p:txBody>
           <a:bodyPr/>
           <a:lstStyle/>
+          <a:p>
+            <a:r>
+              <a:rPr lang="en-US" altLang="zh-CN" dirty="0"/>
+              <a:t> </a:t>
+            </a:r>
+            <a:r>
+              <a:rPr lang="zh-CN" altLang="en-US" dirty="0"/>
+              <a:t>修改代码的技术与过程</a:t>
+            </a:r>
+            <a:endParaRPr lang="en-US" altLang="zh-CN" dirty="0"/>
+          </a:p>
+          <a:p>
+            <a:pPr lvl="1"/>
+            <a:r>
+              <a:rPr lang="zh-CN" altLang="en-US" dirty="0"/>
+              <a:t>如何修改</a:t>
+            </a:r>
+            <a:r>
+              <a:rPr lang="en-US" altLang="zh-CN" dirty="0" err="1"/>
+              <a:t>PublicInfo</a:t>
+            </a:r>
+            <a:r>
+              <a:rPr lang="zh-CN" altLang="en-US" dirty="0"/>
+              <a:t>大泥球？</a:t>
+            </a:r>
+            <a:endParaRPr lang="en-US" altLang="zh-CN" dirty="0"/>
+          </a:p>
+          <a:p>
+            <a:pPr lvl="1"/>
+            <a:r>
+              <a:rPr lang="zh-CN" altLang="en-US" dirty="0"/>
+              <a:t>如何改一行代码？</a:t>
+            </a:r>
+            <a:endParaRPr lang="en-US" altLang="zh-CN" dirty="0"/>
+          </a:p>
           <a:p>
             <a:pPr marL="0" indent="0">
               <a:buNone/>
@@ -11716,107 +13443,41 @@
           <a:p>
             <a:r>
               <a:rPr lang="en-US" altLang="zh-CN" dirty="0"/>
-              <a:t>DI</a:t>
-            </a:r>
-            <a:r>
-              <a:rPr lang="zh-CN" altLang="en-US" dirty="0"/>
-              <a:t>，</a:t>
-            </a:r>
-            <a:r>
-              <a:rPr lang="en-US" altLang="zh-CN" dirty="0"/>
-              <a:t>DIP</a:t>
-            </a:r>
-            <a:r>
-              <a:rPr lang="zh-CN" altLang="en-US" dirty="0"/>
-              <a:t>，</a:t>
-            </a:r>
-            <a:r>
-              <a:rPr lang="en-US" altLang="zh-CN" dirty="0"/>
-              <a:t>IOC</a:t>
-            </a:r>
-            <a:r>
-              <a:rPr lang="zh-CN" altLang="en-US" dirty="0"/>
-              <a:t>，依赖注入问题</a:t>
-            </a:r>
-            <a:r>
-              <a:rPr lang="en-US" altLang="zh-CN" dirty="0"/>
-              <a:t>(</a:t>
-            </a:r>
-            <a:r>
-              <a:rPr lang="zh-CN" altLang="en-US" dirty="0"/>
-              <a:t>项目遇到最多，写代码最值得注意的地方</a:t>
-            </a:r>
-            <a:r>
-              <a:rPr lang="en-US" altLang="zh-CN" dirty="0"/>
-              <a:t>)</a:t>
-            </a:r>
-            <a:r>
-              <a:rPr lang="zh-CN" altLang="en-US" dirty="0"/>
-              <a:t>，循环依赖详解，为什么没有关联注入？注入父类？</a:t>
-            </a:r>
-            <a:endParaRPr lang="en-US" altLang="zh-CN" dirty="0"/>
-          </a:p>
-          <a:p>
-            <a:endParaRPr lang="en-US" altLang="zh-CN" dirty="0"/>
-          </a:p>
-          <a:p>
-            <a:r>
-              <a:rPr lang="zh-CN" altLang="en-US" dirty="0"/>
-              <a:t>如何开发基础类库？</a:t>
-            </a:r>
-            <a:r>
-              <a:rPr lang="en-US" altLang="zh-CN" dirty="0"/>
-              <a:t>cache</a:t>
-            </a:r>
-            <a:r>
-              <a:rPr lang="zh-CN" altLang="en-US" dirty="0"/>
-              <a:t>，</a:t>
-            </a:r>
-            <a:r>
-              <a:rPr lang="en-US" altLang="zh-CN" dirty="0" err="1"/>
-              <a:t>mq</a:t>
-            </a:r>
-            <a:r>
-              <a:rPr lang="zh-CN" altLang="en-US" dirty="0"/>
-              <a:t>，</a:t>
-            </a:r>
-            <a:r>
-              <a:rPr lang="en-US" altLang="zh-CN" dirty="0"/>
-              <a:t>service register/discover</a:t>
-            </a:r>
-          </a:p>
-          <a:p>
-            <a:endParaRPr lang="en-US" altLang="zh-CN" dirty="0"/>
-          </a:p>
-          <a:p>
-            <a:r>
-              <a:rPr lang="zh-CN" altLang="en-US" dirty="0"/>
-              <a:t>魔法：</a:t>
-            </a:r>
-            <a:r>
-              <a:rPr lang="en-US" altLang="zh-CN" dirty="0"/>
-              <a:t>Spring</a:t>
-            </a:r>
-            <a:r>
-              <a:rPr lang="zh-CN" altLang="en-US" dirty="0"/>
-              <a:t>一直在调用你的代码</a:t>
-            </a:r>
-            <a:r>
-              <a:rPr lang="en-US" altLang="zh-CN" dirty="0"/>
-              <a:t> -》 </a:t>
-            </a:r>
-            <a:r>
-              <a:rPr lang="en-US" altLang="zh-CN" dirty="0" err="1"/>
-              <a:t>Faas</a:t>
-            </a:r>
-            <a:r>
-              <a:rPr lang="en-US" altLang="zh-CN" dirty="0"/>
-              <a:t>  </a:t>
-            </a:r>
-            <a:r>
-              <a:rPr lang="zh-CN" altLang="en-US" dirty="0"/>
-              <a:t>容器的通用设计</a:t>
-            </a:r>
+              <a:t>Refactor Domain Model</a:t>
+            </a:r>
+          </a:p>
+          <a:p>
+            <a:endParaRPr lang="en-US" altLang="zh-CN" dirty="0"/>
+          </a:p>
+          <a:p>
+            <a:r>
+              <a:rPr lang="en-US" altLang="zh-CN" dirty="0"/>
+              <a:t>Refactor Design</a:t>
+            </a:r>
+          </a:p>
+          <a:p>
+            <a:endParaRPr lang="en-US" altLang="zh-CN" dirty="0"/>
+          </a:p>
+          <a:p>
+            <a:r>
+              <a:rPr lang="en-US" altLang="zh-CN" dirty="0"/>
+              <a:t>Refactor Code</a:t>
+            </a:r>
+            <a:r>
+              <a:rPr lang="zh-CN" altLang="en-US" dirty="0"/>
+              <a:t>（</a:t>
+            </a:r>
+            <a:r>
+              <a:rPr lang="en-US" altLang="zh-CN" dirty="0"/>
+              <a:t>Implement</a:t>
+            </a:r>
+            <a:r>
+              <a:rPr lang="zh-CN" altLang="en-US" dirty="0"/>
+              <a:t>）</a:t>
+            </a:r>
+            <a:endParaRPr lang="en-US" altLang="zh-CN" dirty="0"/>
+          </a:p>
+          <a:p>
             <a:endParaRPr lang="en-US" altLang="zh-CN" dirty="0"/>
           </a:p>
           <a:p>
@@ -11827,7 +13488,7 @@
     </p:spTree>
     <p:extLst>
       <p:ext uri="{BB962C8B-B14F-4D97-AF65-F5344CB8AC3E}">
-        <p14:creationId xmlns:p14="http://schemas.microsoft.com/office/powerpoint/2010/main" val="2879142616"/>
+        <p14:creationId xmlns:p14="http://schemas.microsoft.com/office/powerpoint/2010/main" val="3217735404"/>
       </p:ext>
     </p:extLst>
   </p:cSld>

--- a/prepare/从crud, pattern, ooad到ddd-软件设计启示.pptx
+++ b/prepare/从crud, pattern, ooad到ddd-软件设计启示.pptx
@@ -5,7 +5,7 @@
     <p:sldMasterId id="2147483648" r:id="rId1"/>
   </p:sldMasterIdLst>
   <p:notesMasterIdLst>
-    <p:notesMasterId r:id="rId45"/>
+    <p:notesMasterId r:id="rId46"/>
   </p:notesMasterIdLst>
   <p:sldIdLst>
     <p:sldId id="256" r:id="rId2"/>
@@ -45,12 +45,13 @@
     <p:sldId id="283" r:id="rId36"/>
     <p:sldId id="293" r:id="rId37"/>
     <p:sldId id="266" r:id="rId38"/>
-    <p:sldId id="268" r:id="rId39"/>
-    <p:sldId id="301" r:id="rId40"/>
-    <p:sldId id="270" r:id="rId41"/>
-    <p:sldId id="287" r:id="rId42"/>
-    <p:sldId id="275" r:id="rId43"/>
-    <p:sldId id="272" r:id="rId44"/>
+    <p:sldId id="304" r:id="rId39"/>
+    <p:sldId id="270" r:id="rId40"/>
+    <p:sldId id="287" r:id="rId41"/>
+    <p:sldId id="302" r:id="rId42"/>
+    <p:sldId id="303" r:id="rId43"/>
+    <p:sldId id="275" r:id="rId44"/>
+    <p:sldId id="272" r:id="rId45"/>
   </p:sldIdLst>
   <p:sldSz cx="12192000" cy="6858000"/>
   <p:notesSz cx="6858000" cy="9144000"/>
@@ -157,6 +158,96 @@
 </p:presentation>
 </file>
 
+<file path=ppt/commentAuthors.xml><?xml version="1.0" encoding="utf-8"?>
+<p:cmAuthorLst xmlns:a="http://schemas.openxmlformats.org/drawingml/2006/main" xmlns:r="http://schemas.openxmlformats.org/officeDocument/2006/relationships" xmlns:p="http://schemas.openxmlformats.org/presentationml/2006/main">
+  <p:cmAuthor id="1" name="力 李" initials="力" lastIdx="3" clrIdx="0">
+    <p:extLst>
+      <p:ext uri="{19B8F6BF-5375-455C-9EA6-DF929625EA0E}">
+        <p15:presenceInfo xmlns:p15="http://schemas.microsoft.com/office/powerpoint/2012/main" userId="669145eb77e68af9" providerId="Windows Live"/>
+      </p:ext>
+    </p:extLst>
+  </p:cmAuthor>
+</p:cmAuthorLst>
+</file>
+
+<file path=ppt/ink/ink1.xml><?xml version="1.0" encoding="utf-8"?>
+<inkml:ink xmlns:inkml="http://www.w3.org/2003/InkML">
+  <inkml:definitions>
+    <inkml:context xml:id="ctx0">
+      <inkml:inkSource xml:id="inkSrc0">
+        <inkml:traceFormat>
+          <inkml:channel name="X" type="integer" min="-2.14748E9" max="2.14748E9" units="cm"/>
+          <inkml:channel name="Y" type="integer" min="-2.14748E9" max="2.14748E9" units="cm"/>
+        </inkml:traceFormat>
+        <inkml:channelProperties>
+          <inkml:channelProperty channel="X" name="resolution" value="1000" units="1/cm"/>
+          <inkml:channelProperty channel="Y" name="resolution" value="1000" units="1/cm"/>
+        </inkml:channelProperties>
+      </inkml:inkSource>
+      <inkml:timestamp xml:id="ts0" timeString="2020-10-08T14:24:58.256"/>
+    </inkml:context>
+    <inkml:brush xml:id="br0">
+      <inkml:brushProperty name="width" value="0.05" units="cm"/>
+      <inkml:brushProperty name="height" value="0.05" units="cm"/>
+      <inkml:brushProperty name="ignorePressure" value="1"/>
+    </inkml:brush>
+  </inkml:definitions>
+  <inkml:trace contextRef="#ctx0" brushRef="#br0">1 1</inkml:trace>
+</inkml:ink>
+</file>
+
+<file path=ppt/ink/ink2.xml><?xml version="1.0" encoding="utf-8"?>
+<inkml:ink xmlns:inkml="http://www.w3.org/2003/InkML">
+  <inkml:definitions>
+    <inkml:context xml:id="ctx0">
+      <inkml:inkSource xml:id="inkSrc0">
+        <inkml:traceFormat>
+          <inkml:channel name="X" type="integer" min="-2.14748E9" max="2.14748E9" units="cm"/>
+          <inkml:channel name="Y" type="integer" min="-2.14748E9" max="2.14748E9" units="cm"/>
+        </inkml:traceFormat>
+        <inkml:channelProperties>
+          <inkml:channelProperty channel="X" name="resolution" value="1000" units="1/cm"/>
+          <inkml:channelProperty channel="Y" name="resolution" value="1000" units="1/cm"/>
+        </inkml:channelProperties>
+      </inkml:inkSource>
+      <inkml:timestamp xml:id="ts0" timeString="2020-10-08T14:24:59.406"/>
+    </inkml:context>
+    <inkml:brush xml:id="br0">
+      <inkml:brushProperty name="width" value="0.05" units="cm"/>
+      <inkml:brushProperty name="height" value="0.05" units="cm"/>
+      <inkml:brushProperty name="ignorePressure" value="1"/>
+    </inkml:brush>
+  </inkml:definitions>
+  <inkml:trace contextRef="#ctx0" brushRef="#br0">1 1</inkml:trace>
+</inkml:ink>
+</file>
+
+<file path=ppt/ink/ink3.xml><?xml version="1.0" encoding="utf-8"?>
+<inkml:ink xmlns:inkml="http://www.w3.org/2003/InkML">
+  <inkml:definitions>
+    <inkml:context xml:id="ctx0">
+      <inkml:inkSource xml:id="inkSrc0">
+        <inkml:traceFormat>
+          <inkml:channel name="X" type="integer" min="-2.14748E9" max="2.14748E9" units="cm"/>
+          <inkml:channel name="Y" type="integer" min="-2.14748E9" max="2.14748E9" units="cm"/>
+        </inkml:traceFormat>
+        <inkml:channelProperties>
+          <inkml:channelProperty channel="X" name="resolution" value="1000" units="1/cm"/>
+          <inkml:channelProperty channel="Y" name="resolution" value="1000" units="1/cm"/>
+        </inkml:channelProperties>
+      </inkml:inkSource>
+      <inkml:timestamp xml:id="ts0" timeString="2020-10-08T14:25:00.340"/>
+    </inkml:context>
+    <inkml:brush xml:id="br0">
+      <inkml:brushProperty name="width" value="0.05" units="cm"/>
+      <inkml:brushProperty name="height" value="0.05" units="cm"/>
+      <inkml:brushProperty name="ignorePressure" value="1"/>
+    </inkml:brush>
+  </inkml:definitions>
+  <inkml:trace contextRef="#ctx0" brushRef="#br0">1 0</inkml:trace>
+</inkml:ink>
+</file>
+
 <file path=ppt/notesMasters/notesMaster1.xml><?xml version="1.0" encoding="utf-8"?>
 <p:notesMaster xmlns:a="http://schemas.openxmlformats.org/drawingml/2006/main" xmlns:r="http://schemas.openxmlformats.org/officeDocument/2006/relationships" xmlns:p="http://schemas.openxmlformats.org/presentationml/2006/main">
   <p:cSld>
@@ -239,7 +330,7 @@
           <a:p>
             <a:fld id="{FF62E736-B084-4564-9889-93C7BB0F70F6}" type="datetimeFigureOut">
               <a:rPr lang="zh-CN" altLang="en-US" smtClean="0"/>
-              <a:t>2020/10/7</a:t>
+              <a:t>2020/10/8</a:t>
             </a:fld>
             <a:endParaRPr lang="zh-CN" altLang="en-US"/>
           </a:p>
@@ -1119,6 +1210,93 @@
           <a:lstStyle/>
           <a:p>
             <a:r>
+              <a:rPr lang="zh-CN" altLang="en-US" dirty="0"/>
+              <a:t>线程状态封装在哪里？对应用设计启示，订单状态和订单类分开呢？</a:t>
+            </a:r>
+          </a:p>
+        </p:txBody>
+      </p:sp>
+      <p:sp>
+        <p:nvSpPr>
+          <p:cNvPr id="4" name="灯片编号占位符 3"/>
+          <p:cNvSpPr>
+            <a:spLocks noGrp="1"/>
+          </p:cNvSpPr>
+          <p:nvPr>
+            <p:ph type="sldNum" sz="quarter" idx="5"/>
+          </p:nvPr>
+        </p:nvSpPr>
+        <p:spPr/>
+        <p:txBody>
+          <a:bodyPr/>
+          <a:lstStyle/>
+          <a:p>
+            <a:fld id="{81EB798F-FCE7-4FC5-861E-D54DB0B79715}" type="slidenum">
+              <a:rPr lang="zh-CN" altLang="en-US" smtClean="0"/>
+              <a:t>34</a:t>
+            </a:fld>
+            <a:endParaRPr lang="zh-CN" altLang="en-US"/>
+          </a:p>
+        </p:txBody>
+      </p:sp>
+    </p:spTree>
+    <p:extLst>
+      <p:ext uri="{BB962C8B-B14F-4D97-AF65-F5344CB8AC3E}">
+        <p14:creationId xmlns:p14="http://schemas.microsoft.com/office/powerpoint/2010/main" val="704077147"/>
+      </p:ext>
+    </p:extLst>
+  </p:cSld>
+  <p:clrMapOvr>
+    <a:masterClrMapping/>
+  </p:clrMapOvr>
+</p:notes>
+</file>
+
+<file path=ppt/notesSlides/notesSlide15.xml><?xml version="1.0" encoding="utf-8"?>
+<p:notes xmlns:a="http://schemas.openxmlformats.org/drawingml/2006/main" xmlns:r="http://schemas.openxmlformats.org/officeDocument/2006/relationships" xmlns:p="http://schemas.openxmlformats.org/presentationml/2006/main">
+  <p:cSld>
+    <p:spTree>
+      <p:nvGrpSpPr>
+        <p:cNvPr id="1" name=""/>
+        <p:cNvGrpSpPr/>
+        <p:nvPr/>
+      </p:nvGrpSpPr>
+      <p:grpSpPr>
+        <a:xfrm>
+          <a:off x="0" y="0"/>
+          <a:ext cx="0" cy="0"/>
+          <a:chOff x="0" y="0"/>
+          <a:chExt cx="0" cy="0"/>
+        </a:xfrm>
+      </p:grpSpPr>
+      <p:sp>
+        <p:nvSpPr>
+          <p:cNvPr id="2" name="幻灯片图像占位符 1"/>
+          <p:cNvSpPr>
+            <a:spLocks noGrp="1" noRot="1" noChangeAspect="1"/>
+          </p:cNvSpPr>
+          <p:nvPr>
+            <p:ph type="sldImg"/>
+          </p:nvPr>
+        </p:nvSpPr>
+        <p:spPr/>
+      </p:sp>
+      <p:sp>
+        <p:nvSpPr>
+          <p:cNvPr id="3" name="备注占位符 2"/>
+          <p:cNvSpPr>
+            <a:spLocks noGrp="1"/>
+          </p:cNvSpPr>
+          <p:nvPr>
+            <p:ph type="body" idx="1"/>
+          </p:nvPr>
+        </p:nvSpPr>
+        <p:spPr/>
+        <p:txBody>
+          <a:bodyPr/>
+          <a:lstStyle/>
+          <a:p>
+            <a:r>
               <a:rPr lang="en-US" altLang="zh-CN">
                 <a:hlinkClick r:id="rId3"/>
               </a:rPr>
@@ -1155,6 +1333,477 @@
     <p:extLst>
       <p:ext uri="{BB962C8B-B14F-4D97-AF65-F5344CB8AC3E}">
         <p14:creationId xmlns:p14="http://schemas.microsoft.com/office/powerpoint/2010/main" val="1347487726"/>
+      </p:ext>
+    </p:extLst>
+  </p:cSld>
+  <p:clrMapOvr>
+    <a:masterClrMapping/>
+  </p:clrMapOvr>
+</p:notes>
+</file>
+
+<file path=ppt/notesSlides/notesSlide16.xml><?xml version="1.0" encoding="utf-8"?>
+<p:notes xmlns:a="http://schemas.openxmlformats.org/drawingml/2006/main" xmlns:r="http://schemas.openxmlformats.org/officeDocument/2006/relationships" xmlns:p="http://schemas.openxmlformats.org/presentationml/2006/main">
+  <p:cSld>
+    <p:spTree>
+      <p:nvGrpSpPr>
+        <p:cNvPr id="1" name=""/>
+        <p:cNvGrpSpPr/>
+        <p:nvPr/>
+      </p:nvGrpSpPr>
+      <p:grpSpPr>
+        <a:xfrm>
+          <a:off x="0" y="0"/>
+          <a:ext cx="0" cy="0"/>
+          <a:chOff x="0" y="0"/>
+          <a:chExt cx="0" cy="0"/>
+        </a:xfrm>
+      </p:grpSpPr>
+      <p:sp>
+        <p:nvSpPr>
+          <p:cNvPr id="2" name="幻灯片图像占位符 1"/>
+          <p:cNvSpPr>
+            <a:spLocks noGrp="1" noRot="1" noChangeAspect="1"/>
+          </p:cNvSpPr>
+          <p:nvPr>
+            <p:ph type="sldImg"/>
+          </p:nvPr>
+        </p:nvSpPr>
+        <p:spPr/>
+      </p:sp>
+      <p:sp>
+        <p:nvSpPr>
+          <p:cNvPr id="3" name="备注占位符 2"/>
+          <p:cNvSpPr>
+            <a:spLocks noGrp="1"/>
+          </p:cNvSpPr>
+          <p:nvPr>
+            <p:ph type="body" idx="1"/>
+          </p:nvPr>
+        </p:nvSpPr>
+        <p:spPr/>
+        <p:txBody>
+          <a:bodyPr/>
+          <a:lstStyle/>
+          <a:p>
+            <a:r>
+              <a:rPr lang="zh-CN" altLang="en-US" dirty="0"/>
+              <a:t>现在</a:t>
+            </a:r>
+            <a:r>
+              <a:rPr lang="en-US" altLang="zh-CN" dirty="0" err="1"/>
+              <a:t>ThreadLocal</a:t>
+            </a:r>
+            <a:r>
+              <a:rPr lang="zh-CN" altLang="en-US" dirty="0"/>
+              <a:t>是泛型了， </a:t>
+            </a:r>
+            <a:r>
+              <a:rPr lang="en-US" altLang="zh-CN" dirty="0" err="1">
+                <a:solidFill>
+                  <a:srgbClr val="000000"/>
+                </a:solidFill>
+                <a:effectLst/>
+              </a:rPr>
+              <a:t>ThreadLocal</a:t>
+            </a:r>
+            <a:r>
+              <a:rPr lang="en-US" altLang="zh-CN" dirty="0"/>
+              <a:t>&lt;</a:t>
+            </a:r>
+            <a:r>
+              <a:rPr lang="en-US" altLang="zh-CN" dirty="0">
+                <a:solidFill>
+                  <a:srgbClr val="007E8A"/>
+                </a:solidFill>
+                <a:effectLst/>
+              </a:rPr>
+              <a:t>T</a:t>
+            </a:r>
+            <a:r>
+              <a:rPr lang="en-US" altLang="zh-CN" dirty="0"/>
+              <a:t>&gt;  </a:t>
+            </a:r>
+            <a:r>
+              <a:rPr lang="en-US" altLang="zh-CN" dirty="0">
+                <a:solidFill>
+                  <a:srgbClr val="0033B3"/>
+                </a:solidFill>
+                <a:effectLst/>
+              </a:rPr>
+              <a:t>public void </a:t>
+            </a:r>
+            <a:r>
+              <a:rPr lang="en-US" altLang="zh-CN" dirty="0">
+                <a:solidFill>
+                  <a:srgbClr val="00627A"/>
+                </a:solidFill>
+                <a:effectLst/>
+              </a:rPr>
+              <a:t>set</a:t>
+            </a:r>
+            <a:r>
+              <a:rPr lang="en-US" altLang="zh-CN" dirty="0"/>
+              <a:t>(</a:t>
+            </a:r>
+            <a:r>
+              <a:rPr lang="en-US" altLang="zh-CN" dirty="0">
+                <a:solidFill>
+                  <a:srgbClr val="007E8A"/>
+                </a:solidFill>
+                <a:effectLst/>
+              </a:rPr>
+              <a:t>T </a:t>
+            </a:r>
+            <a:r>
+              <a:rPr lang="en-US" altLang="zh-CN" dirty="0"/>
+              <a:t>value) </a:t>
+            </a:r>
+            <a:r>
+              <a:rPr lang="en-US" altLang="zh-CN" dirty="0">
+                <a:solidFill>
+                  <a:srgbClr val="0033B3"/>
+                </a:solidFill>
+                <a:effectLst/>
+              </a:rPr>
+              <a:t>public </a:t>
+            </a:r>
+            <a:r>
+              <a:rPr lang="en-US" altLang="zh-CN" dirty="0">
+                <a:solidFill>
+                  <a:srgbClr val="007E8A"/>
+                </a:solidFill>
+                <a:effectLst/>
+              </a:rPr>
+              <a:t>T </a:t>
+            </a:r>
+            <a:r>
+              <a:rPr lang="en-US" altLang="zh-CN" dirty="0">
+                <a:solidFill>
+                  <a:srgbClr val="00627A"/>
+                </a:solidFill>
+                <a:effectLst/>
+              </a:rPr>
+              <a:t>get</a:t>
+            </a:r>
+            <a:r>
+              <a:rPr lang="en-US" altLang="zh-CN" dirty="0"/>
+              <a:t>() </a:t>
+            </a:r>
+            <a:r>
+              <a:rPr lang="zh-CN" altLang="en-US" dirty="0"/>
+              <a:t>；</a:t>
+            </a:r>
+            <a:endParaRPr lang="en-US" altLang="zh-CN" dirty="0"/>
+          </a:p>
+        </p:txBody>
+      </p:sp>
+      <p:sp>
+        <p:nvSpPr>
+          <p:cNvPr id="4" name="灯片编号占位符 3"/>
+          <p:cNvSpPr>
+            <a:spLocks noGrp="1"/>
+          </p:cNvSpPr>
+          <p:nvPr>
+            <p:ph type="sldNum" sz="quarter" idx="5"/>
+          </p:nvPr>
+        </p:nvSpPr>
+        <p:spPr/>
+        <p:txBody>
+          <a:bodyPr/>
+          <a:lstStyle/>
+          <a:p>
+            <a:fld id="{81EB798F-FCE7-4FC5-861E-D54DB0B79715}" type="slidenum">
+              <a:rPr lang="zh-CN" altLang="en-US" smtClean="0"/>
+              <a:t>37</a:t>
+            </a:fld>
+            <a:endParaRPr lang="zh-CN" altLang="en-US"/>
+          </a:p>
+        </p:txBody>
+      </p:sp>
+    </p:spTree>
+    <p:extLst>
+      <p:ext uri="{BB962C8B-B14F-4D97-AF65-F5344CB8AC3E}">
+        <p14:creationId xmlns:p14="http://schemas.microsoft.com/office/powerpoint/2010/main" val="4017787778"/>
+      </p:ext>
+    </p:extLst>
+  </p:cSld>
+  <p:clrMapOvr>
+    <a:masterClrMapping/>
+  </p:clrMapOvr>
+</p:notes>
+</file>
+
+<file path=ppt/notesSlides/notesSlide17.xml><?xml version="1.0" encoding="utf-8"?>
+<p:notes xmlns:a="http://schemas.openxmlformats.org/drawingml/2006/main" xmlns:r="http://schemas.openxmlformats.org/officeDocument/2006/relationships" xmlns:p="http://schemas.openxmlformats.org/presentationml/2006/main">
+  <p:cSld>
+    <p:spTree>
+      <p:nvGrpSpPr>
+        <p:cNvPr id="1" name=""/>
+        <p:cNvGrpSpPr/>
+        <p:nvPr/>
+      </p:nvGrpSpPr>
+      <p:grpSpPr>
+        <a:xfrm>
+          <a:off x="0" y="0"/>
+          <a:ext cx="0" cy="0"/>
+          <a:chOff x="0" y="0"/>
+          <a:chExt cx="0" cy="0"/>
+        </a:xfrm>
+      </p:grpSpPr>
+      <p:sp>
+        <p:nvSpPr>
+          <p:cNvPr id="2" name="幻灯片图像占位符 1"/>
+          <p:cNvSpPr>
+            <a:spLocks noGrp="1" noRot="1" noChangeAspect="1"/>
+          </p:cNvSpPr>
+          <p:nvPr>
+            <p:ph type="sldImg"/>
+          </p:nvPr>
+        </p:nvSpPr>
+        <p:spPr/>
+      </p:sp>
+      <p:sp>
+        <p:nvSpPr>
+          <p:cNvPr id="3" name="备注占位符 2"/>
+          <p:cNvSpPr>
+            <a:spLocks noGrp="1"/>
+          </p:cNvSpPr>
+          <p:nvPr>
+            <p:ph type="body" idx="1"/>
+          </p:nvPr>
+        </p:nvSpPr>
+        <p:spPr/>
+        <p:txBody>
+          <a:bodyPr/>
+          <a:lstStyle/>
+          <a:p>
+            <a:r>
+              <a:rPr lang="en-US" altLang="zh-CN" dirty="0"/>
+              <a:t>API</a:t>
+            </a:r>
+            <a:r>
+              <a:rPr lang="zh-CN" altLang="en-US" dirty="0"/>
+              <a:t>设计要厚，不要浅，</a:t>
+            </a:r>
+            <a:r>
+              <a:rPr lang="en-US" altLang="zh-CN" dirty="0" err="1"/>
+              <a:t>com.chainup.exchange.service.PublicService#getPublicInfo</a:t>
+            </a:r>
+            <a:r>
+              <a:rPr lang="en-US" altLang="zh-CN" dirty="0"/>
+              <a:t>  </a:t>
+            </a:r>
+            <a:r>
+              <a:rPr lang="zh-CN" altLang="en-US" dirty="0"/>
+              <a:t>参考 </a:t>
+            </a:r>
+            <a:r>
+              <a:rPr lang="en-US" altLang="zh-CN" dirty="0"/>
+              <a:t>Unix file I/O</a:t>
+            </a:r>
+          </a:p>
+          <a:p>
+            <a:pPr algn="l"/>
+            <a:r>
+              <a:rPr lang="en-US" altLang="zh-CN" dirty="0"/>
+              <a:t>Josh Bloch</a:t>
+            </a:r>
+            <a:r>
+              <a:rPr lang="zh-CN" altLang="en-US" dirty="0"/>
+              <a:t>：</a:t>
+            </a:r>
+            <a:r>
+              <a:rPr lang="en-US" altLang="zh-CN" b="0" i="0" dirty="0">
+                <a:effectLst/>
+                <a:latin typeface="Roboto" panose="02000000000000000000" pitchFamily="2" charset="0"/>
+              </a:rPr>
+              <a:t>Effective Java, Third Edition - </a:t>
+            </a:r>
+            <a:r>
+              <a:rPr lang="en-US" altLang="zh-CN" b="0" i="0" dirty="0" err="1">
+                <a:effectLst/>
+                <a:latin typeface="Roboto" panose="02000000000000000000" pitchFamily="2" charset="0"/>
+              </a:rPr>
+              <a:t>Keepin</a:t>
+            </a:r>
+            <a:r>
+              <a:rPr lang="en-US" altLang="zh-CN" b="0" i="0" dirty="0">
+                <a:effectLst/>
+                <a:latin typeface="Roboto" panose="02000000000000000000" pitchFamily="2" charset="0"/>
+              </a:rPr>
+              <a:t>' it Effective(</a:t>
+            </a:r>
+            <a:r>
+              <a:rPr lang="en-US" altLang="zh-CN" dirty="0">
+                <a:hlinkClick r:id="rId3"/>
+              </a:rPr>
+              <a:t>https://www.youtube.com/watch?v=7qXfoZIqi2Q</a:t>
+            </a:r>
+            <a:r>
+              <a:rPr lang="en-US" altLang="zh-CN" b="0" i="0" dirty="0">
+                <a:effectLst/>
+                <a:latin typeface="Roboto" panose="02000000000000000000" pitchFamily="2" charset="0"/>
+              </a:rPr>
+              <a:t>)</a:t>
+            </a:r>
+            <a:endParaRPr lang="en-US" altLang="zh-CN" dirty="0"/>
+          </a:p>
+          <a:p>
+            <a:r>
+              <a:rPr lang="en-US" altLang="zh-CN" dirty="0"/>
+              <a:t>Josh Bloch</a:t>
+            </a:r>
+            <a:r>
+              <a:rPr lang="zh-CN" altLang="en-US" dirty="0"/>
+              <a:t>：</a:t>
+            </a:r>
+            <a:r>
+              <a:rPr lang="en-US" altLang="zh-CN" dirty="0"/>
+              <a:t>A Brief, Opinionated History of the API</a:t>
+            </a:r>
+            <a:r>
+              <a:rPr lang="zh-CN" altLang="en-US" dirty="0"/>
+              <a:t>（</a:t>
+            </a:r>
+            <a:r>
+              <a:rPr lang="en-US" altLang="zh-CN" dirty="0">
+                <a:hlinkClick r:id="rId4"/>
+              </a:rPr>
+              <a:t>https://www.youtube.com/watch?v=ege-kub1qtk</a:t>
+            </a:r>
+            <a:r>
+              <a:rPr lang="zh-CN" altLang="en-US" dirty="0"/>
+              <a:t>）</a:t>
+            </a:r>
+            <a:endParaRPr lang="en-US" altLang="zh-CN" dirty="0"/>
+          </a:p>
+          <a:p>
+            <a:pPr algn="l"/>
+            <a:r>
+              <a:rPr lang="en-US" altLang="zh-CN" dirty="0"/>
+              <a:t>Josh Bloch</a:t>
+            </a:r>
+            <a:r>
+              <a:rPr lang="zh-CN" altLang="en-US" dirty="0">
+                <a:sym typeface="Wingdings" panose="05000000000000000000" pitchFamily="2" charset="2"/>
+              </a:rPr>
+              <a:t>：</a:t>
+            </a:r>
+            <a:r>
+              <a:rPr lang="en-US" altLang="zh-CN" b="0" i="0" dirty="0">
+                <a:effectLst/>
+                <a:latin typeface="Roboto" panose="02000000000000000000" pitchFamily="2" charset="0"/>
+              </a:rPr>
+              <a:t>How To Design A Good API and Why it Matters</a:t>
+            </a:r>
+            <a:r>
+              <a:rPr lang="zh-CN" altLang="en-US" dirty="0">
+                <a:sym typeface="Wingdings" panose="05000000000000000000" pitchFamily="2" charset="2"/>
+              </a:rPr>
+              <a:t>（</a:t>
+            </a:r>
+            <a:r>
+              <a:rPr lang="en-US" altLang="zh-CN" dirty="0">
+                <a:hlinkClick r:id="rId5"/>
+              </a:rPr>
+              <a:t>https://www.youtube.com/watch?v=heh4OeB9A-c&amp;t=2713s</a:t>
+            </a:r>
+            <a:r>
+              <a:rPr lang="zh-CN" altLang="en-US" dirty="0">
+                <a:sym typeface="Wingdings" panose="05000000000000000000" pitchFamily="2" charset="2"/>
+              </a:rPr>
+              <a:t>）</a:t>
+            </a:r>
+            <a:endParaRPr lang="en-US" altLang="zh-CN" b="0" i="0" u="sng" dirty="0">
+              <a:solidFill>
+                <a:srgbClr val="660099"/>
+              </a:solidFill>
+              <a:effectLst/>
+              <a:latin typeface="arial" panose="020B0604020202020204" pitchFamily="34" charset="0"/>
+              <a:hlinkClick r:id="rId6"/>
+            </a:endParaRPr>
+          </a:p>
+          <a:p>
+            <a:pPr algn="l"/>
+            <a:r>
+              <a:rPr lang="en-US" altLang="zh-CN" b="0" i="0" dirty="0">
+                <a:effectLst/>
+                <a:latin typeface="Roboto" panose="02000000000000000000" pitchFamily="2" charset="0"/>
+              </a:rPr>
+              <a:t>John </a:t>
+            </a:r>
+            <a:r>
+              <a:rPr lang="en-US" altLang="zh-CN" b="0" i="0" dirty="0" err="1">
+                <a:effectLst/>
+                <a:latin typeface="Roboto" panose="02000000000000000000" pitchFamily="2" charset="0"/>
+              </a:rPr>
+              <a:t>Ousterhout</a:t>
+            </a:r>
+            <a:r>
+              <a:rPr lang="en-US" altLang="zh-CN" b="0" i="0" dirty="0">
+                <a:effectLst/>
+                <a:latin typeface="Roboto" panose="02000000000000000000" pitchFamily="2" charset="0"/>
+              </a:rPr>
+              <a:t> </a:t>
+            </a:r>
+            <a:r>
+              <a:rPr lang="zh-CN" altLang="en-US" b="0" i="0" dirty="0">
+                <a:effectLst/>
+                <a:latin typeface="Roboto" panose="02000000000000000000" pitchFamily="2" charset="0"/>
+              </a:rPr>
+              <a:t>：</a:t>
+            </a:r>
+            <a:r>
+              <a:rPr lang="en-US" altLang="zh-CN" b="0" i="0" dirty="0">
+                <a:effectLst/>
+                <a:latin typeface="Roboto" panose="02000000000000000000" pitchFamily="2" charset="0"/>
+              </a:rPr>
+              <a:t>A Philosophy of Software Design  Talks at Google (</a:t>
+            </a:r>
+            <a:r>
+              <a:rPr lang="en-US" altLang="zh-CN" dirty="0">
+                <a:hlinkClick r:id="rId7"/>
+              </a:rPr>
+              <a:t>https://www.youtube.com/watch?reload=9&amp;v=bmSAYlu0NcY</a:t>
+            </a:r>
+            <a:r>
+              <a:rPr lang="en-US" altLang="zh-CN" b="0" i="0" dirty="0">
+                <a:effectLst/>
+                <a:latin typeface="Roboto" panose="02000000000000000000" pitchFamily="2" charset="0"/>
+              </a:rPr>
+              <a:t>)</a:t>
+            </a:r>
+          </a:p>
+        </p:txBody>
+      </p:sp>
+      <p:sp>
+        <p:nvSpPr>
+          <p:cNvPr id="4" name="灯片编号占位符 3"/>
+          <p:cNvSpPr>
+            <a:spLocks noGrp="1"/>
+          </p:cNvSpPr>
+          <p:nvPr>
+            <p:ph type="sldNum" sz="quarter" idx="5"/>
+          </p:nvPr>
+        </p:nvSpPr>
+        <p:spPr/>
+        <p:txBody>
+          <a:bodyPr/>
+          <a:lstStyle/>
+          <a:p>
+            <a:fld id="{81EB798F-FCE7-4FC5-861E-D54DB0B79715}" type="slidenum">
+              <a:rPr lang="zh-CN" altLang="en-US" smtClean="0"/>
+              <a:t>38</a:t>
+            </a:fld>
+            <a:endParaRPr lang="zh-CN" altLang="en-US"/>
+          </a:p>
+        </p:txBody>
+      </p:sp>
+    </p:spTree>
+    <p:extLst>
+      <p:ext uri="{BB962C8B-B14F-4D97-AF65-F5344CB8AC3E}">
+        <p14:creationId xmlns:p14="http://schemas.microsoft.com/office/powerpoint/2010/main" val="1786884132"/>
       </p:ext>
     </p:extLst>
   </p:cSld>
@@ -2384,7 +3033,7 @@
           <a:p>
             <a:fld id="{1398570D-3A48-4B43-9C1E-4ADCDDDFDFEA}" type="datetimeFigureOut">
               <a:rPr lang="zh-CN" altLang="en-US" smtClean="0"/>
-              <a:t>2020/10/7</a:t>
+              <a:t>2020/10/8</a:t>
             </a:fld>
             <a:endParaRPr lang="zh-CN" altLang="en-US"/>
           </a:p>
@@ -2582,7 +3231,7 @@
           <a:p>
             <a:fld id="{1398570D-3A48-4B43-9C1E-4ADCDDDFDFEA}" type="datetimeFigureOut">
               <a:rPr lang="zh-CN" altLang="en-US" smtClean="0"/>
-              <a:t>2020/10/7</a:t>
+              <a:t>2020/10/8</a:t>
             </a:fld>
             <a:endParaRPr lang="zh-CN" altLang="en-US"/>
           </a:p>
@@ -2790,7 +3439,7 @@
           <a:p>
             <a:fld id="{1398570D-3A48-4B43-9C1E-4ADCDDDFDFEA}" type="datetimeFigureOut">
               <a:rPr lang="zh-CN" altLang="en-US" smtClean="0"/>
-              <a:t>2020/10/7</a:t>
+              <a:t>2020/10/8</a:t>
             </a:fld>
             <a:endParaRPr lang="zh-CN" altLang="en-US"/>
           </a:p>
@@ -2988,7 +3637,7 @@
           <a:p>
             <a:fld id="{1398570D-3A48-4B43-9C1E-4ADCDDDFDFEA}" type="datetimeFigureOut">
               <a:rPr lang="zh-CN" altLang="en-US" smtClean="0"/>
-              <a:t>2020/10/7</a:t>
+              <a:t>2020/10/8</a:t>
             </a:fld>
             <a:endParaRPr lang="zh-CN" altLang="en-US"/>
           </a:p>
@@ -3263,7 +3912,7 @@
           <a:p>
             <a:fld id="{1398570D-3A48-4B43-9C1E-4ADCDDDFDFEA}" type="datetimeFigureOut">
               <a:rPr lang="zh-CN" altLang="en-US" smtClean="0"/>
-              <a:t>2020/10/7</a:t>
+              <a:t>2020/10/8</a:t>
             </a:fld>
             <a:endParaRPr lang="zh-CN" altLang="en-US"/>
           </a:p>
@@ -3528,7 +4177,7 @@
           <a:p>
             <a:fld id="{1398570D-3A48-4B43-9C1E-4ADCDDDFDFEA}" type="datetimeFigureOut">
               <a:rPr lang="zh-CN" altLang="en-US" smtClean="0"/>
-              <a:t>2020/10/7</a:t>
+              <a:t>2020/10/8</a:t>
             </a:fld>
             <a:endParaRPr lang="zh-CN" altLang="en-US"/>
           </a:p>
@@ -3940,7 +4589,7 @@
           <a:p>
             <a:fld id="{1398570D-3A48-4B43-9C1E-4ADCDDDFDFEA}" type="datetimeFigureOut">
               <a:rPr lang="zh-CN" altLang="en-US" smtClean="0"/>
-              <a:t>2020/10/7</a:t>
+              <a:t>2020/10/8</a:t>
             </a:fld>
             <a:endParaRPr lang="zh-CN" altLang="en-US"/>
           </a:p>
@@ -4081,7 +4730,7 @@
           <a:p>
             <a:fld id="{1398570D-3A48-4B43-9C1E-4ADCDDDFDFEA}" type="datetimeFigureOut">
               <a:rPr lang="zh-CN" altLang="en-US" smtClean="0"/>
-              <a:t>2020/10/7</a:t>
+              <a:t>2020/10/8</a:t>
             </a:fld>
             <a:endParaRPr lang="zh-CN" altLang="en-US"/>
           </a:p>
@@ -4194,7 +4843,7 @@
           <a:p>
             <a:fld id="{1398570D-3A48-4B43-9C1E-4ADCDDDFDFEA}" type="datetimeFigureOut">
               <a:rPr lang="zh-CN" altLang="en-US" smtClean="0"/>
-              <a:t>2020/10/7</a:t>
+              <a:t>2020/10/8</a:t>
             </a:fld>
             <a:endParaRPr lang="zh-CN" altLang="en-US"/>
           </a:p>
@@ -4505,7 +5154,7 @@
           <a:p>
             <a:fld id="{1398570D-3A48-4B43-9C1E-4ADCDDDFDFEA}" type="datetimeFigureOut">
               <a:rPr lang="zh-CN" altLang="en-US" smtClean="0"/>
-              <a:t>2020/10/7</a:t>
+              <a:t>2020/10/8</a:t>
             </a:fld>
             <a:endParaRPr lang="zh-CN" altLang="en-US"/>
           </a:p>
@@ -4793,7 +5442,7 @@
           <a:p>
             <a:fld id="{1398570D-3A48-4B43-9C1E-4ADCDDDFDFEA}" type="datetimeFigureOut">
               <a:rPr lang="zh-CN" altLang="en-US" smtClean="0"/>
-              <a:t>2020/10/7</a:t>
+              <a:t>2020/10/8</a:t>
             </a:fld>
             <a:endParaRPr lang="zh-CN" altLang="en-US"/>
           </a:p>
@@ -5034,7 +5683,7 @@
           <a:p>
             <a:fld id="{1398570D-3A48-4B43-9C1E-4ADCDDDFDFEA}" type="datetimeFigureOut">
               <a:rPr lang="zh-CN" altLang="en-US" smtClean="0"/>
-              <a:t>2020/10/7</a:t>
+              <a:t>2020/10/8</a:t>
             </a:fld>
             <a:endParaRPr lang="zh-CN" altLang="en-US"/>
           </a:p>
@@ -6352,6 +7001,14 @@
           <a:p>
             <a:pPr lvl="1"/>
             <a:r>
+              <a:rPr lang="en-US" altLang="zh-CN" sz="2400" dirty="0" err="1"/>
+              <a:t>Fianace</a:t>
+            </a:r>
+            <a:r>
+              <a:rPr lang="zh-CN" altLang="en-US" dirty="0"/>
+              <a:t>：</a:t>
+            </a:r>
+            <a:r>
               <a:rPr lang="zh-CN" altLang="en-US" sz="2400" dirty="0"/>
               <a:t>加密机创建是单例，调用加密机和</a:t>
             </a:r>
@@ -6369,27 +7026,7 @@
             </a:r>
             <a:r>
               <a:rPr lang="zh-CN" altLang="en-US" sz="2400" dirty="0"/>
-              <a:t>，并不是封一层</a:t>
-            </a:r>
-            <a:endParaRPr lang="en-US" altLang="zh-CN" sz="2400" dirty="0"/>
-          </a:p>
-          <a:p>
-            <a:pPr lvl="1"/>
-            <a:r>
-              <a:rPr lang="zh-CN" altLang="en-US" sz="2400" dirty="0"/>
-              <a:t>口诀：</a:t>
-            </a:r>
-            <a:endParaRPr lang="en-US" altLang="zh-CN" sz="2400" dirty="0"/>
-          </a:p>
-          <a:p>
-            <a:pPr lvl="1"/>
-            <a:r>
-              <a:rPr lang="en-US" altLang="zh-CN" sz="2400" dirty="0"/>
-              <a:t>23</a:t>
-            </a:r>
-            <a:r>
-              <a:rPr lang="zh-CN" altLang="en-US" sz="2400" dirty="0"/>
-              <a:t>种设计模式使用场景全部背下来，别去理解。</a:t>
+              <a:t>，并不是封一层，对比私有化代码</a:t>
             </a:r>
             <a:endParaRPr lang="en-US" altLang="zh-CN" sz="2400" dirty="0"/>
           </a:p>
@@ -9264,7 +9901,7 @@
           <a:p>
             <a:r>
               <a:rPr lang="zh-CN" altLang="en-US" dirty="0"/>
-              <a:t>重新认识</a:t>
+              <a:t>新角度认识</a:t>
             </a:r>
             <a:r>
               <a:rPr lang="en-US" altLang="zh-CN" dirty="0" err="1"/>
@@ -9810,8 +10447,13 @@
             </a:r>
             <a:r>
               <a:rPr lang="zh-CN" altLang="en-US" sz="4800" dirty="0"/>
-              <a:t>设计杂谈</a:t>
-            </a:r>
+              <a:t>设计综合趣谈</a:t>
+            </a:r>
+            <a:endParaRPr lang="en-US" altLang="zh-CN" sz="4800" dirty="0"/>
+          </a:p>
+          <a:p>
+            <a:pPr algn="ctr"/>
+            <a:endParaRPr lang="zh-CN" altLang="en-US" sz="4800" dirty="0"/>
           </a:p>
         </p:txBody>
       </p:sp>
@@ -10365,7 +11007,9 @@
         </p:nvSpPr>
         <p:spPr/>
         <p:txBody>
-          <a:bodyPr/>
+          <a:bodyPr>
+            <a:normAutofit/>
+          </a:bodyPr>
           <a:lstStyle/>
           <a:p>
             <a:r>
@@ -10378,25 +11022,290 @@
             <a:endParaRPr lang="en-US" altLang="zh-CN" dirty="0"/>
           </a:p>
           <a:p>
-            <a:endParaRPr lang="en-US" altLang="zh-CN" dirty="0"/>
-          </a:p>
-          <a:p>
-            <a:r>
-              <a:rPr lang="en-US" altLang="zh-CN" dirty="0" err="1"/>
-              <a:t>GuavaCache</a:t>
-            </a:r>
-            <a:endParaRPr lang="en-US" altLang="zh-CN" dirty="0"/>
-          </a:p>
-          <a:p>
-            <a:pPr lvl="1"/>
-            <a:r>
-              <a:rPr lang="en-US" altLang="zh-CN" dirty="0"/>
-              <a:t>map</a:t>
-            </a:r>
-            <a:endParaRPr lang="zh-CN" altLang="en-US" dirty="0"/>
-          </a:p>
-        </p:txBody>
-      </p:sp>
+            <a:pPr marL="0" indent="0">
+              <a:buNone/>
+            </a:pPr>
+            <a:endParaRPr lang="en-US" altLang="zh-CN" dirty="0"/>
+          </a:p>
+        </p:txBody>
+      </p:sp>
+      <p:pic>
+        <p:nvPicPr>
+          <p:cNvPr id="9" name="图片 8">
+            <a:extLst>
+              <a:ext uri="{FF2B5EF4-FFF2-40B4-BE49-F238E27FC236}">
+                <a16:creationId xmlns:a16="http://schemas.microsoft.com/office/drawing/2014/main" id="{A7752492-C45D-4D75-9332-0B6CAA068B11}"/>
+              </a:ext>
+            </a:extLst>
+          </p:cNvPr>
+          <p:cNvPicPr>
+            <a:picLocks noChangeAspect="1"/>
+          </p:cNvPicPr>
+          <p:nvPr/>
+        </p:nvPicPr>
+        <p:blipFill>
+          <a:blip r:embed="rId3"/>
+          <a:stretch>
+            <a:fillRect/>
+          </a:stretch>
+        </p:blipFill>
+        <p:spPr>
+          <a:xfrm>
+            <a:off x="4357894" y="465058"/>
+            <a:ext cx="5981700" cy="2533650"/>
+          </a:xfrm>
+          <a:prstGeom prst="rect">
+            <a:avLst/>
+          </a:prstGeom>
+          <a:blipFill>
+            <a:blip r:embed="rId4"/>
+            <a:tile tx="0" ty="0" sx="100000" sy="100000" flip="none" algn="tl"/>
+          </a:blipFill>
+        </p:spPr>
+      </p:pic>
+      <p:pic>
+        <p:nvPicPr>
+          <p:cNvPr id="11" name="图片 10">
+            <a:extLst>
+              <a:ext uri="{FF2B5EF4-FFF2-40B4-BE49-F238E27FC236}">
+                <a16:creationId xmlns:a16="http://schemas.microsoft.com/office/drawing/2014/main" id="{BC8E26F7-F5F0-4C7B-A543-4A7B15A8F80A}"/>
+              </a:ext>
+            </a:extLst>
+          </p:cNvPr>
+          <p:cNvPicPr>
+            <a:picLocks noChangeAspect="1"/>
+          </p:cNvPicPr>
+          <p:nvPr/>
+        </p:nvPicPr>
+        <p:blipFill>
+          <a:blip r:embed="rId5"/>
+          <a:stretch>
+            <a:fillRect/>
+          </a:stretch>
+        </p:blipFill>
+        <p:spPr>
+          <a:xfrm>
+            <a:off x="-86339" y="3429000"/>
+            <a:ext cx="5489299" cy="3162300"/>
+          </a:xfrm>
+          <a:prstGeom prst="rect">
+            <a:avLst/>
+          </a:prstGeom>
+        </p:spPr>
+      </p:pic>
+      <p:pic>
+        <p:nvPicPr>
+          <p:cNvPr id="13" name="图片 12">
+            <a:extLst>
+              <a:ext uri="{FF2B5EF4-FFF2-40B4-BE49-F238E27FC236}">
+                <a16:creationId xmlns:a16="http://schemas.microsoft.com/office/drawing/2014/main" id="{89761EA3-3215-46AE-BA7F-3586EB0BB38C}"/>
+              </a:ext>
+            </a:extLst>
+          </p:cNvPr>
+          <p:cNvPicPr>
+            <a:picLocks noChangeAspect="1"/>
+          </p:cNvPicPr>
+          <p:nvPr/>
+        </p:nvPicPr>
+        <p:blipFill>
+          <a:blip r:embed="rId6"/>
+          <a:stretch>
+            <a:fillRect/>
+          </a:stretch>
+        </p:blipFill>
+        <p:spPr>
+          <a:xfrm>
+            <a:off x="5402960" y="3500438"/>
+            <a:ext cx="5238750" cy="2676525"/>
+          </a:xfrm>
+          <a:prstGeom prst="rect">
+            <a:avLst/>
+          </a:prstGeom>
+        </p:spPr>
+      </p:pic>
+      <mc:AlternateContent xmlns:mc="http://schemas.openxmlformats.org/markup-compatibility/2006" xmlns:p14="http://schemas.microsoft.com/office/powerpoint/2010/main">
+        <mc:Choice Requires="p14">
+          <p:contentPart p14:bwMode="auto" r:id="rId7">
+            <p14:nvContentPartPr>
+              <p14:cNvPr id="15" name="墨迹 14">
+                <a:extLst>
+                  <a:ext uri="{FF2B5EF4-FFF2-40B4-BE49-F238E27FC236}">
+                    <a16:creationId xmlns:a16="http://schemas.microsoft.com/office/drawing/2014/main" id="{07A02466-1E6C-4590-936B-FC02121C8E91}"/>
+                  </a:ext>
+                </a:extLst>
+              </p14:cNvPr>
+              <p14:cNvContentPartPr/>
+              <p14:nvPr/>
+            </p14:nvContentPartPr>
+            <p14:xfrm>
+              <a:off x="8136762" y="5512367"/>
+              <a:ext cx="360" cy="360"/>
+            </p14:xfrm>
+          </p:contentPart>
+        </mc:Choice>
+        <mc:Fallback xmlns="">
+          <p:pic>
+            <p:nvPicPr>
+              <p:cNvPr id="15" name="墨迹 14">
+                <a:extLst>
+                  <a:ext uri="{FF2B5EF4-FFF2-40B4-BE49-F238E27FC236}">
+                    <a16:creationId xmlns:a16="http://schemas.microsoft.com/office/drawing/2014/main" id="{07A02466-1E6C-4590-936B-FC02121C8E91}"/>
+                  </a:ext>
+                </a:extLst>
+              </p:cNvPr>
+              <p:cNvPicPr/>
+              <p:nvPr/>
+            </p:nvPicPr>
+            <p:blipFill>
+              <a:blip r:embed="rId8"/>
+              <a:stretch>
+                <a:fillRect/>
+              </a:stretch>
+            </p:blipFill>
+            <p:spPr>
+              <a:xfrm>
+                <a:off x="8128122" y="5503727"/>
+                <a:ext cx="18000" cy="18000"/>
+              </a:xfrm>
+              <a:prstGeom prst="rect">
+                <a:avLst/>
+              </a:prstGeom>
+            </p:spPr>
+          </p:pic>
+        </mc:Fallback>
+      </mc:AlternateContent>
+      <mc:AlternateContent xmlns:mc="http://schemas.openxmlformats.org/markup-compatibility/2006" xmlns:p14="http://schemas.microsoft.com/office/powerpoint/2010/main">
+        <mc:Choice Requires="p14">
+          <p:contentPart p14:bwMode="auto" r:id="rId9">
+            <p14:nvContentPartPr>
+              <p14:cNvPr id="16" name="墨迹 15">
+                <a:extLst>
+                  <a:ext uri="{FF2B5EF4-FFF2-40B4-BE49-F238E27FC236}">
+                    <a16:creationId xmlns:a16="http://schemas.microsoft.com/office/drawing/2014/main" id="{790BF1EF-BC54-4246-876B-E3DE9D5E7C9D}"/>
+                  </a:ext>
+                </a:extLst>
+              </p14:cNvPr>
+              <p14:cNvContentPartPr/>
+              <p14:nvPr/>
+            </p14:nvContentPartPr>
+            <p14:xfrm>
+              <a:off x="5909802" y="2490527"/>
+              <a:ext cx="360" cy="360"/>
+            </p14:xfrm>
+          </p:contentPart>
+        </mc:Choice>
+        <mc:Fallback xmlns="">
+          <p:pic>
+            <p:nvPicPr>
+              <p:cNvPr id="16" name="墨迹 15">
+                <a:extLst>
+                  <a:ext uri="{FF2B5EF4-FFF2-40B4-BE49-F238E27FC236}">
+                    <a16:creationId xmlns:a16="http://schemas.microsoft.com/office/drawing/2014/main" id="{790BF1EF-BC54-4246-876B-E3DE9D5E7C9D}"/>
+                  </a:ext>
+                </a:extLst>
+              </p:cNvPr>
+              <p:cNvPicPr/>
+              <p:nvPr/>
+            </p:nvPicPr>
+            <p:blipFill>
+              <a:blip r:embed="rId8"/>
+              <a:stretch>
+                <a:fillRect/>
+              </a:stretch>
+            </p:blipFill>
+            <p:spPr>
+              <a:xfrm>
+                <a:off x="5901162" y="2481887"/>
+                <a:ext cx="18000" cy="18000"/>
+              </a:xfrm>
+              <a:prstGeom prst="rect">
+                <a:avLst/>
+              </a:prstGeom>
+            </p:spPr>
+          </p:pic>
+        </mc:Fallback>
+      </mc:AlternateContent>
+      <mc:AlternateContent xmlns:mc="http://schemas.openxmlformats.org/markup-compatibility/2006" xmlns:p14="http://schemas.microsoft.com/office/powerpoint/2010/main">
+        <mc:Choice Requires="p14">
+          <p:contentPart p14:bwMode="auto" r:id="rId10">
+            <p14:nvContentPartPr>
+              <p14:cNvPr id="17" name="墨迹 16">
+                <a:extLst>
+                  <a:ext uri="{FF2B5EF4-FFF2-40B4-BE49-F238E27FC236}">
+                    <a16:creationId xmlns:a16="http://schemas.microsoft.com/office/drawing/2014/main" id="{011F3E97-BCCE-4647-B577-84DCAAF39B5C}"/>
+                  </a:ext>
+                </a:extLst>
+              </p14:cNvPr>
+              <p14:cNvContentPartPr/>
+              <p14:nvPr/>
+            </p14:nvContentPartPr>
+            <p14:xfrm>
+              <a:off x="4770042" y="781607"/>
+              <a:ext cx="360" cy="360"/>
+            </p14:xfrm>
+          </p:contentPart>
+        </mc:Choice>
+        <mc:Fallback xmlns="">
+          <p:pic>
+            <p:nvPicPr>
+              <p:cNvPr id="17" name="墨迹 16">
+                <a:extLst>
+                  <a:ext uri="{FF2B5EF4-FFF2-40B4-BE49-F238E27FC236}">
+                    <a16:creationId xmlns:a16="http://schemas.microsoft.com/office/drawing/2014/main" id="{011F3E97-BCCE-4647-B577-84DCAAF39B5C}"/>
+                  </a:ext>
+                </a:extLst>
+              </p:cNvPr>
+              <p:cNvPicPr/>
+              <p:nvPr/>
+            </p:nvPicPr>
+            <p:blipFill>
+              <a:blip r:embed="rId8"/>
+              <a:stretch>
+                <a:fillRect/>
+              </a:stretch>
+            </p:blipFill>
+            <p:spPr>
+              <a:xfrm>
+                <a:off x="4761402" y="772607"/>
+                <a:ext cx="18000" cy="18000"/>
+              </a:xfrm>
+              <a:prstGeom prst="rect">
+                <a:avLst/>
+              </a:prstGeom>
+            </p:spPr>
+          </p:pic>
+        </mc:Fallback>
+      </mc:AlternateContent>
+      <p:pic>
+        <p:nvPicPr>
+          <p:cNvPr id="19" name="图片 18">
+            <a:extLst>
+              <a:ext uri="{FF2B5EF4-FFF2-40B4-BE49-F238E27FC236}">
+                <a16:creationId xmlns:a16="http://schemas.microsoft.com/office/drawing/2014/main" id="{322D5168-1A47-4FDB-9D0D-52CBCBB4FBC4}"/>
+              </a:ext>
+            </a:extLst>
+          </p:cNvPr>
+          <p:cNvPicPr>
+            <a:picLocks noChangeAspect="1"/>
+          </p:cNvPicPr>
+          <p:nvPr/>
+        </p:nvPicPr>
+        <p:blipFill>
+          <a:blip r:embed="rId11"/>
+          <a:stretch>
+            <a:fillRect/>
+          </a:stretch>
+        </p:blipFill>
+        <p:spPr>
+          <a:xfrm>
+            <a:off x="9037361" y="3500438"/>
+            <a:ext cx="3022117" cy="1476375"/>
+          </a:xfrm>
+          <a:prstGeom prst="rect">
+            <a:avLst/>
+          </a:prstGeom>
+        </p:spPr>
+      </p:pic>
     </p:spTree>
     <p:extLst>
       <p:ext uri="{BB962C8B-B14F-4D97-AF65-F5344CB8AC3E}">
@@ -10432,7 +11341,7 @@
           <p:cNvPr id="2" name="标题 1">
             <a:extLst>
               <a:ext uri="{FF2B5EF4-FFF2-40B4-BE49-F238E27FC236}">
-                <a16:creationId xmlns:a16="http://schemas.microsoft.com/office/drawing/2014/main" id="{9D308304-6AF8-49C8-8976-83499E134455}"/>
+                <a16:creationId xmlns:a16="http://schemas.microsoft.com/office/drawing/2014/main" id="{B637FDFE-7903-4122-A618-D1CE1919C19F}"/>
               </a:ext>
             </a:extLst>
           </p:cNvPr>
@@ -10454,49 +11363,168 @@
                   <a:srgbClr val="FF0000"/>
                 </a:solidFill>
               </a:rPr>
-              <a:t>AOP Alliance</a:t>
-            </a:r>
-            <a:endParaRPr lang="zh-CN" altLang="en-US" dirty="0">
-              <a:solidFill>
-                <a:srgbClr val="FF0000"/>
-              </a:solidFill>
-            </a:endParaRPr>
-          </a:p>
-        </p:txBody>
-      </p:sp>
-      <p:pic>
-        <p:nvPicPr>
-          <p:cNvPr id="5" name="内容占位符 4">
-            <a:extLst>
-              <a:ext uri="{FF2B5EF4-FFF2-40B4-BE49-F238E27FC236}">
-                <a16:creationId xmlns:a16="http://schemas.microsoft.com/office/drawing/2014/main" id="{EDF7CEC6-6D2E-42BE-9495-DC0BDD2FBE21}"/>
-              </a:ext>
-            </a:extLst>
-          </p:cNvPr>
-          <p:cNvPicPr>
-            <a:picLocks noGrp="1" noChangeAspect="1"/>
-          </p:cNvPicPr>
+              <a:t>API Design</a:t>
+            </a:r>
+            <a:endParaRPr lang="zh-CN" altLang="en-US" dirty="0"/>
+          </a:p>
+        </p:txBody>
+      </p:sp>
+      <p:sp>
+        <p:nvSpPr>
+          <p:cNvPr id="3" name="内容占位符 2">
+            <a:extLst>
+              <a:ext uri="{FF2B5EF4-FFF2-40B4-BE49-F238E27FC236}">
+                <a16:creationId xmlns:a16="http://schemas.microsoft.com/office/drawing/2014/main" id="{C4AC8247-BF7D-47FA-AA90-7282C9E3FEFD}"/>
+              </a:ext>
+            </a:extLst>
+          </p:cNvPr>
+          <p:cNvSpPr>
+            <a:spLocks noGrp="1"/>
+          </p:cNvSpPr>
           <p:nvPr>
             <p:ph idx="1"/>
           </p:nvPr>
-        </p:nvPicPr>
-        <p:blipFill>
-          <a:blip r:embed="rId2"/>
-          <a:stretch>
-            <a:fillRect/>
-          </a:stretch>
-        </p:blipFill>
-        <p:spPr>
-          <a:xfrm>
-            <a:off x="1603514" y="1409146"/>
-            <a:ext cx="8995616" cy="5190437"/>
-          </a:xfrm>
-        </p:spPr>
-      </p:pic>
+        </p:nvSpPr>
+        <p:spPr/>
+        <p:txBody>
+          <a:bodyPr/>
+          <a:lstStyle/>
+          <a:p>
+            <a:r>
+              <a:rPr lang="en-US" altLang="zh-CN" dirty="0" err="1"/>
+              <a:t>GuavaCache</a:t>
+            </a:r>
+            <a:endParaRPr lang="en-US" altLang="zh-CN" dirty="0"/>
+          </a:p>
+          <a:p>
+            <a:pPr lvl="1"/>
+            <a:r>
+              <a:rPr lang="en-US" altLang="zh-CN" dirty="0" err="1"/>
+              <a:t>LinkedHashMap</a:t>
+            </a:r>
+            <a:r>
+              <a:rPr lang="en-US" altLang="zh-CN" dirty="0"/>
+              <a:t>-&gt; </a:t>
+            </a:r>
+            <a:r>
+              <a:rPr lang="en-US" altLang="zh-CN" dirty="0" err="1"/>
+              <a:t>ConcurrentLinkedHashMap</a:t>
+            </a:r>
+            <a:r>
+              <a:rPr lang="en-US" altLang="zh-CN" dirty="0"/>
+              <a:t> -&gt; </a:t>
+            </a:r>
+            <a:r>
+              <a:rPr lang="en-US" altLang="zh-CN" dirty="0" err="1"/>
+              <a:t>ReferenceMap</a:t>
+            </a:r>
+            <a:r>
+              <a:rPr lang="en-US" altLang="zh-CN" dirty="0"/>
+              <a:t> -&gt; </a:t>
+            </a:r>
+            <a:r>
+              <a:rPr lang="en-US" altLang="zh-CN" dirty="0" err="1"/>
+              <a:t>ReferenceCache</a:t>
+            </a:r>
+            <a:r>
+              <a:rPr lang="en-US" altLang="zh-CN" dirty="0"/>
+              <a:t> -&gt; </a:t>
+            </a:r>
+            <a:r>
+              <a:rPr lang="en-US" altLang="zh-CN" dirty="0" err="1"/>
+              <a:t>MapMaker</a:t>
+            </a:r>
+            <a:r>
+              <a:rPr lang="en-US" altLang="zh-CN" dirty="0"/>
+              <a:t> -&gt; </a:t>
+            </a:r>
+            <a:r>
+              <a:rPr lang="en-US" altLang="zh-CN" dirty="0" err="1"/>
+              <a:t>CacheBuilder+LoadingCache</a:t>
+            </a:r>
+            <a:endParaRPr lang="en-US" altLang="zh-CN" dirty="0"/>
+          </a:p>
+          <a:p>
+            <a:endParaRPr lang="en-US" altLang="zh-CN" dirty="0"/>
+          </a:p>
+          <a:p>
+            <a:r>
+              <a:rPr lang="en-US" altLang="zh-CN" dirty="0"/>
+              <a:t>Unix file I/O</a:t>
+            </a:r>
+          </a:p>
+          <a:p>
+            <a:pPr lvl="1"/>
+            <a:r>
+              <a:rPr lang="en-US" altLang="zh-CN" dirty="0" err="1"/>
+              <a:t>PublicService#getPublicInfo</a:t>
+            </a:r>
+            <a:r>
+              <a:rPr lang="en-US" altLang="zh-CN" dirty="0"/>
+              <a:t>(String </a:t>
+            </a:r>
+            <a:r>
+              <a:rPr lang="en-US" altLang="zh-CN" dirty="0" err="1"/>
+              <a:t>langType</a:t>
+            </a:r>
+            <a:r>
+              <a:rPr lang="en-US" altLang="zh-CN" dirty="0"/>
+              <a:t>, String </a:t>
+            </a:r>
+            <a:r>
+              <a:rPr lang="en-US" altLang="zh-CN" dirty="0" err="1"/>
+              <a:t>hostUrl</a:t>
+            </a:r>
+            <a:r>
+              <a:rPr lang="en-US" altLang="zh-CN" dirty="0"/>
+              <a:t>) </a:t>
+            </a:r>
+            <a:r>
+              <a:rPr lang="zh-CN" altLang="en-US" dirty="0"/>
+              <a:t>演进之路</a:t>
+            </a:r>
+            <a:endParaRPr lang="en-US" altLang="zh-CN" dirty="0"/>
+          </a:p>
+          <a:p>
+            <a:pPr lvl="2"/>
+            <a:r>
+              <a:rPr lang="en-US" altLang="zh-CN" dirty="0"/>
+              <a:t>Improve : </a:t>
+            </a:r>
+            <a:r>
+              <a:rPr lang="en-US" altLang="zh-CN" dirty="0" err="1"/>
+              <a:t>getPublicInfo</a:t>
+            </a:r>
+            <a:r>
+              <a:rPr lang="en-US" altLang="zh-CN" dirty="0"/>
+              <a:t>(Language </a:t>
+            </a:r>
+            <a:r>
+              <a:rPr lang="en-US" altLang="zh-CN" dirty="0" err="1"/>
+              <a:t>language</a:t>
+            </a:r>
+            <a:r>
+              <a:rPr lang="en-US" altLang="zh-CN" dirty="0"/>
+              <a:t>, String </a:t>
+            </a:r>
+            <a:r>
+              <a:rPr lang="en-US" altLang="zh-CN" dirty="0" err="1"/>
+              <a:t>hostUrl</a:t>
+            </a:r>
+            <a:r>
+              <a:rPr lang="en-US" altLang="zh-CN" dirty="0"/>
+              <a:t>)</a:t>
+            </a:r>
+          </a:p>
+          <a:p>
+            <a:endParaRPr lang="zh-CN" altLang="en-US" dirty="0"/>
+          </a:p>
+        </p:txBody>
+      </p:sp>
     </p:spTree>
     <p:extLst>
       <p:ext uri="{BB962C8B-B14F-4D97-AF65-F5344CB8AC3E}">
-        <p14:creationId xmlns:p14="http://schemas.microsoft.com/office/powerpoint/2010/main" val="792421411"/>
+        <p14:creationId xmlns:p14="http://schemas.microsoft.com/office/powerpoint/2010/main" val="2387647541"/>
       </p:ext>
     </p:extLst>
   </p:cSld>
@@ -10528,7 +11556,7 @@
           <p:cNvPr id="2" name="标题 1">
             <a:extLst>
               <a:ext uri="{FF2B5EF4-FFF2-40B4-BE49-F238E27FC236}">
-                <a16:creationId xmlns:a16="http://schemas.microsoft.com/office/drawing/2014/main" id="{D5E240EC-4824-424D-961C-96623E1BB063}"/>
+                <a16:creationId xmlns:a16="http://schemas.microsoft.com/office/drawing/2014/main" id="{78C52B17-29E6-4506-ACC3-BA2B3F78198D}"/>
               </a:ext>
             </a:extLst>
           </p:cNvPr>
@@ -10545,62 +11573,211 @@
           <a:lstStyle/>
           <a:p>
             <a:r>
+              <a:rPr lang="en-US" altLang="zh-CN" dirty="0" err="1">
+                <a:solidFill>
+                  <a:srgbClr val="FF0000"/>
+                </a:solidFill>
+              </a:rPr>
+              <a:t>Executor,ExecutorService,Runnable</a:t>
+            </a:r>
+            <a:r>
+              <a:rPr lang="zh-CN" altLang="en-US" dirty="0">
+                <a:solidFill>
+                  <a:srgbClr val="FF0000"/>
+                </a:solidFill>
+              </a:rPr>
+              <a:t>机制</a:t>
+            </a:r>
+          </a:p>
+        </p:txBody>
+      </p:sp>
+      <p:sp>
+        <p:nvSpPr>
+          <p:cNvPr id="3" name="内容占位符 2">
+            <a:extLst>
+              <a:ext uri="{FF2B5EF4-FFF2-40B4-BE49-F238E27FC236}">
+                <a16:creationId xmlns:a16="http://schemas.microsoft.com/office/drawing/2014/main" id="{2769B2F3-9F0D-4CD5-95FD-1CEA55669C42}"/>
+              </a:ext>
+            </a:extLst>
+          </p:cNvPr>
+          <p:cNvSpPr>
+            <a:spLocks noGrp="1"/>
+          </p:cNvSpPr>
+          <p:nvPr>
+            <p:ph idx="1"/>
+          </p:nvPr>
+        </p:nvSpPr>
+        <p:spPr/>
+        <p:txBody>
+          <a:bodyPr/>
+          <a:lstStyle/>
+          <a:p>
+            <a:r>
+              <a:rPr lang="en-US" altLang="zh-CN" b="0" i="0" dirty="0">
+                <a:solidFill>
+                  <a:srgbClr val="121212"/>
+                </a:solidFill>
+                <a:effectLst/>
+                <a:latin typeface="-apple-system"/>
+              </a:rPr>
+              <a:t>Thread, Runnable</a:t>
+            </a:r>
+            <a:r>
+              <a:rPr lang="zh-CN" altLang="en-US" b="0" i="0" dirty="0">
+                <a:solidFill>
+                  <a:srgbClr val="121212"/>
+                </a:solidFill>
+                <a:effectLst/>
+                <a:latin typeface="-apple-system"/>
+              </a:rPr>
+              <a:t>，</a:t>
+            </a:r>
+            <a:r>
+              <a:rPr lang="en-US" altLang="zh-CN" b="0" i="0" dirty="0">
+                <a:solidFill>
+                  <a:srgbClr val="121212"/>
+                </a:solidFill>
+                <a:effectLst/>
+                <a:latin typeface="-apple-system"/>
+              </a:rPr>
+              <a:t>Callable</a:t>
+            </a:r>
+            <a:r>
+              <a:rPr lang="zh-CN" altLang="en-US" b="0" i="0" dirty="0">
+                <a:solidFill>
+                  <a:srgbClr val="121212"/>
+                </a:solidFill>
+                <a:effectLst/>
+                <a:latin typeface="-apple-system"/>
+              </a:rPr>
+              <a:t>，</a:t>
+            </a:r>
+            <a:r>
+              <a:rPr lang="en-US" altLang="zh-CN" b="0" i="0" dirty="0" err="1">
+                <a:solidFill>
+                  <a:srgbClr val="121212"/>
+                </a:solidFill>
+                <a:effectLst/>
+                <a:latin typeface="-apple-system"/>
+              </a:rPr>
+              <a:t>FutureTask</a:t>
+            </a:r>
+            <a:r>
+              <a:rPr lang="zh-CN" altLang="en-US" b="0" i="0" dirty="0">
+                <a:solidFill>
+                  <a:srgbClr val="121212"/>
+                </a:solidFill>
+                <a:effectLst/>
+                <a:latin typeface="-apple-system"/>
+              </a:rPr>
+              <a:t>，到</a:t>
+            </a:r>
+            <a:r>
+              <a:rPr lang="en-US" altLang="zh-CN" b="0" i="0" dirty="0" err="1">
+                <a:solidFill>
+                  <a:srgbClr val="121212"/>
+                </a:solidFill>
+                <a:effectLst/>
+                <a:latin typeface="-apple-system"/>
+              </a:rPr>
+              <a:t>ForkJoinTask</a:t>
+            </a:r>
+            <a:endParaRPr lang="en-US" altLang="zh-CN" b="0" i="0" dirty="0">
+              <a:solidFill>
+                <a:srgbClr val="121212"/>
+              </a:solidFill>
+              <a:effectLst/>
+              <a:latin typeface="-apple-system"/>
+            </a:endParaRPr>
+          </a:p>
+          <a:p>
+            <a:pPr lvl="1"/>
+            <a:r>
               <a:rPr lang="en-US" altLang="zh-CN" dirty="0">
                 <a:solidFill>
-                  <a:srgbClr val="FF0000"/>
-                </a:solidFill>
-              </a:rPr>
-              <a:t>AOP </a:t>
-            </a:r>
-            <a:r>
-              <a:rPr lang="en-US" altLang="zh-CN" dirty="0" err="1">
-                <a:solidFill>
-                  <a:srgbClr val="FF0000"/>
-                </a:solidFill>
-              </a:rPr>
-              <a:t>HighLevel</a:t>
+                  <a:srgbClr val="121212"/>
+                </a:solidFill>
+                <a:latin typeface="-apple-system"/>
+              </a:rPr>
+              <a:t>Task</a:t>
+            </a:r>
+            <a:r>
+              <a:rPr lang="zh-CN" altLang="en-US" dirty="0">
+                <a:solidFill>
+                  <a:srgbClr val="121212"/>
+                </a:solidFill>
+                <a:latin typeface="-apple-system"/>
+              </a:rPr>
+              <a:t>而不是</a:t>
             </a:r>
             <a:r>
               <a:rPr lang="en-US" altLang="zh-CN" dirty="0">
                 <a:solidFill>
-                  <a:srgbClr val="FF0000"/>
-                </a:solidFill>
-              </a:rPr>
-              <a:t> API </a:t>
-            </a:r>
-            <a:endParaRPr lang="zh-CN" altLang="en-US" dirty="0"/>
-          </a:p>
-        </p:txBody>
-      </p:sp>
-      <p:sp>
-        <p:nvSpPr>
-          <p:cNvPr id="3" name="内容占位符 2">
-            <a:extLst>
-              <a:ext uri="{FF2B5EF4-FFF2-40B4-BE49-F238E27FC236}">
-                <a16:creationId xmlns:a16="http://schemas.microsoft.com/office/drawing/2014/main" id="{28759BFA-D6C1-4022-BF04-D1C4F329143B}"/>
-              </a:ext>
-            </a:extLst>
-          </p:cNvPr>
-          <p:cNvSpPr>
-            <a:spLocks noGrp="1"/>
-          </p:cNvSpPr>
-          <p:nvPr>
-            <p:ph idx="1"/>
-          </p:nvPr>
-        </p:nvSpPr>
-        <p:spPr/>
-        <p:txBody>
-          <a:bodyPr/>
-          <a:lstStyle/>
-          <a:p>
-            <a:endParaRPr lang="zh-CN" altLang="en-US"/>
+                  <a:srgbClr val="121212"/>
+                </a:solidFill>
+                <a:latin typeface="-apple-system"/>
+              </a:rPr>
+              <a:t>Thread</a:t>
+            </a:r>
+          </a:p>
+          <a:p>
+            <a:r>
+              <a:rPr lang="en-US" altLang="zh-CN" dirty="0"/>
+              <a:t>Executor, </a:t>
+            </a:r>
+            <a:r>
+              <a:rPr lang="en-US" altLang="zh-CN" dirty="0" err="1"/>
+              <a:t>ExecutorService</a:t>
+            </a:r>
+            <a:r>
+              <a:rPr lang="zh-CN" altLang="en-US" dirty="0"/>
+              <a:t>，</a:t>
+            </a:r>
+            <a:r>
+              <a:rPr lang="en-US" altLang="zh-CN" dirty="0"/>
+              <a:t> </a:t>
+            </a:r>
+            <a:r>
+              <a:rPr lang="en-US" altLang="zh-CN" dirty="0" err="1"/>
+              <a:t>TaskExecutor</a:t>
+            </a:r>
+            <a:r>
+              <a:rPr lang="en-US" altLang="zh-CN" dirty="0"/>
+              <a:t>(Spring)</a:t>
+            </a:r>
+          </a:p>
+          <a:p>
+            <a:r>
+              <a:rPr lang="en-US" altLang="zh-CN" dirty="0" err="1"/>
+              <a:t>AbstractExecutorService</a:t>
+            </a:r>
+            <a:endParaRPr lang="en-US" altLang="zh-CN" dirty="0"/>
+          </a:p>
+          <a:p>
+            <a:r>
+              <a:rPr lang="en-US" altLang="zh-CN" dirty="0" err="1"/>
+              <a:t>ThreadPoolExecutor</a:t>
+            </a:r>
+            <a:r>
+              <a:rPr lang="en-US" altLang="zh-CN" dirty="0"/>
+              <a:t>,</a:t>
+            </a:r>
+            <a:r>
+              <a:rPr lang="zh-CN" altLang="en-US" dirty="0"/>
+              <a:t> </a:t>
+            </a:r>
+            <a:r>
+              <a:rPr lang="en-US" altLang="zh-CN" dirty="0" err="1"/>
+              <a:t>ForkJoinPool</a:t>
+            </a:r>
+            <a:endParaRPr lang="en-US" altLang="zh-CN" dirty="0"/>
           </a:p>
         </p:txBody>
       </p:sp>
     </p:spTree>
     <p:extLst>
       <p:ext uri="{BB962C8B-B14F-4D97-AF65-F5344CB8AC3E}">
-        <p14:creationId xmlns:p14="http://schemas.microsoft.com/office/powerpoint/2010/main" val="718172606"/>
+        <p14:creationId xmlns:p14="http://schemas.microsoft.com/office/powerpoint/2010/main" val="2763581776"/>
       </p:ext>
     </p:extLst>
   </p:cSld>
@@ -10678,12 +11855,16 @@
         <p:spPr/>
         <p:txBody>
           <a:bodyPr>
-            <a:normAutofit fontScale="47500" lnSpcReduction="20000"/>
+            <a:normAutofit fontScale="40000" lnSpcReduction="20000"/>
           </a:bodyPr>
           <a:lstStyle/>
           <a:p>
             <a:r>
-              <a:rPr lang="en-US" altLang="zh-CN" dirty="0"/>
+              <a:rPr lang="en-US" altLang="zh-CN" dirty="0">
+                <a:solidFill>
+                  <a:srgbClr val="FF0000"/>
+                </a:solidFill>
+              </a:rPr>
               <a:t>1  CRUD</a:t>
             </a:r>
           </a:p>
@@ -10709,7 +11890,11 @@
           </a:p>
           <a:p>
             <a:r>
-              <a:rPr lang="en-US" altLang="zh-CN" dirty="0"/>
+              <a:rPr lang="en-US" altLang="zh-CN" dirty="0">
+                <a:solidFill>
+                  <a:srgbClr val="FF0000"/>
+                </a:solidFill>
+              </a:rPr>
               <a:t>2  Pattern</a:t>
             </a:r>
           </a:p>
@@ -10746,7 +11931,11 @@
           </a:p>
           <a:p>
             <a:r>
-              <a:rPr lang="en-US" altLang="zh-CN" dirty="0"/>
+              <a:rPr lang="en-US" altLang="zh-CN" dirty="0">
+                <a:solidFill>
+                  <a:srgbClr val="FF0000"/>
+                </a:solidFill>
+              </a:rPr>
               <a:t>3  OOADP</a:t>
             </a:r>
           </a:p>
@@ -10780,7 +11969,11 @@
           </a:p>
           <a:p>
             <a:r>
-              <a:rPr lang="en-US" altLang="zh-CN" dirty="0"/>
+              <a:rPr lang="en-US" altLang="zh-CN" dirty="0">
+                <a:solidFill>
+                  <a:srgbClr val="FF0000"/>
+                </a:solidFill>
+              </a:rPr>
               <a:t>4  DDD</a:t>
             </a:r>
           </a:p>
@@ -10810,14 +12003,26 @@
           </a:p>
           <a:p>
             <a:r>
-              <a:rPr lang="en-US" altLang="zh-CN" dirty="0"/>
+              <a:rPr lang="en-US" altLang="zh-CN" dirty="0">
+                <a:solidFill>
+                  <a:srgbClr val="FF0000"/>
+                </a:solidFill>
+              </a:rPr>
               <a:t>5  </a:t>
             </a:r>
             <a:r>
-              <a:rPr lang="zh-CN" altLang="en-US" dirty="0"/>
-              <a:t>设计的趣谈</a:t>
-            </a:r>
-            <a:endParaRPr lang="en-US" altLang="zh-CN" dirty="0"/>
+              <a:rPr lang="zh-CN" altLang="en-US" dirty="0">
+                <a:solidFill>
+                  <a:srgbClr val="FF0000"/>
+                </a:solidFill>
+              </a:rPr>
+              <a:t>设计综合趣谈</a:t>
+            </a:r>
+            <a:endParaRPr lang="en-US" altLang="zh-CN" dirty="0">
+              <a:solidFill>
+                <a:srgbClr val="FF0000"/>
+              </a:solidFill>
+            </a:endParaRPr>
           </a:p>
           <a:p>
             <a:pPr lvl="1"/>
@@ -10875,6 +12080,29 @@
               <a:rPr lang="en-US" altLang="zh-CN" dirty="0"/>
               <a:t>Alliance </a:t>
             </a:r>
+          </a:p>
+          <a:p>
+            <a:r>
+              <a:rPr lang="en-US" altLang="zh-CN" dirty="0">
+                <a:solidFill>
+                  <a:srgbClr val="FF0000"/>
+                </a:solidFill>
+              </a:rPr>
+              <a:t>6 </a:t>
+            </a:r>
+            <a:r>
+              <a:rPr lang="zh-CN" altLang="en-US" dirty="0">
+                <a:solidFill>
+                  <a:srgbClr val="FF0000"/>
+                </a:solidFill>
+              </a:rPr>
+              <a:t>软件设计启发录</a:t>
+            </a:r>
+            <a:endParaRPr lang="en-US" altLang="zh-CN" dirty="0">
+              <a:solidFill>
+                <a:srgbClr val="FF0000"/>
+              </a:solidFill>
+            </a:endParaRPr>
           </a:p>
         </p:txBody>
       </p:sp>
@@ -10913,259 +12141,6 @@
           <p:cNvPr id="2" name="标题 1">
             <a:extLst>
               <a:ext uri="{FF2B5EF4-FFF2-40B4-BE49-F238E27FC236}">
-                <a16:creationId xmlns:a16="http://schemas.microsoft.com/office/drawing/2014/main" id="{78C52B17-29E6-4506-ACC3-BA2B3F78198D}"/>
-              </a:ext>
-            </a:extLst>
-          </p:cNvPr>
-          <p:cNvSpPr>
-            <a:spLocks noGrp="1"/>
-          </p:cNvSpPr>
-          <p:nvPr>
-            <p:ph type="title"/>
-          </p:nvPr>
-        </p:nvSpPr>
-        <p:spPr/>
-        <p:txBody>
-          <a:bodyPr/>
-          <a:lstStyle/>
-          <a:p>
-            <a:r>
-              <a:rPr lang="en-US" altLang="zh-CN" dirty="0" err="1">
-                <a:solidFill>
-                  <a:srgbClr val="FF0000"/>
-                </a:solidFill>
-              </a:rPr>
-              <a:t>Executor,ExecutorService,Runnable</a:t>
-            </a:r>
-            <a:r>
-              <a:rPr lang="zh-CN" altLang="en-US" dirty="0">
-                <a:solidFill>
-                  <a:srgbClr val="FF0000"/>
-                </a:solidFill>
-              </a:rPr>
-              <a:t>机制</a:t>
-            </a:r>
-          </a:p>
-        </p:txBody>
-      </p:sp>
-      <p:sp>
-        <p:nvSpPr>
-          <p:cNvPr id="3" name="内容占位符 2">
-            <a:extLst>
-              <a:ext uri="{FF2B5EF4-FFF2-40B4-BE49-F238E27FC236}">
-                <a16:creationId xmlns:a16="http://schemas.microsoft.com/office/drawing/2014/main" id="{2769B2F3-9F0D-4CD5-95FD-1CEA55669C42}"/>
-              </a:ext>
-            </a:extLst>
-          </p:cNvPr>
-          <p:cNvSpPr>
-            <a:spLocks noGrp="1"/>
-          </p:cNvSpPr>
-          <p:nvPr>
-            <p:ph idx="1"/>
-          </p:nvPr>
-        </p:nvSpPr>
-        <p:spPr/>
-        <p:txBody>
-          <a:bodyPr/>
-          <a:lstStyle/>
-          <a:p>
-            <a:r>
-              <a:rPr lang="en-US" altLang="zh-CN" b="0" i="0" dirty="0">
-                <a:solidFill>
-                  <a:srgbClr val="121212"/>
-                </a:solidFill>
-                <a:effectLst/>
-                <a:latin typeface="-apple-system"/>
-              </a:rPr>
-              <a:t>Thread, Runnable</a:t>
-            </a:r>
-            <a:r>
-              <a:rPr lang="zh-CN" altLang="en-US" b="0" i="0" dirty="0">
-                <a:solidFill>
-                  <a:srgbClr val="121212"/>
-                </a:solidFill>
-                <a:effectLst/>
-                <a:latin typeface="-apple-system"/>
-              </a:rPr>
-              <a:t>，</a:t>
-            </a:r>
-            <a:r>
-              <a:rPr lang="en-US" altLang="zh-CN" b="0" i="0" dirty="0">
-                <a:solidFill>
-                  <a:srgbClr val="121212"/>
-                </a:solidFill>
-                <a:effectLst/>
-                <a:latin typeface="-apple-system"/>
-              </a:rPr>
-              <a:t>Callable</a:t>
-            </a:r>
-            <a:r>
-              <a:rPr lang="zh-CN" altLang="en-US" b="0" i="0" dirty="0">
-                <a:solidFill>
-                  <a:srgbClr val="121212"/>
-                </a:solidFill>
-                <a:effectLst/>
-                <a:latin typeface="-apple-system"/>
-              </a:rPr>
-              <a:t>，</a:t>
-            </a:r>
-            <a:r>
-              <a:rPr lang="en-US" altLang="zh-CN" b="0" i="0" dirty="0" err="1">
-                <a:solidFill>
-                  <a:srgbClr val="121212"/>
-                </a:solidFill>
-                <a:effectLst/>
-                <a:latin typeface="-apple-system"/>
-              </a:rPr>
-              <a:t>FutureTask</a:t>
-            </a:r>
-            <a:r>
-              <a:rPr lang="zh-CN" altLang="en-US" b="0" i="0" dirty="0">
-                <a:solidFill>
-                  <a:srgbClr val="121212"/>
-                </a:solidFill>
-                <a:effectLst/>
-                <a:latin typeface="-apple-system"/>
-              </a:rPr>
-              <a:t>，到</a:t>
-            </a:r>
-            <a:r>
-              <a:rPr lang="en-US" altLang="zh-CN" b="0" i="0" dirty="0" err="1">
-                <a:solidFill>
-                  <a:srgbClr val="121212"/>
-                </a:solidFill>
-                <a:effectLst/>
-                <a:latin typeface="-apple-system"/>
-              </a:rPr>
-              <a:t>ForkJoinTask</a:t>
-            </a:r>
-            <a:endParaRPr lang="en-US" altLang="zh-CN" b="0" i="0" dirty="0">
-              <a:solidFill>
-                <a:srgbClr val="121212"/>
-              </a:solidFill>
-              <a:effectLst/>
-              <a:latin typeface="-apple-system"/>
-            </a:endParaRPr>
-          </a:p>
-          <a:p>
-            <a:pPr lvl="1"/>
-            <a:r>
-              <a:rPr lang="en-US" altLang="zh-CN" dirty="0">
-                <a:solidFill>
-                  <a:srgbClr val="121212"/>
-                </a:solidFill>
-                <a:latin typeface="-apple-system"/>
-              </a:rPr>
-              <a:t>Task</a:t>
-            </a:r>
-            <a:r>
-              <a:rPr lang="zh-CN" altLang="en-US" dirty="0">
-                <a:solidFill>
-                  <a:srgbClr val="121212"/>
-                </a:solidFill>
-                <a:latin typeface="-apple-system"/>
-              </a:rPr>
-              <a:t>而不是</a:t>
-            </a:r>
-            <a:r>
-              <a:rPr lang="en-US" altLang="zh-CN" dirty="0">
-                <a:solidFill>
-                  <a:srgbClr val="121212"/>
-                </a:solidFill>
-                <a:latin typeface="-apple-system"/>
-              </a:rPr>
-              <a:t>Thread</a:t>
-            </a:r>
-          </a:p>
-          <a:p>
-            <a:r>
-              <a:rPr lang="en-US" altLang="zh-CN" dirty="0"/>
-              <a:t>Executor, </a:t>
-            </a:r>
-            <a:r>
-              <a:rPr lang="en-US" altLang="zh-CN" dirty="0" err="1"/>
-              <a:t>ExecutorService</a:t>
-            </a:r>
-            <a:r>
-              <a:rPr lang="zh-CN" altLang="en-US" dirty="0"/>
-              <a:t>，</a:t>
-            </a:r>
-            <a:r>
-              <a:rPr lang="en-US" altLang="zh-CN" dirty="0"/>
-              <a:t> </a:t>
-            </a:r>
-            <a:r>
-              <a:rPr lang="en-US" altLang="zh-CN" dirty="0" err="1"/>
-              <a:t>TaskExecutor</a:t>
-            </a:r>
-            <a:r>
-              <a:rPr lang="en-US" altLang="zh-CN" dirty="0"/>
-              <a:t>(Spring)</a:t>
-            </a:r>
-          </a:p>
-          <a:p>
-            <a:r>
-              <a:rPr lang="en-US" altLang="zh-CN" dirty="0" err="1"/>
-              <a:t>AbstractExecutorService</a:t>
-            </a:r>
-            <a:endParaRPr lang="en-US" altLang="zh-CN" dirty="0"/>
-          </a:p>
-          <a:p>
-            <a:r>
-              <a:rPr lang="en-US" altLang="zh-CN" dirty="0" err="1"/>
-              <a:t>ThreadPoolExecutor</a:t>
-            </a:r>
-            <a:r>
-              <a:rPr lang="en-US" altLang="zh-CN" dirty="0"/>
-              <a:t>,</a:t>
-            </a:r>
-            <a:r>
-              <a:rPr lang="zh-CN" altLang="en-US" dirty="0"/>
-              <a:t> </a:t>
-            </a:r>
-            <a:r>
-              <a:rPr lang="en-US" altLang="zh-CN" dirty="0" err="1"/>
-              <a:t>ForkJoinPool</a:t>
-            </a:r>
-            <a:endParaRPr lang="en-US" altLang="zh-CN" dirty="0"/>
-          </a:p>
-        </p:txBody>
-      </p:sp>
-    </p:spTree>
-    <p:extLst>
-      <p:ext uri="{BB962C8B-B14F-4D97-AF65-F5344CB8AC3E}">
-        <p14:creationId xmlns:p14="http://schemas.microsoft.com/office/powerpoint/2010/main" val="2763581776"/>
-      </p:ext>
-    </p:extLst>
-  </p:cSld>
-  <p:clrMapOvr>
-    <a:masterClrMapping/>
-  </p:clrMapOvr>
-</p:sld>
-</file>
-
-<file path=ppt/slides/slide41.xml><?xml version="1.0" encoding="utf-8"?>
-<p:sld xmlns:a="http://schemas.openxmlformats.org/drawingml/2006/main" xmlns:r="http://schemas.openxmlformats.org/officeDocument/2006/relationships" xmlns:p="http://schemas.openxmlformats.org/presentationml/2006/main">
-  <p:cSld>
-    <p:spTree>
-      <p:nvGrpSpPr>
-        <p:cNvPr id="1" name=""/>
-        <p:cNvGrpSpPr/>
-        <p:nvPr/>
-      </p:nvGrpSpPr>
-      <p:grpSpPr>
-        <a:xfrm>
-          <a:off x="0" y="0"/>
-          <a:ext cx="0" cy="0"/>
-          <a:chOff x="0" y="0"/>
-          <a:chExt cx="0" cy="0"/>
-        </a:xfrm>
-      </p:grpSpPr>
-      <p:sp>
-        <p:nvSpPr>
-          <p:cNvPr id="2" name="标题 1">
-            <a:extLst>
-              <a:ext uri="{FF2B5EF4-FFF2-40B4-BE49-F238E27FC236}">
                 <a16:creationId xmlns:a16="http://schemas.microsoft.com/office/drawing/2014/main" id="{75FCEBFC-30FD-400F-A1F1-F6EDD1444552}"/>
               </a:ext>
             </a:extLst>
@@ -11233,7 +12208,7 @@
         </p:blipFill>
         <p:spPr>
           <a:xfrm>
-            <a:off x="0" y="2388101"/>
+            <a:off x="-77804" y="2731370"/>
             <a:ext cx="8686800" cy="2095500"/>
           </a:xfrm>
           <a:prstGeom prst="rect">
@@ -11263,7 +12238,7 @@
         </p:blipFill>
         <p:spPr>
           <a:xfrm>
-            <a:off x="-77804" y="3804386"/>
+            <a:off x="77804" y="4681041"/>
             <a:ext cx="12192000" cy="2168855"/>
           </a:xfrm>
           <a:prstGeom prst="rect">
@@ -11859,6 +12834,89 @@
 </p:sld>
 </file>
 
+<file path=ppt/slides/slide41.xml><?xml version="1.0" encoding="utf-8"?>
+<p:sld xmlns:a="http://schemas.openxmlformats.org/drawingml/2006/main" xmlns:r="http://schemas.openxmlformats.org/officeDocument/2006/relationships" xmlns:p="http://schemas.openxmlformats.org/presentationml/2006/main">
+  <p:cSld>
+    <p:spTree>
+      <p:nvGrpSpPr>
+        <p:cNvPr id="1" name=""/>
+        <p:cNvGrpSpPr/>
+        <p:nvPr/>
+      </p:nvGrpSpPr>
+      <p:grpSpPr>
+        <a:xfrm>
+          <a:off x="0" y="0"/>
+          <a:ext cx="0" cy="0"/>
+          <a:chOff x="0" y="0"/>
+          <a:chExt cx="0" cy="0"/>
+        </a:xfrm>
+      </p:grpSpPr>
+      <p:sp>
+        <p:nvSpPr>
+          <p:cNvPr id="5" name="矩形 4">
+            <a:extLst>
+              <a:ext uri="{FF2B5EF4-FFF2-40B4-BE49-F238E27FC236}">
+                <a16:creationId xmlns:a16="http://schemas.microsoft.com/office/drawing/2014/main" id="{A041657B-9B2F-45F1-8353-CA0B753B01BA}"/>
+              </a:ext>
+            </a:extLst>
+          </p:cNvPr>
+          <p:cNvSpPr/>
+          <p:nvPr/>
+        </p:nvSpPr>
+        <p:spPr>
+          <a:xfrm>
+            <a:off x="0" y="2133600"/>
+            <a:ext cx="12192000" cy="1669774"/>
+          </a:xfrm>
+          <a:prstGeom prst="rect">
+            <a:avLst/>
+          </a:prstGeom>
+        </p:spPr>
+        <p:style>
+          <a:lnRef idx="2">
+            <a:schemeClr val="accent1">
+              <a:shade val="50000"/>
+            </a:schemeClr>
+          </a:lnRef>
+          <a:fillRef idx="1">
+            <a:schemeClr val="accent1"/>
+          </a:fillRef>
+          <a:effectRef idx="0">
+            <a:schemeClr val="accent1"/>
+          </a:effectRef>
+          <a:fontRef idx="minor">
+            <a:schemeClr val="lt1"/>
+          </a:fontRef>
+        </p:style>
+        <p:txBody>
+          <a:bodyPr rtlCol="0" anchor="ctr"/>
+          <a:lstStyle/>
+          <a:p>
+            <a:pPr algn="ctr"/>
+            <a:r>
+              <a:rPr lang="en-US" altLang="zh-CN" sz="4800" dirty="0"/>
+              <a:t>6. </a:t>
+            </a:r>
+            <a:r>
+              <a:rPr lang="zh-CN" altLang="en-US" sz="4800" dirty="0"/>
+              <a:t>软件设计启示录</a:t>
+            </a:r>
+          </a:p>
+        </p:txBody>
+      </p:sp>
+    </p:spTree>
+    <p:extLst>
+      <p:ext uri="{BB962C8B-B14F-4D97-AF65-F5344CB8AC3E}">
+        <p14:creationId xmlns:p14="http://schemas.microsoft.com/office/powerpoint/2010/main" val="939309427"/>
+      </p:ext>
+    </p:extLst>
+  </p:cSld>
+  <p:clrMapOvr>
+    <a:masterClrMapping/>
+  </p:clrMapOvr>
+</p:sld>
+</file>
+
 <file path=ppt/slides/slide42.xml><?xml version="1.0" encoding="utf-8"?>
 <p:sld xmlns:a="http://schemas.openxmlformats.org/drawingml/2006/main" xmlns:r="http://schemas.openxmlformats.org/officeDocument/2006/relationships" xmlns:p="http://schemas.openxmlformats.org/presentationml/2006/main">
   <p:cSld>
@@ -11881,6 +12939,179 @@
           <p:cNvPr id="2" name="标题 1">
             <a:extLst>
               <a:ext uri="{FF2B5EF4-FFF2-40B4-BE49-F238E27FC236}">
+                <a16:creationId xmlns:a16="http://schemas.microsoft.com/office/drawing/2014/main" id="{B107E805-9DBA-43C7-8AE8-A2979E17E3C7}"/>
+              </a:ext>
+            </a:extLst>
+          </p:cNvPr>
+          <p:cNvSpPr>
+            <a:spLocks noGrp="1"/>
+          </p:cNvSpPr>
+          <p:nvPr>
+            <p:ph type="title"/>
+          </p:nvPr>
+        </p:nvSpPr>
+        <p:spPr/>
+        <p:txBody>
+          <a:bodyPr/>
+          <a:lstStyle/>
+          <a:p>
+            <a:r>
+              <a:rPr lang="zh-CN" altLang="en-US" dirty="0">
+                <a:solidFill>
+                  <a:srgbClr val="FF0000"/>
+                </a:solidFill>
+              </a:rPr>
+              <a:t>启示录</a:t>
+            </a:r>
+          </a:p>
+        </p:txBody>
+      </p:sp>
+      <p:sp>
+        <p:nvSpPr>
+          <p:cNvPr id="3" name="内容占位符 2">
+            <a:extLst>
+              <a:ext uri="{FF2B5EF4-FFF2-40B4-BE49-F238E27FC236}">
+                <a16:creationId xmlns:a16="http://schemas.microsoft.com/office/drawing/2014/main" id="{A777B223-B0FE-43B9-904F-2186D72CA727}"/>
+              </a:ext>
+            </a:extLst>
+          </p:cNvPr>
+          <p:cNvSpPr>
+            <a:spLocks noGrp="1"/>
+          </p:cNvSpPr>
+          <p:nvPr>
+            <p:ph idx="1"/>
+          </p:nvPr>
+        </p:nvSpPr>
+        <p:spPr/>
+        <p:txBody>
+          <a:bodyPr/>
+          <a:lstStyle/>
+          <a:p>
+            <a:r>
+              <a:rPr lang="en-US" altLang="zh-CN" dirty="0"/>
+              <a:t>1 Joshua Bloch</a:t>
+            </a:r>
+            <a:r>
+              <a:rPr lang="zh-CN" altLang="en-US" dirty="0"/>
+              <a:t>：</a:t>
+            </a:r>
+            <a:r>
+              <a:rPr lang="en-US" altLang="zh-CN" dirty="0"/>
+              <a:t>Bumper-Sticker API Design</a:t>
+            </a:r>
+          </a:p>
+          <a:p>
+            <a:r>
+              <a:rPr lang="en-US" altLang="zh-CN" dirty="0"/>
+              <a:t>2 OOD</a:t>
+            </a:r>
+            <a:r>
+              <a:rPr lang="zh-CN" altLang="en-US" dirty="0"/>
+              <a:t>经验原则总结</a:t>
+            </a:r>
+            <a:endParaRPr lang="en-US" altLang="zh-CN" dirty="0"/>
+          </a:p>
+          <a:p>
+            <a:r>
+              <a:rPr lang="en-US" altLang="zh-CN" dirty="0"/>
+              <a:t>3 GRASP-RDD</a:t>
+            </a:r>
+          </a:p>
+          <a:p>
+            <a:r>
+              <a:rPr lang="en-US" altLang="zh-CN" dirty="0"/>
+              <a:t>4 A checklist for design reviews</a:t>
+            </a:r>
+          </a:p>
+          <a:p>
+            <a:r>
+              <a:rPr lang="en-US" altLang="zh-CN" dirty="0"/>
+              <a:t>5 John </a:t>
+            </a:r>
+            <a:r>
+              <a:rPr lang="en-US" altLang="zh-CN" dirty="0" err="1"/>
+              <a:t>Ousterhout</a:t>
+            </a:r>
+            <a:r>
+              <a:rPr lang="en-US" altLang="zh-CN" dirty="0"/>
+              <a:t> :</a:t>
+            </a:r>
+            <a:r>
+              <a:rPr lang="zh-CN" altLang="en-US" dirty="0"/>
+              <a:t> 软件设计哲学原则</a:t>
+            </a:r>
+            <a:endParaRPr lang="en-US" altLang="zh-CN" dirty="0"/>
+          </a:p>
+          <a:p>
+            <a:r>
+              <a:rPr lang="en-US" altLang="zh-CN" dirty="0"/>
+              <a:t>6 Bruce Eckel</a:t>
+            </a:r>
+            <a:r>
+              <a:rPr lang="zh-CN" altLang="en-US" dirty="0"/>
+              <a:t>：</a:t>
+            </a:r>
+            <a:r>
+              <a:rPr lang="en-US" altLang="zh-CN" dirty="0"/>
+              <a:t>On Java 8</a:t>
+            </a:r>
+            <a:r>
+              <a:rPr lang="zh-CN" altLang="en-US" dirty="0"/>
+              <a:t>编程指南</a:t>
+            </a:r>
+            <a:endParaRPr lang="en-US" altLang="zh-CN" dirty="0"/>
+          </a:p>
+          <a:p>
+            <a:r>
+              <a:rPr lang="en-US" altLang="zh-CN" dirty="0"/>
+              <a:t>7 </a:t>
+            </a:r>
+            <a:r>
+              <a:rPr lang="zh-CN" altLang="en-US" dirty="0"/>
+              <a:t>设计模式</a:t>
+            </a:r>
+            <a:r>
+              <a:rPr lang="en-US" altLang="zh-CN" dirty="0"/>
+              <a:t>checklist</a:t>
+            </a:r>
+          </a:p>
+        </p:txBody>
+      </p:sp>
+    </p:spTree>
+    <p:extLst>
+      <p:ext uri="{BB962C8B-B14F-4D97-AF65-F5344CB8AC3E}">
+        <p14:creationId xmlns:p14="http://schemas.microsoft.com/office/powerpoint/2010/main" val="713303749"/>
+      </p:ext>
+    </p:extLst>
+  </p:cSld>
+  <p:clrMapOvr>
+    <a:masterClrMapping/>
+  </p:clrMapOvr>
+</p:sld>
+</file>
+
+<file path=ppt/slides/slide43.xml><?xml version="1.0" encoding="utf-8"?>
+<p:sld xmlns:a="http://schemas.openxmlformats.org/drawingml/2006/main" xmlns:r="http://schemas.openxmlformats.org/officeDocument/2006/relationships" xmlns:p="http://schemas.openxmlformats.org/presentationml/2006/main">
+  <p:cSld>
+    <p:spTree>
+      <p:nvGrpSpPr>
+        <p:cNvPr id="1" name=""/>
+        <p:cNvGrpSpPr/>
+        <p:nvPr/>
+      </p:nvGrpSpPr>
+      <p:grpSpPr>
+        <a:xfrm>
+          <a:off x="0" y="0"/>
+          <a:ext cx="0" cy="0"/>
+          <a:chOff x="0" y="0"/>
+          <a:chExt cx="0" cy="0"/>
+        </a:xfrm>
+      </p:grpSpPr>
+      <p:sp>
+        <p:nvSpPr>
+          <p:cNvPr id="2" name="标题 1">
+            <a:extLst>
+              <a:ext uri="{FF2B5EF4-FFF2-40B4-BE49-F238E27FC236}">
                 <a16:creationId xmlns:a16="http://schemas.microsoft.com/office/drawing/2014/main" id="{B40C3411-10DC-4A33-B173-1901755EE9FF}"/>
               </a:ext>
             </a:extLst>
@@ -11936,6 +13167,14 @@
             <a:r>
               <a:rPr lang="zh-CN" altLang="en-US" dirty="0"/>
               <a:t>面向对象分析与设计第三版</a:t>
+            </a:r>
+            <a:r>
+              <a:rPr lang="en-US" altLang="zh-CN" dirty="0"/>
+              <a:t>-Grady </a:t>
+            </a:r>
+            <a:r>
+              <a:rPr lang="en-US" altLang="zh-CN" dirty="0" err="1"/>
+              <a:t>Booch</a:t>
             </a:r>
             <a:endParaRPr lang="en-US" altLang="zh-CN" dirty="0"/>
           </a:p>
@@ -12002,7 +13241,7 @@
 </p:sld>
 </file>
 
-<file path=ppt/slides/slide43.xml><?xml version="1.0" encoding="utf-8"?>
+<file path=ppt/slides/slide44.xml><?xml version="1.0" encoding="utf-8"?>
 <p:sld xmlns:a="http://schemas.openxmlformats.org/drawingml/2006/main" xmlns:r="http://schemas.openxmlformats.org/officeDocument/2006/relationships" xmlns:p="http://schemas.openxmlformats.org/presentationml/2006/main">
   <p:cSld>
     <p:spTree>
